--- a/Movie Recommendation Systems.pptx
+++ b/Movie Recommendation Systems.pptx
@@ -114,6 +114,11 @@
       </a:defRPr>
     </a:lvl9pPr>
   </p:defaultTextStyle>
+  <p:extLst>
+    <p:ext uri="{EFAFB233-063F-42B5-8137-9DF3F51BA10A}">
+      <p15:sldGuideLst xmlns:p15="http://schemas.microsoft.com/office/powerpoint/2012/main"/>
+    </p:ext>
+  </p:extLst>
 </p:presentation>
 </file>
 
@@ -399,7 +404,7 @@
           <a:p>
             <a:fld id="{12F13438-500E-4236-BBEA-EC67F23236E9}" type="datetimeFigureOut">
               <a:rPr lang="en-US" smtClean="0"/>
-              <a:t>11/29/2021</a:t>
+              <a:t>11/30/2021</a:t>
             </a:fld>
             <a:endParaRPr lang="en-US"/>
           </a:p>
@@ -597,7 +602,7 @@
           <a:p>
             <a:fld id="{12F13438-500E-4236-BBEA-EC67F23236E9}" type="datetimeFigureOut">
               <a:rPr lang="en-US" smtClean="0"/>
-              <a:t>11/29/2021</a:t>
+              <a:t>11/30/2021</a:t>
             </a:fld>
             <a:endParaRPr lang="en-US"/>
           </a:p>
@@ -805,7 +810,7 @@
           <a:p>
             <a:fld id="{12F13438-500E-4236-BBEA-EC67F23236E9}" type="datetimeFigureOut">
               <a:rPr lang="en-US" smtClean="0"/>
-              <a:t>11/29/2021</a:t>
+              <a:t>11/30/2021</a:t>
             </a:fld>
             <a:endParaRPr lang="en-US"/>
           </a:p>
@@ -1476,7 +1481,7 @@
           <a:p>
             <a:fld id="{12F13438-500E-4236-BBEA-EC67F23236E9}" type="datetimeFigureOut">
               <a:rPr lang="en-US" smtClean="0"/>
-              <a:t>11/29/2021</a:t>
+              <a:t>11/30/2021</a:t>
             </a:fld>
             <a:endParaRPr lang="en-US"/>
           </a:p>
@@ -1751,7 +1756,7 @@
           <a:p>
             <a:fld id="{12F13438-500E-4236-BBEA-EC67F23236E9}" type="datetimeFigureOut">
               <a:rPr lang="en-US" smtClean="0"/>
-              <a:t>11/29/2021</a:t>
+              <a:t>11/30/2021</a:t>
             </a:fld>
             <a:endParaRPr lang="en-US"/>
           </a:p>
@@ -2016,7 +2021,7 @@
           <a:p>
             <a:fld id="{12F13438-500E-4236-BBEA-EC67F23236E9}" type="datetimeFigureOut">
               <a:rPr lang="en-US" smtClean="0"/>
-              <a:t>11/29/2021</a:t>
+              <a:t>11/30/2021</a:t>
             </a:fld>
             <a:endParaRPr lang="en-US"/>
           </a:p>
@@ -2428,7 +2433,7 @@
           <a:p>
             <a:fld id="{12F13438-500E-4236-BBEA-EC67F23236E9}" type="datetimeFigureOut">
               <a:rPr lang="en-US" smtClean="0"/>
-              <a:t>11/29/2021</a:t>
+              <a:t>11/30/2021</a:t>
             </a:fld>
             <a:endParaRPr lang="en-US"/>
           </a:p>
@@ -2569,7 +2574,7 @@
           <a:p>
             <a:fld id="{12F13438-500E-4236-BBEA-EC67F23236E9}" type="datetimeFigureOut">
               <a:rPr lang="en-US" smtClean="0"/>
-              <a:t>11/29/2021</a:t>
+              <a:t>11/30/2021</a:t>
             </a:fld>
             <a:endParaRPr lang="en-US"/>
           </a:p>
@@ -2682,7 +2687,7 @@
           <a:p>
             <a:fld id="{12F13438-500E-4236-BBEA-EC67F23236E9}" type="datetimeFigureOut">
               <a:rPr lang="en-US" smtClean="0"/>
-              <a:t>11/29/2021</a:t>
+              <a:t>11/30/2021</a:t>
             </a:fld>
             <a:endParaRPr lang="en-US"/>
           </a:p>
@@ -2993,7 +2998,7 @@
           <a:p>
             <a:fld id="{12F13438-500E-4236-BBEA-EC67F23236E9}" type="datetimeFigureOut">
               <a:rPr lang="en-US" smtClean="0"/>
-              <a:t>11/29/2021</a:t>
+              <a:t>11/30/2021</a:t>
             </a:fld>
             <a:endParaRPr lang="en-US"/>
           </a:p>
@@ -3281,7 +3286,7 @@
           <a:p>
             <a:fld id="{12F13438-500E-4236-BBEA-EC67F23236E9}" type="datetimeFigureOut">
               <a:rPr lang="en-US" smtClean="0"/>
-              <a:t>11/29/2021</a:t>
+              <a:t>11/30/2021</a:t>
             </a:fld>
             <a:endParaRPr lang="en-US"/>
           </a:p>
@@ -3522,7 +3527,7 @@
           <a:p>
             <a:fld id="{12F13438-500E-4236-BBEA-EC67F23236E9}" type="datetimeFigureOut">
               <a:rPr lang="en-US" smtClean="0"/>
-              <a:t>11/29/2021</a:t>
+              <a:t>11/30/2021</a:t>
             </a:fld>
             <a:endParaRPr lang="en-US"/>
           </a:p>
@@ -4110,8 +4115,8 @@
           </a:p>
         </p:txBody>
       </p:sp>
-      <mc:AlternateContent xmlns:mc="http://schemas.openxmlformats.org/markup-compatibility/2006">
-        <mc:Choice xmlns:p14="http://schemas.microsoft.com/office/powerpoint/2010/main" Requires="p14">
+      <mc:AlternateContent xmlns:mc="http://schemas.openxmlformats.org/markup-compatibility/2006" xmlns:p14="http://schemas.microsoft.com/office/powerpoint/2010/main">
+        <mc:Choice Requires="p14">
           <p:contentPart p14:bwMode="auto" r:id="rId2">
             <p14:nvContentPartPr>
               <p14:cNvPr id="14" name="Ink 13">
@@ -4130,7 +4135,7 @@
             </p14:xfrm>
           </p:contentPart>
         </mc:Choice>
-        <mc:Fallback>
+        <mc:Fallback xmlns="">
           <p:pic>
             <p:nvPicPr>
               <p:cNvPr id="14" name="Ink 13">
@@ -4989,15 +4994,33 @@
                                   </p:childTnLst>
                                 </p:cTn>
                               </p:par>
+                            </p:childTnLst>
+                          </p:cTn>
+                        </p:par>
+                      </p:childTnLst>
+                    </p:cTn>
+                  </p:par>
+                  <p:par>
+                    <p:cTn id="9" fill="hold">
+                      <p:stCondLst>
+                        <p:cond delay="indefinite"/>
+                      </p:stCondLst>
+                      <p:childTnLst>
+                        <p:par>
+                          <p:cTn id="10" fill="hold">
+                            <p:stCondLst>
+                              <p:cond delay="0"/>
+                            </p:stCondLst>
+                            <p:childTnLst>
                               <p:par>
-                                <p:cTn id="9" presetID="1" presetClass="entr" presetSubtype="0" fill="hold" nodeType="withEffect">
+                                <p:cTn id="11" presetID="1" presetClass="entr" presetSubtype="0" fill="hold" nodeType="clickEffect">
                                   <p:stCondLst>
                                     <p:cond delay="0"/>
                                   </p:stCondLst>
                                   <p:childTnLst>
                                     <p:set>
                                       <p:cBhvr>
-                                        <p:cTn id="10" dur="1" fill="hold">
+                                        <p:cTn id="12" dur="1" fill="hold">
                                           <p:stCondLst>
                                             <p:cond delay="0"/>
                                           </p:stCondLst>
@@ -5020,15 +5043,33 @@
                                   </p:childTnLst>
                                 </p:cTn>
                               </p:par>
+                            </p:childTnLst>
+                          </p:cTn>
+                        </p:par>
+                      </p:childTnLst>
+                    </p:cTn>
+                  </p:par>
+                  <p:par>
+                    <p:cTn id="13" fill="hold">
+                      <p:stCondLst>
+                        <p:cond delay="indefinite"/>
+                      </p:stCondLst>
+                      <p:childTnLst>
+                        <p:par>
+                          <p:cTn id="14" fill="hold">
+                            <p:stCondLst>
+                              <p:cond delay="0"/>
+                            </p:stCondLst>
+                            <p:childTnLst>
                               <p:par>
-                                <p:cTn id="11" presetID="1" presetClass="entr" presetSubtype="0" fill="hold" nodeType="withEffect">
+                                <p:cTn id="15" presetID="1" presetClass="entr" presetSubtype="0" fill="hold" nodeType="clickEffect">
                                   <p:stCondLst>
                                     <p:cond delay="0"/>
                                   </p:stCondLst>
                                   <p:childTnLst>
                                     <p:set>
                                       <p:cBhvr>
-                                        <p:cTn id="12" dur="1" fill="hold">
+                                        <p:cTn id="16" dur="1" fill="hold">
                                           <p:stCondLst>
                                             <p:cond delay="0"/>
                                           </p:stCondLst>
@@ -5051,15 +5092,33 @@
                                   </p:childTnLst>
                                 </p:cTn>
                               </p:par>
+                            </p:childTnLst>
+                          </p:cTn>
+                        </p:par>
+                      </p:childTnLst>
+                    </p:cTn>
+                  </p:par>
+                  <p:par>
+                    <p:cTn id="17" fill="hold">
+                      <p:stCondLst>
+                        <p:cond delay="indefinite"/>
+                      </p:stCondLst>
+                      <p:childTnLst>
+                        <p:par>
+                          <p:cTn id="18" fill="hold">
+                            <p:stCondLst>
+                              <p:cond delay="0"/>
+                            </p:stCondLst>
+                            <p:childTnLst>
                               <p:par>
-                                <p:cTn id="13" presetID="1" presetClass="entr" presetSubtype="0" fill="hold" nodeType="withEffect">
+                                <p:cTn id="19" presetID="1" presetClass="entr" presetSubtype="0" fill="hold" nodeType="clickEffect">
                                   <p:stCondLst>
                                     <p:cond delay="0"/>
                                   </p:stCondLst>
                                   <p:childTnLst>
                                     <p:set>
                                       <p:cBhvr>
-                                        <p:cTn id="14" dur="1" fill="hold">
+                                        <p:cTn id="20" dur="1" fill="hold">
                                           <p:stCondLst>
                                             <p:cond delay="0"/>
                                           </p:stCondLst>
@@ -5082,15 +5141,33 @@
                                   </p:childTnLst>
                                 </p:cTn>
                               </p:par>
+                            </p:childTnLst>
+                          </p:cTn>
+                        </p:par>
+                      </p:childTnLst>
+                    </p:cTn>
+                  </p:par>
+                  <p:par>
+                    <p:cTn id="21" fill="hold">
+                      <p:stCondLst>
+                        <p:cond delay="indefinite"/>
+                      </p:stCondLst>
+                      <p:childTnLst>
+                        <p:par>
+                          <p:cTn id="22" fill="hold">
+                            <p:stCondLst>
+                              <p:cond delay="0"/>
+                            </p:stCondLst>
+                            <p:childTnLst>
                               <p:par>
-                                <p:cTn id="15" presetID="1" presetClass="entr" presetSubtype="0" fill="hold" nodeType="withEffect">
+                                <p:cTn id="23" presetID="1" presetClass="entr" presetSubtype="0" fill="hold" nodeType="clickEffect">
                                   <p:stCondLst>
                                     <p:cond delay="0"/>
                                   </p:stCondLst>
                                   <p:childTnLst>
                                     <p:set>
                                       <p:cBhvr>
-                                        <p:cTn id="16" dur="1" fill="hold">
+                                        <p:cTn id="24" dur="1" fill="hold">
                                           <p:stCondLst>
                                             <p:cond delay="0"/>
                                           </p:stCondLst>
@@ -5114,14 +5191,14 @@
                                 </p:cTn>
                               </p:par>
                               <p:par>
-                                <p:cTn id="17" presetID="1" presetClass="entr" presetSubtype="0" fill="hold" nodeType="withEffect">
+                                <p:cTn id="25" presetID="1" presetClass="entr" presetSubtype="0" fill="hold" nodeType="withEffect">
                                   <p:stCondLst>
                                     <p:cond delay="0"/>
                                   </p:stCondLst>
                                   <p:childTnLst>
                                     <p:set>
                                       <p:cBhvr>
-                                        <p:cTn id="18" dur="1" fill="hold">
+                                        <p:cTn id="26" dur="1" fill="hold">
                                           <p:stCondLst>
                                             <p:cond delay="0"/>
                                           </p:stCondLst>
@@ -5144,15 +5221,33 @@
                                   </p:childTnLst>
                                 </p:cTn>
                               </p:par>
+                            </p:childTnLst>
+                          </p:cTn>
+                        </p:par>
+                      </p:childTnLst>
+                    </p:cTn>
+                  </p:par>
+                  <p:par>
+                    <p:cTn id="27" fill="hold">
+                      <p:stCondLst>
+                        <p:cond delay="indefinite"/>
+                      </p:stCondLst>
+                      <p:childTnLst>
+                        <p:par>
+                          <p:cTn id="28" fill="hold">
+                            <p:stCondLst>
+                              <p:cond delay="0"/>
+                            </p:stCondLst>
+                            <p:childTnLst>
                               <p:par>
-                                <p:cTn id="19" presetID="1" presetClass="entr" presetSubtype="0" fill="hold" nodeType="withEffect">
+                                <p:cTn id="29" presetID="1" presetClass="entr" presetSubtype="0" fill="hold" nodeType="clickEffect">
                                   <p:stCondLst>
                                     <p:cond delay="0"/>
                                   </p:stCondLst>
                                   <p:childTnLst>
                                     <p:set>
                                       <p:cBhvr>
-                                        <p:cTn id="20" dur="1" fill="hold">
+                                        <p:cTn id="30" dur="1" fill="hold">
                                           <p:stCondLst>
                                             <p:cond delay="0"/>
                                           </p:stCondLst>
@@ -5176,14 +5271,14 @@
                                 </p:cTn>
                               </p:par>
                               <p:par>
-                                <p:cTn id="21" presetID="1" presetClass="entr" presetSubtype="0" fill="hold" nodeType="withEffect">
+                                <p:cTn id="31" presetID="1" presetClass="entr" presetSubtype="0" fill="hold" nodeType="withEffect">
                                   <p:stCondLst>
                                     <p:cond delay="0"/>
                                   </p:stCondLst>
                                   <p:childTnLst>
                                     <p:set>
                                       <p:cBhvr>
-                                        <p:cTn id="22" dur="1" fill="hold">
+                                        <p:cTn id="32" dur="1" fill="hold">
                                           <p:stCondLst>
                                             <p:cond delay="0"/>
                                           </p:stCondLst>
@@ -5207,14 +5302,14 @@
                                 </p:cTn>
                               </p:par>
                               <p:par>
-                                <p:cTn id="23" presetID="1" presetClass="entr" presetSubtype="0" fill="hold" nodeType="withEffect">
+                                <p:cTn id="33" presetID="1" presetClass="entr" presetSubtype="0" fill="hold" nodeType="withEffect">
                                   <p:stCondLst>
                                     <p:cond delay="0"/>
                                   </p:stCondLst>
                                   <p:childTnLst>
                                     <p:set>
                                       <p:cBhvr>
-                                        <p:cTn id="24" dur="1" fill="hold">
+                                        <p:cTn id="34" dur="1" fill="hold">
                                           <p:stCondLst>
                                             <p:cond delay="0"/>
                                           </p:stCondLst>
@@ -5326,8 +5421,8 @@
           </a:p>
         </p:txBody>
       </p:sp>
-      <mc:AlternateContent xmlns:mc="http://schemas.openxmlformats.org/markup-compatibility/2006">
-        <mc:Choice xmlns:p14="http://schemas.microsoft.com/office/powerpoint/2010/main" Requires="p14">
+      <mc:AlternateContent xmlns:mc="http://schemas.openxmlformats.org/markup-compatibility/2006" xmlns:p14="http://schemas.microsoft.com/office/powerpoint/2010/main">
+        <mc:Choice Requires="p14">
           <p:contentPart p14:bwMode="auto" r:id="rId2">
             <p14:nvContentPartPr>
               <p14:cNvPr id="14" name="Ink 13">
@@ -5346,7 +5441,7 @@
             </p14:xfrm>
           </p:contentPart>
         </mc:Choice>
-        <mc:Fallback>
+        <mc:Fallback xmlns="">
           <p:pic>
             <p:nvPicPr>
               <p:cNvPr id="14" name="Ink 13">
@@ -8783,8 +8878,8 @@
           </a:p>
         </p:txBody>
       </p:sp>
-      <mc:AlternateContent xmlns:mc="http://schemas.openxmlformats.org/markup-compatibility/2006">
-        <mc:Choice xmlns:p14="http://schemas.microsoft.com/office/powerpoint/2010/main" Requires="p14">
+      <mc:AlternateContent xmlns:mc="http://schemas.openxmlformats.org/markup-compatibility/2006" xmlns:p14="http://schemas.microsoft.com/office/powerpoint/2010/main">
+        <mc:Choice Requires="p14">
           <p:contentPart p14:bwMode="auto" r:id="rId4">
             <p14:nvContentPartPr>
               <p14:cNvPr id="14" name="Ink 13">
@@ -8803,7 +8898,7 @@
             </p14:xfrm>
           </p:contentPart>
         </mc:Choice>
-        <mc:Fallback>
+        <mc:Fallback xmlns="">
           <p:pic>
             <p:nvPicPr>
               <p:cNvPr id="14" name="Ink 13">
@@ -10032,8 +10127,8 @@
           </a:p>
         </p:txBody>
       </p:sp>
-      <mc:AlternateContent xmlns:mc="http://schemas.openxmlformats.org/markup-compatibility/2006">
-        <mc:Choice xmlns:p14="http://schemas.microsoft.com/office/powerpoint/2010/main" Requires="p14">
+      <mc:AlternateContent xmlns:mc="http://schemas.openxmlformats.org/markup-compatibility/2006" xmlns:p14="http://schemas.microsoft.com/office/powerpoint/2010/main">
+        <mc:Choice Requires="p14">
           <p:contentPart p14:bwMode="auto" r:id="rId2">
             <p14:nvContentPartPr>
               <p14:cNvPr id="14" name="Ink 13">
@@ -10052,7 +10147,7 @@
             </p14:xfrm>
           </p:contentPart>
         </mc:Choice>
-        <mc:Fallback>
+        <mc:Fallback xmlns="">
           <p:pic>
             <p:nvPicPr>
               <p:cNvPr id="14" name="Ink 13">
@@ -11224,8 +11319,8 @@
           </a:p>
         </p:txBody>
       </p:sp>
-      <mc:AlternateContent xmlns:mc="http://schemas.openxmlformats.org/markup-compatibility/2006">
-        <mc:Choice xmlns:p14="http://schemas.microsoft.com/office/powerpoint/2010/main" Requires="p14">
+      <mc:AlternateContent xmlns:mc="http://schemas.openxmlformats.org/markup-compatibility/2006" xmlns:p14="http://schemas.microsoft.com/office/powerpoint/2010/main">
+        <mc:Choice Requires="p14">
           <p:contentPart p14:bwMode="auto" r:id="rId2">
             <p14:nvContentPartPr>
               <p14:cNvPr id="14" name="Ink 13">
@@ -11244,7 +11339,7 @@
             </p14:xfrm>
           </p:contentPart>
         </mc:Choice>
-        <mc:Fallback>
+        <mc:Fallback xmlns="">
           <p:pic>
             <p:nvPicPr>
               <p:cNvPr id="14" name="Ink 13">

--- a/Movie Recommendation Systems.pptx
+++ b/Movie Recommendation Systems.pptx
@@ -4,6 +4,9 @@
   <p:sldMasterIdLst>
     <p:sldMasterId id="2147483648" r:id="rId1"/>
   </p:sldMasterIdLst>
+  <p:notesMasterIdLst>
+    <p:notesMasterId r:id="rId17"/>
+  </p:notesMasterIdLst>
   <p:sldIdLst>
     <p:sldId id="256" r:id="rId2"/>
     <p:sldId id="290" r:id="rId3"/>
@@ -16,6 +19,10 @@
     <p:sldId id="297" r:id="rId10"/>
     <p:sldId id="298" r:id="rId11"/>
     <p:sldId id="300" r:id="rId12"/>
+    <p:sldId id="301" r:id="rId13"/>
+    <p:sldId id="302" r:id="rId14"/>
+    <p:sldId id="304" r:id="rId15"/>
+    <p:sldId id="305" r:id="rId16"/>
   </p:sldIdLst>
   <p:sldSz cx="12192000" cy="6858000"/>
   <p:notesSz cx="6858000" cy="9144000"/>
@@ -257,6 +264,355 @@
 </inkml:ink>
 </file>
 
+<file path=ppt/notesMasters/notesMaster1.xml><?xml version="1.0" encoding="utf-8"?>
+<p:notesMaster xmlns:a="http://schemas.openxmlformats.org/drawingml/2006/main" xmlns:r="http://schemas.openxmlformats.org/officeDocument/2006/relationships" xmlns:p="http://schemas.openxmlformats.org/presentationml/2006/main">
+  <p:cSld>
+    <p:bg>
+      <p:bgRef idx="1001">
+        <a:schemeClr val="bg1"/>
+      </p:bgRef>
+    </p:bg>
+    <p:spTree>
+      <p:nvGrpSpPr>
+        <p:cNvPr id="1" name=""/>
+        <p:cNvGrpSpPr/>
+        <p:nvPr/>
+      </p:nvGrpSpPr>
+      <p:grpSpPr>
+        <a:xfrm>
+          <a:off x="0" y="0"/>
+          <a:ext cx="0" cy="0"/>
+          <a:chOff x="0" y="0"/>
+          <a:chExt cx="0" cy="0"/>
+        </a:xfrm>
+      </p:grpSpPr>
+      <p:sp>
+        <p:nvSpPr>
+          <p:cNvPr id="2" name="Header Placeholder 1"/>
+          <p:cNvSpPr>
+            <a:spLocks noGrp="1"/>
+          </p:cNvSpPr>
+          <p:nvPr>
+            <p:ph type="hdr" sz="quarter"/>
+          </p:nvPr>
+        </p:nvSpPr>
+        <p:spPr>
+          <a:xfrm>
+            <a:off x="0" y="0"/>
+            <a:ext cx="2971800" cy="458788"/>
+          </a:xfrm>
+          <a:prstGeom prst="rect">
+            <a:avLst/>
+          </a:prstGeom>
+        </p:spPr>
+        <p:txBody>
+          <a:bodyPr vert="horz" lIns="91440" tIns="45720" rIns="91440" bIns="45720" rtlCol="0"/>
+          <a:lstStyle>
+            <a:lvl1pPr algn="l">
+              <a:defRPr sz="1200"/>
+            </a:lvl1pPr>
+          </a:lstStyle>
+          <a:p>
+            <a:endParaRPr lang="en-US"/>
+          </a:p>
+        </p:txBody>
+      </p:sp>
+      <p:sp>
+        <p:nvSpPr>
+          <p:cNvPr id="3" name="Date Placeholder 2"/>
+          <p:cNvSpPr>
+            <a:spLocks noGrp="1"/>
+          </p:cNvSpPr>
+          <p:nvPr>
+            <p:ph type="dt" idx="1"/>
+          </p:nvPr>
+        </p:nvSpPr>
+        <p:spPr>
+          <a:xfrm>
+            <a:off x="3884613" y="0"/>
+            <a:ext cx="2971800" cy="458788"/>
+          </a:xfrm>
+          <a:prstGeom prst="rect">
+            <a:avLst/>
+          </a:prstGeom>
+        </p:spPr>
+        <p:txBody>
+          <a:bodyPr vert="horz" lIns="91440" tIns="45720" rIns="91440" bIns="45720" rtlCol="0"/>
+          <a:lstStyle>
+            <a:lvl1pPr algn="r">
+              <a:defRPr sz="1200"/>
+            </a:lvl1pPr>
+          </a:lstStyle>
+          <a:p>
+            <a:fld id="{73C3CB37-898C-468D-A84E-35A8550D6F23}" type="datetimeFigureOut">
+              <a:rPr lang="en-US" smtClean="0"/>
+              <a:t>11/30/2021</a:t>
+            </a:fld>
+            <a:endParaRPr lang="en-US"/>
+          </a:p>
+        </p:txBody>
+      </p:sp>
+      <p:sp>
+        <p:nvSpPr>
+          <p:cNvPr id="4" name="Slide Image Placeholder 3"/>
+          <p:cNvSpPr>
+            <a:spLocks noGrp="1" noRot="1" noChangeAspect="1"/>
+          </p:cNvSpPr>
+          <p:nvPr>
+            <p:ph type="sldImg" idx="2"/>
+          </p:nvPr>
+        </p:nvSpPr>
+        <p:spPr>
+          <a:xfrm>
+            <a:off x="685800" y="1143000"/>
+            <a:ext cx="5486400" cy="3086100"/>
+          </a:xfrm>
+          <a:prstGeom prst="rect">
+            <a:avLst/>
+          </a:prstGeom>
+          <a:noFill/>
+          <a:ln w="12700">
+            <a:solidFill>
+              <a:prstClr val="black"/>
+            </a:solidFill>
+          </a:ln>
+        </p:spPr>
+        <p:txBody>
+          <a:bodyPr vert="horz" lIns="91440" tIns="45720" rIns="91440" bIns="45720" rtlCol="0" anchor="ctr"/>
+          <a:lstStyle/>
+          <a:p>
+            <a:endParaRPr lang="en-US"/>
+          </a:p>
+        </p:txBody>
+      </p:sp>
+      <p:sp>
+        <p:nvSpPr>
+          <p:cNvPr id="5" name="Notes Placeholder 4"/>
+          <p:cNvSpPr>
+            <a:spLocks noGrp="1"/>
+          </p:cNvSpPr>
+          <p:nvPr>
+            <p:ph type="body" sz="quarter" idx="3"/>
+          </p:nvPr>
+        </p:nvSpPr>
+        <p:spPr>
+          <a:xfrm>
+            <a:off x="685800" y="4400550"/>
+            <a:ext cx="5486400" cy="3600450"/>
+          </a:xfrm>
+          <a:prstGeom prst="rect">
+            <a:avLst/>
+          </a:prstGeom>
+        </p:spPr>
+        <p:txBody>
+          <a:bodyPr vert="horz" lIns="91440" tIns="45720" rIns="91440" bIns="45720" rtlCol="0"/>
+          <a:lstStyle/>
+          <a:p>
+            <a:pPr lvl="0"/>
+            <a:r>
+              <a:rPr lang="en-US"/>
+              <a:t>Edit Master text styles</a:t>
+            </a:r>
+          </a:p>
+          <a:p>
+            <a:pPr lvl="1"/>
+            <a:r>
+              <a:rPr lang="en-US"/>
+              <a:t>Second level</a:t>
+            </a:r>
+          </a:p>
+          <a:p>
+            <a:pPr lvl="2"/>
+            <a:r>
+              <a:rPr lang="en-US"/>
+              <a:t>Third level</a:t>
+            </a:r>
+          </a:p>
+          <a:p>
+            <a:pPr lvl="3"/>
+            <a:r>
+              <a:rPr lang="en-US"/>
+              <a:t>Fourth level</a:t>
+            </a:r>
+          </a:p>
+          <a:p>
+            <a:pPr lvl="4"/>
+            <a:r>
+              <a:rPr lang="en-US"/>
+              <a:t>Fifth level</a:t>
+            </a:r>
+          </a:p>
+        </p:txBody>
+      </p:sp>
+      <p:sp>
+        <p:nvSpPr>
+          <p:cNvPr id="6" name="Footer Placeholder 5"/>
+          <p:cNvSpPr>
+            <a:spLocks noGrp="1"/>
+          </p:cNvSpPr>
+          <p:nvPr>
+            <p:ph type="ftr" sz="quarter" idx="4"/>
+          </p:nvPr>
+        </p:nvSpPr>
+        <p:spPr>
+          <a:xfrm>
+            <a:off x="0" y="8685213"/>
+            <a:ext cx="2971800" cy="458787"/>
+          </a:xfrm>
+          <a:prstGeom prst="rect">
+            <a:avLst/>
+          </a:prstGeom>
+        </p:spPr>
+        <p:txBody>
+          <a:bodyPr vert="horz" lIns="91440" tIns="45720" rIns="91440" bIns="45720" rtlCol="0" anchor="b"/>
+          <a:lstStyle>
+            <a:lvl1pPr algn="l">
+              <a:defRPr sz="1200"/>
+            </a:lvl1pPr>
+          </a:lstStyle>
+          <a:p>
+            <a:endParaRPr lang="en-US"/>
+          </a:p>
+        </p:txBody>
+      </p:sp>
+      <p:sp>
+        <p:nvSpPr>
+          <p:cNvPr id="7" name="Slide Number Placeholder 6"/>
+          <p:cNvSpPr>
+            <a:spLocks noGrp="1"/>
+          </p:cNvSpPr>
+          <p:nvPr>
+            <p:ph type="sldNum" sz="quarter" idx="5"/>
+          </p:nvPr>
+        </p:nvSpPr>
+        <p:spPr>
+          <a:xfrm>
+            <a:off x="3884613" y="8685213"/>
+            <a:ext cx="2971800" cy="458787"/>
+          </a:xfrm>
+          <a:prstGeom prst="rect">
+            <a:avLst/>
+          </a:prstGeom>
+        </p:spPr>
+        <p:txBody>
+          <a:bodyPr vert="horz" lIns="91440" tIns="45720" rIns="91440" bIns="45720" rtlCol="0" anchor="b"/>
+          <a:lstStyle>
+            <a:lvl1pPr algn="r">
+              <a:defRPr sz="1200"/>
+            </a:lvl1pPr>
+          </a:lstStyle>
+          <a:p>
+            <a:fld id="{160A847D-E547-4E2F-9841-118E1E435567}" type="slidenum">
+              <a:rPr lang="en-US" smtClean="0"/>
+              <a:t>‹#›</a:t>
+            </a:fld>
+            <a:endParaRPr lang="en-US"/>
+          </a:p>
+        </p:txBody>
+      </p:sp>
+    </p:spTree>
+    <p:extLst>
+      <p:ext uri="{BB962C8B-B14F-4D97-AF65-F5344CB8AC3E}">
+        <p14:creationId xmlns:p14="http://schemas.microsoft.com/office/powerpoint/2010/main" val="1681073954"/>
+      </p:ext>
+    </p:extLst>
+  </p:cSld>
+  <p:clrMap bg1="lt1" tx1="dk1" bg2="lt2" tx2="dk2" accent1="accent1" accent2="accent2" accent3="accent3" accent4="accent4" accent5="accent5" accent6="accent6" hlink="hlink" folHlink="folHlink"/>
+  <p:notesStyle>
+    <a:lvl1pPr marL="0" algn="l" defTabSz="914400" rtl="0" eaLnBrk="1" latinLnBrk="0" hangingPunct="1">
+      <a:defRPr sz="1200" kern="1200">
+        <a:solidFill>
+          <a:schemeClr val="tx1"/>
+        </a:solidFill>
+        <a:latin typeface="+mn-lt"/>
+        <a:ea typeface="+mn-ea"/>
+        <a:cs typeface="+mn-cs"/>
+      </a:defRPr>
+    </a:lvl1pPr>
+    <a:lvl2pPr marL="457200" algn="l" defTabSz="914400" rtl="0" eaLnBrk="1" latinLnBrk="0" hangingPunct="1">
+      <a:defRPr sz="1200" kern="1200">
+        <a:solidFill>
+          <a:schemeClr val="tx1"/>
+        </a:solidFill>
+        <a:latin typeface="+mn-lt"/>
+        <a:ea typeface="+mn-ea"/>
+        <a:cs typeface="+mn-cs"/>
+      </a:defRPr>
+    </a:lvl2pPr>
+    <a:lvl3pPr marL="914400" algn="l" defTabSz="914400" rtl="0" eaLnBrk="1" latinLnBrk="0" hangingPunct="1">
+      <a:defRPr sz="1200" kern="1200">
+        <a:solidFill>
+          <a:schemeClr val="tx1"/>
+        </a:solidFill>
+        <a:latin typeface="+mn-lt"/>
+        <a:ea typeface="+mn-ea"/>
+        <a:cs typeface="+mn-cs"/>
+      </a:defRPr>
+    </a:lvl3pPr>
+    <a:lvl4pPr marL="1371600" algn="l" defTabSz="914400" rtl="0" eaLnBrk="1" latinLnBrk="0" hangingPunct="1">
+      <a:defRPr sz="1200" kern="1200">
+        <a:solidFill>
+          <a:schemeClr val="tx1"/>
+        </a:solidFill>
+        <a:latin typeface="+mn-lt"/>
+        <a:ea typeface="+mn-ea"/>
+        <a:cs typeface="+mn-cs"/>
+      </a:defRPr>
+    </a:lvl4pPr>
+    <a:lvl5pPr marL="1828800" algn="l" defTabSz="914400" rtl="0" eaLnBrk="1" latinLnBrk="0" hangingPunct="1">
+      <a:defRPr sz="1200" kern="1200">
+        <a:solidFill>
+          <a:schemeClr val="tx1"/>
+        </a:solidFill>
+        <a:latin typeface="+mn-lt"/>
+        <a:ea typeface="+mn-ea"/>
+        <a:cs typeface="+mn-cs"/>
+      </a:defRPr>
+    </a:lvl5pPr>
+    <a:lvl6pPr marL="2286000" algn="l" defTabSz="914400" rtl="0" eaLnBrk="1" latinLnBrk="0" hangingPunct="1">
+      <a:defRPr sz="1200" kern="1200">
+        <a:solidFill>
+          <a:schemeClr val="tx1"/>
+        </a:solidFill>
+        <a:latin typeface="+mn-lt"/>
+        <a:ea typeface="+mn-ea"/>
+        <a:cs typeface="+mn-cs"/>
+      </a:defRPr>
+    </a:lvl6pPr>
+    <a:lvl7pPr marL="2743200" algn="l" defTabSz="914400" rtl="0" eaLnBrk="1" latinLnBrk="0" hangingPunct="1">
+      <a:defRPr sz="1200" kern="1200">
+        <a:solidFill>
+          <a:schemeClr val="tx1"/>
+        </a:solidFill>
+        <a:latin typeface="+mn-lt"/>
+        <a:ea typeface="+mn-ea"/>
+        <a:cs typeface="+mn-cs"/>
+      </a:defRPr>
+    </a:lvl7pPr>
+    <a:lvl8pPr marL="3200400" algn="l" defTabSz="914400" rtl="0" eaLnBrk="1" latinLnBrk="0" hangingPunct="1">
+      <a:defRPr sz="1200" kern="1200">
+        <a:solidFill>
+          <a:schemeClr val="tx1"/>
+        </a:solidFill>
+        <a:latin typeface="+mn-lt"/>
+        <a:ea typeface="+mn-ea"/>
+        <a:cs typeface="+mn-cs"/>
+      </a:defRPr>
+    </a:lvl8pPr>
+    <a:lvl9pPr marL="3657600" algn="l" defTabSz="914400" rtl="0" eaLnBrk="1" latinLnBrk="0" hangingPunct="1">
+      <a:defRPr sz="1200" kern="1200">
+        <a:solidFill>
+          <a:schemeClr val="tx1"/>
+        </a:solidFill>
+        <a:latin typeface="+mn-lt"/>
+        <a:ea typeface="+mn-ea"/>
+        <a:cs typeface="+mn-cs"/>
+      </a:defRPr>
+    </a:lvl9pPr>
+  </p:notesStyle>
+</p:notesMaster>
+</file>
+
 <file path=ppt/slideLayouts/slideLayout1.xml><?xml version="1.0" encoding="utf-8"?>
 <p:sldLayout xmlns:a="http://schemas.openxmlformats.org/drawingml/2006/main" xmlns:r="http://schemas.openxmlformats.org/officeDocument/2006/relationships" xmlns:p="http://schemas.openxmlformats.org/presentationml/2006/main" type="title" preserve="1">
   <p:cSld name="Title Slide">
@@ -402,10 +758,6 @@
           <a:bodyPr/>
           <a:lstStyle/>
           <a:p>
-            <a:fld id="{12F13438-500E-4236-BBEA-EC67F23236E9}" type="datetimeFigureOut">
-              <a:rPr lang="en-US" smtClean="0"/>
-              <a:t>11/30/2021</a:t>
-            </a:fld>
             <a:endParaRPr lang="en-US"/>
           </a:p>
         </p:txBody>
@@ -431,7 +783,10 @@
           <a:bodyPr/>
           <a:lstStyle/>
           <a:p>
-            <a:endParaRPr lang="en-US"/>
+            <a:r>
+              <a:rPr lang="en-US"/>
+              <a:t>Slide </a:t>
+            </a:r>
           </a:p>
         </p:txBody>
       </p:sp>
@@ -600,10 +955,6 @@
           <a:bodyPr/>
           <a:lstStyle/>
           <a:p>
-            <a:fld id="{12F13438-500E-4236-BBEA-EC67F23236E9}" type="datetimeFigureOut">
-              <a:rPr lang="en-US" smtClean="0"/>
-              <a:t>11/30/2021</a:t>
-            </a:fld>
             <a:endParaRPr lang="en-US"/>
           </a:p>
         </p:txBody>
@@ -629,7 +980,10 @@
           <a:bodyPr/>
           <a:lstStyle/>
           <a:p>
-            <a:endParaRPr lang="en-US"/>
+            <a:r>
+              <a:rPr lang="en-US"/>
+              <a:t>Slide </a:t>
+            </a:r>
           </a:p>
         </p:txBody>
       </p:sp>
@@ -808,10 +1162,6 @@
           <a:bodyPr/>
           <a:lstStyle/>
           <a:p>
-            <a:fld id="{12F13438-500E-4236-BBEA-EC67F23236E9}" type="datetimeFigureOut">
-              <a:rPr lang="en-US" smtClean="0"/>
-              <a:t>11/30/2021</a:t>
-            </a:fld>
             <a:endParaRPr lang="en-US"/>
           </a:p>
         </p:txBody>
@@ -837,7 +1187,10 @@
           <a:bodyPr/>
           <a:lstStyle/>
           <a:p>
-            <a:endParaRPr lang="en-US"/>
+            <a:r>
+              <a:rPr lang="en-US"/>
+              <a:t>Slide </a:t>
+            </a:r>
           </a:p>
         </p:txBody>
       </p:sp>
@@ -1479,10 +1832,6 @@
           <a:bodyPr/>
           <a:lstStyle/>
           <a:p>
-            <a:fld id="{12F13438-500E-4236-BBEA-EC67F23236E9}" type="datetimeFigureOut">
-              <a:rPr lang="en-US" smtClean="0"/>
-              <a:t>11/30/2021</a:t>
-            </a:fld>
             <a:endParaRPr lang="en-US"/>
           </a:p>
         </p:txBody>
@@ -1508,7 +1857,10 @@
           <a:bodyPr/>
           <a:lstStyle/>
           <a:p>
-            <a:endParaRPr lang="en-US"/>
+            <a:r>
+              <a:rPr lang="en-US"/>
+              <a:t>Slide </a:t>
+            </a:r>
           </a:p>
         </p:txBody>
       </p:sp>
@@ -1754,10 +2106,6 @@
           <a:bodyPr/>
           <a:lstStyle/>
           <a:p>
-            <a:fld id="{12F13438-500E-4236-BBEA-EC67F23236E9}" type="datetimeFigureOut">
-              <a:rPr lang="en-US" smtClean="0"/>
-              <a:t>11/30/2021</a:t>
-            </a:fld>
             <a:endParaRPr lang="en-US"/>
           </a:p>
         </p:txBody>
@@ -1783,7 +2131,10 @@
           <a:bodyPr/>
           <a:lstStyle/>
           <a:p>
-            <a:endParaRPr lang="en-US"/>
+            <a:r>
+              <a:rPr lang="en-US"/>
+              <a:t>Slide </a:t>
+            </a:r>
           </a:p>
         </p:txBody>
       </p:sp>
@@ -2019,10 +2370,6 @@
           <a:bodyPr/>
           <a:lstStyle/>
           <a:p>
-            <a:fld id="{12F13438-500E-4236-BBEA-EC67F23236E9}" type="datetimeFigureOut">
-              <a:rPr lang="en-US" smtClean="0"/>
-              <a:t>11/30/2021</a:t>
-            </a:fld>
             <a:endParaRPr lang="en-US"/>
           </a:p>
         </p:txBody>
@@ -2048,7 +2395,10 @@
           <a:bodyPr/>
           <a:lstStyle/>
           <a:p>
-            <a:endParaRPr lang="en-US"/>
+            <a:r>
+              <a:rPr lang="en-US"/>
+              <a:t>Slide </a:t>
+            </a:r>
           </a:p>
         </p:txBody>
       </p:sp>
@@ -2431,10 +2781,6 @@
           <a:bodyPr/>
           <a:lstStyle/>
           <a:p>
-            <a:fld id="{12F13438-500E-4236-BBEA-EC67F23236E9}" type="datetimeFigureOut">
-              <a:rPr lang="en-US" smtClean="0"/>
-              <a:t>11/30/2021</a:t>
-            </a:fld>
             <a:endParaRPr lang="en-US"/>
           </a:p>
         </p:txBody>
@@ -2460,7 +2806,10 @@
           <a:bodyPr/>
           <a:lstStyle/>
           <a:p>
-            <a:endParaRPr lang="en-US"/>
+            <a:r>
+              <a:rPr lang="en-US"/>
+              <a:t>Slide </a:t>
+            </a:r>
           </a:p>
         </p:txBody>
       </p:sp>
@@ -2572,10 +2921,6 @@
           <a:bodyPr/>
           <a:lstStyle/>
           <a:p>
-            <a:fld id="{12F13438-500E-4236-BBEA-EC67F23236E9}" type="datetimeFigureOut">
-              <a:rPr lang="en-US" smtClean="0"/>
-              <a:t>11/30/2021</a:t>
-            </a:fld>
             <a:endParaRPr lang="en-US"/>
           </a:p>
         </p:txBody>
@@ -2601,7 +2946,10 @@
           <a:bodyPr/>
           <a:lstStyle/>
           <a:p>
-            <a:endParaRPr lang="en-US"/>
+            <a:r>
+              <a:rPr lang="en-US"/>
+              <a:t>Slide </a:t>
+            </a:r>
           </a:p>
         </p:txBody>
       </p:sp>
@@ -2685,10 +3033,6 @@
           <a:bodyPr/>
           <a:lstStyle/>
           <a:p>
-            <a:fld id="{12F13438-500E-4236-BBEA-EC67F23236E9}" type="datetimeFigureOut">
-              <a:rPr lang="en-US" smtClean="0"/>
-              <a:t>11/30/2021</a:t>
-            </a:fld>
             <a:endParaRPr lang="en-US"/>
           </a:p>
         </p:txBody>
@@ -2714,7 +3058,10 @@
           <a:bodyPr/>
           <a:lstStyle/>
           <a:p>
-            <a:endParaRPr lang="en-US"/>
+            <a:r>
+              <a:rPr lang="en-US"/>
+              <a:t>Slide </a:t>
+            </a:r>
           </a:p>
         </p:txBody>
       </p:sp>
@@ -2996,10 +3343,6 @@
           <a:bodyPr/>
           <a:lstStyle/>
           <a:p>
-            <a:fld id="{12F13438-500E-4236-BBEA-EC67F23236E9}" type="datetimeFigureOut">
-              <a:rPr lang="en-US" smtClean="0"/>
-              <a:t>11/30/2021</a:t>
-            </a:fld>
             <a:endParaRPr lang="en-US"/>
           </a:p>
         </p:txBody>
@@ -3025,7 +3368,10 @@
           <a:bodyPr/>
           <a:lstStyle/>
           <a:p>
-            <a:endParaRPr lang="en-US"/>
+            <a:r>
+              <a:rPr lang="en-US"/>
+              <a:t>Slide </a:t>
+            </a:r>
           </a:p>
         </p:txBody>
       </p:sp>
@@ -3284,10 +3630,6 @@
           <a:bodyPr/>
           <a:lstStyle/>
           <a:p>
-            <a:fld id="{12F13438-500E-4236-BBEA-EC67F23236E9}" type="datetimeFigureOut">
-              <a:rPr lang="en-US" smtClean="0"/>
-              <a:t>11/30/2021</a:t>
-            </a:fld>
             <a:endParaRPr lang="en-US"/>
           </a:p>
         </p:txBody>
@@ -3313,7 +3655,10 @@
           <a:bodyPr/>
           <a:lstStyle/>
           <a:p>
-            <a:endParaRPr lang="en-US"/>
+            <a:r>
+              <a:rPr lang="en-US"/>
+              <a:t>Slide </a:t>
+            </a:r>
           </a:p>
         </p:txBody>
       </p:sp>
@@ -3525,10 +3870,6 @@
             </a:lvl1pPr>
           </a:lstStyle>
           <a:p>
-            <a:fld id="{12F13438-500E-4236-BBEA-EC67F23236E9}" type="datetimeFigureOut">
-              <a:rPr lang="en-US" smtClean="0"/>
-              <a:t>11/30/2021</a:t>
-            </a:fld>
             <a:endParaRPr lang="en-US"/>
           </a:p>
         </p:txBody>
@@ -3572,7 +3913,10 @@
             </a:lvl1pPr>
           </a:lstStyle>
           <a:p>
-            <a:endParaRPr lang="en-US"/>
+            <a:r>
+              <a:rPr lang="en-US"/>
+              <a:t>Slide </a:t>
+            </a:r>
           </a:p>
         </p:txBody>
       </p:sp>
@@ -3645,6 +3989,7 @@
     <p:sldLayoutId id="2147483659" r:id="rId11"/>
     <p:sldLayoutId id="2147483660" r:id="rId12"/>
   </p:sldLayoutIdLst>
+  <p:hf hdr="0" dt="0"/>
   <p:txStyles>
     <p:titleStyle>
       <a:lvl1pPr algn="l" defTabSz="914400" rtl="0" eaLnBrk="1" latinLnBrk="0" hangingPunct="1">
@@ -4112,6 +4457,20 @@
               </a:rPr>
               <a:t>Evaluate the Model 2</a:t>
             </a:r>
+            <a:r>
+              <a:rPr lang="en-US" sz="3000" dirty="0">
+                <a:solidFill>
+                  <a:prstClr val="white"/>
+                </a:solidFill>
+                <a:latin typeface="Century" panose="02040604050505020304" pitchFamily="18" charset="0"/>
+                <a:cs typeface="Times New Roman" panose="02020603050405020304" pitchFamily="18" charset="0"/>
+              </a:rPr>
+              <a:t>			Content Based</a:t>
+            </a:r>
+            <a:endParaRPr lang="en-US" sz="4000" dirty="0">
+              <a:latin typeface="Century" panose="02040604050505020304" pitchFamily="18" charset="0"/>
+              <a:cs typeface="Times New Roman" panose="02020603050405020304" pitchFamily="18" charset="0"/>
+            </a:endParaRPr>
           </a:p>
         </p:txBody>
       </p:sp>
@@ -4542,8 +4901,8 @@
         </p:nvSpPr>
         <p:spPr>
           <a:xfrm>
-            <a:off x="5839180" y="1012464"/>
-            <a:ext cx="6194169" cy="5446369"/>
+            <a:off x="5839180" y="1012465"/>
+            <a:ext cx="6194169" cy="3760704"/>
           </a:xfrm>
           <a:prstGeom prst="rect">
             <a:avLst/>
@@ -4551,7 +4910,7 @@
         </p:spPr>
         <p:txBody>
           <a:bodyPr vert="horz" lIns="91440" tIns="45720" rIns="91440" bIns="45720" rtlCol="0">
-            <a:normAutofit lnSpcReduction="10000"/>
+            <a:normAutofit/>
           </a:bodyPr>
           <a:lstStyle>
             <a:lvl1pPr marL="228600" indent="-228600" algn="l" defTabSz="914400" rtl="0" eaLnBrk="1" latinLnBrk="0" hangingPunct="1">
@@ -4829,56 +5188,6 @@
             </a:endParaRPr>
           </a:p>
           <a:p>
-            <a:endParaRPr lang="en-US" altLang="ja-JP" sz="2200" dirty="0">
-              <a:solidFill>
-                <a:schemeClr val="bg1"/>
-              </a:solidFill>
-              <a:cs typeface="Arial" panose="020B0604020202020204" pitchFamily="34" charset="0"/>
-            </a:endParaRPr>
-          </a:p>
-          <a:p>
-            <a:pPr marL="0" indent="0">
-              <a:buNone/>
-            </a:pPr>
-            <a:r>
-              <a:rPr lang="en-US" altLang="ja-JP" sz="2200" b="1" u="sng" dirty="0">
-                <a:solidFill>
-                  <a:schemeClr val="bg1"/>
-                </a:solidFill>
-                <a:cs typeface="Arial" panose="020B0604020202020204" pitchFamily="34" charset="0"/>
-              </a:rPr>
-              <a:t>Results</a:t>
-            </a:r>
-          </a:p>
-          <a:p>
-            <a:pPr marL="0" indent="0">
-              <a:buNone/>
-            </a:pPr>
-            <a:r>
-              <a:rPr lang="en-US" altLang="ja-JP" sz="2200" dirty="0">
-                <a:solidFill>
-                  <a:schemeClr val="bg1"/>
-                </a:solidFill>
-                <a:cs typeface="Arial" panose="020B0604020202020204" pitchFamily="34" charset="0"/>
-              </a:rPr>
-              <a:t>Correctly Recommended Genres: 	92.3 % </a:t>
-            </a:r>
-          </a:p>
-          <a:p>
-            <a:pPr marL="0" indent="0">
-              <a:buNone/>
-            </a:pPr>
-            <a:r>
-              <a:rPr lang="en-US" altLang="ja-JP" sz="2200" dirty="0">
-                <a:solidFill>
-                  <a:schemeClr val="bg1"/>
-                </a:solidFill>
-                <a:cs typeface="Arial" panose="020B0604020202020204" pitchFamily="34" charset="0"/>
-              </a:rPr>
-              <a:t>Incorrectly Recommended Genres:	7.7 %</a:t>
-            </a:r>
-          </a:p>
-          <a:p>
             <a:pPr marL="0" indent="0">
               <a:buNone/>
             </a:pPr>
@@ -4889,24 +5198,38 @@
               <a:cs typeface="Arial" panose="020B0604020202020204" pitchFamily="34" charset="0"/>
             </a:endParaRPr>
           </a:p>
-          <a:p>
-            <a:endParaRPr lang="en-US" altLang="ja-JP" sz="2200" dirty="0">
-              <a:solidFill>
-                <a:schemeClr val="bg1"/>
-              </a:solidFill>
-              <a:cs typeface="Arial" panose="020B0604020202020204" pitchFamily="34" charset="0"/>
-            </a:endParaRPr>
-          </a:p>
-          <a:p>
-            <a:pPr marL="0" indent="0">
-              <a:buNone/>
-            </a:pPr>
-            <a:endParaRPr lang="en-US" altLang="ja-JP" sz="2200" dirty="0">
-              <a:solidFill>
-                <a:schemeClr val="bg1"/>
-              </a:solidFill>
-              <a:cs typeface="Arial" panose="020B0604020202020204" pitchFamily="34" charset="0"/>
-            </a:endParaRPr>
+        </p:txBody>
+      </p:sp>
+      <p:sp>
+        <p:nvSpPr>
+          <p:cNvPr id="13" name="TextBox 12"/>
+          <p:cNvSpPr txBox="1"/>
+          <p:nvPr/>
+        </p:nvSpPr>
+        <p:spPr>
+          <a:xfrm>
+            <a:off x="11301995" y="6400800"/>
+            <a:ext cx="755904" cy="338554"/>
+          </a:xfrm>
+          <a:prstGeom prst="rect">
+            <a:avLst/>
+          </a:prstGeom>
+          <a:noFill/>
+        </p:spPr>
+        <p:txBody>
+          <a:bodyPr wrap="square" rtlCol="0">
+            <a:spAutoFit/>
+          </a:bodyPr>
+          <a:lstStyle/>
+          <a:p>
+            <a:r>
+              <a:rPr lang="en-US" sz="1600" b="1" dirty="0">
+                <a:solidFill>
+                  <a:schemeClr val="bg1"/>
+                </a:solidFill>
+              </a:rPr>
+              <a:t>Slide 9</a:t>
+            </a:r>
           </a:p>
         </p:txBody>
       </p:sp>
@@ -5227,117 +5550,6 @@
                       </p:childTnLst>
                     </p:cTn>
                   </p:par>
-                  <p:par>
-                    <p:cTn id="27" fill="hold">
-                      <p:stCondLst>
-                        <p:cond delay="indefinite"/>
-                      </p:stCondLst>
-                      <p:childTnLst>
-                        <p:par>
-                          <p:cTn id="28" fill="hold">
-                            <p:stCondLst>
-                              <p:cond delay="0"/>
-                            </p:stCondLst>
-                            <p:childTnLst>
-                              <p:par>
-                                <p:cTn id="29" presetID="1" presetClass="entr" presetSubtype="0" fill="hold" nodeType="clickEffect">
-                                  <p:stCondLst>
-                                    <p:cond delay="0"/>
-                                  </p:stCondLst>
-                                  <p:childTnLst>
-                                    <p:set>
-                                      <p:cBhvr>
-                                        <p:cTn id="30" dur="1" fill="hold">
-                                          <p:stCondLst>
-                                            <p:cond delay="0"/>
-                                          </p:stCondLst>
-                                        </p:cTn>
-                                        <p:tgtEl>
-                                          <p:spTgt spid="18">
-                                            <p:txEl>
-                                              <p:pRg st="7" end="7"/>
-                                            </p:txEl>
-                                          </p:spTgt>
-                                        </p:tgtEl>
-                                        <p:attrNameLst>
-                                          <p:attrName>style.visibility</p:attrName>
-                                        </p:attrNameLst>
-                                      </p:cBhvr>
-                                      <p:to>
-                                        <p:strVal val="visible"/>
-                                      </p:to>
-                                    </p:set>
-                                  </p:childTnLst>
-                                </p:cTn>
-                              </p:par>
-                              <p:par>
-                                <p:cTn id="31" presetID="1" presetClass="entr" presetSubtype="0" fill="hold" nodeType="withEffect">
-                                  <p:stCondLst>
-                                    <p:cond delay="0"/>
-                                  </p:stCondLst>
-                                  <p:childTnLst>
-                                    <p:set>
-                                      <p:cBhvr>
-                                        <p:cTn id="32" dur="1" fill="hold">
-                                          <p:stCondLst>
-                                            <p:cond delay="0"/>
-                                          </p:stCondLst>
-                                        </p:cTn>
-                                        <p:tgtEl>
-                                          <p:spTgt spid="18">
-                                            <p:txEl>
-                                              <p:pRg st="8" end="8"/>
-                                            </p:txEl>
-                                          </p:spTgt>
-                                        </p:tgtEl>
-                                        <p:attrNameLst>
-                                          <p:attrName>style.visibility</p:attrName>
-                                        </p:attrNameLst>
-                                      </p:cBhvr>
-                                      <p:to>
-                                        <p:strVal val="visible"/>
-                                      </p:to>
-                                    </p:set>
-                                  </p:childTnLst>
-                                </p:cTn>
-                              </p:par>
-                              <p:par>
-                                <p:cTn id="33" presetID="1" presetClass="entr" presetSubtype="0" fill="hold" nodeType="withEffect">
-                                  <p:stCondLst>
-                                    <p:cond delay="0"/>
-                                  </p:stCondLst>
-                                  <p:childTnLst>
-                                    <p:set>
-                                      <p:cBhvr>
-                                        <p:cTn id="34" dur="1" fill="hold">
-                                          <p:stCondLst>
-                                            <p:cond delay="0"/>
-                                          </p:stCondLst>
-                                        </p:cTn>
-                                        <p:tgtEl>
-                                          <p:spTgt spid="18">
-                                            <p:txEl>
-                                              <p:pRg st="9" end="9"/>
-                                            </p:txEl>
-                                          </p:spTgt>
-                                        </p:tgtEl>
-                                        <p:attrNameLst>
-                                          <p:attrName>style.visibility</p:attrName>
-                                        </p:attrNameLst>
-                                      </p:cBhvr>
-                                      <p:to>
-                                        <p:strVal val="visible"/>
-                                      </p:to>
-                                    </p:set>
-                                  </p:childTnLst>
-                                </p:cTn>
-                              </p:par>
-                            </p:childTnLst>
-                          </p:cTn>
-                        </p:par>
-                      </p:childTnLst>
-                    </p:cTn>
-                  </p:par>
                 </p:childTnLst>
               </p:cTn>
               <p:prevCondLst>
@@ -5416,8 +5628,22 @@
                 <a:latin typeface="Century" panose="02040604050505020304" pitchFamily="18" charset="0"/>
                 <a:cs typeface="Times New Roman" panose="02020603050405020304" pitchFamily="18" charset="0"/>
               </a:rPr>
-              <a:t>Evaluate the Model 3</a:t>
-            </a:r>
+              <a:t>Results / Conclusions</a:t>
+            </a:r>
+            <a:r>
+              <a:rPr lang="en-US" sz="3000" dirty="0">
+                <a:solidFill>
+                  <a:prstClr val="white"/>
+                </a:solidFill>
+                <a:latin typeface="Century" panose="02040604050505020304" pitchFamily="18" charset="0"/>
+                <a:cs typeface="Times New Roman" panose="02020603050405020304" pitchFamily="18" charset="0"/>
+              </a:rPr>
+              <a:t>			Content Based </a:t>
+            </a:r>
+            <a:endParaRPr lang="en-US" sz="4000" dirty="0">
+              <a:latin typeface="Century" panose="02040604050505020304" pitchFamily="18" charset="0"/>
+              <a:cs typeface="Times New Roman" panose="02020603050405020304" pitchFamily="18" charset="0"/>
+            </a:endParaRPr>
           </a:p>
         </p:txBody>
       </p:sp>
@@ -5765,20 +5991,14 @@
       </p:sp>
       <p:sp>
         <p:nvSpPr>
-          <p:cNvPr id="13" name="TextBox 12">
-            <a:extLst>
-              <a:ext uri="{FF2B5EF4-FFF2-40B4-BE49-F238E27FC236}">
-                <a16:creationId xmlns:a16="http://schemas.microsoft.com/office/drawing/2014/main" id="{7D10F239-30E7-46D0-B0FA-8BDD9B13062D}"/>
-              </a:ext>
-            </a:extLst>
-          </p:cNvPr>
+          <p:cNvPr id="8" name="TextBox 7"/>
           <p:cNvSpPr txBox="1"/>
           <p:nvPr/>
         </p:nvSpPr>
         <p:spPr>
           <a:xfrm>
-            <a:off x="7581519" y="1400221"/>
-            <a:ext cx="2956665" cy="461665"/>
+            <a:off x="11155680" y="6400800"/>
+            <a:ext cx="902219" cy="338554"/>
           </a:xfrm>
           <a:prstGeom prst="rect">
             <a:avLst/>
@@ -5792,13 +6012,1199 @@
           <a:lstStyle/>
           <a:p>
             <a:r>
-              <a:rPr lang="en-US" sz="2400" dirty="0">
+              <a:rPr lang="en-US" sz="1600" b="1" dirty="0">
                 <a:solidFill>
                   <a:schemeClr val="bg1"/>
                 </a:solidFill>
               </a:rPr>
-              <a:t>Evaluate the Model 2</a:t>
-            </a:r>
+              <a:t>Slide 10</a:t>
+            </a:r>
+          </a:p>
+        </p:txBody>
+      </p:sp>
+      <p:graphicFrame>
+        <p:nvGraphicFramePr>
+          <p:cNvPr id="2" name="Table 1"/>
+          <p:cNvGraphicFramePr>
+            <a:graphicFrameLocks noGrp="1"/>
+          </p:cNvGraphicFramePr>
+          <p:nvPr>
+            <p:extLst>
+              <p:ext uri="{D42A27DB-BD31-4B8C-83A1-F6EECF244321}">
+                <p14:modId xmlns:p14="http://schemas.microsoft.com/office/powerpoint/2010/main" val="4075308611"/>
+              </p:ext>
+            </p:extLst>
+          </p:nvPr>
+        </p:nvGraphicFramePr>
+        <p:xfrm>
+          <a:off x="1144609" y="1406945"/>
+          <a:ext cx="9236007" cy="1112520"/>
+        </p:xfrm>
+        <a:graphic>
+          <a:graphicData uri="http://schemas.openxmlformats.org/drawingml/2006/table">
+            <a:tbl>
+              <a:tblPr firstRow="1" bandRow="1">
+                <a:tableStyleId>{5C22544A-7EE6-4342-B048-85BDC9FD1C3A}</a:tableStyleId>
+              </a:tblPr>
+              <a:tblGrid>
+                <a:gridCol w="3078669">
+                  <a:extLst>
+                    <a:ext uri="{9D8B030D-6E8A-4147-A177-3AD203B41FA5}">
+                      <a16:colId xmlns:a16="http://schemas.microsoft.com/office/drawing/2014/main" val="2671996411"/>
+                    </a:ext>
+                  </a:extLst>
+                </a:gridCol>
+                <a:gridCol w="3078669">
+                  <a:extLst>
+                    <a:ext uri="{9D8B030D-6E8A-4147-A177-3AD203B41FA5}">
+                      <a16:colId xmlns:a16="http://schemas.microsoft.com/office/drawing/2014/main" val="325154716"/>
+                    </a:ext>
+                  </a:extLst>
+                </a:gridCol>
+                <a:gridCol w="3078669">
+                  <a:extLst>
+                    <a:ext uri="{9D8B030D-6E8A-4147-A177-3AD203B41FA5}">
+                      <a16:colId xmlns:a16="http://schemas.microsoft.com/office/drawing/2014/main" val="1550966481"/>
+                    </a:ext>
+                  </a:extLst>
+                </a:gridCol>
+              </a:tblGrid>
+              <a:tr h="370840">
+                <a:tc gridSpan="3">
+                  <a:txBody>
+                    <a:bodyPr/>
+                    <a:lstStyle/>
+                    <a:p>
+                      <a:pPr algn="ctr"/>
+                      <a:r>
+                        <a:rPr lang="en-US" dirty="0">
+                          <a:solidFill>
+                            <a:schemeClr val="bg1"/>
+                          </a:solidFill>
+                        </a:rPr>
+                        <a:t>Total Data for Entire</a:t>
+                      </a:r>
+                      <a:r>
+                        <a:rPr lang="en-US" baseline="0" dirty="0">
+                          <a:solidFill>
+                            <a:schemeClr val="bg1"/>
+                          </a:solidFill>
+                        </a:rPr>
+                        <a:t> movies.csv Dataset</a:t>
+                      </a:r>
+                      <a:endParaRPr lang="en-US" dirty="0">
+                        <a:solidFill>
+                          <a:schemeClr val="bg1"/>
+                        </a:solidFill>
+                      </a:endParaRPr>
+                    </a:p>
+                  </a:txBody>
+                  <a:tcPr>
+                    <a:lnL w="12700" cap="flat" cmpd="sng" algn="ctr">
+                      <a:solidFill>
+                        <a:schemeClr val="tx1"/>
+                      </a:solidFill>
+                      <a:prstDash val="solid"/>
+                      <a:round/>
+                      <a:headEnd type="none" w="med" len="med"/>
+                      <a:tailEnd type="none" w="med" len="med"/>
+                    </a:lnL>
+                    <a:lnR w="12700" cap="flat" cmpd="sng" algn="ctr">
+                      <a:solidFill>
+                        <a:schemeClr val="tx1"/>
+                      </a:solidFill>
+                      <a:prstDash val="solid"/>
+                      <a:round/>
+                      <a:headEnd type="none" w="med" len="med"/>
+                      <a:tailEnd type="none" w="med" len="med"/>
+                    </a:lnR>
+                    <a:lnT w="12700" cap="flat" cmpd="sng" algn="ctr">
+                      <a:solidFill>
+                        <a:schemeClr val="tx1"/>
+                      </a:solidFill>
+                      <a:prstDash val="solid"/>
+                      <a:round/>
+                      <a:headEnd type="none" w="med" len="med"/>
+                      <a:tailEnd type="none" w="med" len="med"/>
+                    </a:lnT>
+                    <a:lnB w="12700" cap="flat" cmpd="sng" algn="ctr">
+                      <a:solidFill>
+                        <a:schemeClr val="tx1"/>
+                      </a:solidFill>
+                      <a:prstDash val="solid"/>
+                      <a:round/>
+                      <a:headEnd type="none" w="med" len="med"/>
+                      <a:tailEnd type="none" w="med" len="med"/>
+                    </a:lnB>
+                    <a:lnTlToBr w="12700" cmpd="sng">
+                      <a:noFill/>
+                      <a:prstDash val="solid"/>
+                    </a:lnTlToBr>
+                    <a:lnBlToTr w="12700" cmpd="sng">
+                      <a:noFill/>
+                      <a:prstDash val="solid"/>
+                    </a:lnBlToTr>
+                    <a:solidFill>
+                      <a:schemeClr val="accent6">
+                        <a:lumMod val="50000"/>
+                      </a:schemeClr>
+                    </a:solidFill>
+                  </a:tcPr>
+                </a:tc>
+                <a:tc hMerge="1">
+                  <a:txBody>
+                    <a:bodyPr/>
+                    <a:lstStyle/>
+                    <a:p>
+                      <a:pPr algn="ctr"/>
+                      <a:endParaRPr lang="en-US" dirty="0">
+                        <a:solidFill>
+                          <a:schemeClr val="tx1"/>
+                        </a:solidFill>
+                      </a:endParaRPr>
+                    </a:p>
+                  </a:txBody>
+                  <a:tcPr>
+                    <a:lnL w="12700" cap="flat" cmpd="sng" algn="ctr">
+                      <a:solidFill>
+                        <a:schemeClr val="tx1"/>
+                      </a:solidFill>
+                      <a:prstDash val="solid"/>
+                      <a:round/>
+                      <a:headEnd type="none" w="med" len="med"/>
+                      <a:tailEnd type="none" w="med" len="med"/>
+                    </a:lnL>
+                    <a:lnR w="12700" cap="flat" cmpd="sng" algn="ctr">
+                      <a:solidFill>
+                        <a:schemeClr val="tx1"/>
+                      </a:solidFill>
+                      <a:prstDash val="solid"/>
+                      <a:round/>
+                      <a:headEnd type="none" w="med" len="med"/>
+                      <a:tailEnd type="none" w="med" len="med"/>
+                    </a:lnR>
+                    <a:lnT w="12700" cap="flat" cmpd="sng" algn="ctr">
+                      <a:solidFill>
+                        <a:schemeClr val="tx1"/>
+                      </a:solidFill>
+                      <a:prstDash val="solid"/>
+                      <a:round/>
+                      <a:headEnd type="none" w="med" len="med"/>
+                      <a:tailEnd type="none" w="med" len="med"/>
+                    </a:lnT>
+                    <a:lnB w="12700" cap="flat" cmpd="sng" algn="ctr">
+                      <a:solidFill>
+                        <a:schemeClr val="tx1"/>
+                      </a:solidFill>
+                      <a:prstDash val="solid"/>
+                      <a:round/>
+                      <a:headEnd type="none" w="med" len="med"/>
+                      <a:tailEnd type="none" w="med" len="med"/>
+                    </a:lnB>
+                    <a:lnTlToBr w="12700" cmpd="sng">
+                      <a:noFill/>
+                      <a:prstDash val="solid"/>
+                    </a:lnTlToBr>
+                    <a:lnBlToTr w="12700" cmpd="sng">
+                      <a:noFill/>
+                      <a:prstDash val="solid"/>
+                    </a:lnBlToTr>
+                    <a:solidFill>
+                      <a:schemeClr val="accent6">
+                        <a:lumMod val="40000"/>
+                        <a:lumOff val="60000"/>
+                      </a:schemeClr>
+                    </a:solidFill>
+                  </a:tcPr>
+                </a:tc>
+                <a:tc hMerge="1">
+                  <a:txBody>
+                    <a:bodyPr/>
+                    <a:lstStyle/>
+                    <a:p>
+                      <a:pPr algn="ctr"/>
+                      <a:endParaRPr lang="en-US" dirty="0">
+                        <a:solidFill>
+                          <a:schemeClr val="tx1"/>
+                        </a:solidFill>
+                      </a:endParaRPr>
+                    </a:p>
+                  </a:txBody>
+                  <a:tcPr>
+                    <a:lnL w="12700" cap="flat" cmpd="sng" algn="ctr">
+                      <a:solidFill>
+                        <a:schemeClr val="tx1"/>
+                      </a:solidFill>
+                      <a:prstDash val="solid"/>
+                      <a:round/>
+                      <a:headEnd type="none" w="med" len="med"/>
+                      <a:tailEnd type="none" w="med" len="med"/>
+                    </a:lnL>
+                    <a:lnR w="12700" cap="flat" cmpd="sng" algn="ctr">
+                      <a:solidFill>
+                        <a:schemeClr val="tx1"/>
+                      </a:solidFill>
+                      <a:prstDash val="solid"/>
+                      <a:round/>
+                      <a:headEnd type="none" w="med" len="med"/>
+                      <a:tailEnd type="none" w="med" len="med"/>
+                    </a:lnR>
+                    <a:lnT w="12700" cap="flat" cmpd="sng" algn="ctr">
+                      <a:solidFill>
+                        <a:schemeClr val="tx1"/>
+                      </a:solidFill>
+                      <a:prstDash val="solid"/>
+                      <a:round/>
+                      <a:headEnd type="none" w="med" len="med"/>
+                      <a:tailEnd type="none" w="med" len="med"/>
+                    </a:lnT>
+                    <a:lnB w="12700" cap="flat" cmpd="sng" algn="ctr">
+                      <a:solidFill>
+                        <a:schemeClr val="tx1"/>
+                      </a:solidFill>
+                      <a:prstDash val="solid"/>
+                      <a:round/>
+                      <a:headEnd type="none" w="med" len="med"/>
+                      <a:tailEnd type="none" w="med" len="med"/>
+                    </a:lnB>
+                    <a:lnTlToBr w="12700" cmpd="sng">
+                      <a:noFill/>
+                      <a:prstDash val="solid"/>
+                    </a:lnTlToBr>
+                    <a:lnBlToTr w="12700" cmpd="sng">
+                      <a:noFill/>
+                      <a:prstDash val="solid"/>
+                    </a:lnBlToTr>
+                    <a:solidFill>
+                      <a:schemeClr val="accent6">
+                        <a:lumMod val="40000"/>
+                        <a:lumOff val="60000"/>
+                      </a:schemeClr>
+                    </a:solidFill>
+                  </a:tcPr>
+                </a:tc>
+                <a:extLst>
+                  <a:ext uri="{0D108BD9-81ED-4DB2-BD59-A6C34878D82A}">
+                    <a16:rowId xmlns:a16="http://schemas.microsoft.com/office/drawing/2014/main" val="63932876"/>
+                  </a:ext>
+                </a:extLst>
+              </a:tr>
+              <a:tr h="370840">
+                <a:tc>
+                  <a:txBody>
+                    <a:bodyPr/>
+                    <a:lstStyle/>
+                    <a:p>
+                      <a:pPr algn="ctr"/>
+                      <a:r>
+                        <a:rPr lang="en-US" b="1" dirty="0">
+                          <a:solidFill>
+                            <a:schemeClr val="tx1"/>
+                          </a:solidFill>
+                        </a:rPr>
+                        <a:t>Number of Genres</a:t>
+                      </a:r>
+                    </a:p>
+                  </a:txBody>
+                  <a:tcPr>
+                    <a:lnL w="12700" cap="flat" cmpd="sng" algn="ctr">
+                      <a:solidFill>
+                        <a:schemeClr val="tx1"/>
+                      </a:solidFill>
+                      <a:prstDash val="solid"/>
+                      <a:round/>
+                      <a:headEnd type="none" w="med" len="med"/>
+                      <a:tailEnd type="none" w="med" len="med"/>
+                    </a:lnL>
+                    <a:lnR w="12700" cap="flat" cmpd="sng" algn="ctr">
+                      <a:solidFill>
+                        <a:schemeClr val="tx1"/>
+                      </a:solidFill>
+                      <a:prstDash val="solid"/>
+                      <a:round/>
+                      <a:headEnd type="none" w="med" len="med"/>
+                      <a:tailEnd type="none" w="med" len="med"/>
+                    </a:lnR>
+                    <a:lnT w="12700" cap="flat" cmpd="sng" algn="ctr">
+                      <a:solidFill>
+                        <a:schemeClr val="tx1"/>
+                      </a:solidFill>
+                      <a:prstDash val="solid"/>
+                      <a:round/>
+                      <a:headEnd type="none" w="med" len="med"/>
+                      <a:tailEnd type="none" w="med" len="med"/>
+                    </a:lnT>
+                    <a:lnB w="12700" cap="flat" cmpd="sng" algn="ctr">
+                      <a:solidFill>
+                        <a:schemeClr val="tx1"/>
+                      </a:solidFill>
+                      <a:prstDash val="solid"/>
+                      <a:round/>
+                      <a:headEnd type="none" w="med" len="med"/>
+                      <a:tailEnd type="none" w="med" len="med"/>
+                    </a:lnB>
+                    <a:lnTlToBr w="12700" cmpd="sng">
+                      <a:noFill/>
+                      <a:prstDash val="solid"/>
+                    </a:lnTlToBr>
+                    <a:lnBlToTr w="12700" cmpd="sng">
+                      <a:noFill/>
+                      <a:prstDash val="solid"/>
+                    </a:lnBlToTr>
+                    <a:solidFill>
+                      <a:schemeClr val="accent6">
+                        <a:lumMod val="40000"/>
+                        <a:lumOff val="60000"/>
+                      </a:schemeClr>
+                    </a:solidFill>
+                  </a:tcPr>
+                </a:tc>
+                <a:tc>
+                  <a:txBody>
+                    <a:bodyPr/>
+                    <a:lstStyle/>
+                    <a:p>
+                      <a:pPr algn="ctr"/>
+                      <a:r>
+                        <a:rPr lang="en-US" b="1" dirty="0">
+                          <a:solidFill>
+                            <a:schemeClr val="tx1"/>
+                          </a:solidFill>
+                        </a:rPr>
+                        <a:t>Number Correctly Predicted</a:t>
+                      </a:r>
+                    </a:p>
+                  </a:txBody>
+                  <a:tcPr>
+                    <a:lnL w="12700" cap="flat" cmpd="sng" algn="ctr">
+                      <a:solidFill>
+                        <a:schemeClr val="tx1"/>
+                      </a:solidFill>
+                      <a:prstDash val="solid"/>
+                      <a:round/>
+                      <a:headEnd type="none" w="med" len="med"/>
+                      <a:tailEnd type="none" w="med" len="med"/>
+                    </a:lnL>
+                    <a:lnR w="12700" cap="flat" cmpd="sng" algn="ctr">
+                      <a:solidFill>
+                        <a:schemeClr val="tx1"/>
+                      </a:solidFill>
+                      <a:prstDash val="solid"/>
+                      <a:round/>
+                      <a:headEnd type="none" w="med" len="med"/>
+                      <a:tailEnd type="none" w="med" len="med"/>
+                    </a:lnR>
+                    <a:lnT w="12700" cap="flat" cmpd="sng" algn="ctr">
+                      <a:solidFill>
+                        <a:schemeClr val="tx1"/>
+                      </a:solidFill>
+                      <a:prstDash val="solid"/>
+                      <a:round/>
+                      <a:headEnd type="none" w="med" len="med"/>
+                      <a:tailEnd type="none" w="med" len="med"/>
+                    </a:lnT>
+                    <a:lnB w="12700" cap="flat" cmpd="sng" algn="ctr">
+                      <a:solidFill>
+                        <a:schemeClr val="tx1"/>
+                      </a:solidFill>
+                      <a:prstDash val="solid"/>
+                      <a:round/>
+                      <a:headEnd type="none" w="med" len="med"/>
+                      <a:tailEnd type="none" w="med" len="med"/>
+                    </a:lnB>
+                    <a:lnTlToBr w="12700" cmpd="sng">
+                      <a:noFill/>
+                      <a:prstDash val="solid"/>
+                    </a:lnTlToBr>
+                    <a:lnBlToTr w="12700" cmpd="sng">
+                      <a:noFill/>
+                      <a:prstDash val="solid"/>
+                    </a:lnBlToTr>
+                    <a:solidFill>
+                      <a:schemeClr val="accent6">
+                        <a:lumMod val="40000"/>
+                        <a:lumOff val="60000"/>
+                      </a:schemeClr>
+                    </a:solidFill>
+                  </a:tcPr>
+                </a:tc>
+                <a:tc>
+                  <a:txBody>
+                    <a:bodyPr/>
+                    <a:lstStyle/>
+                    <a:p>
+                      <a:pPr algn="ctr"/>
+                      <a:r>
+                        <a:rPr lang="en-US" b="1" dirty="0">
+                          <a:solidFill>
+                            <a:schemeClr val="tx1"/>
+                          </a:solidFill>
+                        </a:rPr>
+                        <a:t>Number Incorrectly</a:t>
+                      </a:r>
+                      <a:r>
+                        <a:rPr lang="en-US" b="1" baseline="0" dirty="0">
+                          <a:solidFill>
+                            <a:schemeClr val="tx1"/>
+                          </a:solidFill>
+                        </a:rPr>
+                        <a:t> Predicted</a:t>
+                      </a:r>
+                      <a:endParaRPr lang="en-US" b="1" dirty="0">
+                        <a:solidFill>
+                          <a:schemeClr val="tx1"/>
+                        </a:solidFill>
+                      </a:endParaRPr>
+                    </a:p>
+                  </a:txBody>
+                  <a:tcPr>
+                    <a:lnL w="12700" cap="flat" cmpd="sng" algn="ctr">
+                      <a:solidFill>
+                        <a:schemeClr val="tx1"/>
+                      </a:solidFill>
+                      <a:prstDash val="solid"/>
+                      <a:round/>
+                      <a:headEnd type="none" w="med" len="med"/>
+                      <a:tailEnd type="none" w="med" len="med"/>
+                    </a:lnL>
+                    <a:lnR w="12700" cap="flat" cmpd="sng" algn="ctr">
+                      <a:solidFill>
+                        <a:schemeClr val="tx1"/>
+                      </a:solidFill>
+                      <a:prstDash val="solid"/>
+                      <a:round/>
+                      <a:headEnd type="none" w="med" len="med"/>
+                      <a:tailEnd type="none" w="med" len="med"/>
+                    </a:lnR>
+                    <a:lnT w="12700" cap="flat" cmpd="sng" algn="ctr">
+                      <a:solidFill>
+                        <a:schemeClr val="tx1"/>
+                      </a:solidFill>
+                      <a:prstDash val="solid"/>
+                      <a:round/>
+                      <a:headEnd type="none" w="med" len="med"/>
+                      <a:tailEnd type="none" w="med" len="med"/>
+                    </a:lnT>
+                    <a:lnB w="12700" cap="flat" cmpd="sng" algn="ctr">
+                      <a:solidFill>
+                        <a:schemeClr val="tx1"/>
+                      </a:solidFill>
+                      <a:prstDash val="solid"/>
+                      <a:round/>
+                      <a:headEnd type="none" w="med" len="med"/>
+                      <a:tailEnd type="none" w="med" len="med"/>
+                    </a:lnB>
+                    <a:lnTlToBr w="12700" cmpd="sng">
+                      <a:noFill/>
+                      <a:prstDash val="solid"/>
+                    </a:lnTlToBr>
+                    <a:lnBlToTr w="12700" cmpd="sng">
+                      <a:noFill/>
+                      <a:prstDash val="solid"/>
+                    </a:lnBlToTr>
+                    <a:solidFill>
+                      <a:schemeClr val="accent6">
+                        <a:lumMod val="40000"/>
+                        <a:lumOff val="60000"/>
+                      </a:schemeClr>
+                    </a:solidFill>
+                  </a:tcPr>
+                </a:tc>
+                <a:extLst>
+                  <a:ext uri="{0D108BD9-81ED-4DB2-BD59-A6C34878D82A}">
+                    <a16:rowId xmlns:a16="http://schemas.microsoft.com/office/drawing/2014/main" val="3419289201"/>
+                  </a:ext>
+                </a:extLst>
+              </a:tr>
+              <a:tr h="370840">
+                <a:tc>
+                  <a:txBody>
+                    <a:bodyPr/>
+                    <a:lstStyle/>
+                    <a:p>
+                      <a:pPr algn="ctr"/>
+                      <a:r>
+                        <a:rPr lang="en-US" b="1" dirty="0">
+                          <a:solidFill>
+                            <a:schemeClr val="tx1"/>
+                          </a:solidFill>
+                        </a:rPr>
+                        <a:t>24,318</a:t>
+                      </a:r>
+                    </a:p>
+                  </a:txBody>
+                  <a:tcPr>
+                    <a:lnL w="12700" cap="flat" cmpd="sng" algn="ctr">
+                      <a:solidFill>
+                        <a:schemeClr val="tx1"/>
+                      </a:solidFill>
+                      <a:prstDash val="solid"/>
+                      <a:round/>
+                      <a:headEnd type="none" w="med" len="med"/>
+                      <a:tailEnd type="none" w="med" len="med"/>
+                    </a:lnL>
+                    <a:lnR w="12700" cap="flat" cmpd="sng" algn="ctr">
+                      <a:solidFill>
+                        <a:schemeClr val="tx1"/>
+                      </a:solidFill>
+                      <a:prstDash val="solid"/>
+                      <a:round/>
+                      <a:headEnd type="none" w="med" len="med"/>
+                      <a:tailEnd type="none" w="med" len="med"/>
+                    </a:lnR>
+                    <a:lnT w="12700" cap="flat" cmpd="sng" algn="ctr">
+                      <a:solidFill>
+                        <a:schemeClr val="tx1"/>
+                      </a:solidFill>
+                      <a:prstDash val="solid"/>
+                      <a:round/>
+                      <a:headEnd type="none" w="med" len="med"/>
+                      <a:tailEnd type="none" w="med" len="med"/>
+                    </a:lnT>
+                    <a:lnB w="12700" cap="flat" cmpd="sng" algn="ctr">
+                      <a:solidFill>
+                        <a:schemeClr val="tx1"/>
+                      </a:solidFill>
+                      <a:prstDash val="solid"/>
+                      <a:round/>
+                      <a:headEnd type="none" w="med" len="med"/>
+                      <a:tailEnd type="none" w="med" len="med"/>
+                    </a:lnB>
+                    <a:lnTlToBr w="12700" cmpd="sng">
+                      <a:noFill/>
+                      <a:prstDash val="solid"/>
+                    </a:lnTlToBr>
+                    <a:lnBlToTr w="12700" cmpd="sng">
+                      <a:noFill/>
+                      <a:prstDash val="solid"/>
+                    </a:lnBlToTr>
+                    <a:solidFill>
+                      <a:schemeClr val="bg1"/>
+                    </a:solidFill>
+                  </a:tcPr>
+                </a:tc>
+                <a:tc>
+                  <a:txBody>
+                    <a:bodyPr/>
+                    <a:lstStyle/>
+                    <a:p>
+                      <a:pPr algn="ctr"/>
+                      <a:r>
+                        <a:rPr lang="en-US" b="1" dirty="0">
+                          <a:solidFill>
+                            <a:schemeClr val="tx1"/>
+                          </a:solidFill>
+                        </a:rPr>
+                        <a:t>22,447 (92.3%)</a:t>
+                      </a:r>
+                    </a:p>
+                  </a:txBody>
+                  <a:tcPr>
+                    <a:lnL w="12700" cap="flat" cmpd="sng" algn="ctr">
+                      <a:solidFill>
+                        <a:schemeClr val="tx1"/>
+                      </a:solidFill>
+                      <a:prstDash val="solid"/>
+                      <a:round/>
+                      <a:headEnd type="none" w="med" len="med"/>
+                      <a:tailEnd type="none" w="med" len="med"/>
+                    </a:lnL>
+                    <a:lnR w="12700" cap="flat" cmpd="sng" algn="ctr">
+                      <a:solidFill>
+                        <a:schemeClr val="tx1"/>
+                      </a:solidFill>
+                      <a:prstDash val="solid"/>
+                      <a:round/>
+                      <a:headEnd type="none" w="med" len="med"/>
+                      <a:tailEnd type="none" w="med" len="med"/>
+                    </a:lnR>
+                    <a:lnT w="12700" cap="flat" cmpd="sng" algn="ctr">
+                      <a:solidFill>
+                        <a:schemeClr val="tx1"/>
+                      </a:solidFill>
+                      <a:prstDash val="solid"/>
+                      <a:round/>
+                      <a:headEnd type="none" w="med" len="med"/>
+                      <a:tailEnd type="none" w="med" len="med"/>
+                    </a:lnT>
+                    <a:lnB w="12700" cap="flat" cmpd="sng" algn="ctr">
+                      <a:solidFill>
+                        <a:schemeClr val="tx1"/>
+                      </a:solidFill>
+                      <a:prstDash val="solid"/>
+                      <a:round/>
+                      <a:headEnd type="none" w="med" len="med"/>
+                      <a:tailEnd type="none" w="med" len="med"/>
+                    </a:lnB>
+                    <a:lnTlToBr w="12700" cmpd="sng">
+                      <a:noFill/>
+                      <a:prstDash val="solid"/>
+                    </a:lnTlToBr>
+                    <a:lnBlToTr w="12700" cmpd="sng">
+                      <a:noFill/>
+                      <a:prstDash val="solid"/>
+                    </a:lnBlToTr>
+                    <a:solidFill>
+                      <a:schemeClr val="bg1"/>
+                    </a:solidFill>
+                  </a:tcPr>
+                </a:tc>
+                <a:tc>
+                  <a:txBody>
+                    <a:bodyPr/>
+                    <a:lstStyle/>
+                    <a:p>
+                      <a:pPr algn="ctr"/>
+                      <a:r>
+                        <a:rPr lang="en-US" b="1" dirty="0">
+                          <a:solidFill>
+                            <a:schemeClr val="tx1"/>
+                          </a:solidFill>
+                        </a:rPr>
+                        <a:t>1,871 (7.7%)</a:t>
+                      </a:r>
+                    </a:p>
+                  </a:txBody>
+                  <a:tcPr>
+                    <a:lnL w="12700" cap="flat" cmpd="sng" algn="ctr">
+                      <a:solidFill>
+                        <a:schemeClr val="tx1"/>
+                      </a:solidFill>
+                      <a:prstDash val="solid"/>
+                      <a:round/>
+                      <a:headEnd type="none" w="med" len="med"/>
+                      <a:tailEnd type="none" w="med" len="med"/>
+                    </a:lnL>
+                    <a:lnR w="12700" cap="flat" cmpd="sng" algn="ctr">
+                      <a:solidFill>
+                        <a:schemeClr val="tx1"/>
+                      </a:solidFill>
+                      <a:prstDash val="solid"/>
+                      <a:round/>
+                      <a:headEnd type="none" w="med" len="med"/>
+                      <a:tailEnd type="none" w="med" len="med"/>
+                    </a:lnR>
+                    <a:lnT w="12700" cap="flat" cmpd="sng" algn="ctr">
+                      <a:solidFill>
+                        <a:schemeClr val="tx1"/>
+                      </a:solidFill>
+                      <a:prstDash val="solid"/>
+                      <a:round/>
+                      <a:headEnd type="none" w="med" len="med"/>
+                      <a:tailEnd type="none" w="med" len="med"/>
+                    </a:lnT>
+                    <a:lnB w="12700" cap="flat" cmpd="sng" algn="ctr">
+                      <a:solidFill>
+                        <a:schemeClr val="tx1"/>
+                      </a:solidFill>
+                      <a:prstDash val="solid"/>
+                      <a:round/>
+                      <a:headEnd type="none" w="med" len="med"/>
+                      <a:tailEnd type="none" w="med" len="med"/>
+                    </a:lnB>
+                    <a:lnTlToBr w="12700" cmpd="sng">
+                      <a:noFill/>
+                      <a:prstDash val="solid"/>
+                    </a:lnTlToBr>
+                    <a:lnBlToTr w="12700" cmpd="sng">
+                      <a:noFill/>
+                      <a:prstDash val="solid"/>
+                    </a:lnBlToTr>
+                    <a:solidFill>
+                      <a:schemeClr val="bg1"/>
+                    </a:solidFill>
+                  </a:tcPr>
+                </a:tc>
+                <a:extLst>
+                  <a:ext uri="{0D108BD9-81ED-4DB2-BD59-A6C34878D82A}">
+                    <a16:rowId xmlns:a16="http://schemas.microsoft.com/office/drawing/2014/main" val="4164148045"/>
+                  </a:ext>
+                </a:extLst>
+              </a:tr>
+            </a:tbl>
+          </a:graphicData>
+        </a:graphic>
+      </p:graphicFrame>
+      <p:sp>
+        <p:nvSpPr>
+          <p:cNvPr id="16" name="Content Placeholder 17">
+            <a:extLst>
+              <a:ext uri="{FF2B5EF4-FFF2-40B4-BE49-F238E27FC236}">
+                <a16:creationId xmlns:a16="http://schemas.microsoft.com/office/drawing/2014/main" id="{AC1CB768-8AAB-4F6B-AD16-2C8330F0FF53}"/>
+              </a:ext>
+            </a:extLst>
+          </p:cNvPr>
+          <p:cNvSpPr txBox="1">
+            <a:spLocks/>
+          </p:cNvSpPr>
+          <p:nvPr/>
+        </p:nvSpPr>
+        <p:spPr>
+          <a:xfrm>
+            <a:off x="299601" y="2763766"/>
+            <a:ext cx="11436081" cy="611667"/>
+          </a:xfrm>
+          <a:prstGeom prst="rect">
+            <a:avLst/>
+          </a:prstGeom>
+        </p:spPr>
+        <p:txBody>
+          <a:bodyPr vert="horz" lIns="91440" tIns="45720" rIns="91440" bIns="45720" rtlCol="0">
+            <a:normAutofit/>
+          </a:bodyPr>
+          <a:lstStyle>
+            <a:lvl1pPr marL="228600" indent="-228600" algn="l" defTabSz="914400" rtl="0" eaLnBrk="1" latinLnBrk="0" hangingPunct="1">
+              <a:lnSpc>
+                <a:spcPct val="90000"/>
+              </a:lnSpc>
+              <a:spcBef>
+                <a:spcPts val="1000"/>
+              </a:spcBef>
+              <a:buFont typeface="Arial" panose="020B0604020202020204" pitchFamily="34" charset="0"/>
+              <a:buChar char="•"/>
+              <a:defRPr sz="2800" kern="1200">
+                <a:solidFill>
+                  <a:schemeClr val="tx1"/>
+                </a:solidFill>
+                <a:latin typeface="+mn-lt"/>
+                <a:ea typeface="+mn-ea"/>
+                <a:cs typeface="+mn-cs"/>
+              </a:defRPr>
+            </a:lvl1pPr>
+            <a:lvl2pPr marL="685800" indent="-228600" algn="l" defTabSz="914400" rtl="0" eaLnBrk="1" latinLnBrk="0" hangingPunct="1">
+              <a:lnSpc>
+                <a:spcPct val="90000"/>
+              </a:lnSpc>
+              <a:spcBef>
+                <a:spcPts val="500"/>
+              </a:spcBef>
+              <a:buFont typeface="Arial" panose="020B0604020202020204" pitchFamily="34" charset="0"/>
+              <a:buChar char="•"/>
+              <a:defRPr sz="2400" kern="1200">
+                <a:solidFill>
+                  <a:schemeClr val="tx1"/>
+                </a:solidFill>
+                <a:latin typeface="+mn-lt"/>
+                <a:ea typeface="+mn-ea"/>
+                <a:cs typeface="+mn-cs"/>
+              </a:defRPr>
+            </a:lvl2pPr>
+            <a:lvl3pPr marL="1143000" indent="-228600" algn="l" defTabSz="914400" rtl="0" eaLnBrk="1" latinLnBrk="0" hangingPunct="1">
+              <a:lnSpc>
+                <a:spcPct val="90000"/>
+              </a:lnSpc>
+              <a:spcBef>
+                <a:spcPts val="500"/>
+              </a:spcBef>
+              <a:buFont typeface="Arial" panose="020B0604020202020204" pitchFamily="34" charset="0"/>
+              <a:buChar char="•"/>
+              <a:defRPr sz="2000" kern="1200">
+                <a:solidFill>
+                  <a:schemeClr val="tx1"/>
+                </a:solidFill>
+                <a:latin typeface="+mn-lt"/>
+                <a:ea typeface="+mn-ea"/>
+                <a:cs typeface="+mn-cs"/>
+              </a:defRPr>
+            </a:lvl3pPr>
+            <a:lvl4pPr marL="1600200" indent="-228600" algn="l" defTabSz="914400" rtl="0" eaLnBrk="1" latinLnBrk="0" hangingPunct="1">
+              <a:lnSpc>
+                <a:spcPct val="90000"/>
+              </a:lnSpc>
+              <a:spcBef>
+                <a:spcPts val="500"/>
+              </a:spcBef>
+              <a:buFont typeface="Arial" panose="020B0604020202020204" pitchFamily="34" charset="0"/>
+              <a:buChar char="•"/>
+              <a:defRPr sz="1800" kern="1200">
+                <a:solidFill>
+                  <a:schemeClr val="tx1"/>
+                </a:solidFill>
+                <a:latin typeface="+mn-lt"/>
+                <a:ea typeface="+mn-ea"/>
+                <a:cs typeface="+mn-cs"/>
+              </a:defRPr>
+            </a:lvl4pPr>
+            <a:lvl5pPr marL="2057400" indent="-228600" algn="l" defTabSz="914400" rtl="0" eaLnBrk="1" latinLnBrk="0" hangingPunct="1">
+              <a:lnSpc>
+                <a:spcPct val="90000"/>
+              </a:lnSpc>
+              <a:spcBef>
+                <a:spcPts val="500"/>
+              </a:spcBef>
+              <a:buFont typeface="Arial" panose="020B0604020202020204" pitchFamily="34" charset="0"/>
+              <a:buChar char="•"/>
+              <a:defRPr sz="1800" kern="1200">
+                <a:solidFill>
+                  <a:schemeClr val="tx1"/>
+                </a:solidFill>
+                <a:latin typeface="+mn-lt"/>
+                <a:ea typeface="+mn-ea"/>
+                <a:cs typeface="+mn-cs"/>
+              </a:defRPr>
+            </a:lvl5pPr>
+            <a:lvl6pPr marL="2514600" indent="-228600" algn="l" defTabSz="914400" rtl="0" eaLnBrk="1" latinLnBrk="0" hangingPunct="1">
+              <a:lnSpc>
+                <a:spcPct val="90000"/>
+              </a:lnSpc>
+              <a:spcBef>
+                <a:spcPts val="500"/>
+              </a:spcBef>
+              <a:buFont typeface="Arial" panose="020B0604020202020204" pitchFamily="34" charset="0"/>
+              <a:buChar char="•"/>
+              <a:defRPr sz="1800" kern="1200">
+                <a:solidFill>
+                  <a:schemeClr val="tx1"/>
+                </a:solidFill>
+                <a:latin typeface="+mn-lt"/>
+                <a:ea typeface="+mn-ea"/>
+                <a:cs typeface="+mn-cs"/>
+              </a:defRPr>
+            </a:lvl6pPr>
+            <a:lvl7pPr marL="2971800" indent="-228600" algn="l" defTabSz="914400" rtl="0" eaLnBrk="1" latinLnBrk="0" hangingPunct="1">
+              <a:lnSpc>
+                <a:spcPct val="90000"/>
+              </a:lnSpc>
+              <a:spcBef>
+                <a:spcPts val="500"/>
+              </a:spcBef>
+              <a:buFont typeface="Arial" panose="020B0604020202020204" pitchFamily="34" charset="0"/>
+              <a:buChar char="•"/>
+              <a:defRPr sz="1800" kern="1200">
+                <a:solidFill>
+                  <a:schemeClr val="tx1"/>
+                </a:solidFill>
+                <a:latin typeface="+mn-lt"/>
+                <a:ea typeface="+mn-ea"/>
+                <a:cs typeface="+mn-cs"/>
+              </a:defRPr>
+            </a:lvl7pPr>
+            <a:lvl8pPr marL="3429000" indent="-228600" algn="l" defTabSz="914400" rtl="0" eaLnBrk="1" latinLnBrk="0" hangingPunct="1">
+              <a:lnSpc>
+                <a:spcPct val="90000"/>
+              </a:lnSpc>
+              <a:spcBef>
+                <a:spcPts val="500"/>
+              </a:spcBef>
+              <a:buFont typeface="Arial" panose="020B0604020202020204" pitchFamily="34" charset="0"/>
+              <a:buChar char="•"/>
+              <a:defRPr sz="1800" kern="1200">
+                <a:solidFill>
+                  <a:schemeClr val="tx1"/>
+                </a:solidFill>
+                <a:latin typeface="+mn-lt"/>
+                <a:ea typeface="+mn-ea"/>
+                <a:cs typeface="+mn-cs"/>
+              </a:defRPr>
+            </a:lvl8pPr>
+            <a:lvl9pPr marL="3886200" indent="-228600" algn="l" defTabSz="914400" rtl="0" eaLnBrk="1" latinLnBrk="0" hangingPunct="1">
+              <a:lnSpc>
+                <a:spcPct val="90000"/>
+              </a:lnSpc>
+              <a:spcBef>
+                <a:spcPts val="500"/>
+              </a:spcBef>
+              <a:buFont typeface="Arial" panose="020B0604020202020204" pitchFamily="34" charset="0"/>
+              <a:buChar char="•"/>
+              <a:defRPr sz="1800" kern="1200">
+                <a:solidFill>
+                  <a:schemeClr val="tx1"/>
+                </a:solidFill>
+                <a:latin typeface="+mn-lt"/>
+                <a:ea typeface="+mn-ea"/>
+                <a:cs typeface="+mn-cs"/>
+              </a:defRPr>
+            </a:lvl9pPr>
+          </a:lstStyle>
+          <a:p>
+            <a:pPr marL="0" indent="0" algn="ctr">
+              <a:buNone/>
+            </a:pPr>
+            <a:r>
+              <a:rPr lang="en-US" altLang="ja-JP" b="1" u="sng" dirty="0">
+                <a:solidFill>
+                  <a:schemeClr val="bg1"/>
+                </a:solidFill>
+                <a:cs typeface="Arial" panose="020B0604020202020204" pitchFamily="34" charset="0"/>
+              </a:rPr>
+              <a:t>Conclusions</a:t>
+            </a:r>
+          </a:p>
+          <a:p>
+            <a:pPr marL="0" indent="0" algn="ctr">
+              <a:buNone/>
+            </a:pPr>
+            <a:endParaRPr lang="en-US" altLang="ja-JP" b="1" dirty="0">
+              <a:solidFill>
+                <a:schemeClr val="bg1"/>
+              </a:solidFill>
+              <a:cs typeface="Arial" panose="020B0604020202020204" pitchFamily="34" charset="0"/>
+            </a:endParaRPr>
+          </a:p>
+        </p:txBody>
+      </p:sp>
+      <p:sp>
+        <p:nvSpPr>
+          <p:cNvPr id="17" name="Content Placeholder 17">
+            <a:extLst>
+              <a:ext uri="{FF2B5EF4-FFF2-40B4-BE49-F238E27FC236}">
+                <a16:creationId xmlns:a16="http://schemas.microsoft.com/office/drawing/2014/main" id="{AC1CB768-8AAB-4F6B-AD16-2C8330F0FF53}"/>
+              </a:ext>
+            </a:extLst>
+          </p:cNvPr>
+          <p:cNvSpPr txBox="1">
+            <a:spLocks/>
+          </p:cNvSpPr>
+          <p:nvPr/>
+        </p:nvSpPr>
+        <p:spPr>
+          <a:xfrm>
+            <a:off x="373987" y="3255877"/>
+            <a:ext cx="11436081" cy="3294097"/>
+          </a:xfrm>
+          <a:prstGeom prst="rect">
+            <a:avLst/>
+          </a:prstGeom>
+        </p:spPr>
+        <p:txBody>
+          <a:bodyPr vert="horz" lIns="91440" tIns="45720" rIns="91440" bIns="45720" rtlCol="0">
+            <a:normAutofit/>
+          </a:bodyPr>
+          <a:lstStyle>
+            <a:lvl1pPr marL="228600" indent="-228600" algn="l" defTabSz="914400" rtl="0" eaLnBrk="1" latinLnBrk="0" hangingPunct="1">
+              <a:lnSpc>
+                <a:spcPct val="90000"/>
+              </a:lnSpc>
+              <a:spcBef>
+                <a:spcPts val="1000"/>
+              </a:spcBef>
+              <a:buFont typeface="Arial" panose="020B0604020202020204" pitchFamily="34" charset="0"/>
+              <a:buChar char="•"/>
+              <a:defRPr sz="2800" kern="1200">
+                <a:solidFill>
+                  <a:schemeClr val="tx1"/>
+                </a:solidFill>
+                <a:latin typeface="+mn-lt"/>
+                <a:ea typeface="+mn-ea"/>
+                <a:cs typeface="+mn-cs"/>
+              </a:defRPr>
+            </a:lvl1pPr>
+            <a:lvl2pPr marL="685800" indent="-228600" algn="l" defTabSz="914400" rtl="0" eaLnBrk="1" latinLnBrk="0" hangingPunct="1">
+              <a:lnSpc>
+                <a:spcPct val="90000"/>
+              </a:lnSpc>
+              <a:spcBef>
+                <a:spcPts val="500"/>
+              </a:spcBef>
+              <a:buFont typeface="Arial" panose="020B0604020202020204" pitchFamily="34" charset="0"/>
+              <a:buChar char="•"/>
+              <a:defRPr sz="2400" kern="1200">
+                <a:solidFill>
+                  <a:schemeClr val="tx1"/>
+                </a:solidFill>
+                <a:latin typeface="+mn-lt"/>
+                <a:ea typeface="+mn-ea"/>
+                <a:cs typeface="+mn-cs"/>
+              </a:defRPr>
+            </a:lvl2pPr>
+            <a:lvl3pPr marL="1143000" indent="-228600" algn="l" defTabSz="914400" rtl="0" eaLnBrk="1" latinLnBrk="0" hangingPunct="1">
+              <a:lnSpc>
+                <a:spcPct val="90000"/>
+              </a:lnSpc>
+              <a:spcBef>
+                <a:spcPts val="500"/>
+              </a:spcBef>
+              <a:buFont typeface="Arial" panose="020B0604020202020204" pitchFamily="34" charset="0"/>
+              <a:buChar char="•"/>
+              <a:defRPr sz="2000" kern="1200">
+                <a:solidFill>
+                  <a:schemeClr val="tx1"/>
+                </a:solidFill>
+                <a:latin typeface="+mn-lt"/>
+                <a:ea typeface="+mn-ea"/>
+                <a:cs typeface="+mn-cs"/>
+              </a:defRPr>
+            </a:lvl3pPr>
+            <a:lvl4pPr marL="1600200" indent="-228600" algn="l" defTabSz="914400" rtl="0" eaLnBrk="1" latinLnBrk="0" hangingPunct="1">
+              <a:lnSpc>
+                <a:spcPct val="90000"/>
+              </a:lnSpc>
+              <a:spcBef>
+                <a:spcPts val="500"/>
+              </a:spcBef>
+              <a:buFont typeface="Arial" panose="020B0604020202020204" pitchFamily="34" charset="0"/>
+              <a:buChar char="•"/>
+              <a:defRPr sz="1800" kern="1200">
+                <a:solidFill>
+                  <a:schemeClr val="tx1"/>
+                </a:solidFill>
+                <a:latin typeface="+mn-lt"/>
+                <a:ea typeface="+mn-ea"/>
+                <a:cs typeface="+mn-cs"/>
+              </a:defRPr>
+            </a:lvl4pPr>
+            <a:lvl5pPr marL="2057400" indent="-228600" algn="l" defTabSz="914400" rtl="0" eaLnBrk="1" latinLnBrk="0" hangingPunct="1">
+              <a:lnSpc>
+                <a:spcPct val="90000"/>
+              </a:lnSpc>
+              <a:spcBef>
+                <a:spcPts val="500"/>
+              </a:spcBef>
+              <a:buFont typeface="Arial" panose="020B0604020202020204" pitchFamily="34" charset="0"/>
+              <a:buChar char="•"/>
+              <a:defRPr sz="1800" kern="1200">
+                <a:solidFill>
+                  <a:schemeClr val="tx1"/>
+                </a:solidFill>
+                <a:latin typeface="+mn-lt"/>
+                <a:ea typeface="+mn-ea"/>
+                <a:cs typeface="+mn-cs"/>
+              </a:defRPr>
+            </a:lvl5pPr>
+            <a:lvl6pPr marL="2514600" indent="-228600" algn="l" defTabSz="914400" rtl="0" eaLnBrk="1" latinLnBrk="0" hangingPunct="1">
+              <a:lnSpc>
+                <a:spcPct val="90000"/>
+              </a:lnSpc>
+              <a:spcBef>
+                <a:spcPts val="500"/>
+              </a:spcBef>
+              <a:buFont typeface="Arial" panose="020B0604020202020204" pitchFamily="34" charset="0"/>
+              <a:buChar char="•"/>
+              <a:defRPr sz="1800" kern="1200">
+                <a:solidFill>
+                  <a:schemeClr val="tx1"/>
+                </a:solidFill>
+                <a:latin typeface="+mn-lt"/>
+                <a:ea typeface="+mn-ea"/>
+                <a:cs typeface="+mn-cs"/>
+              </a:defRPr>
+            </a:lvl6pPr>
+            <a:lvl7pPr marL="2971800" indent="-228600" algn="l" defTabSz="914400" rtl="0" eaLnBrk="1" latinLnBrk="0" hangingPunct="1">
+              <a:lnSpc>
+                <a:spcPct val="90000"/>
+              </a:lnSpc>
+              <a:spcBef>
+                <a:spcPts val="500"/>
+              </a:spcBef>
+              <a:buFont typeface="Arial" panose="020B0604020202020204" pitchFamily="34" charset="0"/>
+              <a:buChar char="•"/>
+              <a:defRPr sz="1800" kern="1200">
+                <a:solidFill>
+                  <a:schemeClr val="tx1"/>
+                </a:solidFill>
+                <a:latin typeface="+mn-lt"/>
+                <a:ea typeface="+mn-ea"/>
+                <a:cs typeface="+mn-cs"/>
+              </a:defRPr>
+            </a:lvl7pPr>
+            <a:lvl8pPr marL="3429000" indent="-228600" algn="l" defTabSz="914400" rtl="0" eaLnBrk="1" latinLnBrk="0" hangingPunct="1">
+              <a:lnSpc>
+                <a:spcPct val="90000"/>
+              </a:lnSpc>
+              <a:spcBef>
+                <a:spcPts val="500"/>
+              </a:spcBef>
+              <a:buFont typeface="Arial" panose="020B0604020202020204" pitchFamily="34" charset="0"/>
+              <a:buChar char="•"/>
+              <a:defRPr sz="1800" kern="1200">
+                <a:solidFill>
+                  <a:schemeClr val="tx1"/>
+                </a:solidFill>
+                <a:latin typeface="+mn-lt"/>
+                <a:ea typeface="+mn-ea"/>
+                <a:cs typeface="+mn-cs"/>
+              </a:defRPr>
+            </a:lvl8pPr>
+            <a:lvl9pPr marL="3886200" indent="-228600" algn="l" defTabSz="914400" rtl="0" eaLnBrk="1" latinLnBrk="0" hangingPunct="1">
+              <a:lnSpc>
+                <a:spcPct val="90000"/>
+              </a:lnSpc>
+              <a:spcBef>
+                <a:spcPts val="500"/>
+              </a:spcBef>
+              <a:buFont typeface="Arial" panose="020B0604020202020204" pitchFamily="34" charset="0"/>
+              <a:buChar char="•"/>
+              <a:defRPr sz="1800" kern="1200">
+                <a:solidFill>
+                  <a:schemeClr val="tx1"/>
+                </a:solidFill>
+                <a:latin typeface="+mn-lt"/>
+                <a:ea typeface="+mn-ea"/>
+                <a:cs typeface="+mn-cs"/>
+              </a:defRPr>
+            </a:lvl9pPr>
+          </a:lstStyle>
+          <a:p>
+            <a:r>
+              <a:rPr lang="en-US" altLang="ja-JP" sz="2400" dirty="0">
+                <a:solidFill>
+                  <a:schemeClr val="bg1"/>
+                </a:solidFill>
+                <a:cs typeface="Arial" panose="020B0604020202020204" pitchFamily="34" charset="0"/>
+              </a:rPr>
+              <a:t>Like mentioned earlier, since this is an </a:t>
+            </a:r>
+            <a:r>
+              <a:rPr lang="en-US" altLang="ja-JP" sz="2400" b="1" dirty="0">
+                <a:solidFill>
+                  <a:schemeClr val="bg1"/>
+                </a:solidFill>
+                <a:cs typeface="Arial" panose="020B0604020202020204" pitchFamily="34" charset="0"/>
+              </a:rPr>
+              <a:t>Unsupervised Machine Learning Model</a:t>
+            </a:r>
+            <a:r>
+              <a:rPr lang="en-US" altLang="ja-JP" sz="2400" dirty="0">
+                <a:solidFill>
+                  <a:schemeClr val="bg1"/>
+                </a:solidFill>
+                <a:cs typeface="Arial" panose="020B0604020202020204" pitchFamily="34" charset="0"/>
+              </a:rPr>
+              <a:t> it is very difficult to evaluate the successfulness of it. </a:t>
+            </a:r>
+          </a:p>
+          <a:p>
+            <a:pPr lvl="1"/>
+            <a:r>
+              <a:rPr lang="en-US" altLang="ja-JP" sz="2000" dirty="0">
+                <a:solidFill>
+                  <a:schemeClr val="bg1"/>
+                </a:solidFill>
+                <a:cs typeface="Arial" panose="020B0604020202020204" pitchFamily="34" charset="0"/>
+              </a:rPr>
+              <a:t>There are no real “correct” recommendations so it is impossible to get an R-score or any other objective metrics</a:t>
+            </a:r>
+          </a:p>
+          <a:p>
+            <a:r>
+              <a:rPr lang="en-US" altLang="ja-JP" sz="2400" dirty="0">
+                <a:solidFill>
+                  <a:schemeClr val="bg1"/>
+                </a:solidFill>
+                <a:cs typeface="Arial" panose="020B0604020202020204" pitchFamily="34" charset="0"/>
+              </a:rPr>
+              <a:t>This method of evaluating the predicted movies’ genres match the base movie genre is not the only possible way to evaluate the model but it is an effective way to judge the model </a:t>
+            </a:r>
+          </a:p>
+          <a:p>
+            <a:pPr lvl="1"/>
+            <a:r>
+              <a:rPr lang="en-US" altLang="ja-JP" sz="2000" dirty="0">
+                <a:solidFill>
+                  <a:schemeClr val="bg1"/>
+                </a:solidFill>
+                <a:cs typeface="Arial" panose="020B0604020202020204" pitchFamily="34" charset="0"/>
+              </a:rPr>
+              <a:t>Using this model to evaluate the recommendation system the Content Based Recommendation System proves to be very effective at predicting movies with matching genres with a 92% success rate</a:t>
+            </a:r>
+          </a:p>
+          <a:p>
+            <a:endParaRPr lang="en-US" altLang="ja-JP" dirty="0">
+              <a:solidFill>
+                <a:schemeClr val="bg1"/>
+              </a:solidFill>
+              <a:cs typeface="Arial" panose="020B0604020202020204" pitchFamily="34" charset="0"/>
+            </a:endParaRPr>
           </a:p>
         </p:txBody>
       </p:sp>
@@ -5806,6 +7212,1509 @@
     <p:extLst>
       <p:ext uri="{BB962C8B-B14F-4D97-AF65-F5344CB8AC3E}">
         <p14:creationId xmlns:p14="http://schemas.microsoft.com/office/powerpoint/2010/main" val="2270234779"/>
+      </p:ext>
+    </p:extLst>
+  </p:cSld>
+  <p:clrMapOvr>
+    <a:masterClrMapping/>
+  </p:clrMapOvr>
+  <p:timing>
+    <p:tnLst>
+      <p:par>
+        <p:cTn id="1" dur="indefinite" restart="never" nodeType="tmRoot">
+          <p:childTnLst>
+            <p:seq concurrent="1" nextAc="seek">
+              <p:cTn id="2" dur="indefinite" nodeType="mainSeq">
+                <p:childTnLst>
+                  <p:par>
+                    <p:cTn id="3" fill="hold">
+                      <p:stCondLst>
+                        <p:cond delay="indefinite"/>
+                      </p:stCondLst>
+                      <p:childTnLst>
+                        <p:par>
+                          <p:cTn id="4" fill="hold">
+                            <p:stCondLst>
+                              <p:cond delay="0"/>
+                            </p:stCondLst>
+                            <p:childTnLst>
+                              <p:par>
+                                <p:cTn id="5" presetID="1" presetClass="entr" presetSubtype="0" fill="hold" nodeType="clickEffect">
+                                  <p:stCondLst>
+                                    <p:cond delay="0"/>
+                                  </p:stCondLst>
+                                  <p:childTnLst>
+                                    <p:set>
+                                      <p:cBhvr>
+                                        <p:cTn id="6" dur="1" fill="hold">
+                                          <p:stCondLst>
+                                            <p:cond delay="0"/>
+                                          </p:stCondLst>
+                                        </p:cTn>
+                                        <p:tgtEl>
+                                          <p:spTgt spid="17">
+                                            <p:txEl>
+                                              <p:pRg st="0" end="0"/>
+                                            </p:txEl>
+                                          </p:spTgt>
+                                        </p:tgtEl>
+                                        <p:attrNameLst>
+                                          <p:attrName>style.visibility</p:attrName>
+                                        </p:attrNameLst>
+                                      </p:cBhvr>
+                                      <p:to>
+                                        <p:strVal val="visible"/>
+                                      </p:to>
+                                    </p:set>
+                                  </p:childTnLst>
+                                </p:cTn>
+                              </p:par>
+                            </p:childTnLst>
+                          </p:cTn>
+                        </p:par>
+                      </p:childTnLst>
+                    </p:cTn>
+                  </p:par>
+                  <p:par>
+                    <p:cTn id="7" fill="hold">
+                      <p:stCondLst>
+                        <p:cond delay="indefinite"/>
+                      </p:stCondLst>
+                      <p:childTnLst>
+                        <p:par>
+                          <p:cTn id="8" fill="hold">
+                            <p:stCondLst>
+                              <p:cond delay="0"/>
+                            </p:stCondLst>
+                            <p:childTnLst>
+                              <p:par>
+                                <p:cTn id="9" presetID="1" presetClass="entr" presetSubtype="0" fill="hold" nodeType="clickEffect">
+                                  <p:stCondLst>
+                                    <p:cond delay="0"/>
+                                  </p:stCondLst>
+                                  <p:childTnLst>
+                                    <p:set>
+                                      <p:cBhvr>
+                                        <p:cTn id="10" dur="1" fill="hold">
+                                          <p:stCondLst>
+                                            <p:cond delay="0"/>
+                                          </p:stCondLst>
+                                        </p:cTn>
+                                        <p:tgtEl>
+                                          <p:spTgt spid="17">
+                                            <p:txEl>
+                                              <p:pRg st="1" end="1"/>
+                                            </p:txEl>
+                                          </p:spTgt>
+                                        </p:tgtEl>
+                                        <p:attrNameLst>
+                                          <p:attrName>style.visibility</p:attrName>
+                                        </p:attrNameLst>
+                                      </p:cBhvr>
+                                      <p:to>
+                                        <p:strVal val="visible"/>
+                                      </p:to>
+                                    </p:set>
+                                  </p:childTnLst>
+                                </p:cTn>
+                              </p:par>
+                            </p:childTnLst>
+                          </p:cTn>
+                        </p:par>
+                      </p:childTnLst>
+                    </p:cTn>
+                  </p:par>
+                  <p:par>
+                    <p:cTn id="11" fill="hold">
+                      <p:stCondLst>
+                        <p:cond delay="indefinite"/>
+                      </p:stCondLst>
+                      <p:childTnLst>
+                        <p:par>
+                          <p:cTn id="12" fill="hold">
+                            <p:stCondLst>
+                              <p:cond delay="0"/>
+                            </p:stCondLst>
+                            <p:childTnLst>
+                              <p:par>
+                                <p:cTn id="13" presetID="1" presetClass="entr" presetSubtype="0" fill="hold" nodeType="clickEffect">
+                                  <p:stCondLst>
+                                    <p:cond delay="0"/>
+                                  </p:stCondLst>
+                                  <p:childTnLst>
+                                    <p:set>
+                                      <p:cBhvr>
+                                        <p:cTn id="14" dur="1" fill="hold">
+                                          <p:stCondLst>
+                                            <p:cond delay="0"/>
+                                          </p:stCondLst>
+                                        </p:cTn>
+                                        <p:tgtEl>
+                                          <p:spTgt spid="17">
+                                            <p:txEl>
+                                              <p:pRg st="2" end="2"/>
+                                            </p:txEl>
+                                          </p:spTgt>
+                                        </p:tgtEl>
+                                        <p:attrNameLst>
+                                          <p:attrName>style.visibility</p:attrName>
+                                        </p:attrNameLst>
+                                      </p:cBhvr>
+                                      <p:to>
+                                        <p:strVal val="visible"/>
+                                      </p:to>
+                                    </p:set>
+                                  </p:childTnLst>
+                                </p:cTn>
+                              </p:par>
+                            </p:childTnLst>
+                          </p:cTn>
+                        </p:par>
+                      </p:childTnLst>
+                    </p:cTn>
+                  </p:par>
+                  <p:par>
+                    <p:cTn id="15" fill="hold">
+                      <p:stCondLst>
+                        <p:cond delay="indefinite"/>
+                      </p:stCondLst>
+                      <p:childTnLst>
+                        <p:par>
+                          <p:cTn id="16" fill="hold">
+                            <p:stCondLst>
+                              <p:cond delay="0"/>
+                            </p:stCondLst>
+                            <p:childTnLst>
+                              <p:par>
+                                <p:cTn id="17" presetID="1" presetClass="entr" presetSubtype="0" fill="hold" nodeType="clickEffect">
+                                  <p:stCondLst>
+                                    <p:cond delay="0"/>
+                                  </p:stCondLst>
+                                  <p:childTnLst>
+                                    <p:set>
+                                      <p:cBhvr>
+                                        <p:cTn id="18" dur="1" fill="hold">
+                                          <p:stCondLst>
+                                            <p:cond delay="0"/>
+                                          </p:stCondLst>
+                                        </p:cTn>
+                                        <p:tgtEl>
+                                          <p:spTgt spid="17">
+                                            <p:txEl>
+                                              <p:pRg st="3" end="3"/>
+                                            </p:txEl>
+                                          </p:spTgt>
+                                        </p:tgtEl>
+                                        <p:attrNameLst>
+                                          <p:attrName>style.visibility</p:attrName>
+                                        </p:attrNameLst>
+                                      </p:cBhvr>
+                                      <p:to>
+                                        <p:strVal val="visible"/>
+                                      </p:to>
+                                    </p:set>
+                                  </p:childTnLst>
+                                </p:cTn>
+                              </p:par>
+                            </p:childTnLst>
+                          </p:cTn>
+                        </p:par>
+                      </p:childTnLst>
+                    </p:cTn>
+                  </p:par>
+                </p:childTnLst>
+              </p:cTn>
+              <p:prevCondLst>
+                <p:cond evt="onPrev" delay="0">
+                  <p:tgtEl>
+                    <p:sldTgt/>
+                  </p:tgtEl>
+                </p:cond>
+              </p:prevCondLst>
+              <p:nextCondLst>
+                <p:cond evt="onNext" delay="0">
+                  <p:tgtEl>
+                    <p:sldTgt/>
+                  </p:tgtEl>
+                </p:cond>
+              </p:nextCondLst>
+            </p:seq>
+          </p:childTnLst>
+        </p:cTn>
+      </p:par>
+    </p:tnLst>
+  </p:timing>
+</p:sld>
+</file>
+
+<file path=ppt/slides/slide12.xml><?xml version="1.0" encoding="utf-8"?>
+<p:sld xmlns:a="http://schemas.openxmlformats.org/drawingml/2006/main" xmlns:r="http://schemas.openxmlformats.org/officeDocument/2006/relationships" xmlns:p="http://schemas.openxmlformats.org/presentationml/2006/main">
+  <p:cSld>
+    <p:spTree>
+      <p:nvGrpSpPr>
+        <p:cNvPr id="1" name=""/>
+        <p:cNvGrpSpPr/>
+        <p:nvPr/>
+      </p:nvGrpSpPr>
+      <p:grpSpPr>
+        <a:xfrm>
+          <a:off x="0" y="0"/>
+          <a:ext cx="0" cy="0"/>
+          <a:chOff x="0" y="0"/>
+          <a:chExt cx="0" cy="0"/>
+        </a:xfrm>
+      </p:grpSpPr>
+      <p:sp>
+        <p:nvSpPr>
+          <p:cNvPr id="11" name="Title 10">
+            <a:extLst>
+              <a:ext uri="{FF2B5EF4-FFF2-40B4-BE49-F238E27FC236}">
+                <a16:creationId xmlns:a16="http://schemas.microsoft.com/office/drawing/2014/main" id="{010FB232-4CB4-C34D-A688-C51B6E7CD2CF}"/>
+              </a:ext>
+            </a:extLst>
+          </p:cNvPr>
+          <p:cNvSpPr>
+            <a:spLocks noGrp="1"/>
+          </p:cNvSpPr>
+          <p:nvPr>
+            <p:ph type="title"/>
+          </p:nvPr>
+        </p:nvSpPr>
+        <p:spPr>
+          <a:xfrm>
+            <a:off x="830263" y="99391"/>
+            <a:ext cx="10523531" cy="799025"/>
+          </a:xfrm>
+        </p:spPr>
+        <p:txBody>
+          <a:bodyPr>
+            <a:normAutofit fontScale="90000"/>
+          </a:bodyPr>
+          <a:lstStyle/>
+          <a:p>
+            <a:r>
+              <a:rPr lang="en-US" sz="4000" dirty="0">
+                <a:latin typeface="Century" panose="02040604050505020304" pitchFamily="18" charset="0"/>
+                <a:cs typeface="Times New Roman" panose="02020603050405020304" pitchFamily="18" charset="0"/>
+              </a:rPr>
+              <a:t>About the Data				</a:t>
+            </a:r>
+            <a:r>
+              <a:rPr lang="en-US" sz="3000" dirty="0">
+                <a:latin typeface="Century" panose="02040604050505020304" pitchFamily="18" charset="0"/>
+                <a:cs typeface="Times New Roman" panose="02020603050405020304" pitchFamily="18" charset="0"/>
+              </a:rPr>
+              <a:t>Collaborative Based</a:t>
+            </a:r>
+          </a:p>
+        </p:txBody>
+      </p:sp>
+      <p:sp>
+        <p:nvSpPr>
+          <p:cNvPr id="4" name="Content Placeholder 17">
+            <a:extLst>
+              <a:ext uri="{FF2B5EF4-FFF2-40B4-BE49-F238E27FC236}">
+                <a16:creationId xmlns:a16="http://schemas.microsoft.com/office/drawing/2014/main" id="{0185A217-4048-4D79-B397-6286970F7768}"/>
+              </a:ext>
+            </a:extLst>
+          </p:cNvPr>
+          <p:cNvSpPr txBox="1">
+            <a:spLocks/>
+          </p:cNvSpPr>
+          <p:nvPr/>
+        </p:nvSpPr>
+        <p:spPr>
+          <a:xfrm>
+            <a:off x="465927" y="1181117"/>
+            <a:ext cx="11043684" cy="4921509"/>
+          </a:xfrm>
+          <a:prstGeom prst="rect">
+            <a:avLst/>
+          </a:prstGeom>
+        </p:spPr>
+        <p:txBody>
+          <a:bodyPr vert="horz" lIns="91440" tIns="45720" rIns="91440" bIns="45720" rtlCol="0">
+            <a:normAutofit/>
+          </a:bodyPr>
+          <a:lstStyle>
+            <a:lvl1pPr marL="228600" indent="-228600" algn="l" defTabSz="914400" rtl="0" eaLnBrk="1" latinLnBrk="0" hangingPunct="1">
+              <a:lnSpc>
+                <a:spcPct val="90000"/>
+              </a:lnSpc>
+              <a:spcBef>
+                <a:spcPts val="1000"/>
+              </a:spcBef>
+              <a:buFont typeface="Arial" panose="020B0604020202020204" pitchFamily="34" charset="0"/>
+              <a:buChar char="•"/>
+              <a:defRPr sz="2800" kern="1200">
+                <a:solidFill>
+                  <a:schemeClr val="tx1"/>
+                </a:solidFill>
+                <a:latin typeface="+mn-lt"/>
+                <a:ea typeface="+mn-ea"/>
+                <a:cs typeface="+mn-cs"/>
+              </a:defRPr>
+            </a:lvl1pPr>
+            <a:lvl2pPr marL="685800" indent="-228600" algn="l" defTabSz="914400" rtl="0" eaLnBrk="1" latinLnBrk="0" hangingPunct="1">
+              <a:lnSpc>
+                <a:spcPct val="90000"/>
+              </a:lnSpc>
+              <a:spcBef>
+                <a:spcPts val="500"/>
+              </a:spcBef>
+              <a:buFont typeface="Arial" panose="020B0604020202020204" pitchFamily="34" charset="0"/>
+              <a:buChar char="•"/>
+              <a:defRPr sz="2400" kern="1200">
+                <a:solidFill>
+                  <a:schemeClr val="tx1"/>
+                </a:solidFill>
+                <a:latin typeface="+mn-lt"/>
+                <a:ea typeface="+mn-ea"/>
+                <a:cs typeface="+mn-cs"/>
+              </a:defRPr>
+            </a:lvl2pPr>
+            <a:lvl3pPr marL="1143000" indent="-228600" algn="l" defTabSz="914400" rtl="0" eaLnBrk="1" latinLnBrk="0" hangingPunct="1">
+              <a:lnSpc>
+                <a:spcPct val="90000"/>
+              </a:lnSpc>
+              <a:spcBef>
+                <a:spcPts val="500"/>
+              </a:spcBef>
+              <a:buFont typeface="Arial" panose="020B0604020202020204" pitchFamily="34" charset="0"/>
+              <a:buChar char="•"/>
+              <a:defRPr sz="2000" kern="1200">
+                <a:solidFill>
+                  <a:schemeClr val="tx1"/>
+                </a:solidFill>
+                <a:latin typeface="+mn-lt"/>
+                <a:ea typeface="+mn-ea"/>
+                <a:cs typeface="+mn-cs"/>
+              </a:defRPr>
+            </a:lvl3pPr>
+            <a:lvl4pPr marL="1600200" indent="-228600" algn="l" defTabSz="914400" rtl="0" eaLnBrk="1" latinLnBrk="0" hangingPunct="1">
+              <a:lnSpc>
+                <a:spcPct val="90000"/>
+              </a:lnSpc>
+              <a:spcBef>
+                <a:spcPts val="500"/>
+              </a:spcBef>
+              <a:buFont typeface="Arial" panose="020B0604020202020204" pitchFamily="34" charset="0"/>
+              <a:buChar char="•"/>
+              <a:defRPr sz="1800" kern="1200">
+                <a:solidFill>
+                  <a:schemeClr val="tx1"/>
+                </a:solidFill>
+                <a:latin typeface="+mn-lt"/>
+                <a:ea typeface="+mn-ea"/>
+                <a:cs typeface="+mn-cs"/>
+              </a:defRPr>
+            </a:lvl4pPr>
+            <a:lvl5pPr marL="2057400" indent="-228600" algn="l" defTabSz="914400" rtl="0" eaLnBrk="1" latinLnBrk="0" hangingPunct="1">
+              <a:lnSpc>
+                <a:spcPct val="90000"/>
+              </a:lnSpc>
+              <a:spcBef>
+                <a:spcPts val="500"/>
+              </a:spcBef>
+              <a:buFont typeface="Arial" panose="020B0604020202020204" pitchFamily="34" charset="0"/>
+              <a:buChar char="•"/>
+              <a:defRPr sz="1800" kern="1200">
+                <a:solidFill>
+                  <a:schemeClr val="tx1"/>
+                </a:solidFill>
+                <a:latin typeface="+mn-lt"/>
+                <a:ea typeface="+mn-ea"/>
+                <a:cs typeface="+mn-cs"/>
+              </a:defRPr>
+            </a:lvl5pPr>
+            <a:lvl6pPr marL="2514600" indent="-228600" algn="l" defTabSz="914400" rtl="0" eaLnBrk="1" latinLnBrk="0" hangingPunct="1">
+              <a:lnSpc>
+                <a:spcPct val="90000"/>
+              </a:lnSpc>
+              <a:spcBef>
+                <a:spcPts val="500"/>
+              </a:spcBef>
+              <a:buFont typeface="Arial" panose="020B0604020202020204" pitchFamily="34" charset="0"/>
+              <a:buChar char="•"/>
+              <a:defRPr sz="1800" kern="1200">
+                <a:solidFill>
+                  <a:schemeClr val="tx1"/>
+                </a:solidFill>
+                <a:latin typeface="+mn-lt"/>
+                <a:ea typeface="+mn-ea"/>
+                <a:cs typeface="+mn-cs"/>
+              </a:defRPr>
+            </a:lvl6pPr>
+            <a:lvl7pPr marL="2971800" indent="-228600" algn="l" defTabSz="914400" rtl="0" eaLnBrk="1" latinLnBrk="0" hangingPunct="1">
+              <a:lnSpc>
+                <a:spcPct val="90000"/>
+              </a:lnSpc>
+              <a:spcBef>
+                <a:spcPts val="500"/>
+              </a:spcBef>
+              <a:buFont typeface="Arial" panose="020B0604020202020204" pitchFamily="34" charset="0"/>
+              <a:buChar char="•"/>
+              <a:defRPr sz="1800" kern="1200">
+                <a:solidFill>
+                  <a:schemeClr val="tx1"/>
+                </a:solidFill>
+                <a:latin typeface="+mn-lt"/>
+                <a:ea typeface="+mn-ea"/>
+                <a:cs typeface="+mn-cs"/>
+              </a:defRPr>
+            </a:lvl7pPr>
+            <a:lvl8pPr marL="3429000" indent="-228600" algn="l" defTabSz="914400" rtl="0" eaLnBrk="1" latinLnBrk="0" hangingPunct="1">
+              <a:lnSpc>
+                <a:spcPct val="90000"/>
+              </a:lnSpc>
+              <a:spcBef>
+                <a:spcPts val="500"/>
+              </a:spcBef>
+              <a:buFont typeface="Arial" panose="020B0604020202020204" pitchFamily="34" charset="0"/>
+              <a:buChar char="•"/>
+              <a:defRPr sz="1800" kern="1200">
+                <a:solidFill>
+                  <a:schemeClr val="tx1"/>
+                </a:solidFill>
+                <a:latin typeface="+mn-lt"/>
+                <a:ea typeface="+mn-ea"/>
+                <a:cs typeface="+mn-cs"/>
+              </a:defRPr>
+            </a:lvl8pPr>
+            <a:lvl9pPr marL="3886200" indent="-228600" algn="l" defTabSz="914400" rtl="0" eaLnBrk="1" latinLnBrk="0" hangingPunct="1">
+              <a:lnSpc>
+                <a:spcPct val="90000"/>
+              </a:lnSpc>
+              <a:spcBef>
+                <a:spcPts val="500"/>
+              </a:spcBef>
+              <a:buFont typeface="Arial" panose="020B0604020202020204" pitchFamily="34" charset="0"/>
+              <a:buChar char="•"/>
+              <a:defRPr sz="1800" kern="1200">
+                <a:solidFill>
+                  <a:schemeClr val="tx1"/>
+                </a:solidFill>
+                <a:latin typeface="+mn-lt"/>
+                <a:ea typeface="+mn-ea"/>
+                <a:cs typeface="+mn-cs"/>
+              </a:defRPr>
+            </a:lvl9pPr>
+          </a:lstStyle>
+          <a:p>
+            <a:r>
+              <a:rPr lang="en-US" altLang="ja-JP" sz="2400" dirty="0">
+                <a:solidFill>
+                  <a:schemeClr val="bg1"/>
+                </a:solidFill>
+                <a:cs typeface="Arial" panose="020B0604020202020204" pitchFamily="34" charset="0"/>
+              </a:rPr>
+              <a:t>Data Source: </a:t>
+            </a:r>
+            <a:r>
+              <a:rPr lang="en-US" sz="2000" u="sng" dirty="0">
+                <a:hlinkClick r:id="rId2"/>
+              </a:rPr>
+              <a:t>https://grouplens.org/datasets/movielens/latest/</a:t>
+            </a:r>
+            <a:endParaRPr lang="en-US" altLang="ja-JP" sz="2000" dirty="0">
+              <a:solidFill>
+                <a:schemeClr val="bg1"/>
+              </a:solidFill>
+              <a:cs typeface="Arial" panose="020B0604020202020204" pitchFamily="34" charset="0"/>
+            </a:endParaRPr>
+          </a:p>
+          <a:p>
+            <a:r>
+              <a:rPr lang="en-US" altLang="ja-JP" sz="2400" dirty="0">
+                <a:solidFill>
+                  <a:schemeClr val="bg1"/>
+                </a:solidFill>
+                <a:cs typeface="Arial" panose="020B0604020202020204" pitchFamily="34" charset="0"/>
+              </a:rPr>
+              <a:t>There are two zip folders on this link, download the larger zip folder </a:t>
+            </a:r>
+            <a:r>
+              <a:rPr lang="en-US" altLang="ja-JP" sz="2400" b="1" dirty="0">
+                <a:solidFill>
+                  <a:schemeClr val="bg1"/>
+                </a:solidFill>
+                <a:cs typeface="Arial" panose="020B0604020202020204" pitchFamily="34" charset="0"/>
+              </a:rPr>
+              <a:t>ml-latest.zip</a:t>
+            </a:r>
+          </a:p>
+          <a:p>
+            <a:r>
+              <a:rPr lang="en-US" altLang="ja-JP" sz="2400" dirty="0">
+                <a:solidFill>
+                  <a:schemeClr val="bg1"/>
+                </a:solidFill>
+                <a:cs typeface="Arial" panose="020B0604020202020204" pitchFamily="34" charset="0"/>
+              </a:rPr>
+              <a:t>There are multiple csv files in this zip file. Only use movies.csv and ratings.csv in this project </a:t>
+            </a:r>
+          </a:p>
+          <a:p>
+            <a:r>
+              <a:rPr lang="en-US" altLang="ja-JP" sz="2400" dirty="0">
+                <a:solidFill>
+                  <a:schemeClr val="bg1"/>
+                </a:solidFill>
+                <a:cs typeface="Arial" panose="020B0604020202020204" pitchFamily="34" charset="0"/>
+              </a:rPr>
+              <a:t>3 columns in </a:t>
+            </a:r>
+            <a:r>
+              <a:rPr lang="en-US" altLang="ja-JP" sz="2400" b="1" dirty="0">
+                <a:solidFill>
+                  <a:schemeClr val="bg1"/>
+                </a:solidFill>
+                <a:cs typeface="Arial" panose="020B0604020202020204" pitchFamily="34" charset="0"/>
+              </a:rPr>
+              <a:t>movies.csv</a:t>
+            </a:r>
+            <a:r>
+              <a:rPr lang="en-US" altLang="ja-JP" sz="2400" dirty="0">
+                <a:solidFill>
+                  <a:schemeClr val="bg1"/>
+                </a:solidFill>
+                <a:cs typeface="Arial" panose="020B0604020202020204" pitchFamily="34" charset="0"/>
+              </a:rPr>
+              <a:t>: movieId, title, and genres</a:t>
+            </a:r>
+          </a:p>
+          <a:p>
+            <a:r>
+              <a:rPr lang="en-US" altLang="ja-JP" sz="2400" dirty="0">
+                <a:solidFill>
+                  <a:schemeClr val="bg1"/>
+                </a:solidFill>
+                <a:cs typeface="Arial" panose="020B0604020202020204" pitchFamily="34" charset="0"/>
+              </a:rPr>
+              <a:t>3 columns in </a:t>
+            </a:r>
+            <a:r>
+              <a:rPr lang="en-US" altLang="ja-JP" sz="2400" b="1" dirty="0">
+                <a:solidFill>
+                  <a:schemeClr val="bg1"/>
+                </a:solidFill>
+                <a:cs typeface="Arial" panose="020B0604020202020204" pitchFamily="34" charset="0"/>
+              </a:rPr>
+              <a:t>ratings.csv: </a:t>
+            </a:r>
+            <a:r>
+              <a:rPr lang="en-US" altLang="ja-JP" sz="2400" dirty="0">
+                <a:solidFill>
+                  <a:schemeClr val="bg1"/>
+                </a:solidFill>
+                <a:cs typeface="Arial" panose="020B0604020202020204" pitchFamily="34" charset="0"/>
+              </a:rPr>
+              <a:t>userId, movieId, and rating</a:t>
+            </a:r>
+          </a:p>
+          <a:p>
+            <a:pPr marL="0" indent="0">
+              <a:buNone/>
+            </a:pPr>
+            <a:endParaRPr lang="en-US" altLang="ja-JP" sz="2400" dirty="0">
+              <a:solidFill>
+                <a:schemeClr val="bg1"/>
+              </a:solidFill>
+              <a:cs typeface="Arial" panose="020B0604020202020204" pitchFamily="34" charset="0"/>
+            </a:endParaRPr>
+          </a:p>
+          <a:p>
+            <a:pPr marL="0" indent="0">
+              <a:buNone/>
+            </a:pPr>
+            <a:r>
+              <a:rPr lang="en-US" altLang="ja-JP" sz="2400" b="1" u="sng" dirty="0">
+                <a:solidFill>
+                  <a:schemeClr val="bg1"/>
+                </a:solidFill>
+                <a:cs typeface="Arial" panose="020B0604020202020204" pitchFamily="34" charset="0"/>
+              </a:rPr>
+              <a:t>Merged Dataset Information</a:t>
+            </a:r>
+            <a:endParaRPr lang="en-US" altLang="ja-JP" sz="2000" b="1" u="sng" dirty="0">
+              <a:solidFill>
+                <a:schemeClr val="bg1"/>
+              </a:solidFill>
+              <a:cs typeface="Arial" panose="020B0604020202020204" pitchFamily="34" charset="0"/>
+            </a:endParaRPr>
+          </a:p>
+          <a:p>
+            <a:r>
+              <a:rPr lang="en-US" altLang="ja-JP" sz="2400" dirty="0">
+                <a:solidFill>
+                  <a:schemeClr val="bg1"/>
+                </a:solidFill>
+                <a:cs typeface="Arial" panose="020B0604020202020204" pitchFamily="34" charset="0"/>
+              </a:rPr>
+              <a:t>Number of Rows	 </a:t>
+            </a:r>
+            <a:r>
+              <a:rPr lang="en-US" altLang="ja-JP" sz="2400" b="1" dirty="0">
+                <a:solidFill>
+                  <a:schemeClr val="bg1"/>
+                </a:solidFill>
+                <a:cs typeface="Arial" panose="020B0604020202020204" pitchFamily="34" charset="0"/>
+              </a:rPr>
+              <a:t>1,048,575</a:t>
+            </a:r>
+          </a:p>
+          <a:p>
+            <a:r>
+              <a:rPr lang="en-US" altLang="ja-JP" sz="2400" dirty="0">
+                <a:solidFill>
+                  <a:schemeClr val="bg1"/>
+                </a:solidFill>
+                <a:cs typeface="Arial" panose="020B0604020202020204" pitchFamily="34" charset="0"/>
+              </a:rPr>
+              <a:t>Number of Movies	 </a:t>
+            </a:r>
+            <a:r>
+              <a:rPr lang="en-US" altLang="ja-JP" sz="2400" b="1" dirty="0">
+                <a:solidFill>
+                  <a:schemeClr val="bg1"/>
+                </a:solidFill>
+                <a:cs typeface="Arial" panose="020B0604020202020204" pitchFamily="34" charset="0"/>
+              </a:rPr>
+              <a:t>22,156</a:t>
+            </a:r>
+          </a:p>
+          <a:p>
+            <a:r>
+              <a:rPr lang="en-US" altLang="ja-JP" sz="2400" dirty="0">
+                <a:solidFill>
+                  <a:schemeClr val="bg1"/>
+                </a:solidFill>
+                <a:cs typeface="Arial" panose="020B0604020202020204" pitchFamily="34" charset="0"/>
+              </a:rPr>
+              <a:t>Number of Users	 </a:t>
+            </a:r>
+            <a:r>
+              <a:rPr lang="en-US" altLang="ja-JP" sz="2400" b="1" dirty="0">
+                <a:solidFill>
+                  <a:schemeClr val="bg1"/>
+                </a:solidFill>
+                <a:cs typeface="Arial" panose="020B0604020202020204" pitchFamily="34" charset="0"/>
+              </a:rPr>
+              <a:t>10,532</a:t>
+            </a:r>
+          </a:p>
+          <a:p>
+            <a:endParaRPr lang="en-US" altLang="ja-JP" sz="2400" dirty="0">
+              <a:solidFill>
+                <a:schemeClr val="bg1"/>
+              </a:solidFill>
+              <a:cs typeface="Arial" panose="020B0604020202020204" pitchFamily="34" charset="0"/>
+            </a:endParaRPr>
+          </a:p>
+        </p:txBody>
+      </p:sp>
+      <p:sp>
+        <p:nvSpPr>
+          <p:cNvPr id="7" name="TextBox 6"/>
+          <p:cNvSpPr txBox="1"/>
+          <p:nvPr/>
+        </p:nvSpPr>
+        <p:spPr>
+          <a:xfrm>
+            <a:off x="11112137" y="6400800"/>
+            <a:ext cx="945762" cy="338554"/>
+          </a:xfrm>
+          <a:prstGeom prst="rect">
+            <a:avLst/>
+          </a:prstGeom>
+          <a:noFill/>
+        </p:spPr>
+        <p:txBody>
+          <a:bodyPr wrap="square" rtlCol="0">
+            <a:spAutoFit/>
+          </a:bodyPr>
+          <a:lstStyle/>
+          <a:p>
+            <a:r>
+              <a:rPr lang="en-US" sz="1600" b="1" dirty="0">
+                <a:solidFill>
+                  <a:schemeClr val="bg1"/>
+                </a:solidFill>
+              </a:rPr>
+              <a:t>Slide 11</a:t>
+            </a:r>
+          </a:p>
+        </p:txBody>
+      </p:sp>
+      <p:pic>
+        <p:nvPicPr>
+          <p:cNvPr id="2" name="Picture 1"/>
+          <p:cNvPicPr>
+            <a:picLocks noChangeAspect="1"/>
+          </p:cNvPicPr>
+          <p:nvPr/>
+        </p:nvPicPr>
+        <p:blipFill>
+          <a:blip r:embed="rId3"/>
+          <a:stretch>
+            <a:fillRect/>
+          </a:stretch>
+        </p:blipFill>
+        <p:spPr>
+          <a:xfrm>
+            <a:off x="7347297" y="4383728"/>
+            <a:ext cx="4498113" cy="1718898"/>
+          </a:xfrm>
+          <a:prstGeom prst="rect">
+            <a:avLst/>
+          </a:prstGeom>
+        </p:spPr>
+      </p:pic>
+    </p:spTree>
+    <p:extLst>
+      <p:ext uri="{BB962C8B-B14F-4D97-AF65-F5344CB8AC3E}">
+        <p14:creationId xmlns:p14="http://schemas.microsoft.com/office/powerpoint/2010/main" val="795060564"/>
+      </p:ext>
+    </p:extLst>
+  </p:cSld>
+  <p:clrMapOvr>
+    <a:masterClrMapping/>
+  </p:clrMapOvr>
+  <p:timing>
+    <p:tnLst>
+      <p:par>
+        <p:cTn id="1" dur="indefinite" restart="never" nodeType="tmRoot">
+          <p:childTnLst>
+            <p:seq concurrent="1" nextAc="seek">
+              <p:cTn id="2" dur="indefinite" nodeType="mainSeq">
+                <p:childTnLst>
+                  <p:par>
+                    <p:cTn id="3" fill="hold">
+                      <p:stCondLst>
+                        <p:cond delay="indefinite"/>
+                      </p:stCondLst>
+                      <p:childTnLst>
+                        <p:par>
+                          <p:cTn id="4" fill="hold">
+                            <p:stCondLst>
+                              <p:cond delay="0"/>
+                            </p:stCondLst>
+                            <p:childTnLst>
+                              <p:par>
+                                <p:cTn id="5" presetID="1" presetClass="entr" presetSubtype="0" fill="hold" nodeType="clickEffect">
+                                  <p:stCondLst>
+                                    <p:cond delay="0"/>
+                                  </p:stCondLst>
+                                  <p:childTnLst>
+                                    <p:set>
+                                      <p:cBhvr>
+                                        <p:cTn id="6" dur="1" fill="hold">
+                                          <p:stCondLst>
+                                            <p:cond delay="0"/>
+                                          </p:stCondLst>
+                                        </p:cTn>
+                                        <p:tgtEl>
+                                          <p:spTgt spid="4">
+                                            <p:txEl>
+                                              <p:pRg st="0" end="0"/>
+                                            </p:txEl>
+                                          </p:spTgt>
+                                        </p:tgtEl>
+                                        <p:attrNameLst>
+                                          <p:attrName>style.visibility</p:attrName>
+                                        </p:attrNameLst>
+                                      </p:cBhvr>
+                                      <p:to>
+                                        <p:strVal val="visible"/>
+                                      </p:to>
+                                    </p:set>
+                                  </p:childTnLst>
+                                </p:cTn>
+                              </p:par>
+                              <p:par>
+                                <p:cTn id="7" presetID="1" presetClass="entr" presetSubtype="0" fill="hold" nodeType="withEffect">
+                                  <p:stCondLst>
+                                    <p:cond delay="0"/>
+                                  </p:stCondLst>
+                                  <p:childTnLst>
+                                    <p:set>
+                                      <p:cBhvr>
+                                        <p:cTn id="8" dur="1" fill="hold">
+                                          <p:stCondLst>
+                                            <p:cond delay="0"/>
+                                          </p:stCondLst>
+                                        </p:cTn>
+                                        <p:tgtEl>
+                                          <p:spTgt spid="2"/>
+                                        </p:tgtEl>
+                                        <p:attrNameLst>
+                                          <p:attrName>style.visibility</p:attrName>
+                                        </p:attrNameLst>
+                                      </p:cBhvr>
+                                      <p:to>
+                                        <p:strVal val="visible"/>
+                                      </p:to>
+                                    </p:set>
+                                  </p:childTnLst>
+                                </p:cTn>
+                              </p:par>
+                            </p:childTnLst>
+                          </p:cTn>
+                        </p:par>
+                      </p:childTnLst>
+                    </p:cTn>
+                  </p:par>
+                  <p:par>
+                    <p:cTn id="9" fill="hold">
+                      <p:stCondLst>
+                        <p:cond delay="indefinite"/>
+                      </p:stCondLst>
+                      <p:childTnLst>
+                        <p:par>
+                          <p:cTn id="10" fill="hold">
+                            <p:stCondLst>
+                              <p:cond delay="0"/>
+                            </p:stCondLst>
+                            <p:childTnLst>
+                              <p:par>
+                                <p:cTn id="11" presetID="1" presetClass="entr" presetSubtype="0" fill="hold" nodeType="clickEffect">
+                                  <p:stCondLst>
+                                    <p:cond delay="0"/>
+                                  </p:stCondLst>
+                                  <p:childTnLst>
+                                    <p:set>
+                                      <p:cBhvr>
+                                        <p:cTn id="12" dur="1" fill="hold">
+                                          <p:stCondLst>
+                                            <p:cond delay="0"/>
+                                          </p:stCondLst>
+                                        </p:cTn>
+                                        <p:tgtEl>
+                                          <p:spTgt spid="4">
+                                            <p:txEl>
+                                              <p:pRg st="1" end="1"/>
+                                            </p:txEl>
+                                          </p:spTgt>
+                                        </p:tgtEl>
+                                        <p:attrNameLst>
+                                          <p:attrName>style.visibility</p:attrName>
+                                        </p:attrNameLst>
+                                      </p:cBhvr>
+                                      <p:to>
+                                        <p:strVal val="visible"/>
+                                      </p:to>
+                                    </p:set>
+                                  </p:childTnLst>
+                                </p:cTn>
+                              </p:par>
+                            </p:childTnLst>
+                          </p:cTn>
+                        </p:par>
+                      </p:childTnLst>
+                    </p:cTn>
+                  </p:par>
+                  <p:par>
+                    <p:cTn id="13" fill="hold">
+                      <p:stCondLst>
+                        <p:cond delay="indefinite"/>
+                      </p:stCondLst>
+                      <p:childTnLst>
+                        <p:par>
+                          <p:cTn id="14" fill="hold">
+                            <p:stCondLst>
+                              <p:cond delay="0"/>
+                            </p:stCondLst>
+                            <p:childTnLst>
+                              <p:par>
+                                <p:cTn id="15" presetID="1" presetClass="entr" presetSubtype="0" fill="hold" nodeType="clickEffect">
+                                  <p:stCondLst>
+                                    <p:cond delay="0"/>
+                                  </p:stCondLst>
+                                  <p:childTnLst>
+                                    <p:set>
+                                      <p:cBhvr>
+                                        <p:cTn id="16" dur="1" fill="hold">
+                                          <p:stCondLst>
+                                            <p:cond delay="0"/>
+                                          </p:stCondLst>
+                                        </p:cTn>
+                                        <p:tgtEl>
+                                          <p:spTgt spid="4">
+                                            <p:txEl>
+                                              <p:pRg st="2" end="2"/>
+                                            </p:txEl>
+                                          </p:spTgt>
+                                        </p:tgtEl>
+                                        <p:attrNameLst>
+                                          <p:attrName>style.visibility</p:attrName>
+                                        </p:attrNameLst>
+                                      </p:cBhvr>
+                                      <p:to>
+                                        <p:strVal val="visible"/>
+                                      </p:to>
+                                    </p:set>
+                                  </p:childTnLst>
+                                </p:cTn>
+                              </p:par>
+                            </p:childTnLst>
+                          </p:cTn>
+                        </p:par>
+                      </p:childTnLst>
+                    </p:cTn>
+                  </p:par>
+                  <p:par>
+                    <p:cTn id="17" fill="hold">
+                      <p:stCondLst>
+                        <p:cond delay="indefinite"/>
+                      </p:stCondLst>
+                      <p:childTnLst>
+                        <p:par>
+                          <p:cTn id="18" fill="hold">
+                            <p:stCondLst>
+                              <p:cond delay="0"/>
+                            </p:stCondLst>
+                            <p:childTnLst>
+                              <p:par>
+                                <p:cTn id="19" presetID="1" presetClass="entr" presetSubtype="0" fill="hold" nodeType="clickEffect">
+                                  <p:stCondLst>
+                                    <p:cond delay="0"/>
+                                  </p:stCondLst>
+                                  <p:childTnLst>
+                                    <p:set>
+                                      <p:cBhvr>
+                                        <p:cTn id="20" dur="1" fill="hold">
+                                          <p:stCondLst>
+                                            <p:cond delay="0"/>
+                                          </p:stCondLst>
+                                        </p:cTn>
+                                        <p:tgtEl>
+                                          <p:spTgt spid="4">
+                                            <p:txEl>
+                                              <p:pRg st="3" end="3"/>
+                                            </p:txEl>
+                                          </p:spTgt>
+                                        </p:tgtEl>
+                                        <p:attrNameLst>
+                                          <p:attrName>style.visibility</p:attrName>
+                                        </p:attrNameLst>
+                                      </p:cBhvr>
+                                      <p:to>
+                                        <p:strVal val="visible"/>
+                                      </p:to>
+                                    </p:set>
+                                  </p:childTnLst>
+                                </p:cTn>
+                              </p:par>
+                            </p:childTnLst>
+                          </p:cTn>
+                        </p:par>
+                      </p:childTnLst>
+                    </p:cTn>
+                  </p:par>
+                  <p:par>
+                    <p:cTn id="21" fill="hold">
+                      <p:stCondLst>
+                        <p:cond delay="indefinite"/>
+                      </p:stCondLst>
+                      <p:childTnLst>
+                        <p:par>
+                          <p:cTn id="22" fill="hold">
+                            <p:stCondLst>
+                              <p:cond delay="0"/>
+                            </p:stCondLst>
+                            <p:childTnLst>
+                              <p:par>
+                                <p:cTn id="23" presetID="1" presetClass="entr" presetSubtype="0" fill="hold" nodeType="clickEffect">
+                                  <p:stCondLst>
+                                    <p:cond delay="0"/>
+                                  </p:stCondLst>
+                                  <p:childTnLst>
+                                    <p:set>
+                                      <p:cBhvr>
+                                        <p:cTn id="24" dur="1" fill="hold">
+                                          <p:stCondLst>
+                                            <p:cond delay="0"/>
+                                          </p:stCondLst>
+                                        </p:cTn>
+                                        <p:tgtEl>
+                                          <p:spTgt spid="4">
+                                            <p:txEl>
+                                              <p:pRg st="4" end="4"/>
+                                            </p:txEl>
+                                          </p:spTgt>
+                                        </p:tgtEl>
+                                        <p:attrNameLst>
+                                          <p:attrName>style.visibility</p:attrName>
+                                        </p:attrNameLst>
+                                      </p:cBhvr>
+                                      <p:to>
+                                        <p:strVal val="visible"/>
+                                      </p:to>
+                                    </p:set>
+                                  </p:childTnLst>
+                                </p:cTn>
+                              </p:par>
+                            </p:childTnLst>
+                          </p:cTn>
+                        </p:par>
+                      </p:childTnLst>
+                    </p:cTn>
+                  </p:par>
+                  <p:par>
+                    <p:cTn id="25" fill="hold">
+                      <p:stCondLst>
+                        <p:cond delay="indefinite"/>
+                      </p:stCondLst>
+                      <p:childTnLst>
+                        <p:par>
+                          <p:cTn id="26" fill="hold">
+                            <p:stCondLst>
+                              <p:cond delay="0"/>
+                            </p:stCondLst>
+                            <p:childTnLst>
+                              <p:par>
+                                <p:cTn id="27" presetID="1" presetClass="entr" presetSubtype="0" fill="hold" nodeType="clickEffect">
+                                  <p:stCondLst>
+                                    <p:cond delay="0"/>
+                                  </p:stCondLst>
+                                  <p:childTnLst>
+                                    <p:set>
+                                      <p:cBhvr>
+                                        <p:cTn id="28" dur="1" fill="hold">
+                                          <p:stCondLst>
+                                            <p:cond delay="0"/>
+                                          </p:stCondLst>
+                                        </p:cTn>
+                                        <p:tgtEl>
+                                          <p:spTgt spid="4">
+                                            <p:txEl>
+                                              <p:pRg st="6" end="6"/>
+                                            </p:txEl>
+                                          </p:spTgt>
+                                        </p:tgtEl>
+                                        <p:attrNameLst>
+                                          <p:attrName>style.visibility</p:attrName>
+                                        </p:attrNameLst>
+                                      </p:cBhvr>
+                                      <p:to>
+                                        <p:strVal val="visible"/>
+                                      </p:to>
+                                    </p:set>
+                                  </p:childTnLst>
+                                </p:cTn>
+                              </p:par>
+                              <p:par>
+                                <p:cTn id="29" presetID="1" presetClass="entr" presetSubtype="0" fill="hold" nodeType="withEffect">
+                                  <p:stCondLst>
+                                    <p:cond delay="0"/>
+                                  </p:stCondLst>
+                                  <p:childTnLst>
+                                    <p:set>
+                                      <p:cBhvr>
+                                        <p:cTn id="30" dur="1" fill="hold">
+                                          <p:stCondLst>
+                                            <p:cond delay="0"/>
+                                          </p:stCondLst>
+                                        </p:cTn>
+                                        <p:tgtEl>
+                                          <p:spTgt spid="4">
+                                            <p:txEl>
+                                              <p:pRg st="7" end="7"/>
+                                            </p:txEl>
+                                          </p:spTgt>
+                                        </p:tgtEl>
+                                        <p:attrNameLst>
+                                          <p:attrName>style.visibility</p:attrName>
+                                        </p:attrNameLst>
+                                      </p:cBhvr>
+                                      <p:to>
+                                        <p:strVal val="visible"/>
+                                      </p:to>
+                                    </p:set>
+                                  </p:childTnLst>
+                                </p:cTn>
+                              </p:par>
+                              <p:par>
+                                <p:cTn id="31" presetID="1" presetClass="entr" presetSubtype="0" fill="hold" nodeType="withEffect">
+                                  <p:stCondLst>
+                                    <p:cond delay="0"/>
+                                  </p:stCondLst>
+                                  <p:childTnLst>
+                                    <p:set>
+                                      <p:cBhvr>
+                                        <p:cTn id="32" dur="1" fill="hold">
+                                          <p:stCondLst>
+                                            <p:cond delay="0"/>
+                                          </p:stCondLst>
+                                        </p:cTn>
+                                        <p:tgtEl>
+                                          <p:spTgt spid="4">
+                                            <p:txEl>
+                                              <p:pRg st="8" end="8"/>
+                                            </p:txEl>
+                                          </p:spTgt>
+                                        </p:tgtEl>
+                                        <p:attrNameLst>
+                                          <p:attrName>style.visibility</p:attrName>
+                                        </p:attrNameLst>
+                                      </p:cBhvr>
+                                      <p:to>
+                                        <p:strVal val="visible"/>
+                                      </p:to>
+                                    </p:set>
+                                  </p:childTnLst>
+                                </p:cTn>
+                              </p:par>
+                              <p:par>
+                                <p:cTn id="33" presetID="1" presetClass="entr" presetSubtype="0" fill="hold" nodeType="withEffect">
+                                  <p:stCondLst>
+                                    <p:cond delay="0"/>
+                                  </p:stCondLst>
+                                  <p:childTnLst>
+                                    <p:set>
+                                      <p:cBhvr>
+                                        <p:cTn id="34" dur="1" fill="hold">
+                                          <p:stCondLst>
+                                            <p:cond delay="0"/>
+                                          </p:stCondLst>
+                                        </p:cTn>
+                                        <p:tgtEl>
+                                          <p:spTgt spid="4">
+                                            <p:txEl>
+                                              <p:pRg st="9" end="9"/>
+                                            </p:txEl>
+                                          </p:spTgt>
+                                        </p:tgtEl>
+                                        <p:attrNameLst>
+                                          <p:attrName>style.visibility</p:attrName>
+                                        </p:attrNameLst>
+                                      </p:cBhvr>
+                                      <p:to>
+                                        <p:strVal val="visible"/>
+                                      </p:to>
+                                    </p:set>
+                                  </p:childTnLst>
+                                </p:cTn>
+                              </p:par>
+                            </p:childTnLst>
+                          </p:cTn>
+                        </p:par>
+                      </p:childTnLst>
+                    </p:cTn>
+                  </p:par>
+                </p:childTnLst>
+              </p:cTn>
+              <p:prevCondLst>
+                <p:cond evt="onPrev" delay="0">
+                  <p:tgtEl>
+                    <p:sldTgt/>
+                  </p:tgtEl>
+                </p:cond>
+              </p:prevCondLst>
+              <p:nextCondLst>
+                <p:cond evt="onNext" delay="0">
+                  <p:tgtEl>
+                    <p:sldTgt/>
+                  </p:tgtEl>
+                </p:cond>
+              </p:nextCondLst>
+            </p:seq>
+          </p:childTnLst>
+        </p:cTn>
+      </p:par>
+    </p:tnLst>
+  </p:timing>
+</p:sld>
+</file>
+
+<file path=ppt/slides/slide13.xml><?xml version="1.0" encoding="utf-8"?>
+<p:sld xmlns:a="http://schemas.openxmlformats.org/drawingml/2006/main" xmlns:r="http://schemas.openxmlformats.org/officeDocument/2006/relationships" xmlns:p="http://schemas.openxmlformats.org/presentationml/2006/main">
+  <p:cSld>
+    <p:spTree>
+      <p:nvGrpSpPr>
+        <p:cNvPr id="1" name=""/>
+        <p:cNvGrpSpPr/>
+        <p:nvPr/>
+      </p:nvGrpSpPr>
+      <p:grpSpPr>
+        <a:xfrm>
+          <a:off x="0" y="0"/>
+          <a:ext cx="0" cy="0"/>
+          <a:chOff x="0" y="0"/>
+          <a:chExt cx="0" cy="0"/>
+        </a:xfrm>
+      </p:grpSpPr>
+      <p:sp>
+        <p:nvSpPr>
+          <p:cNvPr id="11" name="Title 10">
+            <a:extLst>
+              <a:ext uri="{FF2B5EF4-FFF2-40B4-BE49-F238E27FC236}">
+                <a16:creationId xmlns:a16="http://schemas.microsoft.com/office/drawing/2014/main" id="{010FB232-4CB4-C34D-A688-C51B6E7CD2CF}"/>
+              </a:ext>
+            </a:extLst>
+          </p:cNvPr>
+          <p:cNvSpPr>
+            <a:spLocks noGrp="1"/>
+          </p:cNvSpPr>
+          <p:nvPr>
+            <p:ph type="title"/>
+          </p:nvPr>
+        </p:nvSpPr>
+        <p:spPr>
+          <a:xfrm>
+            <a:off x="830263" y="99391"/>
+            <a:ext cx="10523531" cy="799025"/>
+          </a:xfrm>
+        </p:spPr>
+        <p:txBody>
+          <a:bodyPr>
+            <a:normAutofit/>
+          </a:bodyPr>
+          <a:lstStyle/>
+          <a:p>
+            <a:r>
+              <a:rPr lang="en-US" sz="4000" dirty="0">
+                <a:latin typeface="Century" panose="02040604050505020304" pitchFamily="18" charset="0"/>
+                <a:cs typeface="Times New Roman" panose="02020603050405020304" pitchFamily="18" charset="0"/>
+              </a:rPr>
+              <a:t>Starting Data				</a:t>
+            </a:r>
+            <a:r>
+              <a:rPr lang="en-US" sz="3000" dirty="0">
+                <a:latin typeface="Century" panose="02040604050505020304" pitchFamily="18" charset="0"/>
+                <a:cs typeface="Times New Roman" panose="02020603050405020304" pitchFamily="18" charset="0"/>
+              </a:rPr>
+              <a:t>Collaborative Based</a:t>
+            </a:r>
+          </a:p>
+        </p:txBody>
+      </p:sp>
+      <p:sp>
+        <p:nvSpPr>
+          <p:cNvPr id="7" name="TextBox 6"/>
+          <p:cNvSpPr txBox="1"/>
+          <p:nvPr/>
+        </p:nvSpPr>
+        <p:spPr>
+          <a:xfrm>
+            <a:off x="11112137" y="6400800"/>
+            <a:ext cx="945762" cy="338554"/>
+          </a:xfrm>
+          <a:prstGeom prst="rect">
+            <a:avLst/>
+          </a:prstGeom>
+          <a:noFill/>
+        </p:spPr>
+        <p:txBody>
+          <a:bodyPr wrap="square" rtlCol="0">
+            <a:spAutoFit/>
+          </a:bodyPr>
+          <a:lstStyle/>
+          <a:p>
+            <a:r>
+              <a:rPr lang="en-US" sz="1600" b="1" dirty="0">
+                <a:solidFill>
+                  <a:schemeClr val="bg1"/>
+                </a:solidFill>
+              </a:rPr>
+              <a:t>Slide 12</a:t>
+            </a:r>
+          </a:p>
+        </p:txBody>
+      </p:sp>
+      <p:sp>
+        <p:nvSpPr>
+          <p:cNvPr id="6" name="TextBox 5">
+            <a:extLst>
+              <a:ext uri="{FF2B5EF4-FFF2-40B4-BE49-F238E27FC236}">
+                <a16:creationId xmlns:a16="http://schemas.microsoft.com/office/drawing/2014/main" id="{1818FD5C-15FB-4FC0-A25F-5F5CEBC3CDDF}"/>
+              </a:ext>
+            </a:extLst>
+          </p:cNvPr>
+          <p:cNvSpPr txBox="1"/>
+          <p:nvPr/>
+        </p:nvSpPr>
+        <p:spPr>
+          <a:xfrm>
+            <a:off x="1747427" y="3846172"/>
+            <a:ext cx="1961322" cy="523220"/>
+          </a:xfrm>
+          <a:prstGeom prst="rect">
+            <a:avLst/>
+          </a:prstGeom>
+          <a:noFill/>
+        </p:spPr>
+        <p:txBody>
+          <a:bodyPr wrap="square" rtlCol="0">
+            <a:spAutoFit/>
+          </a:bodyPr>
+          <a:lstStyle/>
+          <a:p>
+            <a:r>
+              <a:rPr lang="en-US" sz="2800" dirty="0">
+                <a:solidFill>
+                  <a:schemeClr val="bg1"/>
+                </a:solidFill>
+              </a:rPr>
+              <a:t>Ratings CSV</a:t>
+            </a:r>
+          </a:p>
+        </p:txBody>
+      </p:sp>
+      <p:pic>
+        <p:nvPicPr>
+          <p:cNvPr id="3" name="Picture 2"/>
+          <p:cNvPicPr>
+            <a:picLocks noChangeAspect="1"/>
+          </p:cNvPicPr>
+          <p:nvPr/>
+        </p:nvPicPr>
+        <p:blipFill>
+          <a:blip r:embed="rId2"/>
+          <a:stretch>
+            <a:fillRect/>
+          </a:stretch>
+        </p:blipFill>
+        <p:spPr>
+          <a:xfrm>
+            <a:off x="425773" y="1709320"/>
+            <a:ext cx="4604630" cy="1462234"/>
+          </a:xfrm>
+          <a:prstGeom prst="rect">
+            <a:avLst/>
+          </a:prstGeom>
+        </p:spPr>
+      </p:pic>
+      <p:pic>
+        <p:nvPicPr>
+          <p:cNvPr id="5" name="Picture 4"/>
+          <p:cNvPicPr>
+            <a:picLocks noChangeAspect="1"/>
+          </p:cNvPicPr>
+          <p:nvPr/>
+        </p:nvPicPr>
+        <p:blipFill>
+          <a:blip r:embed="rId3"/>
+          <a:stretch>
+            <a:fillRect/>
+          </a:stretch>
+        </p:blipFill>
+        <p:spPr>
+          <a:xfrm>
+            <a:off x="1747427" y="4457700"/>
+            <a:ext cx="2124075" cy="1943100"/>
+          </a:xfrm>
+          <a:prstGeom prst="rect">
+            <a:avLst/>
+          </a:prstGeom>
+        </p:spPr>
+      </p:pic>
+      <p:sp>
+        <p:nvSpPr>
+          <p:cNvPr id="9" name="TextBox 8">
+            <a:extLst>
+              <a:ext uri="{FF2B5EF4-FFF2-40B4-BE49-F238E27FC236}">
+                <a16:creationId xmlns:a16="http://schemas.microsoft.com/office/drawing/2014/main" id="{1818FD5C-15FB-4FC0-A25F-5F5CEBC3CDDF}"/>
+              </a:ext>
+            </a:extLst>
+          </p:cNvPr>
+          <p:cNvSpPr txBox="1"/>
+          <p:nvPr/>
+        </p:nvSpPr>
+        <p:spPr>
+          <a:xfrm>
+            <a:off x="1747427" y="1186100"/>
+            <a:ext cx="1961322" cy="523220"/>
+          </a:xfrm>
+          <a:prstGeom prst="rect">
+            <a:avLst/>
+          </a:prstGeom>
+          <a:noFill/>
+        </p:spPr>
+        <p:txBody>
+          <a:bodyPr wrap="square" rtlCol="0">
+            <a:spAutoFit/>
+          </a:bodyPr>
+          <a:lstStyle/>
+          <a:p>
+            <a:r>
+              <a:rPr lang="en-US" sz="2800" dirty="0">
+                <a:solidFill>
+                  <a:schemeClr val="bg1"/>
+                </a:solidFill>
+              </a:rPr>
+              <a:t>Movies CSV</a:t>
+            </a:r>
+          </a:p>
+        </p:txBody>
+      </p:sp>
+      <p:pic>
+        <p:nvPicPr>
+          <p:cNvPr id="8" name="Picture 7"/>
+          <p:cNvPicPr>
+            <a:picLocks noChangeAspect="1"/>
+          </p:cNvPicPr>
+          <p:nvPr/>
+        </p:nvPicPr>
+        <p:blipFill>
+          <a:blip r:embed="rId4"/>
+          <a:stretch>
+            <a:fillRect/>
+          </a:stretch>
+        </p:blipFill>
+        <p:spPr>
+          <a:xfrm>
+            <a:off x="6490988" y="1781017"/>
+            <a:ext cx="4621149" cy="1458572"/>
+          </a:xfrm>
+          <a:prstGeom prst="rect">
+            <a:avLst/>
+          </a:prstGeom>
+        </p:spPr>
+      </p:pic>
+      <p:sp>
+        <p:nvSpPr>
+          <p:cNvPr id="12" name="TextBox 11">
+            <a:extLst>
+              <a:ext uri="{FF2B5EF4-FFF2-40B4-BE49-F238E27FC236}">
+                <a16:creationId xmlns:a16="http://schemas.microsoft.com/office/drawing/2014/main" id="{1818FD5C-15FB-4FC0-A25F-5F5CEBC3CDDF}"/>
+              </a:ext>
+            </a:extLst>
+          </p:cNvPr>
+          <p:cNvSpPr txBox="1"/>
+          <p:nvPr/>
+        </p:nvSpPr>
+        <p:spPr>
+          <a:xfrm>
+            <a:off x="7168513" y="1186100"/>
+            <a:ext cx="3142436" cy="523220"/>
+          </a:xfrm>
+          <a:prstGeom prst="rect">
+            <a:avLst/>
+          </a:prstGeom>
+          <a:noFill/>
+        </p:spPr>
+        <p:txBody>
+          <a:bodyPr wrap="square" rtlCol="0">
+            <a:spAutoFit/>
+          </a:bodyPr>
+          <a:lstStyle/>
+          <a:p>
+            <a:r>
+              <a:rPr lang="en-US" sz="2800" dirty="0">
+                <a:solidFill>
+                  <a:schemeClr val="bg1"/>
+                </a:solidFill>
+              </a:rPr>
+              <a:t>Cleaned Movies CSV</a:t>
+            </a:r>
+          </a:p>
+        </p:txBody>
+      </p:sp>
+    </p:spTree>
+    <p:extLst>
+      <p:ext uri="{BB962C8B-B14F-4D97-AF65-F5344CB8AC3E}">
+        <p14:creationId xmlns:p14="http://schemas.microsoft.com/office/powerpoint/2010/main" val="1471573066"/>
       </p:ext>
     </p:extLst>
   </p:cSld>
@@ -5846,7 +8755,178 @@
                                           </p:stCondLst>
                                         </p:cTn>
                                         <p:tgtEl>
-                                          <p:spTgt spid="13"/>
+                                          <p:spTgt spid="9"/>
+                                        </p:tgtEl>
+                                        <p:attrNameLst>
+                                          <p:attrName>style.visibility</p:attrName>
+                                        </p:attrNameLst>
+                                      </p:cBhvr>
+                                      <p:to>
+                                        <p:strVal val="visible"/>
+                                      </p:to>
+                                    </p:set>
+                                  </p:childTnLst>
+                                </p:cTn>
+                              </p:par>
+                              <p:par>
+                                <p:cTn id="7" presetID="1" presetClass="entr" presetSubtype="0" fill="hold" nodeType="withEffect">
+                                  <p:stCondLst>
+                                    <p:cond delay="0"/>
+                                  </p:stCondLst>
+                                  <p:childTnLst>
+                                    <p:set>
+                                      <p:cBhvr>
+                                        <p:cTn id="8" dur="1" fill="hold">
+                                          <p:stCondLst>
+                                            <p:cond delay="0"/>
+                                          </p:stCondLst>
+                                        </p:cTn>
+                                        <p:tgtEl>
+                                          <p:spTgt spid="3"/>
+                                        </p:tgtEl>
+                                        <p:attrNameLst>
+                                          <p:attrName>style.visibility</p:attrName>
+                                        </p:attrNameLst>
+                                      </p:cBhvr>
+                                      <p:to>
+                                        <p:strVal val="visible"/>
+                                      </p:to>
+                                    </p:set>
+                                  </p:childTnLst>
+                                </p:cTn>
+                              </p:par>
+                            </p:childTnLst>
+                          </p:cTn>
+                        </p:par>
+                      </p:childTnLst>
+                    </p:cTn>
+                  </p:par>
+                  <p:par>
+                    <p:cTn id="9" fill="hold">
+                      <p:stCondLst>
+                        <p:cond delay="indefinite"/>
+                      </p:stCondLst>
+                      <p:childTnLst>
+                        <p:par>
+                          <p:cTn id="10" fill="hold">
+                            <p:stCondLst>
+                              <p:cond delay="0"/>
+                            </p:stCondLst>
+                            <p:childTnLst>
+                              <p:par>
+                                <p:cTn id="11" presetID="1" presetClass="entr" presetSubtype="0" fill="hold" grpId="0" nodeType="clickEffect">
+                                  <p:stCondLst>
+                                    <p:cond delay="0"/>
+                                  </p:stCondLst>
+                                  <p:childTnLst>
+                                    <p:set>
+                                      <p:cBhvr>
+                                        <p:cTn id="12" dur="1" fill="hold">
+                                          <p:stCondLst>
+                                            <p:cond delay="0"/>
+                                          </p:stCondLst>
+                                        </p:cTn>
+                                        <p:tgtEl>
+                                          <p:spTgt spid="12"/>
+                                        </p:tgtEl>
+                                        <p:attrNameLst>
+                                          <p:attrName>style.visibility</p:attrName>
+                                        </p:attrNameLst>
+                                      </p:cBhvr>
+                                      <p:to>
+                                        <p:strVal val="visible"/>
+                                      </p:to>
+                                    </p:set>
+                                  </p:childTnLst>
+                                </p:cTn>
+                              </p:par>
+                              <p:par>
+                                <p:cTn id="13" presetID="1" presetClass="entr" presetSubtype="0" fill="hold" nodeType="withEffect">
+                                  <p:stCondLst>
+                                    <p:cond delay="0"/>
+                                  </p:stCondLst>
+                                  <p:childTnLst>
+                                    <p:set>
+                                      <p:cBhvr>
+                                        <p:cTn id="14" dur="1" fill="hold">
+                                          <p:stCondLst>
+                                            <p:cond delay="0"/>
+                                          </p:stCondLst>
+                                        </p:cTn>
+                                        <p:tgtEl>
+                                          <p:spTgt spid="8"/>
+                                        </p:tgtEl>
+                                        <p:attrNameLst>
+                                          <p:attrName>style.visibility</p:attrName>
+                                        </p:attrNameLst>
+                                      </p:cBhvr>
+                                      <p:to>
+                                        <p:strVal val="visible"/>
+                                      </p:to>
+                                    </p:set>
+                                  </p:childTnLst>
+                                </p:cTn>
+                              </p:par>
+                            </p:childTnLst>
+                          </p:cTn>
+                        </p:par>
+                      </p:childTnLst>
+                    </p:cTn>
+                  </p:par>
+                  <p:par>
+                    <p:cTn id="15" fill="hold">
+                      <p:stCondLst>
+                        <p:cond delay="indefinite"/>
+                      </p:stCondLst>
+                      <p:childTnLst>
+                        <p:par>
+                          <p:cTn id="16" fill="hold">
+                            <p:stCondLst>
+                              <p:cond delay="0"/>
+                            </p:stCondLst>
+                            <p:childTnLst>
+                              <p:par>
+                                <p:cTn id="17" presetID="1" presetClass="entr" presetSubtype="0" fill="hold" grpId="0" nodeType="clickEffect">
+                                  <p:stCondLst>
+                                    <p:cond delay="0"/>
+                                  </p:stCondLst>
+                                  <p:childTnLst>
+                                    <p:set>
+                                      <p:cBhvr>
+                                        <p:cTn id="18" dur="1" fill="hold">
+                                          <p:stCondLst>
+                                            <p:cond delay="0"/>
+                                          </p:stCondLst>
+                                        </p:cTn>
+                                        <p:tgtEl>
+                                          <p:spTgt spid="6"/>
+                                        </p:tgtEl>
+                                        <p:attrNameLst>
+                                          <p:attrName>style.visibility</p:attrName>
+                                        </p:attrNameLst>
+                                      </p:cBhvr>
+                                      <p:to>
+                                        <p:strVal val="visible"/>
+                                      </p:to>
+                                    </p:set>
+                                  </p:childTnLst>
+                                </p:cTn>
+                              </p:par>
+                              <p:par>
+                                <p:cTn id="19" presetID="1" presetClass="entr" presetSubtype="0" fill="hold" nodeType="withEffect">
+                                  <p:stCondLst>
+                                    <p:cond delay="0"/>
+                                  </p:stCondLst>
+                                  <p:childTnLst>
+                                    <p:set>
+                                      <p:cBhvr>
+                                        <p:cTn id="20" dur="1" fill="hold">
+                                          <p:stCondLst>
+                                            <p:cond delay="0"/>
+                                          </p:stCondLst>
+                                        </p:cTn>
+                                        <p:tgtEl>
+                                          <p:spTgt spid="5"/>
                                         </p:tgtEl>
                                         <p:attrNameLst>
                                           <p:attrName>style.visibility</p:attrName>
@@ -5887,8 +8967,2161 @@
       </p:par>
     </p:tnLst>
     <p:bldLst>
-      <p:bldP spid="13" grpId="0"/>
+      <p:bldP spid="6" grpId="0"/>
+      <p:bldP spid="9" grpId="0"/>
+      <p:bldP spid="12" grpId="0"/>
     </p:bldLst>
+  </p:timing>
+</p:sld>
+</file>
+
+<file path=ppt/slides/slide14.xml><?xml version="1.0" encoding="utf-8"?>
+<p:sld xmlns:a="http://schemas.openxmlformats.org/drawingml/2006/main" xmlns:r="http://schemas.openxmlformats.org/officeDocument/2006/relationships" xmlns:p="http://schemas.openxmlformats.org/presentationml/2006/main">
+  <p:cSld>
+    <p:spTree>
+      <p:nvGrpSpPr>
+        <p:cNvPr id="1" name=""/>
+        <p:cNvGrpSpPr/>
+        <p:nvPr/>
+      </p:nvGrpSpPr>
+      <p:grpSpPr>
+        <a:xfrm>
+          <a:off x="0" y="0"/>
+          <a:ext cx="0" cy="0"/>
+          <a:chOff x="0" y="0"/>
+          <a:chExt cx="0" cy="0"/>
+        </a:xfrm>
+      </p:grpSpPr>
+      <p:sp>
+        <p:nvSpPr>
+          <p:cNvPr id="20" name="Rectangle 19">
+            <a:extLst>
+              <a:ext uri="{FF2B5EF4-FFF2-40B4-BE49-F238E27FC236}">
+                <a16:creationId xmlns:a16="http://schemas.microsoft.com/office/drawing/2014/main" id="{BA5B51F8-C6A3-457F-8D51-2646A1CF0752}"/>
+              </a:ext>
+            </a:extLst>
+          </p:cNvPr>
+          <p:cNvSpPr/>
+          <p:nvPr/>
+        </p:nvSpPr>
+        <p:spPr>
+          <a:xfrm>
+            <a:off x="0" y="5237922"/>
+            <a:ext cx="1789043" cy="1620078"/>
+          </a:xfrm>
+          <a:prstGeom prst="rect">
+            <a:avLst/>
+          </a:prstGeom>
+          <a:ln>
+            <a:solidFill>
+              <a:schemeClr val="tx1"/>
+            </a:solidFill>
+          </a:ln>
+        </p:spPr>
+        <p:style>
+          <a:lnRef idx="2">
+            <a:schemeClr val="dk1">
+              <a:shade val="50000"/>
+            </a:schemeClr>
+          </a:lnRef>
+          <a:fillRef idx="1">
+            <a:schemeClr val="dk1"/>
+          </a:fillRef>
+          <a:effectRef idx="0">
+            <a:schemeClr val="dk1"/>
+          </a:effectRef>
+          <a:fontRef idx="minor">
+            <a:schemeClr val="lt1"/>
+          </a:fontRef>
+        </p:style>
+        <p:txBody>
+          <a:bodyPr rtlCol="0" anchor="ctr"/>
+          <a:lstStyle/>
+          <a:p>
+            <a:pPr algn="ctr"/>
+            <a:endParaRPr lang="en-US"/>
+          </a:p>
+        </p:txBody>
+      </p:sp>
+      <p:sp>
+        <p:nvSpPr>
+          <p:cNvPr id="11" name="Title 10">
+            <a:extLst>
+              <a:ext uri="{FF2B5EF4-FFF2-40B4-BE49-F238E27FC236}">
+                <a16:creationId xmlns:a16="http://schemas.microsoft.com/office/drawing/2014/main" id="{010FB232-4CB4-C34D-A688-C51B6E7CD2CF}"/>
+              </a:ext>
+            </a:extLst>
+          </p:cNvPr>
+          <p:cNvSpPr>
+            <a:spLocks noGrp="1"/>
+          </p:cNvSpPr>
+          <p:nvPr>
+            <p:ph type="title"/>
+          </p:nvPr>
+        </p:nvSpPr>
+        <p:spPr>
+          <a:xfrm>
+            <a:off x="80455" y="10128"/>
+            <a:ext cx="11031682" cy="799025"/>
+          </a:xfrm>
+        </p:spPr>
+        <p:txBody>
+          <a:bodyPr>
+            <a:normAutofit fontScale="90000"/>
+          </a:bodyPr>
+          <a:lstStyle/>
+          <a:p>
+            <a:r>
+              <a:rPr lang="en-US" sz="4000" dirty="0">
+                <a:latin typeface="Century" panose="02040604050505020304" pitchFamily="18" charset="0"/>
+                <a:cs typeface="Times New Roman" panose="02020603050405020304" pitchFamily="18" charset="0"/>
+              </a:rPr>
+              <a:t>Number of Ratings per Movie   </a:t>
+            </a:r>
+            <a:r>
+              <a:rPr lang="en-US" sz="3000" dirty="0">
+                <a:latin typeface="Century" panose="02040604050505020304" pitchFamily="18" charset="0"/>
+                <a:cs typeface="Times New Roman" panose="02020603050405020304" pitchFamily="18" charset="0"/>
+              </a:rPr>
+              <a:t>Collaborative Based</a:t>
+            </a:r>
+          </a:p>
+        </p:txBody>
+      </p:sp>
+      <p:sp>
+        <p:nvSpPr>
+          <p:cNvPr id="7" name="TextBox 6"/>
+          <p:cNvSpPr txBox="1"/>
+          <p:nvPr/>
+        </p:nvSpPr>
+        <p:spPr>
+          <a:xfrm>
+            <a:off x="11112137" y="6400800"/>
+            <a:ext cx="945762" cy="338554"/>
+          </a:xfrm>
+          <a:prstGeom prst="rect">
+            <a:avLst/>
+          </a:prstGeom>
+          <a:noFill/>
+        </p:spPr>
+        <p:txBody>
+          <a:bodyPr wrap="square" rtlCol="0">
+            <a:spAutoFit/>
+          </a:bodyPr>
+          <a:lstStyle/>
+          <a:p>
+            <a:r>
+              <a:rPr lang="en-US" sz="1600" b="1" dirty="0">
+                <a:solidFill>
+                  <a:schemeClr val="bg1"/>
+                </a:solidFill>
+              </a:rPr>
+              <a:t>Slide 13</a:t>
+            </a:r>
+          </a:p>
+        </p:txBody>
+      </p:sp>
+      <p:pic>
+        <p:nvPicPr>
+          <p:cNvPr id="2" name="Picture 1"/>
+          <p:cNvPicPr>
+            <a:picLocks noChangeAspect="1"/>
+          </p:cNvPicPr>
+          <p:nvPr/>
+        </p:nvPicPr>
+        <p:blipFill rotWithShape="1">
+          <a:blip r:embed="rId2"/>
+          <a:srcRect b="20429"/>
+          <a:stretch/>
+        </p:blipFill>
+        <p:spPr>
+          <a:xfrm>
+            <a:off x="270647" y="1549531"/>
+            <a:ext cx="4783442" cy="1594263"/>
+          </a:xfrm>
+          <a:prstGeom prst="rect">
+            <a:avLst/>
+          </a:prstGeom>
+        </p:spPr>
+      </p:pic>
+      <p:sp>
+        <p:nvSpPr>
+          <p:cNvPr id="17" name="TextBox 16">
+            <a:extLst>
+              <a:ext uri="{FF2B5EF4-FFF2-40B4-BE49-F238E27FC236}">
+                <a16:creationId xmlns:a16="http://schemas.microsoft.com/office/drawing/2014/main" id="{1818FD5C-15FB-4FC0-A25F-5F5CEBC3CDDF}"/>
+              </a:ext>
+            </a:extLst>
+          </p:cNvPr>
+          <p:cNvSpPr txBox="1"/>
+          <p:nvPr/>
+        </p:nvSpPr>
+        <p:spPr>
+          <a:xfrm>
+            <a:off x="417472" y="1140712"/>
+            <a:ext cx="4552161" cy="400110"/>
+          </a:xfrm>
+          <a:prstGeom prst="rect">
+            <a:avLst/>
+          </a:prstGeom>
+          <a:noFill/>
+        </p:spPr>
+        <p:txBody>
+          <a:bodyPr wrap="square" rtlCol="0">
+            <a:spAutoFit/>
+          </a:bodyPr>
+          <a:lstStyle/>
+          <a:p>
+            <a:r>
+              <a:rPr lang="en-US" sz="2000" dirty="0">
+                <a:solidFill>
+                  <a:schemeClr val="bg1"/>
+                </a:solidFill>
+              </a:rPr>
+              <a:t>Get count of number of ratings per movie</a:t>
+            </a:r>
+          </a:p>
+        </p:txBody>
+      </p:sp>
+      <p:pic>
+        <p:nvPicPr>
+          <p:cNvPr id="4" name="Picture 3"/>
+          <p:cNvPicPr>
+            <a:picLocks noChangeAspect="1"/>
+          </p:cNvPicPr>
+          <p:nvPr/>
+        </p:nvPicPr>
+        <p:blipFill>
+          <a:blip r:embed="rId3"/>
+          <a:stretch>
+            <a:fillRect/>
+          </a:stretch>
+        </p:blipFill>
+        <p:spPr>
+          <a:xfrm>
+            <a:off x="7576457" y="1209263"/>
+            <a:ext cx="3535680" cy="2254339"/>
+          </a:xfrm>
+          <a:prstGeom prst="rect">
+            <a:avLst/>
+          </a:prstGeom>
+          <a:ln>
+            <a:solidFill>
+              <a:schemeClr val="tx1"/>
+            </a:solidFill>
+          </a:ln>
+        </p:spPr>
+      </p:pic>
+      <p:sp>
+        <p:nvSpPr>
+          <p:cNvPr id="18" name="TextBox 17">
+            <a:extLst>
+              <a:ext uri="{FF2B5EF4-FFF2-40B4-BE49-F238E27FC236}">
+                <a16:creationId xmlns:a16="http://schemas.microsoft.com/office/drawing/2014/main" id="{1818FD5C-15FB-4FC0-A25F-5F5CEBC3CDDF}"/>
+              </a:ext>
+            </a:extLst>
+          </p:cNvPr>
+          <p:cNvSpPr txBox="1"/>
+          <p:nvPr/>
+        </p:nvSpPr>
+        <p:spPr>
+          <a:xfrm>
+            <a:off x="8962855" y="813080"/>
+            <a:ext cx="762884" cy="400110"/>
+          </a:xfrm>
+          <a:prstGeom prst="rect">
+            <a:avLst/>
+          </a:prstGeom>
+          <a:noFill/>
+        </p:spPr>
+        <p:txBody>
+          <a:bodyPr wrap="square" rtlCol="0">
+            <a:spAutoFit/>
+          </a:bodyPr>
+          <a:lstStyle/>
+          <a:p>
+            <a:r>
+              <a:rPr lang="en-US" sz="2000" dirty="0">
+                <a:solidFill>
+                  <a:schemeClr val="bg1"/>
+                </a:solidFill>
+              </a:rPr>
+              <a:t>Plot</a:t>
+            </a:r>
+          </a:p>
+        </p:txBody>
+      </p:sp>
+      <p:pic>
+        <p:nvPicPr>
+          <p:cNvPr id="10" name="Picture 9"/>
+          <p:cNvPicPr>
+            <a:picLocks noChangeAspect="1"/>
+          </p:cNvPicPr>
+          <p:nvPr/>
+        </p:nvPicPr>
+        <p:blipFill>
+          <a:blip r:embed="rId4"/>
+          <a:stretch>
+            <a:fillRect/>
+          </a:stretch>
+        </p:blipFill>
+        <p:spPr>
+          <a:xfrm>
+            <a:off x="8296717" y="4160252"/>
+            <a:ext cx="2457450" cy="2409825"/>
+          </a:xfrm>
+          <a:prstGeom prst="rect">
+            <a:avLst/>
+          </a:prstGeom>
+        </p:spPr>
+      </p:pic>
+      <p:sp>
+        <p:nvSpPr>
+          <p:cNvPr id="19" name="TextBox 18">
+            <a:extLst>
+              <a:ext uri="{FF2B5EF4-FFF2-40B4-BE49-F238E27FC236}">
+                <a16:creationId xmlns:a16="http://schemas.microsoft.com/office/drawing/2014/main" id="{1818FD5C-15FB-4FC0-A25F-5F5CEBC3CDDF}"/>
+              </a:ext>
+            </a:extLst>
+          </p:cNvPr>
+          <p:cNvSpPr txBox="1"/>
+          <p:nvPr/>
+        </p:nvSpPr>
+        <p:spPr>
+          <a:xfrm>
+            <a:off x="8858797" y="3760142"/>
+            <a:ext cx="1333289" cy="400110"/>
+          </a:xfrm>
+          <a:prstGeom prst="rect">
+            <a:avLst/>
+          </a:prstGeom>
+          <a:noFill/>
+        </p:spPr>
+        <p:txBody>
+          <a:bodyPr wrap="square" rtlCol="0">
+            <a:spAutoFit/>
+          </a:bodyPr>
+          <a:lstStyle/>
+          <a:p>
+            <a:r>
+              <a:rPr lang="en-US" sz="2000" dirty="0">
+                <a:solidFill>
+                  <a:schemeClr val="bg1"/>
+                </a:solidFill>
+              </a:rPr>
+              <a:t>Quantiles</a:t>
+            </a:r>
+          </a:p>
+        </p:txBody>
+      </p:sp>
+      <p:sp>
+        <p:nvSpPr>
+          <p:cNvPr id="22" name="Content Placeholder 17">
+            <a:extLst>
+              <a:ext uri="{FF2B5EF4-FFF2-40B4-BE49-F238E27FC236}">
+                <a16:creationId xmlns:a16="http://schemas.microsoft.com/office/drawing/2014/main" id="{0185A217-4048-4D79-B397-6286970F7768}"/>
+              </a:ext>
+            </a:extLst>
+          </p:cNvPr>
+          <p:cNvSpPr txBox="1">
+            <a:spLocks/>
+          </p:cNvSpPr>
+          <p:nvPr/>
+        </p:nvSpPr>
+        <p:spPr>
+          <a:xfrm>
+            <a:off x="80455" y="3272359"/>
+            <a:ext cx="7654181" cy="3466995"/>
+          </a:xfrm>
+          <a:prstGeom prst="rect">
+            <a:avLst/>
+          </a:prstGeom>
+        </p:spPr>
+        <p:txBody>
+          <a:bodyPr vert="horz" lIns="91440" tIns="45720" rIns="91440" bIns="45720" rtlCol="0">
+            <a:normAutofit lnSpcReduction="10000"/>
+          </a:bodyPr>
+          <a:lstStyle>
+            <a:lvl1pPr marL="228600" indent="-228600" algn="l" defTabSz="914400" rtl="0" eaLnBrk="1" latinLnBrk="0" hangingPunct="1">
+              <a:lnSpc>
+                <a:spcPct val="90000"/>
+              </a:lnSpc>
+              <a:spcBef>
+                <a:spcPts val="1000"/>
+              </a:spcBef>
+              <a:buFont typeface="Arial" panose="020B0604020202020204" pitchFamily="34" charset="0"/>
+              <a:buChar char="•"/>
+              <a:defRPr sz="2800" kern="1200">
+                <a:solidFill>
+                  <a:schemeClr val="tx1"/>
+                </a:solidFill>
+                <a:latin typeface="+mn-lt"/>
+                <a:ea typeface="+mn-ea"/>
+                <a:cs typeface="+mn-cs"/>
+              </a:defRPr>
+            </a:lvl1pPr>
+            <a:lvl2pPr marL="685800" indent="-228600" algn="l" defTabSz="914400" rtl="0" eaLnBrk="1" latinLnBrk="0" hangingPunct="1">
+              <a:lnSpc>
+                <a:spcPct val="90000"/>
+              </a:lnSpc>
+              <a:spcBef>
+                <a:spcPts val="500"/>
+              </a:spcBef>
+              <a:buFont typeface="Arial" panose="020B0604020202020204" pitchFamily="34" charset="0"/>
+              <a:buChar char="•"/>
+              <a:defRPr sz="2400" kern="1200">
+                <a:solidFill>
+                  <a:schemeClr val="tx1"/>
+                </a:solidFill>
+                <a:latin typeface="+mn-lt"/>
+                <a:ea typeface="+mn-ea"/>
+                <a:cs typeface="+mn-cs"/>
+              </a:defRPr>
+            </a:lvl2pPr>
+            <a:lvl3pPr marL="1143000" indent="-228600" algn="l" defTabSz="914400" rtl="0" eaLnBrk="1" latinLnBrk="0" hangingPunct="1">
+              <a:lnSpc>
+                <a:spcPct val="90000"/>
+              </a:lnSpc>
+              <a:spcBef>
+                <a:spcPts val="500"/>
+              </a:spcBef>
+              <a:buFont typeface="Arial" panose="020B0604020202020204" pitchFamily="34" charset="0"/>
+              <a:buChar char="•"/>
+              <a:defRPr sz="2000" kern="1200">
+                <a:solidFill>
+                  <a:schemeClr val="tx1"/>
+                </a:solidFill>
+                <a:latin typeface="+mn-lt"/>
+                <a:ea typeface="+mn-ea"/>
+                <a:cs typeface="+mn-cs"/>
+              </a:defRPr>
+            </a:lvl3pPr>
+            <a:lvl4pPr marL="1600200" indent="-228600" algn="l" defTabSz="914400" rtl="0" eaLnBrk="1" latinLnBrk="0" hangingPunct="1">
+              <a:lnSpc>
+                <a:spcPct val="90000"/>
+              </a:lnSpc>
+              <a:spcBef>
+                <a:spcPts val="500"/>
+              </a:spcBef>
+              <a:buFont typeface="Arial" panose="020B0604020202020204" pitchFamily="34" charset="0"/>
+              <a:buChar char="•"/>
+              <a:defRPr sz="1800" kern="1200">
+                <a:solidFill>
+                  <a:schemeClr val="tx1"/>
+                </a:solidFill>
+                <a:latin typeface="+mn-lt"/>
+                <a:ea typeface="+mn-ea"/>
+                <a:cs typeface="+mn-cs"/>
+              </a:defRPr>
+            </a:lvl4pPr>
+            <a:lvl5pPr marL="2057400" indent="-228600" algn="l" defTabSz="914400" rtl="0" eaLnBrk="1" latinLnBrk="0" hangingPunct="1">
+              <a:lnSpc>
+                <a:spcPct val="90000"/>
+              </a:lnSpc>
+              <a:spcBef>
+                <a:spcPts val="500"/>
+              </a:spcBef>
+              <a:buFont typeface="Arial" panose="020B0604020202020204" pitchFamily="34" charset="0"/>
+              <a:buChar char="•"/>
+              <a:defRPr sz="1800" kern="1200">
+                <a:solidFill>
+                  <a:schemeClr val="tx1"/>
+                </a:solidFill>
+                <a:latin typeface="+mn-lt"/>
+                <a:ea typeface="+mn-ea"/>
+                <a:cs typeface="+mn-cs"/>
+              </a:defRPr>
+            </a:lvl5pPr>
+            <a:lvl6pPr marL="2514600" indent="-228600" algn="l" defTabSz="914400" rtl="0" eaLnBrk="1" latinLnBrk="0" hangingPunct="1">
+              <a:lnSpc>
+                <a:spcPct val="90000"/>
+              </a:lnSpc>
+              <a:spcBef>
+                <a:spcPts val="500"/>
+              </a:spcBef>
+              <a:buFont typeface="Arial" panose="020B0604020202020204" pitchFamily="34" charset="0"/>
+              <a:buChar char="•"/>
+              <a:defRPr sz="1800" kern="1200">
+                <a:solidFill>
+                  <a:schemeClr val="tx1"/>
+                </a:solidFill>
+                <a:latin typeface="+mn-lt"/>
+                <a:ea typeface="+mn-ea"/>
+                <a:cs typeface="+mn-cs"/>
+              </a:defRPr>
+            </a:lvl6pPr>
+            <a:lvl7pPr marL="2971800" indent="-228600" algn="l" defTabSz="914400" rtl="0" eaLnBrk="1" latinLnBrk="0" hangingPunct="1">
+              <a:lnSpc>
+                <a:spcPct val="90000"/>
+              </a:lnSpc>
+              <a:spcBef>
+                <a:spcPts val="500"/>
+              </a:spcBef>
+              <a:buFont typeface="Arial" panose="020B0604020202020204" pitchFamily="34" charset="0"/>
+              <a:buChar char="•"/>
+              <a:defRPr sz="1800" kern="1200">
+                <a:solidFill>
+                  <a:schemeClr val="tx1"/>
+                </a:solidFill>
+                <a:latin typeface="+mn-lt"/>
+                <a:ea typeface="+mn-ea"/>
+                <a:cs typeface="+mn-cs"/>
+              </a:defRPr>
+            </a:lvl7pPr>
+            <a:lvl8pPr marL="3429000" indent="-228600" algn="l" defTabSz="914400" rtl="0" eaLnBrk="1" latinLnBrk="0" hangingPunct="1">
+              <a:lnSpc>
+                <a:spcPct val="90000"/>
+              </a:lnSpc>
+              <a:spcBef>
+                <a:spcPts val="500"/>
+              </a:spcBef>
+              <a:buFont typeface="Arial" panose="020B0604020202020204" pitchFamily="34" charset="0"/>
+              <a:buChar char="•"/>
+              <a:defRPr sz="1800" kern="1200">
+                <a:solidFill>
+                  <a:schemeClr val="tx1"/>
+                </a:solidFill>
+                <a:latin typeface="+mn-lt"/>
+                <a:ea typeface="+mn-ea"/>
+                <a:cs typeface="+mn-cs"/>
+              </a:defRPr>
+            </a:lvl8pPr>
+            <a:lvl9pPr marL="3886200" indent="-228600" algn="l" defTabSz="914400" rtl="0" eaLnBrk="1" latinLnBrk="0" hangingPunct="1">
+              <a:lnSpc>
+                <a:spcPct val="90000"/>
+              </a:lnSpc>
+              <a:spcBef>
+                <a:spcPts val="500"/>
+              </a:spcBef>
+              <a:buFont typeface="Arial" panose="020B0604020202020204" pitchFamily="34" charset="0"/>
+              <a:buChar char="•"/>
+              <a:defRPr sz="1800" kern="1200">
+                <a:solidFill>
+                  <a:schemeClr val="tx1"/>
+                </a:solidFill>
+                <a:latin typeface="+mn-lt"/>
+                <a:ea typeface="+mn-ea"/>
+                <a:cs typeface="+mn-cs"/>
+              </a:defRPr>
+            </a:lvl9pPr>
+          </a:lstStyle>
+          <a:p>
+            <a:r>
+              <a:rPr lang="en-US" sz="2000" dirty="0">
+                <a:solidFill>
+                  <a:schemeClr val="bg1"/>
+                </a:solidFill>
+              </a:rPr>
+              <a:t>Quantiles are values which divide a sample such that there is a given proportion of observations below the quantile. </a:t>
+            </a:r>
+          </a:p>
+          <a:p>
+            <a:r>
+              <a:rPr lang="en-US" sz="2000" dirty="0">
+                <a:solidFill>
+                  <a:schemeClr val="bg1"/>
+                </a:solidFill>
+              </a:rPr>
+              <a:t>Top 1% of movies have more than 3,600 ratings </a:t>
+            </a:r>
+          </a:p>
+          <a:p>
+            <a:r>
+              <a:rPr lang="en-US" sz="2000" dirty="0">
+                <a:solidFill>
+                  <a:schemeClr val="bg1"/>
+                </a:solidFill>
+              </a:rPr>
+              <a:t>Top 5% of movies have more than 230 ratings </a:t>
+            </a:r>
+          </a:p>
+          <a:p>
+            <a:r>
+              <a:rPr lang="en-US" sz="2000" dirty="0">
+                <a:solidFill>
+                  <a:schemeClr val="bg1"/>
+                </a:solidFill>
+              </a:rPr>
+              <a:t>Half the movies have less than 4 ratings</a:t>
+            </a:r>
+          </a:p>
+          <a:p>
+            <a:r>
+              <a:rPr lang="en-US" sz="2000" dirty="0">
+                <a:solidFill>
+                  <a:schemeClr val="bg1"/>
+                </a:solidFill>
+              </a:rPr>
+              <a:t>Based on this I am going to </a:t>
+            </a:r>
+            <a:r>
+              <a:rPr lang="en-US" sz="2000" b="1" i="1" dirty="0">
+                <a:solidFill>
+                  <a:schemeClr val="bg1"/>
+                </a:solidFill>
+              </a:rPr>
+              <a:t>remove all movies with less than 10 ratings</a:t>
+            </a:r>
+          </a:p>
+          <a:p>
+            <a:r>
+              <a:rPr lang="en-US" sz="2000" dirty="0">
+                <a:solidFill>
+                  <a:schemeClr val="bg1"/>
+                </a:solidFill>
+              </a:rPr>
+              <a:t>So I removing approximately </a:t>
+            </a:r>
+            <a:r>
+              <a:rPr lang="en-US" sz="2000" b="1" i="1" dirty="0">
+                <a:solidFill>
+                  <a:schemeClr val="bg1"/>
+                </a:solidFill>
+              </a:rPr>
+              <a:t>65% of the data</a:t>
+            </a:r>
+          </a:p>
+          <a:p>
+            <a:r>
+              <a:rPr lang="en-US" sz="2000" b="1" i="1" dirty="0">
+                <a:solidFill>
+                  <a:schemeClr val="bg1"/>
+                </a:solidFill>
+              </a:rPr>
+              <a:t>There are 5,419 movies with 10 or more ratings. There were 22,156 in the original dataset.</a:t>
+            </a:r>
+          </a:p>
+          <a:p>
+            <a:endParaRPr lang="en-US" sz="2000" b="1" dirty="0">
+              <a:solidFill>
+                <a:schemeClr val="bg1"/>
+              </a:solidFill>
+            </a:endParaRPr>
+          </a:p>
+        </p:txBody>
+      </p:sp>
+      <p:sp>
+        <p:nvSpPr>
+          <p:cNvPr id="23" name="Rectangle 22"/>
+          <p:cNvSpPr/>
+          <p:nvPr/>
+        </p:nvSpPr>
+        <p:spPr>
+          <a:xfrm>
+            <a:off x="8296717" y="5513832"/>
+            <a:ext cx="1341059" cy="228600"/>
+          </a:xfrm>
+          <a:prstGeom prst="rect">
+            <a:avLst/>
+          </a:prstGeom>
+          <a:noFill/>
+          <a:ln>
+            <a:solidFill>
+              <a:srgbClr val="FF0000"/>
+            </a:solidFill>
+          </a:ln>
+        </p:spPr>
+        <p:style>
+          <a:lnRef idx="2">
+            <a:schemeClr val="accent1">
+              <a:shade val="50000"/>
+            </a:schemeClr>
+          </a:lnRef>
+          <a:fillRef idx="1">
+            <a:schemeClr val="accent1"/>
+          </a:fillRef>
+          <a:effectRef idx="0">
+            <a:schemeClr val="accent1"/>
+          </a:effectRef>
+          <a:fontRef idx="minor">
+            <a:schemeClr val="lt1"/>
+          </a:fontRef>
+        </p:style>
+        <p:txBody>
+          <a:bodyPr rtlCol="0" anchor="ctr"/>
+          <a:lstStyle/>
+          <a:p>
+            <a:pPr algn="ctr"/>
+            <a:endParaRPr lang="en-US"/>
+          </a:p>
+        </p:txBody>
+      </p:sp>
+      <p:sp>
+        <p:nvSpPr>
+          <p:cNvPr id="8" name="Oval 7"/>
+          <p:cNvSpPr/>
+          <p:nvPr/>
+        </p:nvSpPr>
+        <p:spPr>
+          <a:xfrm>
+            <a:off x="8915396" y="3071513"/>
+            <a:ext cx="104058" cy="144561"/>
+          </a:xfrm>
+          <a:prstGeom prst="ellipse">
+            <a:avLst/>
+          </a:prstGeom>
+        </p:spPr>
+        <p:style>
+          <a:lnRef idx="2">
+            <a:schemeClr val="dk1">
+              <a:shade val="50000"/>
+            </a:schemeClr>
+          </a:lnRef>
+          <a:fillRef idx="1">
+            <a:schemeClr val="dk1"/>
+          </a:fillRef>
+          <a:effectRef idx="0">
+            <a:schemeClr val="dk1"/>
+          </a:effectRef>
+          <a:fontRef idx="minor">
+            <a:schemeClr val="lt1"/>
+          </a:fontRef>
+        </p:style>
+        <p:txBody>
+          <a:bodyPr rtlCol="0" anchor="ctr"/>
+          <a:lstStyle/>
+          <a:p>
+            <a:pPr algn="ctr"/>
+            <a:endParaRPr lang="en-US"/>
+          </a:p>
+        </p:txBody>
+      </p:sp>
+    </p:spTree>
+    <p:extLst>
+      <p:ext uri="{BB962C8B-B14F-4D97-AF65-F5344CB8AC3E}">
+        <p14:creationId xmlns:p14="http://schemas.microsoft.com/office/powerpoint/2010/main" val="2437970338"/>
+      </p:ext>
+    </p:extLst>
+  </p:cSld>
+  <p:clrMapOvr>
+    <a:masterClrMapping/>
+  </p:clrMapOvr>
+  <p:timing>
+    <p:tnLst>
+      <p:par>
+        <p:cTn id="1" dur="indefinite" restart="never" nodeType="tmRoot">
+          <p:childTnLst>
+            <p:seq concurrent="1" nextAc="seek">
+              <p:cTn id="2" dur="indefinite" nodeType="mainSeq">
+                <p:childTnLst>
+                  <p:par>
+                    <p:cTn id="3" fill="hold">
+                      <p:stCondLst>
+                        <p:cond delay="indefinite"/>
+                      </p:stCondLst>
+                      <p:childTnLst>
+                        <p:par>
+                          <p:cTn id="4" fill="hold">
+                            <p:stCondLst>
+                              <p:cond delay="0"/>
+                            </p:stCondLst>
+                            <p:childTnLst>
+                              <p:par>
+                                <p:cTn id="5" presetID="1" presetClass="entr" presetSubtype="0" fill="hold" grpId="0" nodeType="clickEffect">
+                                  <p:stCondLst>
+                                    <p:cond delay="0"/>
+                                  </p:stCondLst>
+                                  <p:childTnLst>
+                                    <p:set>
+                                      <p:cBhvr>
+                                        <p:cTn id="6" dur="1" fill="hold">
+                                          <p:stCondLst>
+                                            <p:cond delay="0"/>
+                                          </p:stCondLst>
+                                        </p:cTn>
+                                        <p:tgtEl>
+                                          <p:spTgt spid="17"/>
+                                        </p:tgtEl>
+                                        <p:attrNameLst>
+                                          <p:attrName>style.visibility</p:attrName>
+                                        </p:attrNameLst>
+                                      </p:cBhvr>
+                                      <p:to>
+                                        <p:strVal val="visible"/>
+                                      </p:to>
+                                    </p:set>
+                                  </p:childTnLst>
+                                </p:cTn>
+                              </p:par>
+                              <p:par>
+                                <p:cTn id="7" presetID="1" presetClass="entr" presetSubtype="0" fill="hold" nodeType="withEffect">
+                                  <p:stCondLst>
+                                    <p:cond delay="0"/>
+                                  </p:stCondLst>
+                                  <p:childTnLst>
+                                    <p:set>
+                                      <p:cBhvr>
+                                        <p:cTn id="8" dur="1" fill="hold">
+                                          <p:stCondLst>
+                                            <p:cond delay="0"/>
+                                          </p:stCondLst>
+                                        </p:cTn>
+                                        <p:tgtEl>
+                                          <p:spTgt spid="2"/>
+                                        </p:tgtEl>
+                                        <p:attrNameLst>
+                                          <p:attrName>style.visibility</p:attrName>
+                                        </p:attrNameLst>
+                                      </p:cBhvr>
+                                      <p:to>
+                                        <p:strVal val="visible"/>
+                                      </p:to>
+                                    </p:set>
+                                  </p:childTnLst>
+                                </p:cTn>
+                              </p:par>
+                            </p:childTnLst>
+                          </p:cTn>
+                        </p:par>
+                      </p:childTnLst>
+                    </p:cTn>
+                  </p:par>
+                  <p:par>
+                    <p:cTn id="9" fill="hold">
+                      <p:stCondLst>
+                        <p:cond delay="indefinite"/>
+                      </p:stCondLst>
+                      <p:childTnLst>
+                        <p:par>
+                          <p:cTn id="10" fill="hold">
+                            <p:stCondLst>
+                              <p:cond delay="0"/>
+                            </p:stCondLst>
+                            <p:childTnLst>
+                              <p:par>
+                                <p:cTn id="11" presetID="1" presetClass="entr" presetSubtype="0" fill="hold" grpId="0" nodeType="clickEffect">
+                                  <p:stCondLst>
+                                    <p:cond delay="0"/>
+                                  </p:stCondLst>
+                                  <p:childTnLst>
+                                    <p:set>
+                                      <p:cBhvr>
+                                        <p:cTn id="12" dur="1" fill="hold">
+                                          <p:stCondLst>
+                                            <p:cond delay="0"/>
+                                          </p:stCondLst>
+                                        </p:cTn>
+                                        <p:tgtEl>
+                                          <p:spTgt spid="18"/>
+                                        </p:tgtEl>
+                                        <p:attrNameLst>
+                                          <p:attrName>style.visibility</p:attrName>
+                                        </p:attrNameLst>
+                                      </p:cBhvr>
+                                      <p:to>
+                                        <p:strVal val="visible"/>
+                                      </p:to>
+                                    </p:set>
+                                  </p:childTnLst>
+                                </p:cTn>
+                              </p:par>
+                              <p:par>
+                                <p:cTn id="13" presetID="1" presetClass="entr" presetSubtype="0" fill="hold" nodeType="withEffect">
+                                  <p:stCondLst>
+                                    <p:cond delay="0"/>
+                                  </p:stCondLst>
+                                  <p:childTnLst>
+                                    <p:set>
+                                      <p:cBhvr>
+                                        <p:cTn id="14" dur="1" fill="hold">
+                                          <p:stCondLst>
+                                            <p:cond delay="0"/>
+                                          </p:stCondLst>
+                                        </p:cTn>
+                                        <p:tgtEl>
+                                          <p:spTgt spid="4"/>
+                                        </p:tgtEl>
+                                        <p:attrNameLst>
+                                          <p:attrName>style.visibility</p:attrName>
+                                        </p:attrNameLst>
+                                      </p:cBhvr>
+                                      <p:to>
+                                        <p:strVal val="visible"/>
+                                      </p:to>
+                                    </p:set>
+                                  </p:childTnLst>
+                                </p:cTn>
+                              </p:par>
+                            </p:childTnLst>
+                          </p:cTn>
+                        </p:par>
+                      </p:childTnLst>
+                    </p:cTn>
+                  </p:par>
+                  <p:par>
+                    <p:cTn id="15" fill="hold">
+                      <p:stCondLst>
+                        <p:cond delay="indefinite"/>
+                      </p:stCondLst>
+                      <p:childTnLst>
+                        <p:par>
+                          <p:cTn id="16" fill="hold">
+                            <p:stCondLst>
+                              <p:cond delay="0"/>
+                            </p:stCondLst>
+                            <p:childTnLst>
+                              <p:par>
+                                <p:cTn id="17" presetID="1" presetClass="entr" presetSubtype="0" fill="hold" grpId="0" nodeType="clickEffect">
+                                  <p:stCondLst>
+                                    <p:cond delay="0"/>
+                                  </p:stCondLst>
+                                  <p:childTnLst>
+                                    <p:set>
+                                      <p:cBhvr>
+                                        <p:cTn id="18" dur="1" fill="hold">
+                                          <p:stCondLst>
+                                            <p:cond delay="0"/>
+                                          </p:stCondLst>
+                                        </p:cTn>
+                                        <p:tgtEl>
+                                          <p:spTgt spid="19"/>
+                                        </p:tgtEl>
+                                        <p:attrNameLst>
+                                          <p:attrName>style.visibility</p:attrName>
+                                        </p:attrNameLst>
+                                      </p:cBhvr>
+                                      <p:to>
+                                        <p:strVal val="visible"/>
+                                      </p:to>
+                                    </p:set>
+                                  </p:childTnLst>
+                                </p:cTn>
+                              </p:par>
+                              <p:par>
+                                <p:cTn id="19" presetID="1" presetClass="entr" presetSubtype="0" fill="hold" nodeType="withEffect">
+                                  <p:stCondLst>
+                                    <p:cond delay="0"/>
+                                  </p:stCondLst>
+                                  <p:childTnLst>
+                                    <p:set>
+                                      <p:cBhvr>
+                                        <p:cTn id="20" dur="1" fill="hold">
+                                          <p:stCondLst>
+                                            <p:cond delay="0"/>
+                                          </p:stCondLst>
+                                        </p:cTn>
+                                        <p:tgtEl>
+                                          <p:spTgt spid="10"/>
+                                        </p:tgtEl>
+                                        <p:attrNameLst>
+                                          <p:attrName>style.visibility</p:attrName>
+                                        </p:attrNameLst>
+                                      </p:cBhvr>
+                                      <p:to>
+                                        <p:strVal val="visible"/>
+                                      </p:to>
+                                    </p:set>
+                                  </p:childTnLst>
+                                </p:cTn>
+                              </p:par>
+                            </p:childTnLst>
+                          </p:cTn>
+                        </p:par>
+                      </p:childTnLst>
+                    </p:cTn>
+                  </p:par>
+                  <p:par>
+                    <p:cTn id="21" fill="hold">
+                      <p:stCondLst>
+                        <p:cond delay="indefinite"/>
+                      </p:stCondLst>
+                      <p:childTnLst>
+                        <p:par>
+                          <p:cTn id="22" fill="hold">
+                            <p:stCondLst>
+                              <p:cond delay="0"/>
+                            </p:stCondLst>
+                            <p:childTnLst>
+                              <p:par>
+                                <p:cTn id="23" presetID="1" presetClass="entr" presetSubtype="0" fill="hold" nodeType="clickEffect">
+                                  <p:stCondLst>
+                                    <p:cond delay="0"/>
+                                  </p:stCondLst>
+                                  <p:childTnLst>
+                                    <p:set>
+                                      <p:cBhvr>
+                                        <p:cTn id="24" dur="1" fill="hold">
+                                          <p:stCondLst>
+                                            <p:cond delay="0"/>
+                                          </p:stCondLst>
+                                        </p:cTn>
+                                        <p:tgtEl>
+                                          <p:spTgt spid="22">
+                                            <p:txEl>
+                                              <p:pRg st="0" end="0"/>
+                                            </p:txEl>
+                                          </p:spTgt>
+                                        </p:tgtEl>
+                                        <p:attrNameLst>
+                                          <p:attrName>style.visibility</p:attrName>
+                                        </p:attrNameLst>
+                                      </p:cBhvr>
+                                      <p:to>
+                                        <p:strVal val="visible"/>
+                                      </p:to>
+                                    </p:set>
+                                  </p:childTnLst>
+                                </p:cTn>
+                              </p:par>
+                            </p:childTnLst>
+                          </p:cTn>
+                        </p:par>
+                      </p:childTnLst>
+                    </p:cTn>
+                  </p:par>
+                  <p:par>
+                    <p:cTn id="25" fill="hold">
+                      <p:stCondLst>
+                        <p:cond delay="indefinite"/>
+                      </p:stCondLst>
+                      <p:childTnLst>
+                        <p:par>
+                          <p:cTn id="26" fill="hold">
+                            <p:stCondLst>
+                              <p:cond delay="0"/>
+                            </p:stCondLst>
+                            <p:childTnLst>
+                              <p:par>
+                                <p:cTn id="27" presetID="1" presetClass="entr" presetSubtype="0" fill="hold" nodeType="clickEffect">
+                                  <p:stCondLst>
+                                    <p:cond delay="0"/>
+                                  </p:stCondLst>
+                                  <p:childTnLst>
+                                    <p:set>
+                                      <p:cBhvr>
+                                        <p:cTn id="28" dur="1" fill="hold">
+                                          <p:stCondLst>
+                                            <p:cond delay="0"/>
+                                          </p:stCondLst>
+                                        </p:cTn>
+                                        <p:tgtEl>
+                                          <p:spTgt spid="22">
+                                            <p:txEl>
+                                              <p:pRg st="1" end="1"/>
+                                            </p:txEl>
+                                          </p:spTgt>
+                                        </p:tgtEl>
+                                        <p:attrNameLst>
+                                          <p:attrName>style.visibility</p:attrName>
+                                        </p:attrNameLst>
+                                      </p:cBhvr>
+                                      <p:to>
+                                        <p:strVal val="visible"/>
+                                      </p:to>
+                                    </p:set>
+                                  </p:childTnLst>
+                                </p:cTn>
+                              </p:par>
+                              <p:par>
+                                <p:cTn id="29" presetID="1" presetClass="entr" presetSubtype="0" fill="hold" nodeType="withEffect">
+                                  <p:stCondLst>
+                                    <p:cond delay="0"/>
+                                  </p:stCondLst>
+                                  <p:childTnLst>
+                                    <p:set>
+                                      <p:cBhvr>
+                                        <p:cTn id="30" dur="1" fill="hold">
+                                          <p:stCondLst>
+                                            <p:cond delay="0"/>
+                                          </p:stCondLst>
+                                        </p:cTn>
+                                        <p:tgtEl>
+                                          <p:spTgt spid="22">
+                                            <p:txEl>
+                                              <p:pRg st="2" end="2"/>
+                                            </p:txEl>
+                                          </p:spTgt>
+                                        </p:tgtEl>
+                                        <p:attrNameLst>
+                                          <p:attrName>style.visibility</p:attrName>
+                                        </p:attrNameLst>
+                                      </p:cBhvr>
+                                      <p:to>
+                                        <p:strVal val="visible"/>
+                                      </p:to>
+                                    </p:set>
+                                  </p:childTnLst>
+                                </p:cTn>
+                              </p:par>
+                              <p:par>
+                                <p:cTn id="31" presetID="1" presetClass="entr" presetSubtype="0" fill="hold" nodeType="withEffect">
+                                  <p:stCondLst>
+                                    <p:cond delay="0"/>
+                                  </p:stCondLst>
+                                  <p:childTnLst>
+                                    <p:set>
+                                      <p:cBhvr>
+                                        <p:cTn id="32" dur="1" fill="hold">
+                                          <p:stCondLst>
+                                            <p:cond delay="0"/>
+                                          </p:stCondLst>
+                                        </p:cTn>
+                                        <p:tgtEl>
+                                          <p:spTgt spid="22">
+                                            <p:txEl>
+                                              <p:pRg st="3" end="3"/>
+                                            </p:txEl>
+                                          </p:spTgt>
+                                        </p:tgtEl>
+                                        <p:attrNameLst>
+                                          <p:attrName>style.visibility</p:attrName>
+                                        </p:attrNameLst>
+                                      </p:cBhvr>
+                                      <p:to>
+                                        <p:strVal val="visible"/>
+                                      </p:to>
+                                    </p:set>
+                                  </p:childTnLst>
+                                </p:cTn>
+                              </p:par>
+                            </p:childTnLst>
+                          </p:cTn>
+                        </p:par>
+                      </p:childTnLst>
+                    </p:cTn>
+                  </p:par>
+                  <p:par>
+                    <p:cTn id="33" fill="hold">
+                      <p:stCondLst>
+                        <p:cond delay="indefinite"/>
+                      </p:stCondLst>
+                      <p:childTnLst>
+                        <p:par>
+                          <p:cTn id="34" fill="hold">
+                            <p:stCondLst>
+                              <p:cond delay="0"/>
+                            </p:stCondLst>
+                            <p:childTnLst>
+                              <p:par>
+                                <p:cTn id="35" presetID="1" presetClass="entr" presetSubtype="0" fill="hold" nodeType="clickEffect">
+                                  <p:stCondLst>
+                                    <p:cond delay="0"/>
+                                  </p:stCondLst>
+                                  <p:childTnLst>
+                                    <p:set>
+                                      <p:cBhvr>
+                                        <p:cTn id="36" dur="1" fill="hold">
+                                          <p:stCondLst>
+                                            <p:cond delay="0"/>
+                                          </p:stCondLst>
+                                        </p:cTn>
+                                        <p:tgtEl>
+                                          <p:spTgt spid="22">
+                                            <p:txEl>
+                                              <p:pRg st="4" end="4"/>
+                                            </p:txEl>
+                                          </p:spTgt>
+                                        </p:tgtEl>
+                                        <p:attrNameLst>
+                                          <p:attrName>style.visibility</p:attrName>
+                                        </p:attrNameLst>
+                                      </p:cBhvr>
+                                      <p:to>
+                                        <p:strVal val="visible"/>
+                                      </p:to>
+                                    </p:set>
+                                  </p:childTnLst>
+                                </p:cTn>
+                              </p:par>
+                            </p:childTnLst>
+                          </p:cTn>
+                        </p:par>
+                      </p:childTnLst>
+                    </p:cTn>
+                  </p:par>
+                  <p:par>
+                    <p:cTn id="37" fill="hold">
+                      <p:stCondLst>
+                        <p:cond delay="indefinite"/>
+                      </p:stCondLst>
+                      <p:childTnLst>
+                        <p:par>
+                          <p:cTn id="38" fill="hold">
+                            <p:stCondLst>
+                              <p:cond delay="0"/>
+                            </p:stCondLst>
+                            <p:childTnLst>
+                              <p:par>
+                                <p:cTn id="39" presetID="1" presetClass="entr" presetSubtype="0" fill="hold" nodeType="clickEffect">
+                                  <p:stCondLst>
+                                    <p:cond delay="0"/>
+                                  </p:stCondLst>
+                                  <p:childTnLst>
+                                    <p:set>
+                                      <p:cBhvr>
+                                        <p:cTn id="40" dur="1" fill="hold">
+                                          <p:stCondLst>
+                                            <p:cond delay="0"/>
+                                          </p:stCondLst>
+                                        </p:cTn>
+                                        <p:tgtEl>
+                                          <p:spTgt spid="22">
+                                            <p:txEl>
+                                              <p:pRg st="5" end="5"/>
+                                            </p:txEl>
+                                          </p:spTgt>
+                                        </p:tgtEl>
+                                        <p:attrNameLst>
+                                          <p:attrName>style.visibility</p:attrName>
+                                        </p:attrNameLst>
+                                      </p:cBhvr>
+                                      <p:to>
+                                        <p:strVal val="visible"/>
+                                      </p:to>
+                                    </p:set>
+                                  </p:childTnLst>
+                                </p:cTn>
+                              </p:par>
+                              <p:par>
+                                <p:cTn id="41" presetID="1" presetClass="entr" presetSubtype="0" fill="hold" grpId="0" nodeType="withEffect">
+                                  <p:stCondLst>
+                                    <p:cond delay="0"/>
+                                  </p:stCondLst>
+                                  <p:childTnLst>
+                                    <p:set>
+                                      <p:cBhvr>
+                                        <p:cTn id="42" dur="1" fill="hold">
+                                          <p:stCondLst>
+                                            <p:cond delay="0"/>
+                                          </p:stCondLst>
+                                        </p:cTn>
+                                        <p:tgtEl>
+                                          <p:spTgt spid="23"/>
+                                        </p:tgtEl>
+                                        <p:attrNameLst>
+                                          <p:attrName>style.visibility</p:attrName>
+                                        </p:attrNameLst>
+                                      </p:cBhvr>
+                                      <p:to>
+                                        <p:strVal val="visible"/>
+                                      </p:to>
+                                    </p:set>
+                                  </p:childTnLst>
+                                </p:cTn>
+                              </p:par>
+                            </p:childTnLst>
+                          </p:cTn>
+                        </p:par>
+                      </p:childTnLst>
+                    </p:cTn>
+                  </p:par>
+                  <p:par>
+                    <p:cTn id="43" fill="hold">
+                      <p:stCondLst>
+                        <p:cond delay="indefinite"/>
+                      </p:stCondLst>
+                      <p:childTnLst>
+                        <p:par>
+                          <p:cTn id="44" fill="hold">
+                            <p:stCondLst>
+                              <p:cond delay="0"/>
+                            </p:stCondLst>
+                            <p:childTnLst>
+                              <p:par>
+                                <p:cTn id="45" presetID="1" presetClass="entr" presetSubtype="0" fill="hold" nodeType="clickEffect">
+                                  <p:stCondLst>
+                                    <p:cond delay="0"/>
+                                  </p:stCondLst>
+                                  <p:childTnLst>
+                                    <p:set>
+                                      <p:cBhvr>
+                                        <p:cTn id="46" dur="1" fill="hold">
+                                          <p:stCondLst>
+                                            <p:cond delay="0"/>
+                                          </p:stCondLst>
+                                        </p:cTn>
+                                        <p:tgtEl>
+                                          <p:spTgt spid="22">
+                                            <p:txEl>
+                                              <p:pRg st="6" end="6"/>
+                                            </p:txEl>
+                                          </p:spTgt>
+                                        </p:tgtEl>
+                                        <p:attrNameLst>
+                                          <p:attrName>style.visibility</p:attrName>
+                                        </p:attrNameLst>
+                                      </p:cBhvr>
+                                      <p:to>
+                                        <p:strVal val="visible"/>
+                                      </p:to>
+                                    </p:set>
+                                  </p:childTnLst>
+                                </p:cTn>
+                              </p:par>
+                              <p:par>
+                                <p:cTn id="47" presetID="1" presetClass="entr" presetSubtype="0" fill="hold" grpId="0" nodeType="withEffect">
+                                  <p:stCondLst>
+                                    <p:cond delay="0"/>
+                                  </p:stCondLst>
+                                  <p:childTnLst>
+                                    <p:set>
+                                      <p:cBhvr>
+                                        <p:cTn id="48" dur="1" fill="hold">
+                                          <p:stCondLst>
+                                            <p:cond delay="0"/>
+                                          </p:stCondLst>
+                                        </p:cTn>
+                                        <p:tgtEl>
+                                          <p:spTgt spid="8"/>
+                                        </p:tgtEl>
+                                        <p:attrNameLst>
+                                          <p:attrName>style.visibility</p:attrName>
+                                        </p:attrNameLst>
+                                      </p:cBhvr>
+                                      <p:to>
+                                        <p:strVal val="visible"/>
+                                      </p:to>
+                                    </p:set>
+                                  </p:childTnLst>
+                                </p:cTn>
+                              </p:par>
+                            </p:childTnLst>
+                          </p:cTn>
+                        </p:par>
+                      </p:childTnLst>
+                    </p:cTn>
+                  </p:par>
+                </p:childTnLst>
+              </p:cTn>
+              <p:prevCondLst>
+                <p:cond evt="onPrev" delay="0">
+                  <p:tgtEl>
+                    <p:sldTgt/>
+                  </p:tgtEl>
+                </p:cond>
+              </p:prevCondLst>
+              <p:nextCondLst>
+                <p:cond evt="onNext" delay="0">
+                  <p:tgtEl>
+                    <p:sldTgt/>
+                  </p:tgtEl>
+                </p:cond>
+              </p:nextCondLst>
+            </p:seq>
+          </p:childTnLst>
+        </p:cTn>
+      </p:par>
+    </p:tnLst>
+    <p:bldLst>
+      <p:bldP spid="17" grpId="0"/>
+      <p:bldP spid="18" grpId="0"/>
+      <p:bldP spid="19" grpId="0"/>
+      <p:bldP spid="23" grpId="0" animBg="1"/>
+      <p:bldP spid="8" grpId="0" animBg="1"/>
+    </p:bldLst>
+  </p:timing>
+</p:sld>
+</file>
+
+<file path=ppt/slides/slide15.xml><?xml version="1.0" encoding="utf-8"?>
+<p:sld xmlns:a="http://schemas.openxmlformats.org/drawingml/2006/main" xmlns:r="http://schemas.openxmlformats.org/officeDocument/2006/relationships" xmlns:p="http://schemas.openxmlformats.org/presentationml/2006/main">
+  <p:cSld>
+    <p:spTree>
+      <p:nvGrpSpPr>
+        <p:cNvPr id="1" name=""/>
+        <p:cNvGrpSpPr/>
+        <p:nvPr/>
+      </p:nvGrpSpPr>
+      <p:grpSpPr>
+        <a:xfrm>
+          <a:off x="0" y="0"/>
+          <a:ext cx="0" cy="0"/>
+          <a:chOff x="0" y="0"/>
+          <a:chExt cx="0" cy="0"/>
+        </a:xfrm>
+      </p:grpSpPr>
+      <p:sp>
+        <p:nvSpPr>
+          <p:cNvPr id="20" name="Rectangle 19">
+            <a:extLst>
+              <a:ext uri="{FF2B5EF4-FFF2-40B4-BE49-F238E27FC236}">
+                <a16:creationId xmlns:a16="http://schemas.microsoft.com/office/drawing/2014/main" id="{BA5B51F8-C6A3-457F-8D51-2646A1CF0752}"/>
+              </a:ext>
+            </a:extLst>
+          </p:cNvPr>
+          <p:cNvSpPr/>
+          <p:nvPr/>
+        </p:nvSpPr>
+        <p:spPr>
+          <a:xfrm>
+            <a:off x="0" y="5237922"/>
+            <a:ext cx="1789043" cy="1620078"/>
+          </a:xfrm>
+          <a:prstGeom prst="rect">
+            <a:avLst/>
+          </a:prstGeom>
+          <a:ln>
+            <a:solidFill>
+              <a:schemeClr val="tx1"/>
+            </a:solidFill>
+          </a:ln>
+        </p:spPr>
+        <p:style>
+          <a:lnRef idx="2">
+            <a:schemeClr val="dk1">
+              <a:shade val="50000"/>
+            </a:schemeClr>
+          </a:lnRef>
+          <a:fillRef idx="1">
+            <a:schemeClr val="dk1"/>
+          </a:fillRef>
+          <a:effectRef idx="0">
+            <a:schemeClr val="dk1"/>
+          </a:effectRef>
+          <a:fontRef idx="minor">
+            <a:schemeClr val="lt1"/>
+          </a:fontRef>
+        </p:style>
+        <p:txBody>
+          <a:bodyPr rtlCol="0" anchor="ctr"/>
+          <a:lstStyle/>
+          <a:p>
+            <a:pPr algn="ctr"/>
+            <a:endParaRPr lang="en-US"/>
+          </a:p>
+        </p:txBody>
+      </p:sp>
+      <p:sp>
+        <p:nvSpPr>
+          <p:cNvPr id="11" name="Title 10">
+            <a:extLst>
+              <a:ext uri="{FF2B5EF4-FFF2-40B4-BE49-F238E27FC236}">
+                <a16:creationId xmlns:a16="http://schemas.microsoft.com/office/drawing/2014/main" id="{010FB232-4CB4-C34D-A688-C51B6E7CD2CF}"/>
+              </a:ext>
+            </a:extLst>
+          </p:cNvPr>
+          <p:cNvSpPr>
+            <a:spLocks noGrp="1"/>
+          </p:cNvSpPr>
+          <p:nvPr>
+            <p:ph type="title"/>
+          </p:nvPr>
+        </p:nvSpPr>
+        <p:spPr>
+          <a:xfrm>
+            <a:off x="80455" y="10128"/>
+            <a:ext cx="11031682" cy="799025"/>
+          </a:xfrm>
+        </p:spPr>
+        <p:txBody>
+          <a:bodyPr>
+            <a:normAutofit fontScale="90000"/>
+          </a:bodyPr>
+          <a:lstStyle/>
+          <a:p>
+            <a:r>
+              <a:rPr lang="en-US" sz="3800" dirty="0">
+                <a:latin typeface="Century" panose="02040604050505020304" pitchFamily="18" charset="0"/>
+                <a:cs typeface="Times New Roman" panose="02020603050405020304" pitchFamily="18" charset="0"/>
+              </a:rPr>
+              <a:t>Number of Ratings per User       </a:t>
+            </a:r>
+            <a:r>
+              <a:rPr lang="en-US" sz="3000" dirty="0">
+                <a:latin typeface="Century" panose="02040604050505020304" pitchFamily="18" charset="0"/>
+                <a:cs typeface="Times New Roman" panose="02020603050405020304" pitchFamily="18" charset="0"/>
+              </a:rPr>
+              <a:t>Collaborative Based</a:t>
+            </a:r>
+          </a:p>
+        </p:txBody>
+      </p:sp>
+      <p:sp>
+        <p:nvSpPr>
+          <p:cNvPr id="7" name="TextBox 6"/>
+          <p:cNvSpPr txBox="1"/>
+          <p:nvPr/>
+        </p:nvSpPr>
+        <p:spPr>
+          <a:xfrm>
+            <a:off x="11112137" y="6400800"/>
+            <a:ext cx="945762" cy="338554"/>
+          </a:xfrm>
+          <a:prstGeom prst="rect">
+            <a:avLst/>
+          </a:prstGeom>
+          <a:noFill/>
+        </p:spPr>
+        <p:txBody>
+          <a:bodyPr wrap="square" rtlCol="0">
+            <a:spAutoFit/>
+          </a:bodyPr>
+          <a:lstStyle/>
+          <a:p>
+            <a:r>
+              <a:rPr lang="en-US" sz="1600" b="1" dirty="0">
+                <a:solidFill>
+                  <a:schemeClr val="bg1"/>
+                </a:solidFill>
+              </a:rPr>
+              <a:t>Slide 13</a:t>
+            </a:r>
+          </a:p>
+        </p:txBody>
+      </p:sp>
+      <p:sp>
+        <p:nvSpPr>
+          <p:cNvPr id="22" name="Content Placeholder 17">
+            <a:extLst>
+              <a:ext uri="{FF2B5EF4-FFF2-40B4-BE49-F238E27FC236}">
+                <a16:creationId xmlns:a16="http://schemas.microsoft.com/office/drawing/2014/main" id="{0185A217-4048-4D79-B397-6286970F7768}"/>
+              </a:ext>
+            </a:extLst>
+          </p:cNvPr>
+          <p:cNvSpPr txBox="1">
+            <a:spLocks/>
+          </p:cNvSpPr>
+          <p:nvPr/>
+        </p:nvSpPr>
+        <p:spPr>
+          <a:xfrm>
+            <a:off x="80455" y="1207744"/>
+            <a:ext cx="9209849" cy="3466995"/>
+          </a:xfrm>
+          <a:prstGeom prst="rect">
+            <a:avLst/>
+          </a:prstGeom>
+        </p:spPr>
+        <p:txBody>
+          <a:bodyPr vert="horz" lIns="91440" tIns="45720" rIns="91440" bIns="45720" rtlCol="0">
+            <a:normAutofit/>
+          </a:bodyPr>
+          <a:lstStyle>
+            <a:lvl1pPr marL="228600" indent="-228600" algn="l" defTabSz="914400" rtl="0" eaLnBrk="1" latinLnBrk="0" hangingPunct="1">
+              <a:lnSpc>
+                <a:spcPct val="90000"/>
+              </a:lnSpc>
+              <a:spcBef>
+                <a:spcPts val="1000"/>
+              </a:spcBef>
+              <a:buFont typeface="Arial" panose="020B0604020202020204" pitchFamily="34" charset="0"/>
+              <a:buChar char="•"/>
+              <a:defRPr sz="2800" kern="1200">
+                <a:solidFill>
+                  <a:schemeClr val="tx1"/>
+                </a:solidFill>
+                <a:latin typeface="+mn-lt"/>
+                <a:ea typeface="+mn-ea"/>
+                <a:cs typeface="+mn-cs"/>
+              </a:defRPr>
+            </a:lvl1pPr>
+            <a:lvl2pPr marL="685800" indent="-228600" algn="l" defTabSz="914400" rtl="0" eaLnBrk="1" latinLnBrk="0" hangingPunct="1">
+              <a:lnSpc>
+                <a:spcPct val="90000"/>
+              </a:lnSpc>
+              <a:spcBef>
+                <a:spcPts val="500"/>
+              </a:spcBef>
+              <a:buFont typeface="Arial" panose="020B0604020202020204" pitchFamily="34" charset="0"/>
+              <a:buChar char="•"/>
+              <a:defRPr sz="2400" kern="1200">
+                <a:solidFill>
+                  <a:schemeClr val="tx1"/>
+                </a:solidFill>
+                <a:latin typeface="+mn-lt"/>
+                <a:ea typeface="+mn-ea"/>
+                <a:cs typeface="+mn-cs"/>
+              </a:defRPr>
+            </a:lvl2pPr>
+            <a:lvl3pPr marL="1143000" indent="-228600" algn="l" defTabSz="914400" rtl="0" eaLnBrk="1" latinLnBrk="0" hangingPunct="1">
+              <a:lnSpc>
+                <a:spcPct val="90000"/>
+              </a:lnSpc>
+              <a:spcBef>
+                <a:spcPts val="500"/>
+              </a:spcBef>
+              <a:buFont typeface="Arial" panose="020B0604020202020204" pitchFamily="34" charset="0"/>
+              <a:buChar char="•"/>
+              <a:defRPr sz="2000" kern="1200">
+                <a:solidFill>
+                  <a:schemeClr val="tx1"/>
+                </a:solidFill>
+                <a:latin typeface="+mn-lt"/>
+                <a:ea typeface="+mn-ea"/>
+                <a:cs typeface="+mn-cs"/>
+              </a:defRPr>
+            </a:lvl3pPr>
+            <a:lvl4pPr marL="1600200" indent="-228600" algn="l" defTabSz="914400" rtl="0" eaLnBrk="1" latinLnBrk="0" hangingPunct="1">
+              <a:lnSpc>
+                <a:spcPct val="90000"/>
+              </a:lnSpc>
+              <a:spcBef>
+                <a:spcPts val="500"/>
+              </a:spcBef>
+              <a:buFont typeface="Arial" panose="020B0604020202020204" pitchFamily="34" charset="0"/>
+              <a:buChar char="•"/>
+              <a:defRPr sz="1800" kern="1200">
+                <a:solidFill>
+                  <a:schemeClr val="tx1"/>
+                </a:solidFill>
+                <a:latin typeface="+mn-lt"/>
+                <a:ea typeface="+mn-ea"/>
+                <a:cs typeface="+mn-cs"/>
+              </a:defRPr>
+            </a:lvl4pPr>
+            <a:lvl5pPr marL="2057400" indent="-228600" algn="l" defTabSz="914400" rtl="0" eaLnBrk="1" latinLnBrk="0" hangingPunct="1">
+              <a:lnSpc>
+                <a:spcPct val="90000"/>
+              </a:lnSpc>
+              <a:spcBef>
+                <a:spcPts val="500"/>
+              </a:spcBef>
+              <a:buFont typeface="Arial" panose="020B0604020202020204" pitchFamily="34" charset="0"/>
+              <a:buChar char="•"/>
+              <a:defRPr sz="1800" kern="1200">
+                <a:solidFill>
+                  <a:schemeClr val="tx1"/>
+                </a:solidFill>
+                <a:latin typeface="+mn-lt"/>
+                <a:ea typeface="+mn-ea"/>
+                <a:cs typeface="+mn-cs"/>
+              </a:defRPr>
+            </a:lvl5pPr>
+            <a:lvl6pPr marL="2514600" indent="-228600" algn="l" defTabSz="914400" rtl="0" eaLnBrk="1" latinLnBrk="0" hangingPunct="1">
+              <a:lnSpc>
+                <a:spcPct val="90000"/>
+              </a:lnSpc>
+              <a:spcBef>
+                <a:spcPts val="500"/>
+              </a:spcBef>
+              <a:buFont typeface="Arial" panose="020B0604020202020204" pitchFamily="34" charset="0"/>
+              <a:buChar char="•"/>
+              <a:defRPr sz="1800" kern="1200">
+                <a:solidFill>
+                  <a:schemeClr val="tx1"/>
+                </a:solidFill>
+                <a:latin typeface="+mn-lt"/>
+                <a:ea typeface="+mn-ea"/>
+                <a:cs typeface="+mn-cs"/>
+              </a:defRPr>
+            </a:lvl6pPr>
+            <a:lvl7pPr marL="2971800" indent="-228600" algn="l" defTabSz="914400" rtl="0" eaLnBrk="1" latinLnBrk="0" hangingPunct="1">
+              <a:lnSpc>
+                <a:spcPct val="90000"/>
+              </a:lnSpc>
+              <a:spcBef>
+                <a:spcPts val="500"/>
+              </a:spcBef>
+              <a:buFont typeface="Arial" panose="020B0604020202020204" pitchFamily="34" charset="0"/>
+              <a:buChar char="•"/>
+              <a:defRPr sz="1800" kern="1200">
+                <a:solidFill>
+                  <a:schemeClr val="tx1"/>
+                </a:solidFill>
+                <a:latin typeface="+mn-lt"/>
+                <a:ea typeface="+mn-ea"/>
+                <a:cs typeface="+mn-cs"/>
+              </a:defRPr>
+            </a:lvl7pPr>
+            <a:lvl8pPr marL="3429000" indent="-228600" algn="l" defTabSz="914400" rtl="0" eaLnBrk="1" latinLnBrk="0" hangingPunct="1">
+              <a:lnSpc>
+                <a:spcPct val="90000"/>
+              </a:lnSpc>
+              <a:spcBef>
+                <a:spcPts val="500"/>
+              </a:spcBef>
+              <a:buFont typeface="Arial" panose="020B0604020202020204" pitchFamily="34" charset="0"/>
+              <a:buChar char="•"/>
+              <a:defRPr sz="1800" kern="1200">
+                <a:solidFill>
+                  <a:schemeClr val="tx1"/>
+                </a:solidFill>
+                <a:latin typeface="+mn-lt"/>
+                <a:ea typeface="+mn-ea"/>
+                <a:cs typeface="+mn-cs"/>
+              </a:defRPr>
+            </a:lvl8pPr>
+            <a:lvl9pPr marL="3886200" indent="-228600" algn="l" defTabSz="914400" rtl="0" eaLnBrk="1" latinLnBrk="0" hangingPunct="1">
+              <a:lnSpc>
+                <a:spcPct val="90000"/>
+              </a:lnSpc>
+              <a:spcBef>
+                <a:spcPts val="500"/>
+              </a:spcBef>
+              <a:buFont typeface="Arial" panose="020B0604020202020204" pitchFamily="34" charset="0"/>
+              <a:buChar char="•"/>
+              <a:defRPr sz="1800" kern="1200">
+                <a:solidFill>
+                  <a:schemeClr val="tx1"/>
+                </a:solidFill>
+                <a:latin typeface="+mn-lt"/>
+                <a:ea typeface="+mn-ea"/>
+                <a:cs typeface="+mn-cs"/>
+              </a:defRPr>
+            </a:lvl9pPr>
+          </a:lstStyle>
+          <a:p>
+            <a:r>
+              <a:rPr lang="en-US" sz="2000" dirty="0">
+                <a:solidFill>
+                  <a:schemeClr val="bg1"/>
+                </a:solidFill>
+              </a:rPr>
+              <a:t>The plot for Number of Ratings per userId is very similar to the plot for Number of Ratings per Movie</a:t>
+            </a:r>
+          </a:p>
+          <a:p>
+            <a:pPr lvl="1"/>
+            <a:r>
+              <a:rPr lang="en-US" sz="2000" dirty="0">
+                <a:solidFill>
+                  <a:schemeClr val="bg1"/>
+                </a:solidFill>
+              </a:rPr>
+              <a:t>The top users have rated a very high number of movies then the rest of users have rated relatively low number of movies</a:t>
+            </a:r>
+          </a:p>
+          <a:p>
+            <a:r>
+              <a:rPr lang="en-US" sz="2000" dirty="0">
+                <a:solidFill>
+                  <a:schemeClr val="bg1"/>
+                </a:solidFill>
+              </a:rPr>
+              <a:t>To keep it kind of standard and not remove too many users. Remove all users who have rated less than 10 movies</a:t>
+            </a:r>
+          </a:p>
+          <a:p>
+            <a:r>
+              <a:rPr lang="en-US" sz="2000" dirty="0">
+                <a:solidFill>
+                  <a:schemeClr val="bg1"/>
+                </a:solidFill>
+              </a:rPr>
+              <a:t>This is approximately 15% of all the users</a:t>
+            </a:r>
+          </a:p>
+          <a:p>
+            <a:r>
+              <a:rPr lang="en-US" sz="2000" dirty="0">
+                <a:solidFill>
+                  <a:schemeClr val="bg1"/>
+                </a:solidFill>
+              </a:rPr>
+              <a:t>There are </a:t>
+            </a:r>
+            <a:r>
+              <a:rPr lang="en-US" sz="2000" b="1" dirty="0">
+                <a:solidFill>
+                  <a:schemeClr val="bg1"/>
+                </a:solidFill>
+              </a:rPr>
+              <a:t>8,701 users that have rated 10 or more different movies</a:t>
+            </a:r>
+            <a:r>
+              <a:rPr lang="en-US" sz="2000" dirty="0">
+                <a:solidFill>
+                  <a:schemeClr val="bg1"/>
+                </a:solidFill>
+              </a:rPr>
+              <a:t>. There were 10,532 users in the original dataset.</a:t>
+            </a:r>
+          </a:p>
+          <a:p>
+            <a:endParaRPr lang="en-US" sz="2000" b="1" dirty="0">
+              <a:solidFill>
+                <a:schemeClr val="bg1"/>
+              </a:solidFill>
+            </a:endParaRPr>
+          </a:p>
+        </p:txBody>
+      </p:sp>
+      <p:pic>
+        <p:nvPicPr>
+          <p:cNvPr id="3" name="Picture 2"/>
+          <p:cNvPicPr>
+            <a:picLocks noChangeAspect="1"/>
+          </p:cNvPicPr>
+          <p:nvPr/>
+        </p:nvPicPr>
+        <p:blipFill>
+          <a:blip r:embed="rId2"/>
+          <a:stretch>
+            <a:fillRect/>
+          </a:stretch>
+        </p:blipFill>
+        <p:spPr>
+          <a:xfrm>
+            <a:off x="5495000" y="4194619"/>
+            <a:ext cx="3795304" cy="2443040"/>
+          </a:xfrm>
+          <a:prstGeom prst="rect">
+            <a:avLst/>
+          </a:prstGeom>
+        </p:spPr>
+      </p:pic>
+      <p:pic>
+        <p:nvPicPr>
+          <p:cNvPr id="5" name="Picture 4"/>
+          <p:cNvPicPr>
+            <a:picLocks noChangeAspect="1"/>
+          </p:cNvPicPr>
+          <p:nvPr/>
+        </p:nvPicPr>
+        <p:blipFill>
+          <a:blip r:embed="rId3"/>
+          <a:stretch>
+            <a:fillRect/>
+          </a:stretch>
+        </p:blipFill>
+        <p:spPr>
+          <a:xfrm>
+            <a:off x="9839917" y="1628539"/>
+            <a:ext cx="1419225" cy="3952875"/>
+          </a:xfrm>
+          <a:prstGeom prst="rect">
+            <a:avLst/>
+          </a:prstGeom>
+        </p:spPr>
+      </p:pic>
+      <p:sp>
+        <p:nvSpPr>
+          <p:cNvPr id="9" name="Rectangle 8"/>
+          <p:cNvSpPr/>
+          <p:nvPr/>
+        </p:nvSpPr>
+        <p:spPr>
+          <a:xfrm>
+            <a:off x="9839917" y="4946904"/>
+            <a:ext cx="1419225" cy="182880"/>
+          </a:xfrm>
+          <a:prstGeom prst="rect">
+            <a:avLst/>
+          </a:prstGeom>
+          <a:noFill/>
+          <a:ln>
+            <a:solidFill>
+              <a:srgbClr val="FF0000"/>
+            </a:solidFill>
+          </a:ln>
+        </p:spPr>
+        <p:style>
+          <a:lnRef idx="2">
+            <a:schemeClr val="accent1">
+              <a:shade val="50000"/>
+            </a:schemeClr>
+          </a:lnRef>
+          <a:fillRef idx="1">
+            <a:schemeClr val="accent1"/>
+          </a:fillRef>
+          <a:effectRef idx="0">
+            <a:schemeClr val="accent1"/>
+          </a:effectRef>
+          <a:fontRef idx="minor">
+            <a:schemeClr val="lt1"/>
+          </a:fontRef>
+        </p:style>
+        <p:txBody>
+          <a:bodyPr rtlCol="0" anchor="ctr"/>
+          <a:lstStyle/>
+          <a:p>
+            <a:pPr algn="ctr"/>
+            <a:endParaRPr lang="en-US"/>
+          </a:p>
+        </p:txBody>
+      </p:sp>
+    </p:spTree>
+    <p:extLst>
+      <p:ext uri="{BB962C8B-B14F-4D97-AF65-F5344CB8AC3E}">
+        <p14:creationId xmlns:p14="http://schemas.microsoft.com/office/powerpoint/2010/main" val="3132408594"/>
+      </p:ext>
+    </p:extLst>
+  </p:cSld>
+  <p:clrMapOvr>
+    <a:masterClrMapping/>
+  </p:clrMapOvr>
+  <p:timing>
+    <p:tnLst>
+      <p:par>
+        <p:cTn id="1" dur="indefinite" restart="never" nodeType="tmRoot">
+          <p:childTnLst>
+            <p:seq concurrent="1" nextAc="seek">
+              <p:cTn id="2" dur="indefinite" nodeType="mainSeq">
+                <p:childTnLst>
+                  <p:par>
+                    <p:cTn id="3" fill="hold">
+                      <p:stCondLst>
+                        <p:cond delay="indefinite"/>
+                      </p:stCondLst>
+                      <p:childTnLst>
+                        <p:par>
+                          <p:cTn id="4" fill="hold">
+                            <p:stCondLst>
+                              <p:cond delay="0"/>
+                            </p:stCondLst>
+                            <p:childTnLst>
+                              <p:par>
+                                <p:cTn id="5" presetID="1" presetClass="entr" presetSubtype="0" fill="hold" nodeType="clickEffect">
+                                  <p:stCondLst>
+                                    <p:cond delay="0"/>
+                                  </p:stCondLst>
+                                  <p:childTnLst>
+                                    <p:set>
+                                      <p:cBhvr>
+                                        <p:cTn id="6" dur="1" fill="hold">
+                                          <p:stCondLst>
+                                            <p:cond delay="0"/>
+                                          </p:stCondLst>
+                                        </p:cTn>
+                                        <p:tgtEl>
+                                          <p:spTgt spid="3"/>
+                                        </p:tgtEl>
+                                        <p:attrNameLst>
+                                          <p:attrName>style.visibility</p:attrName>
+                                        </p:attrNameLst>
+                                      </p:cBhvr>
+                                      <p:to>
+                                        <p:strVal val="visible"/>
+                                      </p:to>
+                                    </p:set>
+                                  </p:childTnLst>
+                                </p:cTn>
+                              </p:par>
+                              <p:par>
+                                <p:cTn id="7" presetID="1" presetClass="entr" presetSubtype="0" fill="hold" nodeType="withEffect">
+                                  <p:stCondLst>
+                                    <p:cond delay="0"/>
+                                  </p:stCondLst>
+                                  <p:childTnLst>
+                                    <p:set>
+                                      <p:cBhvr>
+                                        <p:cTn id="8" dur="1" fill="hold">
+                                          <p:stCondLst>
+                                            <p:cond delay="0"/>
+                                          </p:stCondLst>
+                                        </p:cTn>
+                                        <p:tgtEl>
+                                          <p:spTgt spid="5"/>
+                                        </p:tgtEl>
+                                        <p:attrNameLst>
+                                          <p:attrName>style.visibility</p:attrName>
+                                        </p:attrNameLst>
+                                      </p:cBhvr>
+                                      <p:to>
+                                        <p:strVal val="visible"/>
+                                      </p:to>
+                                    </p:set>
+                                  </p:childTnLst>
+                                </p:cTn>
+                              </p:par>
+                            </p:childTnLst>
+                          </p:cTn>
+                        </p:par>
+                      </p:childTnLst>
+                    </p:cTn>
+                  </p:par>
+                  <p:par>
+                    <p:cTn id="9" fill="hold">
+                      <p:stCondLst>
+                        <p:cond delay="indefinite"/>
+                      </p:stCondLst>
+                      <p:childTnLst>
+                        <p:par>
+                          <p:cTn id="10" fill="hold">
+                            <p:stCondLst>
+                              <p:cond delay="0"/>
+                            </p:stCondLst>
+                            <p:childTnLst>
+                              <p:par>
+                                <p:cTn id="11" presetID="1" presetClass="entr" presetSubtype="0" fill="hold" nodeType="clickEffect">
+                                  <p:stCondLst>
+                                    <p:cond delay="0"/>
+                                  </p:stCondLst>
+                                  <p:childTnLst>
+                                    <p:set>
+                                      <p:cBhvr>
+                                        <p:cTn id="12" dur="1" fill="hold">
+                                          <p:stCondLst>
+                                            <p:cond delay="0"/>
+                                          </p:stCondLst>
+                                        </p:cTn>
+                                        <p:tgtEl>
+                                          <p:spTgt spid="22">
+                                            <p:txEl>
+                                              <p:pRg st="0" end="0"/>
+                                            </p:txEl>
+                                          </p:spTgt>
+                                        </p:tgtEl>
+                                        <p:attrNameLst>
+                                          <p:attrName>style.visibility</p:attrName>
+                                        </p:attrNameLst>
+                                      </p:cBhvr>
+                                      <p:to>
+                                        <p:strVal val="visible"/>
+                                      </p:to>
+                                    </p:set>
+                                  </p:childTnLst>
+                                </p:cTn>
+                              </p:par>
+                              <p:par>
+                                <p:cTn id="13" presetID="1" presetClass="entr" presetSubtype="0" fill="hold" nodeType="withEffect">
+                                  <p:stCondLst>
+                                    <p:cond delay="0"/>
+                                  </p:stCondLst>
+                                  <p:childTnLst>
+                                    <p:set>
+                                      <p:cBhvr>
+                                        <p:cTn id="14" dur="1" fill="hold">
+                                          <p:stCondLst>
+                                            <p:cond delay="0"/>
+                                          </p:stCondLst>
+                                        </p:cTn>
+                                        <p:tgtEl>
+                                          <p:spTgt spid="22">
+                                            <p:txEl>
+                                              <p:pRg st="1" end="1"/>
+                                            </p:txEl>
+                                          </p:spTgt>
+                                        </p:tgtEl>
+                                        <p:attrNameLst>
+                                          <p:attrName>style.visibility</p:attrName>
+                                        </p:attrNameLst>
+                                      </p:cBhvr>
+                                      <p:to>
+                                        <p:strVal val="visible"/>
+                                      </p:to>
+                                    </p:set>
+                                  </p:childTnLst>
+                                </p:cTn>
+                              </p:par>
+                            </p:childTnLst>
+                          </p:cTn>
+                        </p:par>
+                      </p:childTnLst>
+                    </p:cTn>
+                  </p:par>
+                  <p:par>
+                    <p:cTn id="15" fill="hold">
+                      <p:stCondLst>
+                        <p:cond delay="indefinite"/>
+                      </p:stCondLst>
+                      <p:childTnLst>
+                        <p:par>
+                          <p:cTn id="16" fill="hold">
+                            <p:stCondLst>
+                              <p:cond delay="0"/>
+                            </p:stCondLst>
+                            <p:childTnLst>
+                              <p:par>
+                                <p:cTn id="17" presetID="1" presetClass="entr" presetSubtype="0" fill="hold" nodeType="clickEffect">
+                                  <p:stCondLst>
+                                    <p:cond delay="0"/>
+                                  </p:stCondLst>
+                                  <p:childTnLst>
+                                    <p:set>
+                                      <p:cBhvr>
+                                        <p:cTn id="18" dur="1" fill="hold">
+                                          <p:stCondLst>
+                                            <p:cond delay="0"/>
+                                          </p:stCondLst>
+                                        </p:cTn>
+                                        <p:tgtEl>
+                                          <p:spTgt spid="22">
+                                            <p:txEl>
+                                              <p:pRg st="2" end="2"/>
+                                            </p:txEl>
+                                          </p:spTgt>
+                                        </p:tgtEl>
+                                        <p:attrNameLst>
+                                          <p:attrName>style.visibility</p:attrName>
+                                        </p:attrNameLst>
+                                      </p:cBhvr>
+                                      <p:to>
+                                        <p:strVal val="visible"/>
+                                      </p:to>
+                                    </p:set>
+                                  </p:childTnLst>
+                                </p:cTn>
+                              </p:par>
+                              <p:par>
+                                <p:cTn id="19" presetID="1" presetClass="entr" presetSubtype="0" fill="hold" nodeType="withEffect">
+                                  <p:stCondLst>
+                                    <p:cond delay="0"/>
+                                  </p:stCondLst>
+                                  <p:childTnLst>
+                                    <p:set>
+                                      <p:cBhvr>
+                                        <p:cTn id="20" dur="1" fill="hold">
+                                          <p:stCondLst>
+                                            <p:cond delay="0"/>
+                                          </p:stCondLst>
+                                        </p:cTn>
+                                        <p:tgtEl>
+                                          <p:spTgt spid="22">
+                                            <p:txEl>
+                                              <p:pRg st="3" end="3"/>
+                                            </p:txEl>
+                                          </p:spTgt>
+                                        </p:tgtEl>
+                                        <p:attrNameLst>
+                                          <p:attrName>style.visibility</p:attrName>
+                                        </p:attrNameLst>
+                                      </p:cBhvr>
+                                      <p:to>
+                                        <p:strVal val="visible"/>
+                                      </p:to>
+                                    </p:set>
+                                  </p:childTnLst>
+                                </p:cTn>
+                              </p:par>
+                              <p:par>
+                                <p:cTn id="21" presetID="1" presetClass="entr" presetSubtype="0" fill="hold" nodeType="withEffect">
+                                  <p:stCondLst>
+                                    <p:cond delay="0"/>
+                                  </p:stCondLst>
+                                  <p:childTnLst>
+                                    <p:set>
+                                      <p:cBhvr>
+                                        <p:cTn id="22" dur="1" fill="hold">
+                                          <p:stCondLst>
+                                            <p:cond delay="0"/>
+                                          </p:stCondLst>
+                                        </p:cTn>
+                                        <p:tgtEl>
+                                          <p:spTgt spid="22">
+                                            <p:txEl>
+                                              <p:pRg st="4" end="4"/>
+                                            </p:txEl>
+                                          </p:spTgt>
+                                        </p:tgtEl>
+                                        <p:attrNameLst>
+                                          <p:attrName>style.visibility</p:attrName>
+                                        </p:attrNameLst>
+                                      </p:cBhvr>
+                                      <p:to>
+                                        <p:strVal val="visible"/>
+                                      </p:to>
+                                    </p:set>
+                                  </p:childTnLst>
+                                </p:cTn>
+                              </p:par>
+                            </p:childTnLst>
+                          </p:cTn>
+                        </p:par>
+                      </p:childTnLst>
+                    </p:cTn>
+                  </p:par>
+                </p:childTnLst>
+              </p:cTn>
+              <p:prevCondLst>
+                <p:cond evt="onPrev" delay="0">
+                  <p:tgtEl>
+                    <p:sldTgt/>
+                  </p:tgtEl>
+                </p:cond>
+              </p:prevCondLst>
+              <p:nextCondLst>
+                <p:cond evt="onNext" delay="0">
+                  <p:tgtEl>
+                    <p:sldTgt/>
+                  </p:tgtEl>
+                </p:cond>
+              </p:nextCondLst>
+            </p:seq>
+          </p:childTnLst>
+        </p:cTn>
+      </p:par>
+    </p:tnLst>
   </p:timing>
 </p:sld>
 </file>
@@ -6219,7 +11452,7 @@
         </p:blipFill>
         <p:spPr>
           <a:xfrm>
-            <a:off x="6721503" y="4519271"/>
+            <a:off x="6092028" y="3870047"/>
             <a:ext cx="5209967" cy="2078166"/>
           </a:xfrm>
           <a:prstGeom prst="rect">
@@ -6227,6 +11460,39 @@
           </a:prstGeom>
         </p:spPr>
       </p:pic>
+      <p:sp>
+        <p:nvSpPr>
+          <p:cNvPr id="2" name="TextBox 1"/>
+          <p:cNvSpPr txBox="1"/>
+          <p:nvPr/>
+        </p:nvSpPr>
+        <p:spPr>
+          <a:xfrm>
+            <a:off x="11301995" y="6400800"/>
+            <a:ext cx="755904" cy="338554"/>
+          </a:xfrm>
+          <a:prstGeom prst="rect">
+            <a:avLst/>
+          </a:prstGeom>
+          <a:noFill/>
+        </p:spPr>
+        <p:txBody>
+          <a:bodyPr wrap="square" rtlCol="0">
+            <a:spAutoFit/>
+          </a:bodyPr>
+          <a:lstStyle/>
+          <a:p>
+            <a:r>
+              <a:rPr lang="en-US" sz="1600" b="1" dirty="0">
+                <a:solidFill>
+                  <a:schemeClr val="bg1"/>
+                </a:solidFill>
+              </a:rPr>
+              <a:t>Slide 1</a:t>
+            </a:r>
+          </a:p>
+        </p:txBody>
+      </p:sp>
     </p:spTree>
     <p:extLst>
       <p:ext uri="{BB962C8B-B14F-4D97-AF65-F5344CB8AC3E}">
@@ -6521,6 +11787,57 @@
       </p:grpSpPr>
       <p:sp>
         <p:nvSpPr>
+          <p:cNvPr id="5" name="Rectangle 4">
+            <a:extLst>
+              <a:ext uri="{FF2B5EF4-FFF2-40B4-BE49-F238E27FC236}">
+                <a16:creationId xmlns:a16="http://schemas.microsoft.com/office/drawing/2014/main" id="{BA5B51F8-C6A3-457F-8D51-2646A1CF0752}"/>
+              </a:ext>
+            </a:extLst>
+          </p:cNvPr>
+          <p:cNvSpPr/>
+          <p:nvPr/>
+        </p:nvSpPr>
+        <p:spPr>
+          <a:xfrm>
+            <a:off x="0" y="5237922"/>
+            <a:ext cx="1789043" cy="1620078"/>
+          </a:xfrm>
+          <a:prstGeom prst="rect">
+            <a:avLst/>
+          </a:prstGeom>
+          <a:ln>
+            <a:solidFill>
+              <a:schemeClr val="tx1"/>
+            </a:solidFill>
+          </a:ln>
+        </p:spPr>
+        <p:style>
+          <a:lnRef idx="2">
+            <a:schemeClr val="dk1">
+              <a:shade val="50000"/>
+            </a:schemeClr>
+          </a:lnRef>
+          <a:fillRef idx="1">
+            <a:schemeClr val="dk1"/>
+          </a:fillRef>
+          <a:effectRef idx="0">
+            <a:schemeClr val="dk1"/>
+          </a:effectRef>
+          <a:fontRef idx="minor">
+            <a:schemeClr val="lt1"/>
+          </a:fontRef>
+        </p:style>
+        <p:txBody>
+          <a:bodyPr rtlCol="0" anchor="ctr"/>
+          <a:lstStyle/>
+          <a:p>
+            <a:pPr algn="ctr"/>
+            <a:endParaRPr lang="en-US"/>
+          </a:p>
+        </p:txBody>
+      </p:sp>
+      <p:sp>
+        <p:nvSpPr>
           <p:cNvPr id="11" name="Title 10">
             <a:extLst>
               <a:ext uri="{FF2B5EF4-FFF2-40B4-BE49-F238E27FC236}">
@@ -6574,7 +11891,7 @@
         <p:spPr>
           <a:xfrm>
             <a:off x="396255" y="1181117"/>
-            <a:ext cx="11043684" cy="4921509"/>
+            <a:ext cx="11043684" cy="5515774"/>
           </a:xfrm>
           <a:prstGeom prst="rect">
             <a:avLst/>
@@ -6768,7 +12085,7 @@
               <a:buAutoNum type="arabicPeriod"/>
             </a:pPr>
             <a:r>
-              <a:rPr lang="en-US" altLang="ja-JP" sz="2200" b="1" u="sng" dirty="0">
+              <a:rPr lang="en-US" altLang="ja-JP" sz="2000" b="1" u="sng" dirty="0">
                 <a:solidFill>
                   <a:schemeClr val="bg1"/>
                 </a:solidFill>
@@ -6777,7 +12094,7 @@
               <a:t>Content Based </a:t>
             </a:r>
             <a:r>
-              <a:rPr lang="en-US" altLang="ja-JP" sz="2200" dirty="0">
+              <a:rPr lang="en-US" altLang="ja-JP" sz="2000" dirty="0">
                 <a:solidFill>
                   <a:schemeClr val="bg1"/>
                 </a:solidFill>
@@ -6804,7 +12121,7 @@
               <a:buAutoNum type="arabicPeriod"/>
             </a:pPr>
             <a:r>
-              <a:rPr lang="en-US" altLang="ja-JP" sz="2200" b="1" u="sng" dirty="0">
+              <a:rPr lang="en-US" altLang="ja-JP" sz="2000" b="1" u="sng" dirty="0">
                 <a:solidFill>
                   <a:schemeClr val="bg1"/>
                 </a:solidFill>
@@ -6813,29 +12130,23 @@
               <a:t>Collaborative Based</a:t>
             </a:r>
             <a:r>
-              <a:rPr lang="en-US" altLang="ja-JP" sz="2200" dirty="0">
+              <a:rPr lang="en-US" altLang="ja-JP" sz="2000" dirty="0">
                 <a:solidFill>
                   <a:schemeClr val="bg1"/>
                 </a:solidFill>
                 <a:cs typeface="Arial" panose="020B0604020202020204" pitchFamily="34" charset="0"/>
               </a:rPr>
-              <a:t> – system groups users together based on what similar products they like and then recommends products to users based on what products other users in their group enjoyed</a:t>
-            </a:r>
-          </a:p>
-          <a:p>
-            <a:pPr lvl="1"/>
-            <a:r>
-              <a:rPr lang="en-US" altLang="ja-JP" sz="2000" dirty="0">
+              <a:t> –  within collaborative based systems there are actually multiple recommendation systems: </a:t>
+            </a:r>
+            <a:r>
+              <a:rPr lang="en-US" altLang="ja-JP" sz="2000" b="1" dirty="0">
                 <a:solidFill>
                   <a:schemeClr val="bg1"/>
                 </a:solidFill>
                 <a:cs typeface="Arial" panose="020B0604020202020204" pitchFamily="34" charset="0"/>
               </a:rPr>
-              <a:t>For Example: Let’s say you go onto Youtube for the first time and play a Beyonce song. The system will group you together with other users who also like Beyonce and recommend songs / videos that other users in this group like</a:t>
-            </a:r>
-          </a:p>
-          <a:p>
-            <a:pPr lvl="1"/>
+              <a:t>item-item</a:t>
+            </a:r>
             <a:r>
               <a:rPr lang="en-US" altLang="ja-JP" sz="2000" dirty="0">
                 <a:solidFill>
@@ -6843,7 +12154,103 @@
                 </a:solidFill>
                 <a:cs typeface="Arial" panose="020B0604020202020204" pitchFamily="34" charset="0"/>
               </a:rPr>
-              <a:t>The more you watch the more individualized your grouping will become</a:t>
+              <a:t> based and </a:t>
+            </a:r>
+            <a:r>
+              <a:rPr lang="en-US" altLang="ja-JP" sz="2000" b="1" dirty="0">
+                <a:solidFill>
+                  <a:schemeClr val="bg1"/>
+                </a:solidFill>
+                <a:cs typeface="Arial" panose="020B0604020202020204" pitchFamily="34" charset="0"/>
+              </a:rPr>
+              <a:t>user-item</a:t>
+            </a:r>
+            <a:r>
+              <a:rPr lang="en-US" altLang="ja-JP" sz="2000" dirty="0">
+                <a:solidFill>
+                  <a:schemeClr val="bg1"/>
+                </a:solidFill>
+                <a:cs typeface="Arial" panose="020B0604020202020204" pitchFamily="34" charset="0"/>
+              </a:rPr>
+              <a:t> based filtering</a:t>
+            </a:r>
+          </a:p>
+          <a:p>
+            <a:pPr lvl="1"/>
+            <a:r>
+              <a:rPr lang="en-US" altLang="ja-JP" sz="2000" b="1" u="sng" dirty="0">
+                <a:solidFill>
+                  <a:schemeClr val="bg1"/>
+                </a:solidFill>
+                <a:cs typeface="Arial" panose="020B0604020202020204" pitchFamily="34" charset="0"/>
+              </a:rPr>
+              <a:t>Item-item based filtering </a:t>
+            </a:r>
+            <a:r>
+              <a:rPr lang="en-US" altLang="ja-JP" sz="2000" dirty="0">
+                <a:solidFill>
+                  <a:schemeClr val="bg1"/>
+                </a:solidFill>
+                <a:cs typeface="Arial" panose="020B0604020202020204" pitchFamily="34" charset="0"/>
+              </a:rPr>
+              <a:t>- looks at items users have already purchased / used in the past and recommends similar items (Amazon)</a:t>
+            </a:r>
+          </a:p>
+          <a:p>
+            <a:pPr lvl="2">
+              <a:buFont typeface="Courier New" panose="02070309020205020404" pitchFamily="49" charset="0"/>
+              <a:buChar char="o"/>
+            </a:pPr>
+            <a:r>
+              <a:rPr lang="en-US" altLang="ja-JP" dirty="0">
+                <a:solidFill>
+                  <a:schemeClr val="bg1"/>
+                </a:solidFill>
+                <a:cs typeface="Arial" panose="020B0604020202020204" pitchFamily="34" charset="0"/>
+              </a:rPr>
+              <a:t>Similar items - in this model are measured by how similarly they are rated by users</a:t>
+            </a:r>
+          </a:p>
+          <a:p>
+            <a:pPr lvl="1"/>
+            <a:r>
+              <a:rPr lang="en-US" altLang="ja-JP" sz="2000" b="1" u="sng" dirty="0">
+                <a:solidFill>
+                  <a:schemeClr val="bg1"/>
+                </a:solidFill>
+                <a:cs typeface="Arial" panose="020B0604020202020204" pitchFamily="34" charset="0"/>
+              </a:rPr>
+              <a:t>User-item based filtering </a:t>
+            </a:r>
+            <a:r>
+              <a:rPr lang="en-US" altLang="ja-JP" sz="2000" dirty="0">
+                <a:solidFill>
+                  <a:schemeClr val="bg1"/>
+                </a:solidFill>
+                <a:cs typeface="Arial" panose="020B0604020202020204" pitchFamily="34" charset="0"/>
+              </a:rPr>
+              <a:t>- groups users together based on whether or not they share similar habits and recommends products to users based on what other users in their group enjoyed</a:t>
+            </a:r>
+          </a:p>
+          <a:p>
+            <a:pPr lvl="1"/>
+            <a:r>
+              <a:rPr lang="en-US" altLang="ja-JP" sz="1800" u="sng" dirty="0">
+                <a:solidFill>
+                  <a:schemeClr val="bg1"/>
+                </a:solidFill>
+                <a:cs typeface="Arial" panose="020B0604020202020204" pitchFamily="34" charset="0"/>
+              </a:rPr>
+              <a:t>Comparison: </a:t>
+            </a:r>
+            <a:r>
+              <a:rPr lang="en-US" altLang="ja-JP" sz="1800" dirty="0">
+                <a:solidFill>
+                  <a:schemeClr val="bg1"/>
+                </a:solidFill>
+                <a:cs typeface="Arial" panose="020B0604020202020204" pitchFamily="34" charset="0"/>
+              </a:rPr>
+              <a:t>Both very effective algorithms. Item-item based filtering is less resource and time intensive and is easier to use on new customers. </a:t>
             </a:r>
           </a:p>
           <a:p>
@@ -6852,7 +12259,7 @@
               <a:buAutoNum type="arabicPeriod"/>
             </a:pPr>
             <a:r>
-              <a:rPr lang="en-US" altLang="ja-JP" sz="2200" b="1" u="sng" dirty="0">
+              <a:rPr lang="en-US" altLang="ja-JP" sz="2000" b="1" u="sng" dirty="0">
                 <a:solidFill>
                   <a:schemeClr val="bg1"/>
                 </a:solidFill>
@@ -6861,7 +12268,7 @@
               <a:t>Popularity Based</a:t>
             </a:r>
             <a:r>
-              <a:rPr lang="en-US" altLang="ja-JP" sz="2200" dirty="0">
+              <a:rPr lang="en-US" altLang="ja-JP" sz="2000" dirty="0">
                 <a:solidFill>
                   <a:schemeClr val="bg1"/>
                 </a:solidFill>
@@ -6869,7 +12276,7 @@
               </a:rPr>
               <a:t> – recommends the most popular products</a:t>
             </a:r>
-            <a:endParaRPr lang="en-US" altLang="ja-JP" sz="2200" b="1" u="sng" dirty="0">
+            <a:endParaRPr lang="en-US" altLang="ja-JP" sz="2000" b="1" u="sng" dirty="0">
               <a:solidFill>
                 <a:schemeClr val="bg1"/>
               </a:solidFill>
@@ -6882,7 +12289,7 @@
               <a:buAutoNum type="arabicPeriod"/>
             </a:pPr>
             <a:r>
-              <a:rPr lang="en-US" altLang="ja-JP" sz="2200" b="1" u="sng" dirty="0">
+              <a:rPr lang="en-US" altLang="ja-JP" sz="2000" b="1" u="sng" dirty="0">
                 <a:solidFill>
                   <a:schemeClr val="bg1"/>
                 </a:solidFill>
@@ -6891,7 +12298,7 @@
               <a:t>Hybrid</a:t>
             </a:r>
             <a:r>
-              <a:rPr lang="en-US" altLang="ja-JP" sz="2200" dirty="0">
+              <a:rPr lang="en-US" altLang="ja-JP" sz="2000" dirty="0">
                 <a:solidFill>
                   <a:schemeClr val="bg1"/>
                 </a:solidFill>
@@ -6899,12 +12306,45 @@
               </a:rPr>
               <a:t> – combination of two or more of the systems above</a:t>
             </a:r>
-            <a:endParaRPr lang="en-US" altLang="ja-JP" sz="2200" b="1" u="sng" dirty="0">
+            <a:endParaRPr lang="en-US" altLang="ja-JP" sz="2000" b="1" u="sng" dirty="0">
               <a:solidFill>
                 <a:schemeClr val="bg1"/>
               </a:solidFill>
               <a:cs typeface="Arial" panose="020B0604020202020204" pitchFamily="34" charset="0"/>
             </a:endParaRPr>
+          </a:p>
+        </p:txBody>
+      </p:sp>
+      <p:sp>
+        <p:nvSpPr>
+          <p:cNvPr id="6" name="TextBox 5"/>
+          <p:cNvSpPr txBox="1"/>
+          <p:nvPr/>
+        </p:nvSpPr>
+        <p:spPr>
+          <a:xfrm>
+            <a:off x="11301995" y="6400800"/>
+            <a:ext cx="755904" cy="338554"/>
+          </a:xfrm>
+          <a:prstGeom prst="rect">
+            <a:avLst/>
+          </a:prstGeom>
+          <a:noFill/>
+        </p:spPr>
+        <p:txBody>
+          <a:bodyPr wrap="square" rtlCol="0">
+            <a:spAutoFit/>
+          </a:bodyPr>
+          <a:lstStyle/>
+          <a:p>
+            <a:r>
+              <a:rPr lang="en-US" sz="1600" b="1" dirty="0">
+                <a:solidFill>
+                  <a:schemeClr val="bg1"/>
+                </a:solidFill>
+              </a:rPr>
+              <a:t>Slide 2</a:t>
+            </a:r>
           </a:p>
         </p:txBody>
       </p:sp>
@@ -7318,6 +12758,104 @@
                       </p:childTnLst>
                     </p:cTn>
                   </p:par>
+                  <p:par>
+                    <p:cTn id="35" fill="hold">
+                      <p:stCondLst>
+                        <p:cond delay="indefinite"/>
+                      </p:stCondLst>
+                      <p:childTnLst>
+                        <p:par>
+                          <p:cTn id="36" fill="hold">
+                            <p:stCondLst>
+                              <p:cond delay="0"/>
+                            </p:stCondLst>
+                            <p:childTnLst>
+                              <p:par>
+                                <p:cTn id="37" presetID="1" presetClass="entr" presetSubtype="0" fill="hold" nodeType="clickEffect">
+                                  <p:stCondLst>
+                                    <p:cond delay="0"/>
+                                  </p:stCondLst>
+                                  <p:childTnLst>
+                                    <p:set>
+                                      <p:cBhvr>
+                                        <p:cTn id="38" dur="1" fill="hold">
+                                          <p:stCondLst>
+                                            <p:cond delay="0"/>
+                                          </p:stCondLst>
+                                        </p:cTn>
+                                        <p:tgtEl>
+                                          <p:spTgt spid="4">
+                                            <p:txEl>
+                                              <p:pRg st="8" end="8"/>
+                                            </p:txEl>
+                                          </p:spTgt>
+                                        </p:tgtEl>
+                                        <p:attrNameLst>
+                                          <p:attrName>style.visibility</p:attrName>
+                                        </p:attrNameLst>
+                                      </p:cBhvr>
+                                      <p:to>
+                                        <p:strVal val="visible"/>
+                                      </p:to>
+                                    </p:set>
+                                  </p:childTnLst>
+                                </p:cTn>
+                              </p:par>
+                            </p:childTnLst>
+                          </p:cTn>
+                        </p:par>
+                      </p:childTnLst>
+                    </p:cTn>
+                  </p:par>
+                  <p:par>
+                    <p:cTn id="39" fill="hold">
+                      <p:stCondLst>
+                        <p:cond delay="indefinite"/>
+                      </p:stCondLst>
+                      <p:childTnLst>
+                        <p:par>
+                          <p:cTn id="40" fill="hold">
+                            <p:stCondLst>
+                              <p:cond delay="0"/>
+                            </p:stCondLst>
+                            <p:childTnLst>
+                              <p:par>
+                                <p:cTn id="41" presetID="1" presetClass="entr" presetSubtype="0" fill="hold" nodeType="clickEffect">
+                                  <p:stCondLst>
+                                    <p:cond delay="0"/>
+                                  </p:stCondLst>
+                                  <p:childTnLst>
+                                    <p:set>
+                                      <p:cBhvr>
+                                        <p:cTn id="42" dur="1" fill="hold">
+                                          <p:stCondLst>
+                                            <p:cond delay="0"/>
+                                          </p:stCondLst>
+                                        </p:cTn>
+                                        <p:tgtEl>
+                                          <p:spTgt spid="4">
+                                            <p:txEl>
+                                              <p:pRg st="9" end="9"/>
+                                            </p:txEl>
+                                          </p:spTgt>
+                                        </p:tgtEl>
+                                        <p:attrNameLst>
+                                          <p:attrName>style.visibility</p:attrName>
+                                        </p:attrNameLst>
+                                      </p:cBhvr>
+                                      <p:to>
+                                        <p:strVal val="visible"/>
+                                      </p:to>
+                                    </p:set>
+                                  </p:childTnLst>
+                                </p:cTn>
+                              </p:par>
+                            </p:childTnLst>
+                          </p:cTn>
+                        </p:par>
+                      </p:childTnLst>
+                    </p:cTn>
+                  </p:par>
                 </p:childTnLst>
               </p:cTn>
               <p:prevCondLst>
@@ -7393,7 +12931,14 @@
                 <a:latin typeface="Century" panose="02040604050505020304" pitchFamily="18" charset="0"/>
                 <a:cs typeface="Times New Roman" panose="02020603050405020304" pitchFamily="18" charset="0"/>
               </a:rPr>
-              <a:t>About the Data</a:t>
+              <a:t>About the Data				</a:t>
+            </a:r>
+            <a:r>
+              <a:rPr lang="en-US" sz="3000" dirty="0">
+                <a:latin typeface="Century" panose="02040604050505020304" pitchFamily="18" charset="0"/>
+                <a:cs typeface="Times New Roman" panose="02020603050405020304" pitchFamily="18" charset="0"/>
+              </a:rPr>
+              <a:t>Content Based</a:t>
             </a:r>
           </a:p>
         </p:txBody>
@@ -7680,7 +13225,7 @@
               <a:buNone/>
             </a:pPr>
             <a:r>
-              <a:rPr lang="en-US" altLang="ja-JP" sz="2400" b="1" u="sng" dirty="0">
+              <a:rPr lang="en-US" altLang="ja-JP" sz="2000" b="1" u="sng" dirty="0">
                 <a:solidFill>
                   <a:schemeClr val="bg1"/>
                 </a:solidFill>
@@ -7691,7 +13236,7 @@
           </a:p>
           <a:p>
             <a:r>
-              <a:rPr lang="en-US" altLang="ja-JP" sz="2400" dirty="0">
+              <a:rPr lang="en-US" altLang="ja-JP" sz="2000" dirty="0">
                 <a:solidFill>
                   <a:schemeClr val="bg1"/>
                 </a:solidFill>
@@ -7702,7 +13247,7 @@
           </a:p>
           <a:p>
             <a:r>
-              <a:rPr lang="en-US" altLang="ja-JP" sz="2400" dirty="0">
+              <a:rPr lang="en-US" altLang="ja-JP" sz="2000" dirty="0">
                 <a:solidFill>
                   <a:schemeClr val="bg1"/>
                 </a:solidFill>
@@ -7710,12 +13255,6 @@
               </a:rPr>
               <a:t>Only goes up to 2017</a:t>
             </a:r>
-            <a:endParaRPr lang="en-US" altLang="ja-JP" sz="2000" dirty="0">
-              <a:solidFill>
-                <a:schemeClr val="bg1"/>
-              </a:solidFill>
-              <a:cs typeface="Arial" panose="020B0604020202020204" pitchFamily="34" charset="0"/>
-            </a:endParaRPr>
           </a:p>
           <a:p>
             <a:endParaRPr lang="en-US" altLang="ja-JP" sz="2400" dirty="0">
@@ -7749,14 +13288,47 @@
         </p:blipFill>
         <p:spPr>
           <a:xfrm>
-            <a:off x="5166351" y="4521412"/>
-            <a:ext cx="6791954" cy="1987710"/>
+            <a:off x="5598970" y="3217812"/>
+            <a:ext cx="5840969" cy="1709398"/>
           </a:xfrm>
           <a:prstGeom prst="rect">
             <a:avLst/>
           </a:prstGeom>
         </p:spPr>
       </p:pic>
+      <p:sp>
+        <p:nvSpPr>
+          <p:cNvPr id="7" name="TextBox 6"/>
+          <p:cNvSpPr txBox="1"/>
+          <p:nvPr/>
+        </p:nvSpPr>
+        <p:spPr>
+          <a:xfrm>
+            <a:off x="11301995" y="6400800"/>
+            <a:ext cx="755904" cy="338554"/>
+          </a:xfrm>
+          <a:prstGeom prst="rect">
+            <a:avLst/>
+          </a:prstGeom>
+          <a:noFill/>
+        </p:spPr>
+        <p:txBody>
+          <a:bodyPr wrap="square" rtlCol="0">
+            <a:spAutoFit/>
+          </a:bodyPr>
+          <a:lstStyle/>
+          <a:p>
+            <a:r>
+              <a:rPr lang="en-US" sz="1600" b="1" dirty="0">
+                <a:solidFill>
+                  <a:schemeClr val="bg1"/>
+                </a:solidFill>
+              </a:rPr>
+              <a:t>Slide 3</a:t>
+            </a:r>
+          </a:p>
+        </p:txBody>
+      </p:sp>
     </p:spTree>
     <p:extLst>
       <p:ext uri="{BB962C8B-B14F-4D97-AF65-F5344CB8AC3E}">
@@ -8184,8 +13756,32 @@
                 <a:latin typeface="Century" panose="02040604050505020304" pitchFamily="18" charset="0"/>
                 <a:cs typeface="Times New Roman" panose="02020603050405020304" pitchFamily="18" charset="0"/>
               </a:rPr>
-              <a:t>Starting Data</a:t>
-            </a:r>
+              <a:t>Starting Data				</a:t>
+            </a:r>
+            <a:r>
+              <a:rPr lang="en-US" sz="3100" dirty="0">
+                <a:solidFill>
+                  <a:prstClr val="white"/>
+                </a:solidFill>
+                <a:latin typeface="Century" panose="02040604050505020304" pitchFamily="18" charset="0"/>
+                <a:cs typeface="Times New Roman" panose="02020603050405020304" pitchFamily="18" charset="0"/>
+              </a:rPr>
+              <a:t> 	</a:t>
+            </a:r>
+            <a:r>
+              <a:rPr lang="en-US" sz="3000" dirty="0">
+                <a:solidFill>
+                  <a:prstClr val="white"/>
+                </a:solidFill>
+                <a:latin typeface="Century" panose="02040604050505020304" pitchFamily="18" charset="0"/>
+                <a:cs typeface="Times New Roman" panose="02020603050405020304" pitchFamily="18" charset="0"/>
+              </a:rPr>
+              <a:t>Content Based</a:t>
+            </a:r>
+            <a:endParaRPr lang="en-US" sz="3000" dirty="0">
+              <a:latin typeface="Century" panose="02040604050505020304" pitchFamily="18" charset="0"/>
+              <a:cs typeface="Times New Roman" panose="02020603050405020304" pitchFamily="18" charset="0"/>
+            </a:endParaRPr>
           </a:p>
         </p:txBody>
       </p:sp>
@@ -8327,6 +13923,39 @@
           </a:prstGeom>
         </p:spPr>
       </p:pic>
+      <p:sp>
+        <p:nvSpPr>
+          <p:cNvPr id="9" name="TextBox 8"/>
+          <p:cNvSpPr txBox="1"/>
+          <p:nvPr/>
+        </p:nvSpPr>
+        <p:spPr>
+          <a:xfrm>
+            <a:off x="11301995" y="6400800"/>
+            <a:ext cx="755904" cy="338554"/>
+          </a:xfrm>
+          <a:prstGeom prst="rect">
+            <a:avLst/>
+          </a:prstGeom>
+          <a:noFill/>
+        </p:spPr>
+        <p:txBody>
+          <a:bodyPr wrap="square" rtlCol="0">
+            <a:spAutoFit/>
+          </a:bodyPr>
+          <a:lstStyle/>
+          <a:p>
+            <a:r>
+              <a:rPr lang="en-US" sz="1600" b="1" dirty="0">
+                <a:solidFill>
+                  <a:schemeClr val="bg1"/>
+                </a:solidFill>
+              </a:rPr>
+              <a:t>Slide 4</a:t>
+            </a:r>
+          </a:p>
+        </p:txBody>
+      </p:sp>
     </p:spTree>
     <p:extLst>
       <p:ext uri="{BB962C8B-B14F-4D97-AF65-F5344CB8AC3E}">
@@ -8391,6 +14020,33 @@
                 <a:cs typeface="Times New Roman" panose="02020603050405020304" pitchFamily="18" charset="0"/>
               </a:rPr>
               <a:t>Cleaning the data</a:t>
+            </a:r>
+            <a:r>
+              <a:rPr lang="en-US" sz="3100" dirty="0">
+                <a:solidFill>
+                  <a:prstClr val="white"/>
+                </a:solidFill>
+                <a:latin typeface="Century" panose="02040604050505020304" pitchFamily="18" charset="0"/>
+                <a:cs typeface="Times New Roman" panose="02020603050405020304" pitchFamily="18" charset="0"/>
+              </a:rPr>
+              <a:t>			     </a:t>
+            </a:r>
+            <a:r>
+              <a:rPr lang="en-US" sz="3000" dirty="0">
+                <a:solidFill>
+                  <a:prstClr val="white"/>
+                </a:solidFill>
+                <a:latin typeface="Century" panose="02040604050505020304" pitchFamily="18" charset="0"/>
+                <a:cs typeface="Times New Roman" panose="02020603050405020304" pitchFamily="18" charset="0"/>
+              </a:rPr>
+              <a:t>Content Based </a:t>
+            </a:r>
+            <a:r>
+              <a:rPr lang="en-US" sz="4000" dirty="0">
+                <a:latin typeface="Century" panose="02040604050505020304" pitchFamily="18" charset="0"/>
+                <a:cs typeface="Times New Roman" panose="02020603050405020304" pitchFamily="18" charset="0"/>
+              </a:rPr>
+              <a:t>	</a:t>
             </a:r>
           </a:p>
         </p:txBody>
@@ -8533,6 +14189,39 @@
           </a:prstGeom>
         </p:spPr>
       </p:pic>
+      <p:sp>
+        <p:nvSpPr>
+          <p:cNvPr id="7" name="TextBox 6"/>
+          <p:cNvSpPr txBox="1"/>
+          <p:nvPr/>
+        </p:nvSpPr>
+        <p:spPr>
+          <a:xfrm>
+            <a:off x="11301995" y="6400800"/>
+            <a:ext cx="755904" cy="338554"/>
+          </a:xfrm>
+          <a:prstGeom prst="rect">
+            <a:avLst/>
+          </a:prstGeom>
+          <a:noFill/>
+        </p:spPr>
+        <p:txBody>
+          <a:bodyPr wrap="square" rtlCol="0">
+            <a:spAutoFit/>
+          </a:bodyPr>
+          <a:lstStyle/>
+          <a:p>
+            <a:r>
+              <a:rPr lang="en-US" sz="1600" b="1" dirty="0">
+                <a:solidFill>
+                  <a:schemeClr val="bg1"/>
+                </a:solidFill>
+              </a:rPr>
+              <a:t>Slide 5</a:t>
+            </a:r>
+          </a:p>
+        </p:txBody>
+      </p:sp>
     </p:spTree>
     <p:extLst>
       <p:ext uri="{BB962C8B-B14F-4D97-AF65-F5344CB8AC3E}">
@@ -8776,6 +14465,20 @@
               </a:rPr>
               <a:t>Finding Similarity 1</a:t>
             </a:r>
+            <a:r>
+              <a:rPr lang="en-US" sz="3000" dirty="0">
+                <a:solidFill>
+                  <a:prstClr val="white"/>
+                </a:solidFill>
+                <a:latin typeface="Century" panose="02040604050505020304" pitchFamily="18" charset="0"/>
+                <a:cs typeface="Times New Roman" panose="02020603050405020304" pitchFamily="18" charset="0"/>
+              </a:rPr>
+              <a:t>			Content Based</a:t>
+            </a:r>
+            <a:endParaRPr lang="en-US" sz="4000" dirty="0">
+              <a:latin typeface="Century" panose="02040604050505020304" pitchFamily="18" charset="0"/>
+              <a:cs typeface="Times New Roman" panose="02020603050405020304" pitchFamily="18" charset="0"/>
+            </a:endParaRPr>
           </a:p>
         </p:txBody>
       </p:sp>
@@ -9445,6 +15148,39 @@
               </a:solidFill>
               <a:cs typeface="Arial" panose="020B0604020202020204" pitchFamily="34" charset="0"/>
             </a:endParaRPr>
+          </a:p>
+        </p:txBody>
+      </p:sp>
+      <p:sp>
+        <p:nvSpPr>
+          <p:cNvPr id="12" name="TextBox 11"/>
+          <p:cNvSpPr txBox="1"/>
+          <p:nvPr/>
+        </p:nvSpPr>
+        <p:spPr>
+          <a:xfrm>
+            <a:off x="11301995" y="6400800"/>
+            <a:ext cx="755904" cy="338554"/>
+          </a:xfrm>
+          <a:prstGeom prst="rect">
+            <a:avLst/>
+          </a:prstGeom>
+          <a:noFill/>
+        </p:spPr>
+        <p:txBody>
+          <a:bodyPr wrap="square" rtlCol="0">
+            <a:spAutoFit/>
+          </a:bodyPr>
+          <a:lstStyle/>
+          <a:p>
+            <a:r>
+              <a:rPr lang="en-US" sz="1600" b="1" dirty="0">
+                <a:solidFill>
+                  <a:schemeClr val="bg1"/>
+                </a:solidFill>
+              </a:rPr>
+              <a:t>Slide 6</a:t>
+            </a:r>
           </a:p>
         </p:txBody>
       </p:sp>
@@ -10124,6 +15860,23 @@
               </a:rPr>
               <a:t>Finding Similarity 2</a:t>
             </a:r>
+            <a:r>
+              <a:rPr lang="en-US" sz="3000" dirty="0">
+                <a:solidFill>
+                  <a:prstClr val="white"/>
+                </a:solidFill>
+                <a:latin typeface="Century" panose="02040604050505020304" pitchFamily="18" charset="0"/>
+                <a:cs typeface="Times New Roman" panose="02020603050405020304" pitchFamily="18" charset="0"/>
+              </a:rPr>
+              <a:t>			Content Based</a:t>
+            </a:r>
+            <a:r>
+              <a:rPr lang="en-US" sz="4000" dirty="0">
+                <a:latin typeface="Century" panose="02040604050505020304" pitchFamily="18" charset="0"/>
+                <a:cs typeface="Times New Roman" panose="02020603050405020304" pitchFamily="18" charset="0"/>
+              </a:rPr>
+              <a:t> </a:t>
+            </a:r>
           </a:p>
         </p:txBody>
       </p:sp>
@@ -10932,6 +16685,39 @@
                 </a:highlight>
               </a:rPr>
               <a:t>Let's Test Out the Model</a:t>
+            </a:r>
+          </a:p>
+        </p:txBody>
+      </p:sp>
+      <p:sp>
+        <p:nvSpPr>
+          <p:cNvPr id="17" name="TextBox 16"/>
+          <p:cNvSpPr txBox="1"/>
+          <p:nvPr/>
+        </p:nvSpPr>
+        <p:spPr>
+          <a:xfrm>
+            <a:off x="11301995" y="6400800"/>
+            <a:ext cx="755904" cy="338554"/>
+          </a:xfrm>
+          <a:prstGeom prst="rect">
+            <a:avLst/>
+          </a:prstGeom>
+          <a:noFill/>
+        </p:spPr>
+        <p:txBody>
+          <a:bodyPr wrap="square" rtlCol="0">
+            <a:spAutoFit/>
+          </a:bodyPr>
+          <a:lstStyle/>
+          <a:p>
+            <a:r>
+              <a:rPr lang="en-US" sz="1600" b="1" dirty="0">
+                <a:solidFill>
+                  <a:schemeClr val="bg1"/>
+                </a:solidFill>
+              </a:rPr>
+              <a:t>Slide 7</a:t>
             </a:r>
           </a:p>
         </p:txBody>
@@ -11316,6 +17102,23 @@
               </a:rPr>
               <a:t>Evaluate the Model</a:t>
             </a:r>
+            <a:r>
+              <a:rPr lang="en-US" sz="3000" dirty="0">
+                <a:solidFill>
+                  <a:prstClr val="white"/>
+                </a:solidFill>
+                <a:latin typeface="Century" panose="02040604050505020304" pitchFamily="18" charset="0"/>
+                <a:cs typeface="Times New Roman" panose="02020603050405020304" pitchFamily="18" charset="0"/>
+              </a:rPr>
+              <a:t>			Content Based</a:t>
+            </a:r>
+            <a:r>
+              <a:rPr lang="en-US" sz="4000" dirty="0">
+                <a:latin typeface="Century" panose="02040604050505020304" pitchFamily="18" charset="0"/>
+                <a:cs typeface="Times New Roman" panose="02020603050405020304" pitchFamily="18" charset="0"/>
+              </a:rPr>
+              <a:t> </a:t>
+            </a:r>
           </a:p>
         </p:txBody>
       </p:sp>
@@ -11677,8 +17480,8 @@
         </p:nvSpPr>
         <p:spPr>
           <a:xfrm>
-            <a:off x="396255" y="1181117"/>
-            <a:ext cx="11043684" cy="3798074"/>
+            <a:off x="396254" y="1181117"/>
+            <a:ext cx="11436081" cy="3798074"/>
           </a:xfrm>
           <a:prstGeom prst="rect">
             <a:avLst/>
@@ -11930,11 +17733,8 @@
                 </a:solidFill>
                 <a:cs typeface="Arial" panose="020B0604020202020204" pitchFamily="34" charset="0"/>
               </a:rPr>
-              <a:t>Choose not to look at any other columns because there are too many fields in other columns</a:t>
-            </a:r>
-          </a:p>
-          <a:p>
-            <a:pPr lvl="1"/>
+              <a:t>Chose not to look at any other columns because there is too much variation in them</a:t>
+            </a:r>
             <a:endParaRPr lang="en-US" altLang="ja-JP" sz="2000" dirty="0">
               <a:solidFill>
                 <a:schemeClr val="bg1"/>
@@ -11975,7 +17775,7 @@
         </p:blipFill>
         <p:spPr>
           <a:xfrm>
-            <a:off x="685794" y="4838683"/>
+            <a:off x="512058" y="4423692"/>
             <a:ext cx="10668000" cy="1676400"/>
           </a:xfrm>
           <a:prstGeom prst="rect">
@@ -11983,6 +17783,39 @@
           </a:prstGeom>
         </p:spPr>
       </p:pic>
+      <p:sp>
+        <p:nvSpPr>
+          <p:cNvPr id="9" name="TextBox 8"/>
+          <p:cNvSpPr txBox="1"/>
+          <p:nvPr/>
+        </p:nvSpPr>
+        <p:spPr>
+          <a:xfrm>
+            <a:off x="11301995" y="6400800"/>
+            <a:ext cx="755904" cy="338554"/>
+          </a:xfrm>
+          <a:prstGeom prst="rect">
+            <a:avLst/>
+          </a:prstGeom>
+          <a:noFill/>
+        </p:spPr>
+        <p:txBody>
+          <a:bodyPr wrap="square" rtlCol="0">
+            <a:spAutoFit/>
+          </a:bodyPr>
+          <a:lstStyle/>
+          <a:p>
+            <a:r>
+              <a:rPr lang="en-US" sz="1600" b="1" dirty="0">
+                <a:solidFill>
+                  <a:schemeClr val="bg1"/>
+                </a:solidFill>
+              </a:rPr>
+              <a:t>Slide 8</a:t>
+            </a:r>
+          </a:p>
+        </p:txBody>
+      </p:sp>
     </p:spTree>
     <p:extLst>
       <p:ext uri="{BB962C8B-B14F-4D97-AF65-F5344CB8AC3E}">
@@ -12284,33 +18117,15 @@
                                   </p:childTnLst>
                                 </p:cTn>
                               </p:par>
-                            </p:childTnLst>
-                          </p:cTn>
-                        </p:par>
-                      </p:childTnLst>
-                    </p:cTn>
-                  </p:par>
-                  <p:par>
-                    <p:cTn id="25" fill="hold">
-                      <p:stCondLst>
-                        <p:cond delay="indefinite"/>
-                      </p:stCondLst>
-                      <p:childTnLst>
-                        <p:par>
-                          <p:cTn id="26" fill="hold">
-                            <p:stCondLst>
-                              <p:cond delay="0"/>
-                            </p:stCondLst>
-                            <p:childTnLst>
                               <p:par>
-                                <p:cTn id="27" presetID="1" presetClass="entr" presetSubtype="0" fill="hold" nodeType="clickEffect">
+                                <p:cTn id="25" presetID="1" presetClass="entr" presetSubtype="0" fill="hold" nodeType="withEffect">
                                   <p:stCondLst>
                                     <p:cond delay="0"/>
                                   </p:stCondLst>
                                   <p:childTnLst>
                                     <p:set>
                                       <p:cBhvr>
-                                        <p:cTn id="28" dur="1" fill="hold">
+                                        <p:cTn id="26" dur="1" fill="hold">
                                           <p:stCondLst>
                                             <p:cond delay="0"/>
                                           </p:stCondLst>
@@ -12653,4 +18468,265 @@
     </a:ext>
   </a:extLst>
 </a:theme>
+</file>
+
+<file path=ppt/theme/theme2.xml><?xml version="1.0" encoding="utf-8"?>
+<a:theme xmlns:a="http://schemas.openxmlformats.org/drawingml/2006/main" name="Office Theme">
+  <a:themeElements>
+    <a:clrScheme name="Office">
+      <a:dk1>
+        <a:sysClr val="windowText" lastClr="000000"/>
+      </a:dk1>
+      <a:lt1>
+        <a:sysClr val="window" lastClr="FFFFFF"/>
+      </a:lt1>
+      <a:dk2>
+        <a:srgbClr val="44546A"/>
+      </a:dk2>
+      <a:lt2>
+        <a:srgbClr val="E7E6E6"/>
+      </a:lt2>
+      <a:accent1>
+        <a:srgbClr val="5B9BD5"/>
+      </a:accent1>
+      <a:accent2>
+        <a:srgbClr val="ED7D31"/>
+      </a:accent2>
+      <a:accent3>
+        <a:srgbClr val="A5A5A5"/>
+      </a:accent3>
+      <a:accent4>
+        <a:srgbClr val="FFC000"/>
+      </a:accent4>
+      <a:accent5>
+        <a:srgbClr val="4472C4"/>
+      </a:accent5>
+      <a:accent6>
+        <a:srgbClr val="70AD47"/>
+      </a:accent6>
+      <a:hlink>
+        <a:srgbClr val="0563C1"/>
+      </a:hlink>
+      <a:folHlink>
+        <a:srgbClr val="954F72"/>
+      </a:folHlink>
+    </a:clrScheme>
+    <a:fontScheme name="Office">
+      <a:majorFont>
+        <a:latin typeface="Calibri Light" panose="020F0302020204030204"/>
+        <a:ea typeface=""/>
+        <a:cs typeface=""/>
+        <a:font script="Jpan" typeface="游ゴシック Light"/>
+        <a:font script="Hang" typeface="맑은 고딕"/>
+        <a:font script="Hans" typeface="等线 Light"/>
+        <a:font script="Hant" typeface="新細明體"/>
+        <a:font script="Arab" typeface="Times New Roman"/>
+        <a:font script="Hebr" typeface="Times New Roman"/>
+        <a:font script="Thai" typeface="Angsana New"/>
+        <a:font script="Ethi" typeface="Nyala"/>
+        <a:font script="Beng" typeface="Vrinda"/>
+        <a:font script="Gujr" typeface="Shruti"/>
+        <a:font script="Khmr" typeface="MoolBoran"/>
+        <a:font script="Knda" typeface="Tunga"/>
+        <a:font script="Guru" typeface="Raavi"/>
+        <a:font script="Cans" typeface="Euphemia"/>
+        <a:font script="Cher" typeface="Plantagenet Cherokee"/>
+        <a:font script="Yiii" typeface="Microsoft Yi Baiti"/>
+        <a:font script="Tibt" typeface="Microsoft Himalaya"/>
+        <a:font script="Thaa" typeface="MV Boli"/>
+        <a:font script="Deva" typeface="Mangal"/>
+        <a:font script="Telu" typeface="Gautami"/>
+        <a:font script="Taml" typeface="Latha"/>
+        <a:font script="Syrc" typeface="Estrangelo Edessa"/>
+        <a:font script="Orya" typeface="Kalinga"/>
+        <a:font script="Mlym" typeface="Kartika"/>
+        <a:font script="Laoo" typeface="DokChampa"/>
+        <a:font script="Sinh" typeface="Iskoola Pota"/>
+        <a:font script="Mong" typeface="Mongolian Baiti"/>
+        <a:font script="Viet" typeface="Times New Roman"/>
+        <a:font script="Uigh" typeface="Microsoft Uighur"/>
+        <a:font script="Geor" typeface="Sylfaen"/>
+      </a:majorFont>
+      <a:minorFont>
+        <a:latin typeface="Calibri" panose="020F0502020204030204"/>
+        <a:ea typeface=""/>
+        <a:cs typeface=""/>
+        <a:font script="Jpan" typeface="游ゴシック"/>
+        <a:font script="Hang" typeface="맑은 고딕"/>
+        <a:font script="Hans" typeface="等线"/>
+        <a:font script="Hant" typeface="新細明體"/>
+        <a:font script="Arab" typeface="Arial"/>
+        <a:font script="Hebr" typeface="Arial"/>
+        <a:font script="Thai" typeface="Cordia New"/>
+        <a:font script="Ethi" typeface="Nyala"/>
+        <a:font script="Beng" typeface="Vrinda"/>
+        <a:font script="Gujr" typeface="Shruti"/>
+        <a:font script="Khmr" typeface="DaunPenh"/>
+        <a:font script="Knda" typeface="Tunga"/>
+        <a:font script="Guru" typeface="Raavi"/>
+        <a:font script="Cans" typeface="Euphemia"/>
+        <a:font script="Cher" typeface="Plantagenet Cherokee"/>
+        <a:font script="Yiii" typeface="Microsoft Yi Baiti"/>
+        <a:font script="Tibt" typeface="Microsoft Himalaya"/>
+        <a:font script="Thaa" typeface="MV Boli"/>
+        <a:font script="Deva" typeface="Mangal"/>
+        <a:font script="Telu" typeface="Gautami"/>
+        <a:font script="Taml" typeface="Latha"/>
+        <a:font script="Syrc" typeface="Estrangelo Edessa"/>
+        <a:font script="Orya" typeface="Kalinga"/>
+        <a:font script="Mlym" typeface="Kartika"/>
+        <a:font script="Laoo" typeface="DokChampa"/>
+        <a:font script="Sinh" typeface="Iskoola Pota"/>
+        <a:font script="Mong" typeface="Mongolian Baiti"/>
+        <a:font script="Viet" typeface="Arial"/>
+        <a:font script="Uigh" typeface="Microsoft Uighur"/>
+        <a:font script="Geor" typeface="Sylfaen"/>
+      </a:minorFont>
+    </a:fontScheme>
+    <a:fmtScheme name="Office">
+      <a:fillStyleLst>
+        <a:solidFill>
+          <a:schemeClr val="phClr"/>
+        </a:solidFill>
+        <a:gradFill rotWithShape="1">
+          <a:gsLst>
+            <a:gs pos="0">
+              <a:schemeClr val="phClr">
+                <a:lumMod val="110000"/>
+                <a:satMod val="105000"/>
+                <a:tint val="67000"/>
+              </a:schemeClr>
+            </a:gs>
+            <a:gs pos="50000">
+              <a:schemeClr val="phClr">
+                <a:lumMod val="105000"/>
+                <a:satMod val="103000"/>
+                <a:tint val="73000"/>
+              </a:schemeClr>
+            </a:gs>
+            <a:gs pos="100000">
+              <a:schemeClr val="phClr">
+                <a:lumMod val="105000"/>
+                <a:satMod val="109000"/>
+                <a:tint val="81000"/>
+              </a:schemeClr>
+            </a:gs>
+          </a:gsLst>
+          <a:lin ang="5400000" scaled="0"/>
+        </a:gradFill>
+        <a:gradFill rotWithShape="1">
+          <a:gsLst>
+            <a:gs pos="0">
+              <a:schemeClr val="phClr">
+                <a:satMod val="103000"/>
+                <a:lumMod val="102000"/>
+                <a:tint val="94000"/>
+              </a:schemeClr>
+            </a:gs>
+            <a:gs pos="50000">
+              <a:schemeClr val="phClr">
+                <a:satMod val="110000"/>
+                <a:lumMod val="100000"/>
+                <a:shade val="100000"/>
+              </a:schemeClr>
+            </a:gs>
+            <a:gs pos="100000">
+              <a:schemeClr val="phClr">
+                <a:lumMod val="99000"/>
+                <a:satMod val="120000"/>
+                <a:shade val="78000"/>
+              </a:schemeClr>
+            </a:gs>
+          </a:gsLst>
+          <a:lin ang="5400000" scaled="0"/>
+        </a:gradFill>
+      </a:fillStyleLst>
+      <a:lnStyleLst>
+        <a:ln w="6350" cap="flat" cmpd="sng" algn="ctr">
+          <a:solidFill>
+            <a:schemeClr val="phClr"/>
+          </a:solidFill>
+          <a:prstDash val="solid"/>
+          <a:miter lim="800000"/>
+        </a:ln>
+        <a:ln w="12700" cap="flat" cmpd="sng" algn="ctr">
+          <a:solidFill>
+            <a:schemeClr val="phClr"/>
+          </a:solidFill>
+          <a:prstDash val="solid"/>
+          <a:miter lim="800000"/>
+        </a:ln>
+        <a:ln w="19050" cap="flat" cmpd="sng" algn="ctr">
+          <a:solidFill>
+            <a:schemeClr val="phClr"/>
+          </a:solidFill>
+          <a:prstDash val="solid"/>
+          <a:miter lim="800000"/>
+        </a:ln>
+      </a:lnStyleLst>
+      <a:effectStyleLst>
+        <a:effectStyle>
+          <a:effectLst/>
+        </a:effectStyle>
+        <a:effectStyle>
+          <a:effectLst/>
+        </a:effectStyle>
+        <a:effectStyle>
+          <a:effectLst>
+            <a:outerShdw blurRad="57150" dist="19050" dir="5400000" algn="ctr" rotWithShape="0">
+              <a:srgbClr val="000000">
+                <a:alpha val="63000"/>
+              </a:srgbClr>
+            </a:outerShdw>
+          </a:effectLst>
+        </a:effectStyle>
+      </a:effectStyleLst>
+      <a:bgFillStyleLst>
+        <a:solidFill>
+          <a:schemeClr val="phClr"/>
+        </a:solidFill>
+        <a:solidFill>
+          <a:schemeClr val="phClr">
+            <a:tint val="95000"/>
+            <a:satMod val="170000"/>
+          </a:schemeClr>
+        </a:solidFill>
+        <a:gradFill rotWithShape="1">
+          <a:gsLst>
+            <a:gs pos="0">
+              <a:schemeClr val="phClr">
+                <a:tint val="93000"/>
+                <a:satMod val="150000"/>
+                <a:shade val="98000"/>
+                <a:lumMod val="102000"/>
+              </a:schemeClr>
+            </a:gs>
+            <a:gs pos="50000">
+              <a:schemeClr val="phClr">
+                <a:tint val="98000"/>
+                <a:satMod val="130000"/>
+                <a:shade val="90000"/>
+                <a:lumMod val="103000"/>
+              </a:schemeClr>
+            </a:gs>
+            <a:gs pos="100000">
+              <a:schemeClr val="phClr">
+                <a:shade val="63000"/>
+                <a:satMod val="120000"/>
+              </a:schemeClr>
+            </a:gs>
+          </a:gsLst>
+          <a:lin ang="5400000" scaled="0"/>
+        </a:gradFill>
+      </a:bgFillStyleLst>
+    </a:fmtScheme>
+  </a:themeElements>
+  <a:objectDefaults/>
+  <a:extraClrSchemeLst/>
+  <a:extLst>
+    <a:ext uri="{05A4C25C-085E-4340-85A3-A5531E510DB2}">
+      <thm15:themeFamily xmlns:thm15="http://schemas.microsoft.com/office/thememl/2012/main" name="Office Theme" id="{62F939B6-93AF-4DB8-9C6B-D6C7DFDC589F}" vid="{4A3C46E8-61CC-4603-A589-7422A47A8E4A}"/>
+    </a:ext>
+  </a:extLst>
+</a:theme>
 </file>
--- a/Movie Recommendation Systems.pptx
+++ b/Movie Recommendation Systems.pptx
@@ -5,7 +5,7 @@
     <p:sldMasterId id="2147483648" r:id="rId1"/>
   </p:sldMasterIdLst>
   <p:notesMasterIdLst>
-    <p:notesMasterId r:id="rId17"/>
+    <p:notesMasterId r:id="rId19"/>
   </p:notesMasterIdLst>
   <p:sldIdLst>
     <p:sldId id="256" r:id="rId2"/>
@@ -23,6 +23,8 @@
     <p:sldId id="302" r:id="rId14"/>
     <p:sldId id="304" r:id="rId15"/>
     <p:sldId id="305" r:id="rId16"/>
+    <p:sldId id="306" r:id="rId17"/>
+    <p:sldId id="307" r:id="rId18"/>
   </p:sldIdLst>
   <p:sldSz cx="12192000" cy="6858000"/>
   <p:notesSz cx="6858000" cy="9144000"/>
@@ -4838,53 +4840,14 @@
         </p:blipFill>
         <p:spPr>
           <a:xfrm>
-            <a:off x="129430" y="1548574"/>
-            <a:ext cx="5404967" cy="3914775"/>
+            <a:off x="403615" y="892489"/>
+            <a:ext cx="4283544" cy="3102537"/>
           </a:xfrm>
           <a:prstGeom prst="rect">
             <a:avLst/>
           </a:prstGeom>
         </p:spPr>
       </p:pic>
-      <p:sp>
-        <p:nvSpPr>
-          <p:cNvPr id="10" name="TextBox 9">
-            <a:extLst>
-              <a:ext uri="{FF2B5EF4-FFF2-40B4-BE49-F238E27FC236}">
-                <a16:creationId xmlns:a16="http://schemas.microsoft.com/office/drawing/2014/main" id="{A1A0E6AF-0FAC-4D13-8338-82D3F2F4BCED}"/>
-              </a:ext>
-            </a:extLst>
-          </p:cNvPr>
-          <p:cNvSpPr txBox="1"/>
-          <p:nvPr/>
-        </p:nvSpPr>
-        <p:spPr>
-          <a:xfrm>
-            <a:off x="1174824" y="1086909"/>
-            <a:ext cx="2956665" cy="461665"/>
-          </a:xfrm>
-          <a:prstGeom prst="rect">
-            <a:avLst/>
-          </a:prstGeom>
-          <a:noFill/>
-        </p:spPr>
-        <p:txBody>
-          <a:bodyPr wrap="square" rtlCol="0">
-            <a:spAutoFit/>
-          </a:bodyPr>
-          <a:lstStyle/>
-          <a:p>
-            <a:r>
-              <a:rPr lang="en-US" sz="2400" dirty="0">
-                <a:solidFill>
-                  <a:schemeClr val="bg1"/>
-                </a:solidFill>
-              </a:rPr>
-              <a:t>Evaluate the Model 1</a:t>
-            </a:r>
-          </a:p>
-        </p:txBody>
-      </p:sp>
       <p:sp>
         <p:nvSpPr>
           <p:cNvPr id="18" name="Content Placeholder 17">
@@ -5233,6 +5196,36 @@
           </a:p>
         </p:txBody>
       </p:sp>
+      <p:pic>
+        <p:nvPicPr>
+          <p:cNvPr id="4" name="Picture 3">
+            <a:extLst>
+              <a:ext uri="{FF2B5EF4-FFF2-40B4-BE49-F238E27FC236}">
+                <a16:creationId xmlns:a16="http://schemas.microsoft.com/office/drawing/2014/main" id="{E3335746-284D-4187-AA54-409F494947B6}"/>
+              </a:ext>
+            </a:extLst>
+          </p:cNvPr>
+          <p:cNvPicPr>
+            <a:picLocks noChangeAspect="1"/>
+          </p:cNvPicPr>
+          <p:nvPr/>
+        </p:nvPicPr>
+        <p:blipFill>
+          <a:blip r:embed="rId5"/>
+          <a:stretch>
+            <a:fillRect/>
+          </a:stretch>
+        </p:blipFill>
+        <p:spPr>
+          <a:xfrm>
+            <a:off x="464353" y="4109075"/>
+            <a:ext cx="5631647" cy="2748925"/>
+          </a:xfrm>
+          <a:prstGeom prst="rect">
+            <a:avLst/>
+          </a:prstGeom>
+        </p:spPr>
+      </p:pic>
     </p:spTree>
     <p:extLst>
       <p:ext uri="{BB962C8B-B14F-4D97-AF65-F5344CB8AC3E}">
@@ -5255,6 +5248,9 @@
                     <p:cTn id="3" fill="hold">
                       <p:stCondLst>
                         <p:cond delay="indefinite"/>
+                        <p:cond evt="onBegin" delay="0">
+                          <p:tn val="2"/>
+                        </p:cond>
                       </p:stCondLst>
                       <p:childTnLst>
                         <p:par>
@@ -5264,7 +5260,7 @@
                             </p:stCondLst>
                             <p:childTnLst>
                               <p:par>
-                                <p:cTn id="5" presetID="1" presetClass="entr" presetSubtype="0" fill="hold" grpId="0" nodeType="clickEffect">
+                                <p:cTn id="5" presetID="1" presetClass="entr" presetSubtype="0" fill="hold" nodeType="withEffect">
                                   <p:stCondLst>
                                     <p:cond delay="0"/>
                                   </p:stCondLst>
@@ -5272,33 +5268,6 @@
                                     <p:set>
                                       <p:cBhvr>
                                         <p:cTn id="6" dur="1" fill="hold">
-                                          <p:stCondLst>
-                                            <p:cond delay="0"/>
-                                          </p:stCondLst>
-                                        </p:cTn>
-                                        <p:tgtEl>
-                                          <p:spTgt spid="10"/>
-                                        </p:tgtEl>
-                                        <p:attrNameLst>
-                                          <p:attrName>style.visibility</p:attrName>
-                                        </p:attrNameLst>
-                                      </p:cBhvr>
-                                      <p:to>
-                                        <p:strVal val="visible"/>
-                                      </p:to>
-                                    </p:set>
-                                  </p:childTnLst>
-                                </p:cTn>
-                              </p:par>
-                              <p:par>
-                                <p:cTn id="7" presetID="1" presetClass="entr" presetSubtype="0" fill="hold" nodeType="withEffect">
-                                  <p:stCondLst>
-                                    <p:cond delay="0"/>
-                                  </p:stCondLst>
-                                  <p:childTnLst>
-                                    <p:set>
-                                      <p:cBhvr>
-                                        <p:cTn id="8" dur="1" fill="hold">
                                           <p:stCondLst>
                                             <p:cond delay="0"/>
                                           </p:stCondLst>
@@ -5324,26 +5293,26 @@
                     </p:cTn>
                   </p:par>
                   <p:par>
-                    <p:cTn id="9" fill="hold">
+                    <p:cTn id="7" fill="hold">
                       <p:stCondLst>
                         <p:cond delay="indefinite"/>
                       </p:stCondLst>
                       <p:childTnLst>
                         <p:par>
-                          <p:cTn id="10" fill="hold">
+                          <p:cTn id="8" fill="hold">
                             <p:stCondLst>
                               <p:cond delay="0"/>
                             </p:stCondLst>
                             <p:childTnLst>
                               <p:par>
-                                <p:cTn id="11" presetID="1" presetClass="entr" presetSubtype="0" fill="hold" nodeType="clickEffect">
+                                <p:cTn id="9" presetID="1" presetClass="entr" presetSubtype="0" fill="hold" nodeType="clickEffect">
                                   <p:stCondLst>
                                     <p:cond delay="0"/>
                                   </p:stCondLst>
                                   <p:childTnLst>
                                     <p:set>
                                       <p:cBhvr>
-                                        <p:cTn id="12" dur="1" fill="hold">
+                                        <p:cTn id="10" dur="1" fill="hold">
                                           <p:stCondLst>
                                             <p:cond delay="0"/>
                                           </p:stCondLst>
@@ -5373,26 +5342,26 @@
                     </p:cTn>
                   </p:par>
                   <p:par>
-                    <p:cTn id="13" fill="hold">
+                    <p:cTn id="11" fill="hold">
                       <p:stCondLst>
                         <p:cond delay="indefinite"/>
                       </p:stCondLst>
                       <p:childTnLst>
                         <p:par>
-                          <p:cTn id="14" fill="hold">
+                          <p:cTn id="12" fill="hold">
                             <p:stCondLst>
                               <p:cond delay="0"/>
                             </p:stCondLst>
                             <p:childTnLst>
                               <p:par>
-                                <p:cTn id="15" presetID="1" presetClass="entr" presetSubtype="0" fill="hold" nodeType="clickEffect">
+                                <p:cTn id="13" presetID="1" presetClass="entr" presetSubtype="0" fill="hold" nodeType="clickEffect">
                                   <p:stCondLst>
                                     <p:cond delay="0"/>
                                   </p:stCondLst>
                                   <p:childTnLst>
                                     <p:set>
                                       <p:cBhvr>
-                                        <p:cTn id="16" dur="1" fill="hold">
+                                        <p:cTn id="14" dur="1" fill="hold">
                                           <p:stCondLst>
                                             <p:cond delay="0"/>
                                           </p:stCondLst>
@@ -5422,26 +5391,26 @@
                     </p:cTn>
                   </p:par>
                   <p:par>
-                    <p:cTn id="17" fill="hold">
+                    <p:cTn id="15" fill="hold">
                       <p:stCondLst>
                         <p:cond delay="indefinite"/>
                       </p:stCondLst>
                       <p:childTnLst>
                         <p:par>
-                          <p:cTn id="18" fill="hold">
+                          <p:cTn id="16" fill="hold">
                             <p:stCondLst>
                               <p:cond delay="0"/>
                             </p:stCondLst>
                             <p:childTnLst>
                               <p:par>
-                                <p:cTn id="19" presetID="1" presetClass="entr" presetSubtype="0" fill="hold" nodeType="clickEffect">
+                                <p:cTn id="17" presetID="1" presetClass="entr" presetSubtype="0" fill="hold" nodeType="clickEffect">
                                   <p:stCondLst>
                                     <p:cond delay="0"/>
                                   </p:stCondLst>
                                   <p:childTnLst>
                                     <p:set>
                                       <p:cBhvr>
-                                        <p:cTn id="20" dur="1" fill="hold">
+                                        <p:cTn id="18" dur="1" fill="hold">
                                           <p:stCondLst>
                                             <p:cond delay="0"/>
                                           </p:stCondLst>
@@ -5471,26 +5440,26 @@
                     </p:cTn>
                   </p:par>
                   <p:par>
-                    <p:cTn id="21" fill="hold">
+                    <p:cTn id="19" fill="hold">
                       <p:stCondLst>
                         <p:cond delay="indefinite"/>
                       </p:stCondLst>
                       <p:childTnLst>
                         <p:par>
-                          <p:cTn id="22" fill="hold">
+                          <p:cTn id="20" fill="hold">
                             <p:stCondLst>
                               <p:cond delay="0"/>
                             </p:stCondLst>
                             <p:childTnLst>
                               <p:par>
-                                <p:cTn id="23" presetID="1" presetClass="entr" presetSubtype="0" fill="hold" nodeType="clickEffect">
+                                <p:cTn id="21" presetID="1" presetClass="entr" presetSubtype="0" fill="hold" nodeType="clickEffect">
                                   <p:stCondLst>
                                     <p:cond delay="0"/>
                                   </p:stCondLst>
                                   <p:childTnLst>
                                     <p:set>
                                       <p:cBhvr>
-                                        <p:cTn id="24" dur="1" fill="hold">
+                                        <p:cTn id="22" dur="1" fill="hold">
                                           <p:stCondLst>
                                             <p:cond delay="0"/>
                                           </p:stCondLst>
@@ -5514,14 +5483,14 @@
                                 </p:cTn>
                               </p:par>
                               <p:par>
-                                <p:cTn id="25" presetID="1" presetClass="entr" presetSubtype="0" fill="hold" nodeType="withEffect">
+                                <p:cTn id="23" presetID="1" presetClass="entr" presetSubtype="0" fill="hold" nodeType="withEffect">
                                   <p:stCondLst>
                                     <p:cond delay="0"/>
                                   </p:stCondLst>
                                   <p:childTnLst>
                                     <p:set>
                                       <p:cBhvr>
-                                        <p:cTn id="26" dur="1" fill="hold">
+                                        <p:cTn id="24" dur="1" fill="hold">
                                           <p:stCondLst>
                                             <p:cond delay="0"/>
                                           </p:stCondLst>
@@ -5571,9 +5540,6 @@
         </p:cTn>
       </p:par>
     </p:tnLst>
-    <p:bldLst>
-      <p:bldP spid="10" grpId="0"/>
-    </p:bldLst>
   </p:timing>
 </p:sld>
 </file>
@@ -6031,13 +5997,13 @@
           <p:nvPr>
             <p:extLst>
               <p:ext uri="{D42A27DB-BD31-4B8C-83A1-F6EECF244321}">
-                <p14:modId xmlns:p14="http://schemas.microsoft.com/office/powerpoint/2010/main" val="4075308611"/>
+                <p14:modId xmlns:p14="http://schemas.microsoft.com/office/powerpoint/2010/main" val="330970764"/>
               </p:ext>
             </p:extLst>
           </p:nvPr>
         </p:nvGraphicFramePr>
         <p:xfrm>
-          <a:off x="1144609" y="1406945"/>
+          <a:off x="1301080" y="5532144"/>
           <a:ext cx="9236007" cy="1112520"/>
         </p:xfrm>
         <a:graphic>
@@ -6741,7 +6707,7 @@
         </p:nvSpPr>
         <p:spPr>
           <a:xfrm>
-            <a:off x="299601" y="2763766"/>
+            <a:off x="212581" y="1021000"/>
             <a:ext cx="11436081" cy="611667"/>
           </a:xfrm>
           <a:prstGeom prst="rect">
@@ -6959,7 +6925,7 @@
         </p:nvSpPr>
         <p:spPr>
           <a:xfrm>
-            <a:off x="373987" y="3255877"/>
+            <a:off x="373987" y="1516529"/>
             <a:ext cx="11436081" cy="3294097"/>
           </a:xfrm>
           <a:prstGeom prst="rect">
@@ -7394,6 +7360,51 @@
                                     <p:set>
                                       <p:cBhvr>
                                         <p:cTn id="18" dur="1" fill="hold">
+                                          <p:stCondLst>
+                                            <p:cond delay="0"/>
+                                          </p:stCondLst>
+                                        </p:cTn>
+                                        <p:tgtEl>
+                                          <p:spTgt spid="2"/>
+                                        </p:tgtEl>
+                                        <p:attrNameLst>
+                                          <p:attrName>style.visibility</p:attrName>
+                                        </p:attrNameLst>
+                                      </p:cBhvr>
+                                      <p:to>
+                                        <p:strVal val="visible"/>
+                                      </p:to>
+                                    </p:set>
+                                  </p:childTnLst>
+                                </p:cTn>
+                              </p:par>
+                            </p:childTnLst>
+                          </p:cTn>
+                        </p:par>
+                      </p:childTnLst>
+                    </p:cTn>
+                  </p:par>
+                  <p:par>
+                    <p:cTn id="19" fill="hold">
+                      <p:stCondLst>
+                        <p:cond delay="indefinite"/>
+                      </p:stCondLst>
+                      <p:childTnLst>
+                        <p:par>
+                          <p:cTn id="20" fill="hold">
+                            <p:stCondLst>
+                              <p:cond delay="0"/>
+                            </p:stCondLst>
+                            <p:childTnLst>
+                              <p:par>
+                                <p:cTn id="21" presetID="1" presetClass="entr" presetSubtype="0" fill="hold" nodeType="clickEffect">
+                                  <p:stCondLst>
+                                    <p:cond delay="0"/>
+                                  </p:stCondLst>
+                                  <p:childTnLst>
+                                    <p:set>
+                                      <p:cBhvr>
+                                        <p:cTn id="22" dur="1" fill="hold">
                                           <p:stCondLst>
                                             <p:cond delay="0"/>
                                           </p:stCondLst>
@@ -9339,7 +9350,7 @@
         </p:spPr>
         <p:txBody>
           <a:bodyPr vert="horz" lIns="91440" tIns="45720" rIns="91440" bIns="45720" rtlCol="0">
-            <a:normAutofit lnSpcReduction="10000"/>
+            <a:normAutofit/>
           </a:bodyPr>
           <a:lstStyle>
             <a:lvl1pPr marL="228600" indent="-228600" algn="l" defTabSz="914400" rtl="0" eaLnBrk="1" latinLnBrk="0" hangingPunct="1">
@@ -9505,16 +9516,6 @@
               </a:defRPr>
             </a:lvl9pPr>
           </a:lstStyle>
-          <a:p>
-            <a:r>
-              <a:rPr lang="en-US" sz="2000" dirty="0">
-                <a:solidFill>
-                  <a:schemeClr val="bg1"/>
-                </a:solidFill>
-              </a:rPr>
-              <a:t>Quantiles are values which divide a sample such that there is a given proportion of observations below the quantile. </a:t>
-            </a:r>
-          </a:p>
           <a:p>
             <a:r>
               <a:rPr lang="en-US" sz="2000" dirty="0">
@@ -9963,33 +9964,15 @@
                                   </p:childTnLst>
                                 </p:cTn>
                               </p:par>
-                            </p:childTnLst>
-                          </p:cTn>
-                        </p:par>
-                      </p:childTnLst>
-                    </p:cTn>
-                  </p:par>
-                  <p:par>
-                    <p:cTn id="25" fill="hold">
-                      <p:stCondLst>
-                        <p:cond delay="indefinite"/>
-                      </p:stCondLst>
-                      <p:childTnLst>
-                        <p:par>
-                          <p:cTn id="26" fill="hold">
-                            <p:stCondLst>
-                              <p:cond delay="0"/>
-                            </p:stCondLst>
-                            <p:childTnLst>
                               <p:par>
-                                <p:cTn id="27" presetID="1" presetClass="entr" presetSubtype="0" fill="hold" nodeType="clickEffect">
+                                <p:cTn id="25" presetID="1" presetClass="entr" presetSubtype="0" fill="hold" nodeType="withEffect">
                                   <p:stCondLst>
                                     <p:cond delay="0"/>
                                   </p:stCondLst>
                                   <p:childTnLst>
                                     <p:set>
                                       <p:cBhvr>
-                                        <p:cTn id="28" dur="1" fill="hold">
+                                        <p:cTn id="26" dur="1" fill="hold">
                                           <p:stCondLst>
                                             <p:cond delay="0"/>
                                           </p:stCondLst>
@@ -10013,14 +9996,14 @@
                                 </p:cTn>
                               </p:par>
                               <p:par>
-                                <p:cTn id="29" presetID="1" presetClass="entr" presetSubtype="0" fill="hold" nodeType="withEffect">
+                                <p:cTn id="27" presetID="1" presetClass="entr" presetSubtype="0" fill="hold" nodeType="withEffect">
                                   <p:stCondLst>
                                     <p:cond delay="0"/>
                                   </p:stCondLst>
                                   <p:childTnLst>
                                     <p:set>
                                       <p:cBhvr>
-                                        <p:cTn id="30" dur="1" fill="hold">
+                                        <p:cTn id="28" dur="1" fill="hold">
                                           <p:stCondLst>
                                             <p:cond delay="0"/>
                                           </p:stCondLst>
@@ -10043,8 +10026,26 @@
                                   </p:childTnLst>
                                 </p:cTn>
                               </p:par>
+                            </p:childTnLst>
+                          </p:cTn>
+                        </p:par>
+                      </p:childTnLst>
+                    </p:cTn>
+                  </p:par>
+                  <p:par>
+                    <p:cTn id="29" fill="hold">
+                      <p:stCondLst>
+                        <p:cond delay="indefinite"/>
+                      </p:stCondLst>
+                      <p:childTnLst>
+                        <p:par>
+                          <p:cTn id="30" fill="hold">
+                            <p:stCondLst>
+                              <p:cond delay="0"/>
+                            </p:stCondLst>
+                            <p:childTnLst>
                               <p:par>
-                                <p:cTn id="31" presetID="1" presetClass="entr" presetSubtype="0" fill="hold" nodeType="withEffect">
+                                <p:cTn id="31" presetID="1" presetClass="entr" presetSubtype="0" fill="hold" nodeType="clickEffect">
                                   <p:stCondLst>
                                     <p:cond delay="0"/>
                                   </p:stCondLst>
@@ -10123,64 +10124,15 @@
                                   </p:childTnLst>
                                 </p:cTn>
                               </p:par>
-                            </p:childTnLst>
-                          </p:cTn>
-                        </p:par>
-                      </p:childTnLst>
-                    </p:cTn>
-                  </p:par>
-                  <p:par>
-                    <p:cTn id="37" fill="hold">
-                      <p:stCondLst>
-                        <p:cond delay="indefinite"/>
-                      </p:stCondLst>
-                      <p:childTnLst>
-                        <p:par>
-                          <p:cTn id="38" fill="hold">
-                            <p:stCondLst>
-                              <p:cond delay="0"/>
-                            </p:stCondLst>
-                            <p:childTnLst>
                               <p:par>
-                                <p:cTn id="39" presetID="1" presetClass="entr" presetSubtype="0" fill="hold" nodeType="clickEffect">
+                                <p:cTn id="37" presetID="1" presetClass="entr" presetSubtype="0" fill="hold" grpId="0" nodeType="withEffect">
                                   <p:stCondLst>
                                     <p:cond delay="0"/>
                                   </p:stCondLst>
                                   <p:childTnLst>
                                     <p:set>
                                       <p:cBhvr>
-                                        <p:cTn id="40" dur="1" fill="hold">
-                                          <p:stCondLst>
-                                            <p:cond delay="0"/>
-                                          </p:stCondLst>
-                                        </p:cTn>
-                                        <p:tgtEl>
-                                          <p:spTgt spid="22">
-                                            <p:txEl>
-                                              <p:pRg st="5" end="5"/>
-                                            </p:txEl>
-                                          </p:spTgt>
-                                        </p:tgtEl>
-                                        <p:attrNameLst>
-                                          <p:attrName>style.visibility</p:attrName>
-                                        </p:attrNameLst>
-                                      </p:cBhvr>
-                                      <p:to>
-                                        <p:strVal val="visible"/>
-                                      </p:to>
-                                    </p:set>
-                                  </p:childTnLst>
-                                </p:cTn>
-                              </p:par>
-                              <p:par>
-                                <p:cTn id="41" presetID="1" presetClass="entr" presetSubtype="0" fill="hold" grpId="0" nodeType="withEffect">
-                                  <p:stCondLst>
-                                    <p:cond delay="0"/>
-                                  </p:stCondLst>
-                                  <p:childTnLst>
-                                    <p:set>
-                                      <p:cBhvr>
-                                        <p:cTn id="42" dur="1" fill="hold">
+                                        <p:cTn id="38" dur="1" fill="hold">
                                           <p:stCondLst>
                                             <p:cond delay="0"/>
                                           </p:stCondLst>
@@ -10206,26 +10158,26 @@
                     </p:cTn>
                   </p:par>
                   <p:par>
-                    <p:cTn id="43" fill="hold">
+                    <p:cTn id="39" fill="hold">
                       <p:stCondLst>
                         <p:cond delay="indefinite"/>
                       </p:stCondLst>
                       <p:childTnLst>
                         <p:par>
-                          <p:cTn id="44" fill="hold">
+                          <p:cTn id="40" fill="hold">
                             <p:stCondLst>
                               <p:cond delay="0"/>
                             </p:stCondLst>
                             <p:childTnLst>
                               <p:par>
-                                <p:cTn id="45" presetID="1" presetClass="entr" presetSubtype="0" fill="hold" nodeType="clickEffect">
+                                <p:cTn id="41" presetID="1" presetClass="entr" presetSubtype="0" fill="hold" nodeType="clickEffect">
                                   <p:stCondLst>
                                     <p:cond delay="0"/>
                                   </p:stCondLst>
                                   <p:childTnLst>
                                     <p:set>
                                       <p:cBhvr>
-                                        <p:cTn id="46" dur="1" fill="hold">
+                                        <p:cTn id="42" dur="1" fill="hold">
                                           <p:stCondLst>
                                             <p:cond delay="0"/>
                                           </p:stCondLst>
@@ -10233,7 +10185,7 @@
                                         <p:tgtEl>
                                           <p:spTgt spid="22">
                                             <p:txEl>
-                                              <p:pRg st="6" end="6"/>
+                                              <p:pRg st="5" end="5"/>
                                             </p:txEl>
                                           </p:spTgt>
                                         </p:tgtEl>
@@ -10249,14 +10201,14 @@
                                 </p:cTn>
                               </p:par>
                               <p:par>
-                                <p:cTn id="47" presetID="1" presetClass="entr" presetSubtype="0" fill="hold" grpId="0" nodeType="withEffect">
+                                <p:cTn id="43" presetID="1" presetClass="entr" presetSubtype="0" fill="hold" grpId="0" nodeType="withEffect">
                                   <p:stCondLst>
                                     <p:cond delay="0"/>
                                   </p:stCondLst>
                                   <p:childTnLst>
                                     <p:set>
                                       <p:cBhvr>
-                                        <p:cTn id="48" dur="1" fill="hold">
+                                        <p:cTn id="44" dur="1" fill="hold">
                                           <p:stCondLst>
                                             <p:cond delay="0"/>
                                           </p:stCondLst>
@@ -10454,7 +10406,7 @@
                   <a:schemeClr val="bg1"/>
                 </a:solidFill>
               </a:rPr>
-              <a:t>Slide 13</a:t>
+              <a:t>Slide 14</a:t>
             </a:r>
           </a:p>
         </p:txBody>
@@ -10661,14 +10613,13 @@
             </a:r>
           </a:p>
           <a:p>
-            <a:pPr lvl="1"/>
             <a:r>
               <a:rPr lang="en-US" sz="2000" dirty="0">
                 <a:solidFill>
                   <a:schemeClr val="bg1"/>
                 </a:solidFill>
               </a:rPr>
-              <a:t>The top users have rated a very high number of movies then the rest of users have rated relatively low number of movies</a:t>
+              <a:t>There are a select few number of users that have rated a very high number of movies. Outside of these users, all the rest of the users did not rate very many movies at all. </a:t>
             </a:r>
           </a:p>
           <a:p>
@@ -10742,8 +10693,8 @@
         </p:blipFill>
         <p:spPr>
           <a:xfrm>
-            <a:off x="5495000" y="4194619"/>
-            <a:ext cx="3795304" cy="2443040"/>
+            <a:off x="5724938" y="4414509"/>
+            <a:ext cx="3565365" cy="2295028"/>
           </a:xfrm>
           <a:prstGeom prst="rect">
             <a:avLst/>
@@ -10878,7 +10829,7 @@
                                 </p:cTn>
                               </p:par>
                               <p:par>
-                                <p:cTn id="7" presetID="1" presetClass="entr" presetSubtype="0" fill="hold" nodeType="withEffect">
+                                <p:cTn id="7" presetID="1" presetClass="entr" presetSubtype="0" fill="hold" grpId="0" nodeType="withEffect">
                                   <p:stCondLst>
                                     <p:cond delay="0"/>
                                   </p:stCondLst>
@@ -10886,6 +10837,33 @@
                                     <p:set>
                                       <p:cBhvr>
                                         <p:cTn id="8" dur="1" fill="hold">
+                                          <p:stCondLst>
+                                            <p:cond delay="0"/>
+                                          </p:stCondLst>
+                                        </p:cTn>
+                                        <p:tgtEl>
+                                          <p:spTgt spid="9"/>
+                                        </p:tgtEl>
+                                        <p:attrNameLst>
+                                          <p:attrName>style.visibility</p:attrName>
+                                        </p:attrNameLst>
+                                      </p:cBhvr>
+                                      <p:to>
+                                        <p:strVal val="visible"/>
+                                      </p:to>
+                                    </p:set>
+                                  </p:childTnLst>
+                                </p:cTn>
+                              </p:par>
+                              <p:par>
+                                <p:cTn id="9" presetID="1" presetClass="entr" presetSubtype="0" fill="hold" nodeType="withEffect">
+                                  <p:stCondLst>
+                                    <p:cond delay="0"/>
+                                  </p:stCondLst>
+                                  <p:childTnLst>
+                                    <p:set>
+                                      <p:cBhvr>
+                                        <p:cTn id="10" dur="1" fill="hold">
                                           <p:stCondLst>
                                             <p:cond delay="0"/>
                                           </p:stCondLst>
@@ -10911,50 +10889,19 @@
                     </p:cTn>
                   </p:par>
                   <p:par>
-                    <p:cTn id="9" fill="hold">
+                    <p:cTn id="11" fill="hold">
                       <p:stCondLst>
                         <p:cond delay="indefinite"/>
                       </p:stCondLst>
                       <p:childTnLst>
                         <p:par>
-                          <p:cTn id="10" fill="hold">
+                          <p:cTn id="12" fill="hold">
                             <p:stCondLst>
                               <p:cond delay="0"/>
                             </p:stCondLst>
                             <p:childTnLst>
                               <p:par>
-                                <p:cTn id="11" presetID="1" presetClass="entr" presetSubtype="0" fill="hold" nodeType="clickEffect">
-                                  <p:stCondLst>
-                                    <p:cond delay="0"/>
-                                  </p:stCondLst>
-                                  <p:childTnLst>
-                                    <p:set>
-                                      <p:cBhvr>
-                                        <p:cTn id="12" dur="1" fill="hold">
-                                          <p:stCondLst>
-                                            <p:cond delay="0"/>
-                                          </p:stCondLst>
-                                        </p:cTn>
-                                        <p:tgtEl>
-                                          <p:spTgt spid="22">
-                                            <p:txEl>
-                                              <p:pRg st="0" end="0"/>
-                                            </p:txEl>
-                                          </p:spTgt>
-                                        </p:tgtEl>
-                                        <p:attrNameLst>
-                                          <p:attrName>style.visibility</p:attrName>
-                                        </p:attrNameLst>
-                                      </p:cBhvr>
-                                      <p:to>
-                                        <p:strVal val="visible"/>
-                                      </p:to>
-                                    </p:set>
-                                  </p:childTnLst>
-                                </p:cTn>
-                              </p:par>
-                              <p:par>
-                                <p:cTn id="13" presetID="1" presetClass="entr" presetSubtype="0" fill="hold" nodeType="withEffect">
+                                <p:cTn id="13" presetID="1" presetClass="entr" presetSubtype="0" fill="hold" nodeType="clickEffect">
                                   <p:stCondLst>
                                     <p:cond delay="0"/>
                                   </p:stCondLst>
@@ -10969,7 +10916,7 @@
                                         <p:tgtEl>
                                           <p:spTgt spid="22">
                                             <p:txEl>
-                                              <p:pRg st="1" end="1"/>
+                                              <p:pRg st="0" end="0"/>
                                             </p:txEl>
                                           </p:spTgt>
                                         </p:tgtEl>
@@ -11018,6 +10965,55 @@
                                         <p:tgtEl>
                                           <p:spTgt spid="22">
                                             <p:txEl>
+                                              <p:pRg st="1" end="1"/>
+                                            </p:txEl>
+                                          </p:spTgt>
+                                        </p:tgtEl>
+                                        <p:attrNameLst>
+                                          <p:attrName>style.visibility</p:attrName>
+                                        </p:attrNameLst>
+                                      </p:cBhvr>
+                                      <p:to>
+                                        <p:strVal val="visible"/>
+                                      </p:to>
+                                    </p:set>
+                                  </p:childTnLst>
+                                </p:cTn>
+                              </p:par>
+                            </p:childTnLst>
+                          </p:cTn>
+                        </p:par>
+                      </p:childTnLst>
+                    </p:cTn>
+                  </p:par>
+                  <p:par>
+                    <p:cTn id="19" fill="hold">
+                      <p:stCondLst>
+                        <p:cond delay="indefinite"/>
+                      </p:stCondLst>
+                      <p:childTnLst>
+                        <p:par>
+                          <p:cTn id="20" fill="hold">
+                            <p:stCondLst>
+                              <p:cond delay="0"/>
+                            </p:stCondLst>
+                            <p:childTnLst>
+                              <p:par>
+                                <p:cTn id="21" presetID="1" presetClass="entr" presetSubtype="0" fill="hold" nodeType="clickEffect">
+                                  <p:stCondLst>
+                                    <p:cond delay="0"/>
+                                  </p:stCondLst>
+                                  <p:childTnLst>
+                                    <p:set>
+                                      <p:cBhvr>
+                                        <p:cTn id="22" dur="1" fill="hold">
+                                          <p:stCondLst>
+                                            <p:cond delay="0"/>
+                                          </p:stCondLst>
+                                        </p:cTn>
+                                        <p:tgtEl>
+                                          <p:spTgt spid="22">
+                                            <p:txEl>
                                               <p:pRg st="2" end="2"/>
                                             </p:txEl>
                                           </p:spTgt>
@@ -11034,14 +11030,14 @@
                                 </p:cTn>
                               </p:par>
                               <p:par>
-                                <p:cTn id="19" presetID="1" presetClass="entr" presetSubtype="0" fill="hold" nodeType="withEffect">
+                                <p:cTn id="23" presetID="1" presetClass="entr" presetSubtype="0" fill="hold" nodeType="withEffect">
                                   <p:stCondLst>
                                     <p:cond delay="0"/>
                                   </p:stCondLst>
                                   <p:childTnLst>
                                     <p:set>
                                       <p:cBhvr>
-                                        <p:cTn id="20" dur="1" fill="hold">
+                                        <p:cTn id="24" dur="1" fill="hold">
                                           <p:stCondLst>
                                             <p:cond delay="0"/>
                                           </p:stCondLst>
@@ -11065,14 +11061,14 @@
                                 </p:cTn>
                               </p:par>
                               <p:par>
-                                <p:cTn id="21" presetID="1" presetClass="entr" presetSubtype="0" fill="hold" nodeType="withEffect">
+                                <p:cTn id="25" presetID="1" presetClass="entr" presetSubtype="0" fill="hold" nodeType="withEffect">
                                   <p:stCondLst>
                                     <p:cond delay="0"/>
                                   </p:stCondLst>
                                   <p:childTnLst>
                                     <p:set>
                                       <p:cBhvr>
-                                        <p:cTn id="22" dur="1" fill="hold">
+                                        <p:cTn id="26" dur="1" fill="hold">
                                           <p:stCondLst>
                                             <p:cond delay="0"/>
                                           </p:stCondLst>
@@ -11122,6 +11118,1344 @@
         </p:cTn>
       </p:par>
     </p:tnLst>
+    <p:bldLst>
+      <p:bldP spid="9" grpId="0" animBg="1"/>
+    </p:bldLst>
+  </p:timing>
+</p:sld>
+</file>
+
+<file path=ppt/slides/slide16.xml><?xml version="1.0" encoding="utf-8"?>
+<p:sld xmlns:a="http://schemas.openxmlformats.org/drawingml/2006/main" xmlns:r="http://schemas.openxmlformats.org/officeDocument/2006/relationships" xmlns:p="http://schemas.openxmlformats.org/presentationml/2006/main">
+  <p:cSld>
+    <p:spTree>
+      <p:nvGrpSpPr>
+        <p:cNvPr id="1" name=""/>
+        <p:cNvGrpSpPr/>
+        <p:nvPr/>
+      </p:nvGrpSpPr>
+      <p:grpSpPr>
+        <a:xfrm>
+          <a:off x="0" y="0"/>
+          <a:ext cx="0" cy="0"/>
+          <a:chOff x="0" y="0"/>
+          <a:chExt cx="0" cy="0"/>
+        </a:xfrm>
+      </p:grpSpPr>
+      <p:sp>
+        <p:nvSpPr>
+          <p:cNvPr id="20" name="Rectangle 19">
+            <a:extLst>
+              <a:ext uri="{FF2B5EF4-FFF2-40B4-BE49-F238E27FC236}">
+                <a16:creationId xmlns:a16="http://schemas.microsoft.com/office/drawing/2014/main" id="{BA5B51F8-C6A3-457F-8D51-2646A1CF0752}"/>
+              </a:ext>
+            </a:extLst>
+          </p:cNvPr>
+          <p:cNvSpPr/>
+          <p:nvPr/>
+        </p:nvSpPr>
+        <p:spPr>
+          <a:xfrm>
+            <a:off x="0" y="5237922"/>
+            <a:ext cx="1789043" cy="1620078"/>
+          </a:xfrm>
+          <a:prstGeom prst="rect">
+            <a:avLst/>
+          </a:prstGeom>
+          <a:ln>
+            <a:solidFill>
+              <a:schemeClr val="tx1"/>
+            </a:solidFill>
+          </a:ln>
+        </p:spPr>
+        <p:style>
+          <a:lnRef idx="2">
+            <a:schemeClr val="dk1">
+              <a:shade val="50000"/>
+            </a:schemeClr>
+          </a:lnRef>
+          <a:fillRef idx="1">
+            <a:schemeClr val="dk1"/>
+          </a:fillRef>
+          <a:effectRef idx="0">
+            <a:schemeClr val="dk1"/>
+          </a:effectRef>
+          <a:fontRef idx="minor">
+            <a:schemeClr val="lt1"/>
+          </a:fontRef>
+        </p:style>
+        <p:txBody>
+          <a:bodyPr rtlCol="0" anchor="ctr"/>
+          <a:lstStyle/>
+          <a:p>
+            <a:pPr algn="ctr"/>
+            <a:endParaRPr lang="en-US"/>
+          </a:p>
+        </p:txBody>
+      </p:sp>
+      <p:sp>
+        <p:nvSpPr>
+          <p:cNvPr id="11" name="Title 10">
+            <a:extLst>
+              <a:ext uri="{FF2B5EF4-FFF2-40B4-BE49-F238E27FC236}">
+                <a16:creationId xmlns:a16="http://schemas.microsoft.com/office/drawing/2014/main" id="{010FB232-4CB4-C34D-A688-C51B6E7CD2CF}"/>
+              </a:ext>
+            </a:extLst>
+          </p:cNvPr>
+          <p:cNvSpPr>
+            <a:spLocks noGrp="1"/>
+          </p:cNvSpPr>
+          <p:nvPr>
+            <p:ph type="title"/>
+          </p:nvPr>
+        </p:nvSpPr>
+        <p:spPr>
+          <a:xfrm>
+            <a:off x="80455" y="10128"/>
+            <a:ext cx="11031682" cy="799025"/>
+          </a:xfrm>
+        </p:spPr>
+        <p:txBody>
+          <a:bodyPr>
+            <a:normAutofit fontScale="90000"/>
+          </a:bodyPr>
+          <a:lstStyle/>
+          <a:p>
+            <a:r>
+              <a:rPr lang="en-US" sz="3800" dirty="0">
+                <a:latin typeface="Century" panose="02040604050505020304" pitchFamily="18" charset="0"/>
+                <a:cs typeface="Times New Roman" panose="02020603050405020304" pitchFamily="18" charset="0"/>
+              </a:rPr>
+              <a:t>Number of Ratings per User       </a:t>
+            </a:r>
+            <a:r>
+              <a:rPr lang="en-US" sz="3000" dirty="0">
+                <a:latin typeface="Century" panose="02040604050505020304" pitchFamily="18" charset="0"/>
+                <a:cs typeface="Times New Roman" panose="02020603050405020304" pitchFamily="18" charset="0"/>
+              </a:rPr>
+              <a:t>Collaborative Based</a:t>
+            </a:r>
+          </a:p>
+        </p:txBody>
+      </p:sp>
+      <p:sp>
+        <p:nvSpPr>
+          <p:cNvPr id="7" name="TextBox 6"/>
+          <p:cNvSpPr txBox="1"/>
+          <p:nvPr/>
+        </p:nvSpPr>
+        <p:spPr>
+          <a:xfrm>
+            <a:off x="11112137" y="6400800"/>
+            <a:ext cx="945762" cy="338554"/>
+          </a:xfrm>
+          <a:prstGeom prst="rect">
+            <a:avLst/>
+          </a:prstGeom>
+          <a:noFill/>
+        </p:spPr>
+        <p:txBody>
+          <a:bodyPr wrap="square" rtlCol="0">
+            <a:spAutoFit/>
+          </a:bodyPr>
+          <a:lstStyle/>
+          <a:p>
+            <a:r>
+              <a:rPr lang="en-US" sz="1600" b="1" dirty="0">
+                <a:solidFill>
+                  <a:schemeClr val="bg1"/>
+                </a:solidFill>
+              </a:rPr>
+              <a:t>Slide 15</a:t>
+            </a:r>
+          </a:p>
+        </p:txBody>
+      </p:sp>
+      <p:sp>
+        <p:nvSpPr>
+          <p:cNvPr id="22" name="Content Placeholder 17">
+            <a:extLst>
+              <a:ext uri="{FF2B5EF4-FFF2-40B4-BE49-F238E27FC236}">
+                <a16:creationId xmlns:a16="http://schemas.microsoft.com/office/drawing/2014/main" id="{0185A217-4048-4D79-B397-6286970F7768}"/>
+              </a:ext>
+            </a:extLst>
+          </p:cNvPr>
+          <p:cNvSpPr txBox="1">
+            <a:spLocks/>
+          </p:cNvSpPr>
+          <p:nvPr/>
+        </p:nvSpPr>
+        <p:spPr>
+          <a:xfrm>
+            <a:off x="80455" y="1207744"/>
+            <a:ext cx="9209849" cy="3466995"/>
+          </a:xfrm>
+          <a:prstGeom prst="rect">
+            <a:avLst/>
+          </a:prstGeom>
+        </p:spPr>
+        <p:txBody>
+          <a:bodyPr vert="horz" lIns="91440" tIns="45720" rIns="91440" bIns="45720" rtlCol="0">
+            <a:normAutofit/>
+          </a:bodyPr>
+          <a:lstStyle>
+            <a:lvl1pPr marL="228600" indent="-228600" algn="l" defTabSz="914400" rtl="0" eaLnBrk="1" latinLnBrk="0" hangingPunct="1">
+              <a:lnSpc>
+                <a:spcPct val="90000"/>
+              </a:lnSpc>
+              <a:spcBef>
+                <a:spcPts val="1000"/>
+              </a:spcBef>
+              <a:buFont typeface="Arial" panose="020B0604020202020204" pitchFamily="34" charset="0"/>
+              <a:buChar char="•"/>
+              <a:defRPr sz="2800" kern="1200">
+                <a:solidFill>
+                  <a:schemeClr val="tx1"/>
+                </a:solidFill>
+                <a:latin typeface="+mn-lt"/>
+                <a:ea typeface="+mn-ea"/>
+                <a:cs typeface="+mn-cs"/>
+              </a:defRPr>
+            </a:lvl1pPr>
+            <a:lvl2pPr marL="685800" indent="-228600" algn="l" defTabSz="914400" rtl="0" eaLnBrk="1" latinLnBrk="0" hangingPunct="1">
+              <a:lnSpc>
+                <a:spcPct val="90000"/>
+              </a:lnSpc>
+              <a:spcBef>
+                <a:spcPts val="500"/>
+              </a:spcBef>
+              <a:buFont typeface="Arial" panose="020B0604020202020204" pitchFamily="34" charset="0"/>
+              <a:buChar char="•"/>
+              <a:defRPr sz="2400" kern="1200">
+                <a:solidFill>
+                  <a:schemeClr val="tx1"/>
+                </a:solidFill>
+                <a:latin typeface="+mn-lt"/>
+                <a:ea typeface="+mn-ea"/>
+                <a:cs typeface="+mn-cs"/>
+              </a:defRPr>
+            </a:lvl2pPr>
+            <a:lvl3pPr marL="1143000" indent="-228600" algn="l" defTabSz="914400" rtl="0" eaLnBrk="1" latinLnBrk="0" hangingPunct="1">
+              <a:lnSpc>
+                <a:spcPct val="90000"/>
+              </a:lnSpc>
+              <a:spcBef>
+                <a:spcPts val="500"/>
+              </a:spcBef>
+              <a:buFont typeface="Arial" panose="020B0604020202020204" pitchFamily="34" charset="0"/>
+              <a:buChar char="•"/>
+              <a:defRPr sz="2000" kern="1200">
+                <a:solidFill>
+                  <a:schemeClr val="tx1"/>
+                </a:solidFill>
+                <a:latin typeface="+mn-lt"/>
+                <a:ea typeface="+mn-ea"/>
+                <a:cs typeface="+mn-cs"/>
+              </a:defRPr>
+            </a:lvl3pPr>
+            <a:lvl4pPr marL="1600200" indent="-228600" algn="l" defTabSz="914400" rtl="0" eaLnBrk="1" latinLnBrk="0" hangingPunct="1">
+              <a:lnSpc>
+                <a:spcPct val="90000"/>
+              </a:lnSpc>
+              <a:spcBef>
+                <a:spcPts val="500"/>
+              </a:spcBef>
+              <a:buFont typeface="Arial" panose="020B0604020202020204" pitchFamily="34" charset="0"/>
+              <a:buChar char="•"/>
+              <a:defRPr sz="1800" kern="1200">
+                <a:solidFill>
+                  <a:schemeClr val="tx1"/>
+                </a:solidFill>
+                <a:latin typeface="+mn-lt"/>
+                <a:ea typeface="+mn-ea"/>
+                <a:cs typeface="+mn-cs"/>
+              </a:defRPr>
+            </a:lvl4pPr>
+            <a:lvl5pPr marL="2057400" indent="-228600" algn="l" defTabSz="914400" rtl="0" eaLnBrk="1" latinLnBrk="0" hangingPunct="1">
+              <a:lnSpc>
+                <a:spcPct val="90000"/>
+              </a:lnSpc>
+              <a:spcBef>
+                <a:spcPts val="500"/>
+              </a:spcBef>
+              <a:buFont typeface="Arial" panose="020B0604020202020204" pitchFamily="34" charset="0"/>
+              <a:buChar char="•"/>
+              <a:defRPr sz="1800" kern="1200">
+                <a:solidFill>
+                  <a:schemeClr val="tx1"/>
+                </a:solidFill>
+                <a:latin typeface="+mn-lt"/>
+                <a:ea typeface="+mn-ea"/>
+                <a:cs typeface="+mn-cs"/>
+              </a:defRPr>
+            </a:lvl5pPr>
+            <a:lvl6pPr marL="2514600" indent="-228600" algn="l" defTabSz="914400" rtl="0" eaLnBrk="1" latinLnBrk="0" hangingPunct="1">
+              <a:lnSpc>
+                <a:spcPct val="90000"/>
+              </a:lnSpc>
+              <a:spcBef>
+                <a:spcPts val="500"/>
+              </a:spcBef>
+              <a:buFont typeface="Arial" panose="020B0604020202020204" pitchFamily="34" charset="0"/>
+              <a:buChar char="•"/>
+              <a:defRPr sz="1800" kern="1200">
+                <a:solidFill>
+                  <a:schemeClr val="tx1"/>
+                </a:solidFill>
+                <a:latin typeface="+mn-lt"/>
+                <a:ea typeface="+mn-ea"/>
+                <a:cs typeface="+mn-cs"/>
+              </a:defRPr>
+            </a:lvl6pPr>
+            <a:lvl7pPr marL="2971800" indent="-228600" algn="l" defTabSz="914400" rtl="0" eaLnBrk="1" latinLnBrk="0" hangingPunct="1">
+              <a:lnSpc>
+                <a:spcPct val="90000"/>
+              </a:lnSpc>
+              <a:spcBef>
+                <a:spcPts val="500"/>
+              </a:spcBef>
+              <a:buFont typeface="Arial" panose="020B0604020202020204" pitchFamily="34" charset="0"/>
+              <a:buChar char="•"/>
+              <a:defRPr sz="1800" kern="1200">
+                <a:solidFill>
+                  <a:schemeClr val="tx1"/>
+                </a:solidFill>
+                <a:latin typeface="+mn-lt"/>
+                <a:ea typeface="+mn-ea"/>
+                <a:cs typeface="+mn-cs"/>
+              </a:defRPr>
+            </a:lvl7pPr>
+            <a:lvl8pPr marL="3429000" indent="-228600" algn="l" defTabSz="914400" rtl="0" eaLnBrk="1" latinLnBrk="0" hangingPunct="1">
+              <a:lnSpc>
+                <a:spcPct val="90000"/>
+              </a:lnSpc>
+              <a:spcBef>
+                <a:spcPts val="500"/>
+              </a:spcBef>
+              <a:buFont typeface="Arial" panose="020B0604020202020204" pitchFamily="34" charset="0"/>
+              <a:buChar char="•"/>
+              <a:defRPr sz="1800" kern="1200">
+                <a:solidFill>
+                  <a:schemeClr val="tx1"/>
+                </a:solidFill>
+                <a:latin typeface="+mn-lt"/>
+                <a:ea typeface="+mn-ea"/>
+                <a:cs typeface="+mn-cs"/>
+              </a:defRPr>
+            </a:lvl8pPr>
+            <a:lvl9pPr marL="3886200" indent="-228600" algn="l" defTabSz="914400" rtl="0" eaLnBrk="1" latinLnBrk="0" hangingPunct="1">
+              <a:lnSpc>
+                <a:spcPct val="90000"/>
+              </a:lnSpc>
+              <a:spcBef>
+                <a:spcPts val="500"/>
+              </a:spcBef>
+              <a:buFont typeface="Arial" panose="020B0604020202020204" pitchFamily="34" charset="0"/>
+              <a:buChar char="•"/>
+              <a:defRPr sz="1800" kern="1200">
+                <a:solidFill>
+                  <a:schemeClr val="tx1"/>
+                </a:solidFill>
+                <a:latin typeface="+mn-lt"/>
+                <a:ea typeface="+mn-ea"/>
+                <a:cs typeface="+mn-cs"/>
+              </a:defRPr>
+            </a:lvl9pPr>
+          </a:lstStyle>
+          <a:p>
+            <a:r>
+              <a:rPr lang="en-US" sz="2000" dirty="0">
+                <a:solidFill>
+                  <a:schemeClr val="bg1"/>
+                </a:solidFill>
+              </a:rPr>
+              <a:t>The plot for Number of Ratings per userId is very similar to the plot for Number of Ratings per Movie</a:t>
+            </a:r>
+          </a:p>
+          <a:p>
+            <a:r>
+              <a:rPr lang="en-US" sz="2000" dirty="0">
+                <a:solidFill>
+                  <a:schemeClr val="bg1"/>
+                </a:solidFill>
+              </a:rPr>
+              <a:t>There are a select few number of users that have rated a very high number of movies. Outside of these users, all the rest of the users did not rate very many movies at all. </a:t>
+            </a:r>
+          </a:p>
+          <a:p>
+            <a:r>
+              <a:rPr lang="en-US" sz="2000" dirty="0">
+                <a:solidFill>
+                  <a:schemeClr val="bg1"/>
+                </a:solidFill>
+              </a:rPr>
+              <a:t>To keep it kind of standard and not remove too many users. Remove all users who have rated less than 10 movies</a:t>
+            </a:r>
+          </a:p>
+          <a:p>
+            <a:r>
+              <a:rPr lang="en-US" sz="2000" dirty="0">
+                <a:solidFill>
+                  <a:schemeClr val="bg1"/>
+                </a:solidFill>
+              </a:rPr>
+              <a:t>This is approximately 15% of all the users</a:t>
+            </a:r>
+          </a:p>
+          <a:p>
+            <a:r>
+              <a:rPr lang="en-US" sz="2000" dirty="0">
+                <a:solidFill>
+                  <a:schemeClr val="bg1"/>
+                </a:solidFill>
+              </a:rPr>
+              <a:t>There are </a:t>
+            </a:r>
+            <a:r>
+              <a:rPr lang="en-US" sz="2000" b="1" dirty="0">
+                <a:solidFill>
+                  <a:schemeClr val="bg1"/>
+                </a:solidFill>
+              </a:rPr>
+              <a:t>8,701 users that have rated 10 or more different movies</a:t>
+            </a:r>
+            <a:r>
+              <a:rPr lang="en-US" sz="2000" dirty="0">
+                <a:solidFill>
+                  <a:schemeClr val="bg1"/>
+                </a:solidFill>
+              </a:rPr>
+              <a:t>. There were 10,532 users in the original dataset.</a:t>
+            </a:r>
+          </a:p>
+          <a:p>
+            <a:endParaRPr lang="en-US" sz="2000" b="1" dirty="0">
+              <a:solidFill>
+                <a:schemeClr val="bg1"/>
+              </a:solidFill>
+            </a:endParaRPr>
+          </a:p>
+        </p:txBody>
+      </p:sp>
+      <p:pic>
+        <p:nvPicPr>
+          <p:cNvPr id="3" name="Picture 2"/>
+          <p:cNvPicPr>
+            <a:picLocks noChangeAspect="1"/>
+          </p:cNvPicPr>
+          <p:nvPr/>
+        </p:nvPicPr>
+        <p:blipFill>
+          <a:blip r:embed="rId2"/>
+          <a:stretch>
+            <a:fillRect/>
+          </a:stretch>
+        </p:blipFill>
+        <p:spPr>
+          <a:xfrm>
+            <a:off x="5724938" y="4414509"/>
+            <a:ext cx="3565365" cy="2295028"/>
+          </a:xfrm>
+          <a:prstGeom prst="rect">
+            <a:avLst/>
+          </a:prstGeom>
+        </p:spPr>
+      </p:pic>
+      <p:pic>
+        <p:nvPicPr>
+          <p:cNvPr id="5" name="Picture 4"/>
+          <p:cNvPicPr>
+            <a:picLocks noChangeAspect="1"/>
+          </p:cNvPicPr>
+          <p:nvPr/>
+        </p:nvPicPr>
+        <p:blipFill>
+          <a:blip r:embed="rId3"/>
+          <a:stretch>
+            <a:fillRect/>
+          </a:stretch>
+        </p:blipFill>
+        <p:spPr>
+          <a:xfrm>
+            <a:off x="9839917" y="1628539"/>
+            <a:ext cx="1419225" cy="3952875"/>
+          </a:xfrm>
+          <a:prstGeom prst="rect">
+            <a:avLst/>
+          </a:prstGeom>
+        </p:spPr>
+      </p:pic>
+      <p:sp>
+        <p:nvSpPr>
+          <p:cNvPr id="9" name="Rectangle 8"/>
+          <p:cNvSpPr/>
+          <p:nvPr/>
+        </p:nvSpPr>
+        <p:spPr>
+          <a:xfrm>
+            <a:off x="9839917" y="4946904"/>
+            <a:ext cx="1419225" cy="182880"/>
+          </a:xfrm>
+          <a:prstGeom prst="rect">
+            <a:avLst/>
+          </a:prstGeom>
+          <a:noFill/>
+          <a:ln>
+            <a:solidFill>
+              <a:srgbClr val="FF0000"/>
+            </a:solidFill>
+          </a:ln>
+        </p:spPr>
+        <p:style>
+          <a:lnRef idx="2">
+            <a:schemeClr val="accent1">
+              <a:shade val="50000"/>
+            </a:schemeClr>
+          </a:lnRef>
+          <a:fillRef idx="1">
+            <a:schemeClr val="accent1"/>
+          </a:fillRef>
+          <a:effectRef idx="0">
+            <a:schemeClr val="accent1"/>
+          </a:effectRef>
+          <a:fontRef idx="minor">
+            <a:schemeClr val="lt1"/>
+          </a:fontRef>
+        </p:style>
+        <p:txBody>
+          <a:bodyPr rtlCol="0" anchor="ctr"/>
+          <a:lstStyle/>
+          <a:p>
+            <a:pPr algn="ctr"/>
+            <a:endParaRPr lang="en-US"/>
+          </a:p>
+        </p:txBody>
+      </p:sp>
+    </p:spTree>
+    <p:extLst>
+      <p:ext uri="{BB962C8B-B14F-4D97-AF65-F5344CB8AC3E}">
+        <p14:creationId xmlns:p14="http://schemas.microsoft.com/office/powerpoint/2010/main" val="711449298"/>
+      </p:ext>
+    </p:extLst>
+  </p:cSld>
+  <p:clrMapOvr>
+    <a:masterClrMapping/>
+  </p:clrMapOvr>
+  <p:timing>
+    <p:tnLst>
+      <p:par>
+        <p:cTn id="1" dur="indefinite" restart="never" nodeType="tmRoot">
+          <p:childTnLst>
+            <p:seq concurrent="1" nextAc="seek">
+              <p:cTn id="2" dur="indefinite" nodeType="mainSeq">
+                <p:childTnLst>
+                  <p:par>
+                    <p:cTn id="3" fill="hold">
+                      <p:stCondLst>
+                        <p:cond delay="indefinite"/>
+                      </p:stCondLst>
+                      <p:childTnLst>
+                        <p:par>
+                          <p:cTn id="4" fill="hold">
+                            <p:stCondLst>
+                              <p:cond delay="0"/>
+                            </p:stCondLst>
+                            <p:childTnLst>
+                              <p:par>
+                                <p:cTn id="5" presetID="1" presetClass="entr" presetSubtype="0" fill="hold" nodeType="clickEffect">
+                                  <p:stCondLst>
+                                    <p:cond delay="0"/>
+                                  </p:stCondLst>
+                                  <p:childTnLst>
+                                    <p:set>
+                                      <p:cBhvr>
+                                        <p:cTn id="6" dur="1" fill="hold">
+                                          <p:stCondLst>
+                                            <p:cond delay="0"/>
+                                          </p:stCondLst>
+                                        </p:cTn>
+                                        <p:tgtEl>
+                                          <p:spTgt spid="3"/>
+                                        </p:tgtEl>
+                                        <p:attrNameLst>
+                                          <p:attrName>style.visibility</p:attrName>
+                                        </p:attrNameLst>
+                                      </p:cBhvr>
+                                      <p:to>
+                                        <p:strVal val="visible"/>
+                                      </p:to>
+                                    </p:set>
+                                  </p:childTnLst>
+                                </p:cTn>
+                              </p:par>
+                              <p:par>
+                                <p:cTn id="7" presetID="1" presetClass="entr" presetSubtype="0" fill="hold" grpId="0" nodeType="withEffect">
+                                  <p:stCondLst>
+                                    <p:cond delay="0"/>
+                                  </p:stCondLst>
+                                  <p:childTnLst>
+                                    <p:set>
+                                      <p:cBhvr>
+                                        <p:cTn id="8" dur="1" fill="hold">
+                                          <p:stCondLst>
+                                            <p:cond delay="0"/>
+                                          </p:stCondLst>
+                                        </p:cTn>
+                                        <p:tgtEl>
+                                          <p:spTgt spid="9"/>
+                                        </p:tgtEl>
+                                        <p:attrNameLst>
+                                          <p:attrName>style.visibility</p:attrName>
+                                        </p:attrNameLst>
+                                      </p:cBhvr>
+                                      <p:to>
+                                        <p:strVal val="visible"/>
+                                      </p:to>
+                                    </p:set>
+                                  </p:childTnLst>
+                                </p:cTn>
+                              </p:par>
+                              <p:par>
+                                <p:cTn id="9" presetID="1" presetClass="entr" presetSubtype="0" fill="hold" nodeType="withEffect">
+                                  <p:stCondLst>
+                                    <p:cond delay="0"/>
+                                  </p:stCondLst>
+                                  <p:childTnLst>
+                                    <p:set>
+                                      <p:cBhvr>
+                                        <p:cTn id="10" dur="1" fill="hold">
+                                          <p:stCondLst>
+                                            <p:cond delay="0"/>
+                                          </p:stCondLst>
+                                        </p:cTn>
+                                        <p:tgtEl>
+                                          <p:spTgt spid="5"/>
+                                        </p:tgtEl>
+                                        <p:attrNameLst>
+                                          <p:attrName>style.visibility</p:attrName>
+                                        </p:attrNameLst>
+                                      </p:cBhvr>
+                                      <p:to>
+                                        <p:strVal val="visible"/>
+                                      </p:to>
+                                    </p:set>
+                                  </p:childTnLst>
+                                </p:cTn>
+                              </p:par>
+                            </p:childTnLst>
+                          </p:cTn>
+                        </p:par>
+                      </p:childTnLst>
+                    </p:cTn>
+                  </p:par>
+                  <p:par>
+                    <p:cTn id="11" fill="hold">
+                      <p:stCondLst>
+                        <p:cond delay="indefinite"/>
+                      </p:stCondLst>
+                      <p:childTnLst>
+                        <p:par>
+                          <p:cTn id="12" fill="hold">
+                            <p:stCondLst>
+                              <p:cond delay="0"/>
+                            </p:stCondLst>
+                            <p:childTnLst>
+                              <p:par>
+                                <p:cTn id="13" presetID="1" presetClass="entr" presetSubtype="0" fill="hold" nodeType="clickEffect">
+                                  <p:stCondLst>
+                                    <p:cond delay="0"/>
+                                  </p:stCondLst>
+                                  <p:childTnLst>
+                                    <p:set>
+                                      <p:cBhvr>
+                                        <p:cTn id="14" dur="1" fill="hold">
+                                          <p:stCondLst>
+                                            <p:cond delay="0"/>
+                                          </p:stCondLst>
+                                        </p:cTn>
+                                        <p:tgtEl>
+                                          <p:spTgt spid="22">
+                                            <p:txEl>
+                                              <p:pRg st="0" end="0"/>
+                                            </p:txEl>
+                                          </p:spTgt>
+                                        </p:tgtEl>
+                                        <p:attrNameLst>
+                                          <p:attrName>style.visibility</p:attrName>
+                                        </p:attrNameLst>
+                                      </p:cBhvr>
+                                      <p:to>
+                                        <p:strVal val="visible"/>
+                                      </p:to>
+                                    </p:set>
+                                  </p:childTnLst>
+                                </p:cTn>
+                              </p:par>
+                            </p:childTnLst>
+                          </p:cTn>
+                        </p:par>
+                      </p:childTnLst>
+                    </p:cTn>
+                  </p:par>
+                  <p:par>
+                    <p:cTn id="15" fill="hold">
+                      <p:stCondLst>
+                        <p:cond delay="indefinite"/>
+                      </p:stCondLst>
+                      <p:childTnLst>
+                        <p:par>
+                          <p:cTn id="16" fill="hold">
+                            <p:stCondLst>
+                              <p:cond delay="0"/>
+                            </p:stCondLst>
+                            <p:childTnLst>
+                              <p:par>
+                                <p:cTn id="17" presetID="1" presetClass="entr" presetSubtype="0" fill="hold" nodeType="clickEffect">
+                                  <p:stCondLst>
+                                    <p:cond delay="0"/>
+                                  </p:stCondLst>
+                                  <p:childTnLst>
+                                    <p:set>
+                                      <p:cBhvr>
+                                        <p:cTn id="18" dur="1" fill="hold">
+                                          <p:stCondLst>
+                                            <p:cond delay="0"/>
+                                          </p:stCondLst>
+                                        </p:cTn>
+                                        <p:tgtEl>
+                                          <p:spTgt spid="22">
+                                            <p:txEl>
+                                              <p:pRg st="1" end="1"/>
+                                            </p:txEl>
+                                          </p:spTgt>
+                                        </p:tgtEl>
+                                        <p:attrNameLst>
+                                          <p:attrName>style.visibility</p:attrName>
+                                        </p:attrNameLst>
+                                      </p:cBhvr>
+                                      <p:to>
+                                        <p:strVal val="visible"/>
+                                      </p:to>
+                                    </p:set>
+                                  </p:childTnLst>
+                                </p:cTn>
+                              </p:par>
+                            </p:childTnLst>
+                          </p:cTn>
+                        </p:par>
+                      </p:childTnLst>
+                    </p:cTn>
+                  </p:par>
+                  <p:par>
+                    <p:cTn id="19" fill="hold">
+                      <p:stCondLst>
+                        <p:cond delay="indefinite"/>
+                      </p:stCondLst>
+                      <p:childTnLst>
+                        <p:par>
+                          <p:cTn id="20" fill="hold">
+                            <p:stCondLst>
+                              <p:cond delay="0"/>
+                            </p:stCondLst>
+                            <p:childTnLst>
+                              <p:par>
+                                <p:cTn id="21" presetID="1" presetClass="entr" presetSubtype="0" fill="hold" nodeType="clickEffect">
+                                  <p:stCondLst>
+                                    <p:cond delay="0"/>
+                                  </p:stCondLst>
+                                  <p:childTnLst>
+                                    <p:set>
+                                      <p:cBhvr>
+                                        <p:cTn id="22" dur="1" fill="hold">
+                                          <p:stCondLst>
+                                            <p:cond delay="0"/>
+                                          </p:stCondLst>
+                                        </p:cTn>
+                                        <p:tgtEl>
+                                          <p:spTgt spid="22">
+                                            <p:txEl>
+                                              <p:pRg st="2" end="2"/>
+                                            </p:txEl>
+                                          </p:spTgt>
+                                        </p:tgtEl>
+                                        <p:attrNameLst>
+                                          <p:attrName>style.visibility</p:attrName>
+                                        </p:attrNameLst>
+                                      </p:cBhvr>
+                                      <p:to>
+                                        <p:strVal val="visible"/>
+                                      </p:to>
+                                    </p:set>
+                                  </p:childTnLst>
+                                </p:cTn>
+                              </p:par>
+                              <p:par>
+                                <p:cTn id="23" presetID="1" presetClass="entr" presetSubtype="0" fill="hold" nodeType="withEffect">
+                                  <p:stCondLst>
+                                    <p:cond delay="0"/>
+                                  </p:stCondLst>
+                                  <p:childTnLst>
+                                    <p:set>
+                                      <p:cBhvr>
+                                        <p:cTn id="24" dur="1" fill="hold">
+                                          <p:stCondLst>
+                                            <p:cond delay="0"/>
+                                          </p:stCondLst>
+                                        </p:cTn>
+                                        <p:tgtEl>
+                                          <p:spTgt spid="22">
+                                            <p:txEl>
+                                              <p:pRg st="3" end="3"/>
+                                            </p:txEl>
+                                          </p:spTgt>
+                                        </p:tgtEl>
+                                        <p:attrNameLst>
+                                          <p:attrName>style.visibility</p:attrName>
+                                        </p:attrNameLst>
+                                      </p:cBhvr>
+                                      <p:to>
+                                        <p:strVal val="visible"/>
+                                      </p:to>
+                                    </p:set>
+                                  </p:childTnLst>
+                                </p:cTn>
+                              </p:par>
+                              <p:par>
+                                <p:cTn id="25" presetID="1" presetClass="entr" presetSubtype="0" fill="hold" nodeType="withEffect">
+                                  <p:stCondLst>
+                                    <p:cond delay="0"/>
+                                  </p:stCondLst>
+                                  <p:childTnLst>
+                                    <p:set>
+                                      <p:cBhvr>
+                                        <p:cTn id="26" dur="1" fill="hold">
+                                          <p:stCondLst>
+                                            <p:cond delay="0"/>
+                                          </p:stCondLst>
+                                        </p:cTn>
+                                        <p:tgtEl>
+                                          <p:spTgt spid="22">
+                                            <p:txEl>
+                                              <p:pRg st="4" end="4"/>
+                                            </p:txEl>
+                                          </p:spTgt>
+                                        </p:tgtEl>
+                                        <p:attrNameLst>
+                                          <p:attrName>style.visibility</p:attrName>
+                                        </p:attrNameLst>
+                                      </p:cBhvr>
+                                      <p:to>
+                                        <p:strVal val="visible"/>
+                                      </p:to>
+                                    </p:set>
+                                  </p:childTnLst>
+                                </p:cTn>
+                              </p:par>
+                            </p:childTnLst>
+                          </p:cTn>
+                        </p:par>
+                      </p:childTnLst>
+                    </p:cTn>
+                  </p:par>
+                </p:childTnLst>
+              </p:cTn>
+              <p:prevCondLst>
+                <p:cond evt="onPrev" delay="0">
+                  <p:tgtEl>
+                    <p:sldTgt/>
+                  </p:tgtEl>
+                </p:cond>
+              </p:prevCondLst>
+              <p:nextCondLst>
+                <p:cond evt="onNext" delay="0">
+                  <p:tgtEl>
+                    <p:sldTgt/>
+                  </p:tgtEl>
+                </p:cond>
+              </p:nextCondLst>
+            </p:seq>
+          </p:childTnLst>
+        </p:cTn>
+      </p:par>
+    </p:tnLst>
+    <p:bldLst>
+      <p:bldP spid="9" grpId="0" animBg="1"/>
+    </p:bldLst>
+  </p:timing>
+</p:sld>
+</file>
+
+<file path=ppt/slides/slide17.xml><?xml version="1.0" encoding="utf-8"?>
+<p:sld xmlns:a="http://schemas.openxmlformats.org/drawingml/2006/main" xmlns:r="http://schemas.openxmlformats.org/officeDocument/2006/relationships" xmlns:p="http://schemas.openxmlformats.org/presentationml/2006/main">
+  <p:cSld>
+    <p:spTree>
+      <p:nvGrpSpPr>
+        <p:cNvPr id="1" name=""/>
+        <p:cNvGrpSpPr/>
+        <p:nvPr/>
+      </p:nvGrpSpPr>
+      <p:grpSpPr>
+        <a:xfrm>
+          <a:off x="0" y="0"/>
+          <a:ext cx="0" cy="0"/>
+          <a:chOff x="0" y="0"/>
+          <a:chExt cx="0" cy="0"/>
+        </a:xfrm>
+      </p:grpSpPr>
+      <p:sp>
+        <p:nvSpPr>
+          <p:cNvPr id="20" name="Rectangle 19">
+            <a:extLst>
+              <a:ext uri="{FF2B5EF4-FFF2-40B4-BE49-F238E27FC236}">
+                <a16:creationId xmlns:a16="http://schemas.microsoft.com/office/drawing/2014/main" id="{BA5B51F8-C6A3-457F-8D51-2646A1CF0752}"/>
+              </a:ext>
+            </a:extLst>
+          </p:cNvPr>
+          <p:cNvSpPr/>
+          <p:nvPr/>
+        </p:nvSpPr>
+        <p:spPr>
+          <a:xfrm>
+            <a:off x="0" y="5237922"/>
+            <a:ext cx="1789043" cy="1620078"/>
+          </a:xfrm>
+          <a:prstGeom prst="rect">
+            <a:avLst/>
+          </a:prstGeom>
+          <a:ln>
+            <a:solidFill>
+              <a:schemeClr val="tx1"/>
+            </a:solidFill>
+          </a:ln>
+        </p:spPr>
+        <p:style>
+          <a:lnRef idx="2">
+            <a:schemeClr val="dk1">
+              <a:shade val="50000"/>
+            </a:schemeClr>
+          </a:lnRef>
+          <a:fillRef idx="1">
+            <a:schemeClr val="dk1"/>
+          </a:fillRef>
+          <a:effectRef idx="0">
+            <a:schemeClr val="dk1"/>
+          </a:effectRef>
+          <a:fontRef idx="minor">
+            <a:schemeClr val="lt1"/>
+          </a:fontRef>
+        </p:style>
+        <p:txBody>
+          <a:bodyPr rtlCol="0" anchor="ctr"/>
+          <a:lstStyle/>
+          <a:p>
+            <a:pPr algn="ctr"/>
+            <a:endParaRPr lang="en-US"/>
+          </a:p>
+        </p:txBody>
+      </p:sp>
+      <p:sp>
+        <p:nvSpPr>
+          <p:cNvPr id="11" name="Title 10">
+            <a:extLst>
+              <a:ext uri="{FF2B5EF4-FFF2-40B4-BE49-F238E27FC236}">
+                <a16:creationId xmlns:a16="http://schemas.microsoft.com/office/drawing/2014/main" id="{010FB232-4CB4-C34D-A688-C51B6E7CD2CF}"/>
+              </a:ext>
+            </a:extLst>
+          </p:cNvPr>
+          <p:cNvSpPr>
+            <a:spLocks noGrp="1"/>
+          </p:cNvSpPr>
+          <p:nvPr>
+            <p:ph type="title"/>
+          </p:nvPr>
+        </p:nvSpPr>
+        <p:spPr>
+          <a:xfrm>
+            <a:off x="80455" y="10128"/>
+            <a:ext cx="11031682" cy="799025"/>
+          </a:xfrm>
+        </p:spPr>
+        <p:txBody>
+          <a:bodyPr>
+            <a:normAutofit/>
+          </a:bodyPr>
+          <a:lstStyle/>
+          <a:p>
+            <a:r>
+              <a:rPr lang="en-US" sz="3800" dirty="0">
+                <a:latin typeface="Century" panose="02040604050505020304" pitchFamily="18" charset="0"/>
+                <a:cs typeface="Times New Roman" panose="02020603050405020304" pitchFamily="18" charset="0"/>
+              </a:rPr>
+              <a:t>Pivot Table       			</a:t>
+            </a:r>
+            <a:r>
+              <a:rPr lang="en-US" sz="3000" dirty="0">
+                <a:latin typeface="Century" panose="02040604050505020304" pitchFamily="18" charset="0"/>
+                <a:cs typeface="Times New Roman" panose="02020603050405020304" pitchFamily="18" charset="0"/>
+              </a:rPr>
+              <a:t>Collaborative Based</a:t>
+            </a:r>
+          </a:p>
+        </p:txBody>
+      </p:sp>
+      <p:sp>
+        <p:nvSpPr>
+          <p:cNvPr id="7" name="TextBox 6"/>
+          <p:cNvSpPr txBox="1"/>
+          <p:nvPr/>
+        </p:nvSpPr>
+        <p:spPr>
+          <a:xfrm>
+            <a:off x="11112137" y="6400800"/>
+            <a:ext cx="945762" cy="338554"/>
+          </a:xfrm>
+          <a:prstGeom prst="rect">
+            <a:avLst/>
+          </a:prstGeom>
+          <a:noFill/>
+        </p:spPr>
+        <p:txBody>
+          <a:bodyPr wrap="square" rtlCol="0">
+            <a:spAutoFit/>
+          </a:bodyPr>
+          <a:lstStyle/>
+          <a:p>
+            <a:r>
+              <a:rPr lang="en-US" sz="1600" b="1" dirty="0">
+                <a:solidFill>
+                  <a:schemeClr val="bg1"/>
+                </a:solidFill>
+              </a:rPr>
+              <a:t>Slide 16</a:t>
+            </a:r>
+          </a:p>
+        </p:txBody>
+      </p:sp>
+      <p:pic>
+        <p:nvPicPr>
+          <p:cNvPr id="4" name="Picture 3">
+            <a:extLst>
+              <a:ext uri="{FF2B5EF4-FFF2-40B4-BE49-F238E27FC236}">
+                <a16:creationId xmlns:a16="http://schemas.microsoft.com/office/drawing/2014/main" id="{90F9A125-A1CE-4D15-9D51-08AFC3F0F755}"/>
+              </a:ext>
+            </a:extLst>
+          </p:cNvPr>
+          <p:cNvPicPr>
+            <a:picLocks noChangeAspect="1"/>
+          </p:cNvPicPr>
+          <p:nvPr/>
+        </p:nvPicPr>
+        <p:blipFill>
+          <a:blip r:embed="rId2"/>
+          <a:stretch>
+            <a:fillRect/>
+          </a:stretch>
+        </p:blipFill>
+        <p:spPr>
+          <a:xfrm>
+            <a:off x="1173438" y="1466200"/>
+            <a:ext cx="9533069" cy="1187548"/>
+          </a:xfrm>
+          <a:prstGeom prst="rect">
+            <a:avLst/>
+          </a:prstGeom>
+        </p:spPr>
+      </p:pic>
+      <p:sp>
+        <p:nvSpPr>
+          <p:cNvPr id="12" name="TextBox 11">
+            <a:extLst>
+              <a:ext uri="{FF2B5EF4-FFF2-40B4-BE49-F238E27FC236}">
+                <a16:creationId xmlns:a16="http://schemas.microsoft.com/office/drawing/2014/main" id="{820016FE-15D1-4CB0-BFCB-01F38680333E}"/>
+              </a:ext>
+            </a:extLst>
+          </p:cNvPr>
+          <p:cNvSpPr txBox="1"/>
+          <p:nvPr/>
+        </p:nvSpPr>
+        <p:spPr>
+          <a:xfrm>
+            <a:off x="3886200" y="937621"/>
+            <a:ext cx="3367835" cy="523220"/>
+          </a:xfrm>
+          <a:prstGeom prst="rect">
+            <a:avLst/>
+          </a:prstGeom>
+          <a:noFill/>
+        </p:spPr>
+        <p:txBody>
+          <a:bodyPr wrap="square" rtlCol="0">
+            <a:spAutoFit/>
+          </a:bodyPr>
+          <a:lstStyle/>
+          <a:p>
+            <a:r>
+              <a:rPr lang="en-US" sz="2800" dirty="0">
+                <a:solidFill>
+                  <a:schemeClr val="bg1"/>
+                </a:solidFill>
+              </a:rPr>
+              <a:t>Generate Pivot Table</a:t>
+            </a:r>
+          </a:p>
+        </p:txBody>
+      </p:sp>
+      <p:pic>
+        <p:nvPicPr>
+          <p:cNvPr id="8" name="Picture 7">
+            <a:extLst>
+              <a:ext uri="{FF2B5EF4-FFF2-40B4-BE49-F238E27FC236}">
+                <a16:creationId xmlns:a16="http://schemas.microsoft.com/office/drawing/2014/main" id="{A8619237-6F1B-4E9E-B773-767E5CE50CE5}"/>
+              </a:ext>
+            </a:extLst>
+          </p:cNvPr>
+          <p:cNvPicPr>
+            <a:picLocks noChangeAspect="1"/>
+          </p:cNvPicPr>
+          <p:nvPr/>
+        </p:nvPicPr>
+        <p:blipFill>
+          <a:blip r:embed="rId3"/>
+          <a:stretch>
+            <a:fillRect/>
+          </a:stretch>
+        </p:blipFill>
+        <p:spPr>
+          <a:xfrm>
+            <a:off x="1534659" y="4204253"/>
+            <a:ext cx="8810625" cy="1905000"/>
+          </a:xfrm>
+          <a:prstGeom prst="rect">
+            <a:avLst/>
+          </a:prstGeom>
+        </p:spPr>
+      </p:pic>
+      <p:sp>
+        <p:nvSpPr>
+          <p:cNvPr id="14" name="TextBox 13">
+            <a:extLst>
+              <a:ext uri="{FF2B5EF4-FFF2-40B4-BE49-F238E27FC236}">
+                <a16:creationId xmlns:a16="http://schemas.microsoft.com/office/drawing/2014/main" id="{CDA1F34A-2045-45A3-A476-8031C2E4DAC6}"/>
+              </a:ext>
+            </a:extLst>
+          </p:cNvPr>
+          <p:cNvSpPr txBox="1"/>
+          <p:nvPr/>
+        </p:nvSpPr>
+        <p:spPr>
+          <a:xfrm>
+            <a:off x="4574384" y="3549988"/>
+            <a:ext cx="1991465" cy="523220"/>
+          </a:xfrm>
+          <a:prstGeom prst="rect">
+            <a:avLst/>
+          </a:prstGeom>
+          <a:noFill/>
+        </p:spPr>
+        <p:txBody>
+          <a:bodyPr wrap="square" rtlCol="0">
+            <a:spAutoFit/>
+          </a:bodyPr>
+          <a:lstStyle/>
+          <a:p>
+            <a:r>
+              <a:rPr lang="en-US" sz="2800" dirty="0">
+                <a:solidFill>
+                  <a:schemeClr val="bg1"/>
+                </a:solidFill>
+              </a:rPr>
+              <a:t>Pivot Table</a:t>
+            </a:r>
+          </a:p>
+        </p:txBody>
+      </p:sp>
+    </p:spTree>
+    <p:extLst>
+      <p:ext uri="{BB962C8B-B14F-4D97-AF65-F5344CB8AC3E}">
+        <p14:creationId xmlns:p14="http://schemas.microsoft.com/office/powerpoint/2010/main" val="3690162485"/>
+      </p:ext>
+    </p:extLst>
+  </p:cSld>
+  <p:clrMapOvr>
+    <a:masterClrMapping/>
+  </p:clrMapOvr>
+  <p:timing>
+    <p:tnLst>
+      <p:par>
+        <p:cTn id="1" dur="indefinite" restart="never" nodeType="tmRoot">
+          <p:childTnLst>
+            <p:seq concurrent="1" nextAc="seek">
+              <p:cTn id="2" dur="indefinite" nodeType="mainSeq">
+                <p:childTnLst>
+                  <p:par>
+                    <p:cTn id="3" fill="hold">
+                      <p:stCondLst>
+                        <p:cond delay="indefinite"/>
+                      </p:stCondLst>
+                      <p:childTnLst>
+                        <p:par>
+                          <p:cTn id="4" fill="hold">
+                            <p:stCondLst>
+                              <p:cond delay="0"/>
+                            </p:stCondLst>
+                            <p:childTnLst>
+                              <p:par>
+                                <p:cTn id="5" presetID="1" presetClass="entr" presetSubtype="0" fill="hold" grpId="0" nodeType="clickEffect">
+                                  <p:stCondLst>
+                                    <p:cond delay="0"/>
+                                  </p:stCondLst>
+                                  <p:childTnLst>
+                                    <p:set>
+                                      <p:cBhvr>
+                                        <p:cTn id="6" dur="1" fill="hold">
+                                          <p:stCondLst>
+                                            <p:cond delay="0"/>
+                                          </p:stCondLst>
+                                        </p:cTn>
+                                        <p:tgtEl>
+                                          <p:spTgt spid="12"/>
+                                        </p:tgtEl>
+                                        <p:attrNameLst>
+                                          <p:attrName>style.visibility</p:attrName>
+                                        </p:attrNameLst>
+                                      </p:cBhvr>
+                                      <p:to>
+                                        <p:strVal val="visible"/>
+                                      </p:to>
+                                    </p:set>
+                                  </p:childTnLst>
+                                </p:cTn>
+                              </p:par>
+                              <p:par>
+                                <p:cTn id="7" presetID="1" presetClass="entr" presetSubtype="0" fill="hold" nodeType="withEffect">
+                                  <p:stCondLst>
+                                    <p:cond delay="0"/>
+                                  </p:stCondLst>
+                                  <p:childTnLst>
+                                    <p:set>
+                                      <p:cBhvr>
+                                        <p:cTn id="8" dur="1" fill="hold">
+                                          <p:stCondLst>
+                                            <p:cond delay="0"/>
+                                          </p:stCondLst>
+                                        </p:cTn>
+                                        <p:tgtEl>
+                                          <p:spTgt spid="4"/>
+                                        </p:tgtEl>
+                                        <p:attrNameLst>
+                                          <p:attrName>style.visibility</p:attrName>
+                                        </p:attrNameLst>
+                                      </p:cBhvr>
+                                      <p:to>
+                                        <p:strVal val="visible"/>
+                                      </p:to>
+                                    </p:set>
+                                  </p:childTnLst>
+                                </p:cTn>
+                              </p:par>
+                            </p:childTnLst>
+                          </p:cTn>
+                        </p:par>
+                      </p:childTnLst>
+                    </p:cTn>
+                  </p:par>
+                  <p:par>
+                    <p:cTn id="9" fill="hold">
+                      <p:stCondLst>
+                        <p:cond delay="indefinite"/>
+                      </p:stCondLst>
+                      <p:childTnLst>
+                        <p:par>
+                          <p:cTn id="10" fill="hold">
+                            <p:stCondLst>
+                              <p:cond delay="0"/>
+                            </p:stCondLst>
+                            <p:childTnLst>
+                              <p:par>
+                                <p:cTn id="11" presetID="1" presetClass="entr" presetSubtype="0" fill="hold" grpId="0" nodeType="clickEffect">
+                                  <p:stCondLst>
+                                    <p:cond delay="0"/>
+                                  </p:stCondLst>
+                                  <p:childTnLst>
+                                    <p:set>
+                                      <p:cBhvr>
+                                        <p:cTn id="12" dur="1" fill="hold">
+                                          <p:stCondLst>
+                                            <p:cond delay="0"/>
+                                          </p:stCondLst>
+                                        </p:cTn>
+                                        <p:tgtEl>
+                                          <p:spTgt spid="14"/>
+                                        </p:tgtEl>
+                                        <p:attrNameLst>
+                                          <p:attrName>style.visibility</p:attrName>
+                                        </p:attrNameLst>
+                                      </p:cBhvr>
+                                      <p:to>
+                                        <p:strVal val="visible"/>
+                                      </p:to>
+                                    </p:set>
+                                  </p:childTnLst>
+                                </p:cTn>
+                              </p:par>
+                              <p:par>
+                                <p:cTn id="13" presetID="1" presetClass="entr" presetSubtype="0" fill="hold" nodeType="withEffect">
+                                  <p:stCondLst>
+                                    <p:cond delay="0"/>
+                                  </p:stCondLst>
+                                  <p:childTnLst>
+                                    <p:set>
+                                      <p:cBhvr>
+                                        <p:cTn id="14" dur="1" fill="hold">
+                                          <p:stCondLst>
+                                            <p:cond delay="0"/>
+                                          </p:stCondLst>
+                                        </p:cTn>
+                                        <p:tgtEl>
+                                          <p:spTgt spid="8"/>
+                                        </p:tgtEl>
+                                        <p:attrNameLst>
+                                          <p:attrName>style.visibility</p:attrName>
+                                        </p:attrNameLst>
+                                      </p:cBhvr>
+                                      <p:to>
+                                        <p:strVal val="visible"/>
+                                      </p:to>
+                                    </p:set>
+                                  </p:childTnLst>
+                                </p:cTn>
+                              </p:par>
+                            </p:childTnLst>
+                          </p:cTn>
+                        </p:par>
+                      </p:childTnLst>
+                    </p:cTn>
+                  </p:par>
+                </p:childTnLst>
+              </p:cTn>
+              <p:prevCondLst>
+                <p:cond evt="onPrev" delay="0">
+                  <p:tgtEl>
+                    <p:sldTgt/>
+                  </p:tgtEl>
+                </p:cond>
+              </p:prevCondLst>
+              <p:nextCondLst>
+                <p:cond evt="onNext" delay="0">
+                  <p:tgtEl>
+                    <p:sldTgt/>
+                  </p:tgtEl>
+                </p:cond>
+              </p:nextCondLst>
+            </p:seq>
+          </p:childTnLst>
+        </p:cTn>
+      </p:par>
+    </p:tnLst>
+    <p:bldLst>
+      <p:bldP spid="12" grpId="0"/>
+      <p:bldP spid="14" grpId="0"/>
+    </p:bldLst>
   </p:timing>
 </p:sld>
 </file>

--- a/Movie Recommendation Systems.pptx
+++ b/Movie Recommendation Systems.pptx
@@ -5,7 +5,7 @@
     <p:sldMasterId id="2147483648" r:id="rId1"/>
   </p:sldMasterIdLst>
   <p:notesMasterIdLst>
-    <p:notesMasterId r:id="rId19"/>
+    <p:notesMasterId r:id="rId20"/>
   </p:notesMasterIdLst>
   <p:sldIdLst>
     <p:sldId id="256" r:id="rId2"/>
@@ -25,6 +25,7 @@
     <p:sldId id="305" r:id="rId16"/>
     <p:sldId id="306" r:id="rId17"/>
     <p:sldId id="307" r:id="rId18"/>
+    <p:sldId id="308" r:id="rId19"/>
   </p:sldIdLst>
   <p:sldSz cx="12192000" cy="6858000"/>
   <p:notesSz cx="6858000" cy="9144000"/>
@@ -12456,6 +12457,953 @@
       <p:bldP spid="12" grpId="0"/>
       <p:bldP spid="14" grpId="0"/>
     </p:bldLst>
+  </p:timing>
+</p:sld>
+</file>
+
+<file path=ppt/slides/slide18.xml><?xml version="1.0" encoding="utf-8"?>
+<p:sld xmlns:a="http://schemas.openxmlformats.org/drawingml/2006/main" xmlns:r="http://schemas.openxmlformats.org/officeDocument/2006/relationships" xmlns:p="http://schemas.openxmlformats.org/presentationml/2006/main">
+  <p:cSld>
+    <p:spTree>
+      <p:nvGrpSpPr>
+        <p:cNvPr id="1" name=""/>
+        <p:cNvGrpSpPr/>
+        <p:nvPr/>
+      </p:nvGrpSpPr>
+      <p:grpSpPr>
+        <a:xfrm>
+          <a:off x="0" y="0"/>
+          <a:ext cx="0" cy="0"/>
+          <a:chOff x="0" y="0"/>
+          <a:chExt cx="0" cy="0"/>
+        </a:xfrm>
+      </p:grpSpPr>
+      <p:sp>
+        <p:nvSpPr>
+          <p:cNvPr id="20" name="Rectangle 19">
+            <a:extLst>
+              <a:ext uri="{FF2B5EF4-FFF2-40B4-BE49-F238E27FC236}">
+                <a16:creationId xmlns:a16="http://schemas.microsoft.com/office/drawing/2014/main" id="{BA5B51F8-C6A3-457F-8D51-2646A1CF0752}"/>
+              </a:ext>
+            </a:extLst>
+          </p:cNvPr>
+          <p:cNvSpPr/>
+          <p:nvPr/>
+        </p:nvSpPr>
+        <p:spPr>
+          <a:xfrm>
+            <a:off x="0" y="5237922"/>
+            <a:ext cx="1789043" cy="1620078"/>
+          </a:xfrm>
+          <a:prstGeom prst="rect">
+            <a:avLst/>
+          </a:prstGeom>
+          <a:ln>
+            <a:solidFill>
+              <a:schemeClr val="tx1"/>
+            </a:solidFill>
+          </a:ln>
+        </p:spPr>
+        <p:style>
+          <a:lnRef idx="2">
+            <a:schemeClr val="dk1">
+              <a:shade val="50000"/>
+            </a:schemeClr>
+          </a:lnRef>
+          <a:fillRef idx="1">
+            <a:schemeClr val="dk1"/>
+          </a:fillRef>
+          <a:effectRef idx="0">
+            <a:schemeClr val="dk1"/>
+          </a:effectRef>
+          <a:fontRef idx="minor">
+            <a:schemeClr val="lt1"/>
+          </a:fontRef>
+        </p:style>
+        <p:txBody>
+          <a:bodyPr rtlCol="0" anchor="ctr"/>
+          <a:lstStyle/>
+          <a:p>
+            <a:pPr algn="ctr"/>
+            <a:endParaRPr lang="en-US"/>
+          </a:p>
+        </p:txBody>
+      </p:sp>
+      <p:sp>
+        <p:nvSpPr>
+          <p:cNvPr id="11" name="Title 10">
+            <a:extLst>
+              <a:ext uri="{FF2B5EF4-FFF2-40B4-BE49-F238E27FC236}">
+                <a16:creationId xmlns:a16="http://schemas.microsoft.com/office/drawing/2014/main" id="{010FB232-4CB4-C34D-A688-C51B6E7CD2CF}"/>
+              </a:ext>
+            </a:extLst>
+          </p:cNvPr>
+          <p:cNvSpPr>
+            <a:spLocks noGrp="1"/>
+          </p:cNvSpPr>
+          <p:nvPr>
+            <p:ph type="title"/>
+          </p:nvPr>
+        </p:nvSpPr>
+        <p:spPr>
+          <a:xfrm>
+            <a:off x="80455" y="10128"/>
+            <a:ext cx="11031682" cy="799025"/>
+          </a:xfrm>
+        </p:spPr>
+        <p:txBody>
+          <a:bodyPr>
+            <a:normAutofit/>
+          </a:bodyPr>
+          <a:lstStyle/>
+          <a:p>
+            <a:r>
+              <a:rPr lang="en-US" sz="3800" dirty="0">
+                <a:latin typeface="Century" panose="02040604050505020304" pitchFamily="18" charset="0"/>
+                <a:cs typeface="Times New Roman" panose="02020603050405020304" pitchFamily="18" charset="0"/>
+              </a:rPr>
+              <a:t>Conclusions       			</a:t>
+            </a:r>
+            <a:endParaRPr lang="en-US" sz="3000" dirty="0">
+              <a:latin typeface="Century" panose="02040604050505020304" pitchFamily="18" charset="0"/>
+              <a:cs typeface="Times New Roman" panose="02020603050405020304" pitchFamily="18" charset="0"/>
+            </a:endParaRPr>
+          </a:p>
+        </p:txBody>
+      </p:sp>
+      <p:sp>
+        <p:nvSpPr>
+          <p:cNvPr id="7" name="TextBox 6"/>
+          <p:cNvSpPr txBox="1"/>
+          <p:nvPr/>
+        </p:nvSpPr>
+        <p:spPr>
+          <a:xfrm>
+            <a:off x="11112137" y="6400800"/>
+            <a:ext cx="945762" cy="338554"/>
+          </a:xfrm>
+          <a:prstGeom prst="rect">
+            <a:avLst/>
+          </a:prstGeom>
+          <a:noFill/>
+        </p:spPr>
+        <p:txBody>
+          <a:bodyPr wrap="square" rtlCol="0">
+            <a:spAutoFit/>
+          </a:bodyPr>
+          <a:lstStyle/>
+          <a:p>
+            <a:r>
+              <a:rPr lang="en-US" sz="1600" b="1" dirty="0">
+                <a:solidFill>
+                  <a:schemeClr val="bg1"/>
+                </a:solidFill>
+              </a:rPr>
+              <a:t>Slide 16</a:t>
+            </a:r>
+          </a:p>
+        </p:txBody>
+      </p:sp>
+      <p:sp>
+        <p:nvSpPr>
+          <p:cNvPr id="9" name="Content Placeholder 17">
+            <a:extLst>
+              <a:ext uri="{FF2B5EF4-FFF2-40B4-BE49-F238E27FC236}">
+                <a16:creationId xmlns:a16="http://schemas.microsoft.com/office/drawing/2014/main" id="{78DA40A4-00A8-44BC-9359-A9A5D4FC8D65}"/>
+              </a:ext>
+            </a:extLst>
+          </p:cNvPr>
+          <p:cNvSpPr txBox="1">
+            <a:spLocks/>
+          </p:cNvSpPr>
+          <p:nvPr/>
+        </p:nvSpPr>
+        <p:spPr>
+          <a:xfrm>
+            <a:off x="229542" y="1290040"/>
+            <a:ext cx="11598023" cy="4683377"/>
+          </a:xfrm>
+          <a:prstGeom prst="rect">
+            <a:avLst/>
+          </a:prstGeom>
+        </p:spPr>
+        <p:txBody>
+          <a:bodyPr vert="horz" lIns="91440" tIns="45720" rIns="91440" bIns="45720" rtlCol="0">
+            <a:normAutofit/>
+          </a:bodyPr>
+          <a:lstStyle>
+            <a:lvl1pPr marL="228600" indent="-228600" algn="l" defTabSz="914400" rtl="0" eaLnBrk="1" latinLnBrk="0" hangingPunct="1">
+              <a:lnSpc>
+                <a:spcPct val="90000"/>
+              </a:lnSpc>
+              <a:spcBef>
+                <a:spcPts val="1000"/>
+              </a:spcBef>
+              <a:buFont typeface="Arial" panose="020B0604020202020204" pitchFamily="34" charset="0"/>
+              <a:buChar char="•"/>
+              <a:defRPr sz="2800" kern="1200">
+                <a:solidFill>
+                  <a:schemeClr val="tx1"/>
+                </a:solidFill>
+                <a:latin typeface="+mn-lt"/>
+                <a:ea typeface="+mn-ea"/>
+                <a:cs typeface="+mn-cs"/>
+              </a:defRPr>
+            </a:lvl1pPr>
+            <a:lvl2pPr marL="685800" indent="-228600" algn="l" defTabSz="914400" rtl="0" eaLnBrk="1" latinLnBrk="0" hangingPunct="1">
+              <a:lnSpc>
+                <a:spcPct val="90000"/>
+              </a:lnSpc>
+              <a:spcBef>
+                <a:spcPts val="500"/>
+              </a:spcBef>
+              <a:buFont typeface="Arial" panose="020B0604020202020204" pitchFamily="34" charset="0"/>
+              <a:buChar char="•"/>
+              <a:defRPr sz="2400" kern="1200">
+                <a:solidFill>
+                  <a:schemeClr val="tx1"/>
+                </a:solidFill>
+                <a:latin typeface="+mn-lt"/>
+                <a:ea typeface="+mn-ea"/>
+                <a:cs typeface="+mn-cs"/>
+              </a:defRPr>
+            </a:lvl2pPr>
+            <a:lvl3pPr marL="1143000" indent="-228600" algn="l" defTabSz="914400" rtl="0" eaLnBrk="1" latinLnBrk="0" hangingPunct="1">
+              <a:lnSpc>
+                <a:spcPct val="90000"/>
+              </a:lnSpc>
+              <a:spcBef>
+                <a:spcPts val="500"/>
+              </a:spcBef>
+              <a:buFont typeface="Arial" panose="020B0604020202020204" pitchFamily="34" charset="0"/>
+              <a:buChar char="•"/>
+              <a:defRPr sz="2000" kern="1200">
+                <a:solidFill>
+                  <a:schemeClr val="tx1"/>
+                </a:solidFill>
+                <a:latin typeface="+mn-lt"/>
+                <a:ea typeface="+mn-ea"/>
+                <a:cs typeface="+mn-cs"/>
+              </a:defRPr>
+            </a:lvl3pPr>
+            <a:lvl4pPr marL="1600200" indent="-228600" algn="l" defTabSz="914400" rtl="0" eaLnBrk="1" latinLnBrk="0" hangingPunct="1">
+              <a:lnSpc>
+                <a:spcPct val="90000"/>
+              </a:lnSpc>
+              <a:spcBef>
+                <a:spcPts val="500"/>
+              </a:spcBef>
+              <a:buFont typeface="Arial" panose="020B0604020202020204" pitchFamily="34" charset="0"/>
+              <a:buChar char="•"/>
+              <a:defRPr sz="1800" kern="1200">
+                <a:solidFill>
+                  <a:schemeClr val="tx1"/>
+                </a:solidFill>
+                <a:latin typeface="+mn-lt"/>
+                <a:ea typeface="+mn-ea"/>
+                <a:cs typeface="+mn-cs"/>
+              </a:defRPr>
+            </a:lvl4pPr>
+            <a:lvl5pPr marL="2057400" indent="-228600" algn="l" defTabSz="914400" rtl="0" eaLnBrk="1" latinLnBrk="0" hangingPunct="1">
+              <a:lnSpc>
+                <a:spcPct val="90000"/>
+              </a:lnSpc>
+              <a:spcBef>
+                <a:spcPts val="500"/>
+              </a:spcBef>
+              <a:buFont typeface="Arial" panose="020B0604020202020204" pitchFamily="34" charset="0"/>
+              <a:buChar char="•"/>
+              <a:defRPr sz="1800" kern="1200">
+                <a:solidFill>
+                  <a:schemeClr val="tx1"/>
+                </a:solidFill>
+                <a:latin typeface="+mn-lt"/>
+                <a:ea typeface="+mn-ea"/>
+                <a:cs typeface="+mn-cs"/>
+              </a:defRPr>
+            </a:lvl5pPr>
+            <a:lvl6pPr marL="2514600" indent="-228600" algn="l" defTabSz="914400" rtl="0" eaLnBrk="1" latinLnBrk="0" hangingPunct="1">
+              <a:lnSpc>
+                <a:spcPct val="90000"/>
+              </a:lnSpc>
+              <a:spcBef>
+                <a:spcPts val="500"/>
+              </a:spcBef>
+              <a:buFont typeface="Arial" panose="020B0604020202020204" pitchFamily="34" charset="0"/>
+              <a:buChar char="•"/>
+              <a:defRPr sz="1800" kern="1200">
+                <a:solidFill>
+                  <a:schemeClr val="tx1"/>
+                </a:solidFill>
+                <a:latin typeface="+mn-lt"/>
+                <a:ea typeface="+mn-ea"/>
+                <a:cs typeface="+mn-cs"/>
+              </a:defRPr>
+            </a:lvl6pPr>
+            <a:lvl7pPr marL="2971800" indent="-228600" algn="l" defTabSz="914400" rtl="0" eaLnBrk="1" latinLnBrk="0" hangingPunct="1">
+              <a:lnSpc>
+                <a:spcPct val="90000"/>
+              </a:lnSpc>
+              <a:spcBef>
+                <a:spcPts val="500"/>
+              </a:spcBef>
+              <a:buFont typeface="Arial" panose="020B0604020202020204" pitchFamily="34" charset="0"/>
+              <a:buChar char="•"/>
+              <a:defRPr sz="1800" kern="1200">
+                <a:solidFill>
+                  <a:schemeClr val="tx1"/>
+                </a:solidFill>
+                <a:latin typeface="+mn-lt"/>
+                <a:ea typeface="+mn-ea"/>
+                <a:cs typeface="+mn-cs"/>
+              </a:defRPr>
+            </a:lvl7pPr>
+            <a:lvl8pPr marL="3429000" indent="-228600" algn="l" defTabSz="914400" rtl="0" eaLnBrk="1" latinLnBrk="0" hangingPunct="1">
+              <a:lnSpc>
+                <a:spcPct val="90000"/>
+              </a:lnSpc>
+              <a:spcBef>
+                <a:spcPts val="500"/>
+              </a:spcBef>
+              <a:buFont typeface="Arial" panose="020B0604020202020204" pitchFamily="34" charset="0"/>
+              <a:buChar char="•"/>
+              <a:defRPr sz="1800" kern="1200">
+                <a:solidFill>
+                  <a:schemeClr val="tx1"/>
+                </a:solidFill>
+                <a:latin typeface="+mn-lt"/>
+                <a:ea typeface="+mn-ea"/>
+                <a:cs typeface="+mn-cs"/>
+              </a:defRPr>
+            </a:lvl8pPr>
+            <a:lvl9pPr marL="3886200" indent="-228600" algn="l" defTabSz="914400" rtl="0" eaLnBrk="1" latinLnBrk="0" hangingPunct="1">
+              <a:lnSpc>
+                <a:spcPct val="90000"/>
+              </a:lnSpc>
+              <a:spcBef>
+                <a:spcPts val="500"/>
+              </a:spcBef>
+              <a:buFont typeface="Arial" panose="020B0604020202020204" pitchFamily="34" charset="0"/>
+              <a:buChar char="•"/>
+              <a:defRPr sz="1800" kern="1200">
+                <a:solidFill>
+                  <a:schemeClr val="tx1"/>
+                </a:solidFill>
+                <a:latin typeface="+mn-lt"/>
+                <a:ea typeface="+mn-ea"/>
+                <a:cs typeface="+mn-cs"/>
+              </a:defRPr>
+            </a:lvl9pPr>
+          </a:lstStyle>
+          <a:p>
+            <a:pPr marL="0" indent="0">
+              <a:buNone/>
+            </a:pPr>
+            <a:r>
+              <a:rPr lang="en-US" b="1" u="sng" dirty="0">
+                <a:solidFill>
+                  <a:schemeClr val="bg1"/>
+                </a:solidFill>
+              </a:rPr>
+              <a:t>Content Based Recommendation System</a:t>
+            </a:r>
+          </a:p>
+          <a:p>
+            <a:r>
+              <a:rPr lang="en-US" sz="2400" dirty="0">
+                <a:solidFill>
+                  <a:schemeClr val="bg1"/>
+                </a:solidFill>
+              </a:rPr>
+              <a:t>Overall effective system at recommending movies solely on content</a:t>
+            </a:r>
+          </a:p>
+          <a:p>
+            <a:r>
+              <a:rPr lang="en-US" sz="2400" dirty="0">
+                <a:solidFill>
+                  <a:schemeClr val="bg1"/>
+                </a:solidFill>
+              </a:rPr>
+              <a:t>Many limitations:</a:t>
+            </a:r>
+          </a:p>
+          <a:p>
+            <a:pPr lvl="1"/>
+            <a:r>
+              <a:rPr lang="en-US" sz="2000" dirty="0">
+                <a:solidFill>
+                  <a:schemeClr val="bg1"/>
+                </a:solidFill>
+              </a:rPr>
+              <a:t>Lack of movies (number and only goes up to 2017)</a:t>
+            </a:r>
+          </a:p>
+          <a:p>
+            <a:pPr lvl="1"/>
+            <a:r>
+              <a:rPr lang="en-US" sz="2000" dirty="0">
+                <a:solidFill>
+                  <a:schemeClr val="bg1"/>
+                </a:solidFill>
+              </a:rPr>
+              <a:t>User preferences not considered </a:t>
+            </a:r>
+          </a:p>
+          <a:p>
+            <a:pPr lvl="1"/>
+            <a:r>
+              <a:rPr lang="en-US" sz="2000" dirty="0">
+                <a:solidFill>
+                  <a:schemeClr val="bg1"/>
+                </a:solidFill>
+              </a:rPr>
+              <a:t>Popularity not consider</a:t>
+            </a:r>
+          </a:p>
+          <a:p>
+            <a:pPr lvl="1"/>
+            <a:endParaRPr lang="en-US" sz="2000" dirty="0">
+              <a:solidFill>
+                <a:schemeClr val="bg1"/>
+              </a:solidFill>
+            </a:endParaRPr>
+          </a:p>
+          <a:p>
+            <a:pPr marL="0" indent="0">
+              <a:buNone/>
+            </a:pPr>
+            <a:r>
+              <a:rPr lang="en-US" b="1" u="sng" dirty="0">
+                <a:solidFill>
+                  <a:schemeClr val="bg1"/>
+                </a:solidFill>
+              </a:rPr>
+              <a:t>Collaborative Based Recommendation System</a:t>
+            </a:r>
+          </a:p>
+          <a:p>
+            <a:r>
+              <a:rPr lang="en-US" sz="2400" dirty="0">
+                <a:solidFill>
+                  <a:schemeClr val="bg1"/>
+                </a:solidFill>
+              </a:rPr>
+              <a:t>Unfortunately, I was unable to finish this recommendation system</a:t>
+            </a:r>
+          </a:p>
+          <a:p>
+            <a:r>
+              <a:rPr lang="en-US" sz="2400" dirty="0">
+                <a:solidFill>
+                  <a:schemeClr val="bg1"/>
+                </a:solidFill>
+              </a:rPr>
+              <a:t>I was able to clean the data, and create pivot tables so this code can be used as a starting point for future projects</a:t>
+            </a:r>
+          </a:p>
+          <a:p>
+            <a:pPr marL="0" indent="0">
+              <a:buNone/>
+            </a:pPr>
+            <a:endParaRPr lang="en-US" sz="2400" b="1" u="sng" dirty="0">
+              <a:solidFill>
+                <a:schemeClr val="bg1"/>
+              </a:solidFill>
+            </a:endParaRPr>
+          </a:p>
+          <a:p>
+            <a:pPr marL="0" indent="0">
+              <a:buNone/>
+            </a:pPr>
+            <a:endParaRPr lang="en-US" sz="2400" dirty="0">
+              <a:solidFill>
+                <a:schemeClr val="bg1"/>
+              </a:solidFill>
+            </a:endParaRPr>
+          </a:p>
+        </p:txBody>
+      </p:sp>
+    </p:spTree>
+    <p:extLst>
+      <p:ext uri="{BB962C8B-B14F-4D97-AF65-F5344CB8AC3E}">
+        <p14:creationId xmlns:p14="http://schemas.microsoft.com/office/powerpoint/2010/main" val="1898468581"/>
+      </p:ext>
+    </p:extLst>
+  </p:cSld>
+  <p:clrMapOvr>
+    <a:masterClrMapping/>
+  </p:clrMapOvr>
+  <p:timing>
+    <p:tnLst>
+      <p:par>
+        <p:cTn id="1" dur="indefinite" restart="never" nodeType="tmRoot">
+          <p:childTnLst>
+            <p:seq concurrent="1" nextAc="seek">
+              <p:cTn id="2" dur="indefinite" nodeType="mainSeq">
+                <p:childTnLst>
+                  <p:par>
+                    <p:cTn id="3" fill="hold">
+                      <p:stCondLst>
+                        <p:cond delay="indefinite"/>
+                      </p:stCondLst>
+                      <p:childTnLst>
+                        <p:par>
+                          <p:cTn id="4" fill="hold">
+                            <p:stCondLst>
+                              <p:cond delay="0"/>
+                            </p:stCondLst>
+                            <p:childTnLst>
+                              <p:par>
+                                <p:cTn id="5" presetID="1" presetClass="entr" presetSubtype="0" fill="hold" nodeType="clickEffect">
+                                  <p:stCondLst>
+                                    <p:cond delay="0"/>
+                                  </p:stCondLst>
+                                  <p:childTnLst>
+                                    <p:set>
+                                      <p:cBhvr>
+                                        <p:cTn id="6" dur="1" fill="hold">
+                                          <p:stCondLst>
+                                            <p:cond delay="0"/>
+                                          </p:stCondLst>
+                                        </p:cTn>
+                                        <p:tgtEl>
+                                          <p:spTgt spid="9">
+                                            <p:txEl>
+                                              <p:pRg st="0" end="0"/>
+                                            </p:txEl>
+                                          </p:spTgt>
+                                        </p:tgtEl>
+                                        <p:attrNameLst>
+                                          <p:attrName>style.visibility</p:attrName>
+                                        </p:attrNameLst>
+                                      </p:cBhvr>
+                                      <p:to>
+                                        <p:strVal val="visible"/>
+                                      </p:to>
+                                    </p:set>
+                                  </p:childTnLst>
+                                </p:cTn>
+                              </p:par>
+                            </p:childTnLst>
+                          </p:cTn>
+                        </p:par>
+                      </p:childTnLst>
+                    </p:cTn>
+                  </p:par>
+                  <p:par>
+                    <p:cTn id="7" fill="hold">
+                      <p:stCondLst>
+                        <p:cond delay="indefinite"/>
+                      </p:stCondLst>
+                      <p:childTnLst>
+                        <p:par>
+                          <p:cTn id="8" fill="hold">
+                            <p:stCondLst>
+                              <p:cond delay="0"/>
+                            </p:stCondLst>
+                            <p:childTnLst>
+                              <p:par>
+                                <p:cTn id="9" presetID="1" presetClass="entr" presetSubtype="0" fill="hold" nodeType="clickEffect">
+                                  <p:stCondLst>
+                                    <p:cond delay="0"/>
+                                  </p:stCondLst>
+                                  <p:childTnLst>
+                                    <p:set>
+                                      <p:cBhvr>
+                                        <p:cTn id="10" dur="1" fill="hold">
+                                          <p:stCondLst>
+                                            <p:cond delay="0"/>
+                                          </p:stCondLst>
+                                        </p:cTn>
+                                        <p:tgtEl>
+                                          <p:spTgt spid="9">
+                                            <p:txEl>
+                                              <p:pRg st="1" end="1"/>
+                                            </p:txEl>
+                                          </p:spTgt>
+                                        </p:tgtEl>
+                                        <p:attrNameLst>
+                                          <p:attrName>style.visibility</p:attrName>
+                                        </p:attrNameLst>
+                                      </p:cBhvr>
+                                      <p:to>
+                                        <p:strVal val="visible"/>
+                                      </p:to>
+                                    </p:set>
+                                  </p:childTnLst>
+                                </p:cTn>
+                              </p:par>
+                            </p:childTnLst>
+                          </p:cTn>
+                        </p:par>
+                      </p:childTnLst>
+                    </p:cTn>
+                  </p:par>
+                  <p:par>
+                    <p:cTn id="11" fill="hold">
+                      <p:stCondLst>
+                        <p:cond delay="indefinite"/>
+                      </p:stCondLst>
+                      <p:childTnLst>
+                        <p:par>
+                          <p:cTn id="12" fill="hold">
+                            <p:stCondLst>
+                              <p:cond delay="0"/>
+                            </p:stCondLst>
+                            <p:childTnLst>
+                              <p:par>
+                                <p:cTn id="13" presetID="1" presetClass="entr" presetSubtype="0" fill="hold" nodeType="clickEffect">
+                                  <p:stCondLst>
+                                    <p:cond delay="0"/>
+                                  </p:stCondLst>
+                                  <p:childTnLst>
+                                    <p:set>
+                                      <p:cBhvr>
+                                        <p:cTn id="14" dur="1" fill="hold">
+                                          <p:stCondLst>
+                                            <p:cond delay="0"/>
+                                          </p:stCondLst>
+                                        </p:cTn>
+                                        <p:tgtEl>
+                                          <p:spTgt spid="9">
+                                            <p:txEl>
+                                              <p:pRg st="2" end="2"/>
+                                            </p:txEl>
+                                          </p:spTgt>
+                                        </p:tgtEl>
+                                        <p:attrNameLst>
+                                          <p:attrName>style.visibility</p:attrName>
+                                        </p:attrNameLst>
+                                      </p:cBhvr>
+                                      <p:to>
+                                        <p:strVal val="visible"/>
+                                      </p:to>
+                                    </p:set>
+                                  </p:childTnLst>
+                                </p:cTn>
+                              </p:par>
+                            </p:childTnLst>
+                          </p:cTn>
+                        </p:par>
+                      </p:childTnLst>
+                    </p:cTn>
+                  </p:par>
+                  <p:par>
+                    <p:cTn id="15" fill="hold">
+                      <p:stCondLst>
+                        <p:cond delay="indefinite"/>
+                      </p:stCondLst>
+                      <p:childTnLst>
+                        <p:par>
+                          <p:cTn id="16" fill="hold">
+                            <p:stCondLst>
+                              <p:cond delay="0"/>
+                            </p:stCondLst>
+                            <p:childTnLst>
+                              <p:par>
+                                <p:cTn id="17" presetID="1" presetClass="entr" presetSubtype="0" fill="hold" nodeType="clickEffect">
+                                  <p:stCondLst>
+                                    <p:cond delay="0"/>
+                                  </p:stCondLst>
+                                  <p:childTnLst>
+                                    <p:set>
+                                      <p:cBhvr>
+                                        <p:cTn id="18" dur="1" fill="hold">
+                                          <p:stCondLst>
+                                            <p:cond delay="0"/>
+                                          </p:stCondLst>
+                                        </p:cTn>
+                                        <p:tgtEl>
+                                          <p:spTgt spid="9">
+                                            <p:txEl>
+                                              <p:pRg st="3" end="3"/>
+                                            </p:txEl>
+                                          </p:spTgt>
+                                        </p:tgtEl>
+                                        <p:attrNameLst>
+                                          <p:attrName>style.visibility</p:attrName>
+                                        </p:attrNameLst>
+                                      </p:cBhvr>
+                                      <p:to>
+                                        <p:strVal val="visible"/>
+                                      </p:to>
+                                    </p:set>
+                                  </p:childTnLst>
+                                </p:cTn>
+                              </p:par>
+                            </p:childTnLst>
+                          </p:cTn>
+                        </p:par>
+                      </p:childTnLst>
+                    </p:cTn>
+                  </p:par>
+                  <p:par>
+                    <p:cTn id="19" fill="hold">
+                      <p:stCondLst>
+                        <p:cond delay="indefinite"/>
+                      </p:stCondLst>
+                      <p:childTnLst>
+                        <p:par>
+                          <p:cTn id="20" fill="hold">
+                            <p:stCondLst>
+                              <p:cond delay="0"/>
+                            </p:stCondLst>
+                            <p:childTnLst>
+                              <p:par>
+                                <p:cTn id="21" presetID="1" presetClass="entr" presetSubtype="0" fill="hold" nodeType="clickEffect">
+                                  <p:stCondLst>
+                                    <p:cond delay="0"/>
+                                  </p:stCondLst>
+                                  <p:childTnLst>
+                                    <p:set>
+                                      <p:cBhvr>
+                                        <p:cTn id="22" dur="1" fill="hold">
+                                          <p:stCondLst>
+                                            <p:cond delay="0"/>
+                                          </p:stCondLst>
+                                        </p:cTn>
+                                        <p:tgtEl>
+                                          <p:spTgt spid="9">
+                                            <p:txEl>
+                                              <p:pRg st="4" end="4"/>
+                                            </p:txEl>
+                                          </p:spTgt>
+                                        </p:tgtEl>
+                                        <p:attrNameLst>
+                                          <p:attrName>style.visibility</p:attrName>
+                                        </p:attrNameLst>
+                                      </p:cBhvr>
+                                      <p:to>
+                                        <p:strVal val="visible"/>
+                                      </p:to>
+                                    </p:set>
+                                  </p:childTnLst>
+                                </p:cTn>
+                              </p:par>
+                            </p:childTnLst>
+                          </p:cTn>
+                        </p:par>
+                      </p:childTnLst>
+                    </p:cTn>
+                  </p:par>
+                  <p:par>
+                    <p:cTn id="23" fill="hold">
+                      <p:stCondLst>
+                        <p:cond delay="indefinite"/>
+                      </p:stCondLst>
+                      <p:childTnLst>
+                        <p:par>
+                          <p:cTn id="24" fill="hold">
+                            <p:stCondLst>
+                              <p:cond delay="0"/>
+                            </p:stCondLst>
+                            <p:childTnLst>
+                              <p:par>
+                                <p:cTn id="25" presetID="1" presetClass="entr" presetSubtype="0" fill="hold" nodeType="clickEffect">
+                                  <p:stCondLst>
+                                    <p:cond delay="0"/>
+                                  </p:stCondLst>
+                                  <p:childTnLst>
+                                    <p:set>
+                                      <p:cBhvr>
+                                        <p:cTn id="26" dur="1" fill="hold">
+                                          <p:stCondLst>
+                                            <p:cond delay="0"/>
+                                          </p:stCondLst>
+                                        </p:cTn>
+                                        <p:tgtEl>
+                                          <p:spTgt spid="9">
+                                            <p:txEl>
+                                              <p:pRg st="5" end="5"/>
+                                            </p:txEl>
+                                          </p:spTgt>
+                                        </p:tgtEl>
+                                        <p:attrNameLst>
+                                          <p:attrName>style.visibility</p:attrName>
+                                        </p:attrNameLst>
+                                      </p:cBhvr>
+                                      <p:to>
+                                        <p:strVal val="visible"/>
+                                      </p:to>
+                                    </p:set>
+                                  </p:childTnLst>
+                                </p:cTn>
+                              </p:par>
+                            </p:childTnLst>
+                          </p:cTn>
+                        </p:par>
+                      </p:childTnLst>
+                    </p:cTn>
+                  </p:par>
+                  <p:par>
+                    <p:cTn id="27" fill="hold">
+                      <p:stCondLst>
+                        <p:cond delay="indefinite"/>
+                      </p:stCondLst>
+                      <p:childTnLst>
+                        <p:par>
+                          <p:cTn id="28" fill="hold">
+                            <p:stCondLst>
+                              <p:cond delay="0"/>
+                            </p:stCondLst>
+                            <p:childTnLst>
+                              <p:par>
+                                <p:cTn id="29" presetID="1" presetClass="entr" presetSubtype="0" fill="hold" nodeType="clickEffect">
+                                  <p:stCondLst>
+                                    <p:cond delay="0"/>
+                                  </p:stCondLst>
+                                  <p:childTnLst>
+                                    <p:set>
+                                      <p:cBhvr>
+                                        <p:cTn id="30" dur="1" fill="hold">
+                                          <p:stCondLst>
+                                            <p:cond delay="0"/>
+                                          </p:stCondLst>
+                                        </p:cTn>
+                                        <p:tgtEl>
+                                          <p:spTgt spid="9">
+                                            <p:txEl>
+                                              <p:pRg st="7" end="7"/>
+                                            </p:txEl>
+                                          </p:spTgt>
+                                        </p:tgtEl>
+                                        <p:attrNameLst>
+                                          <p:attrName>style.visibility</p:attrName>
+                                        </p:attrNameLst>
+                                      </p:cBhvr>
+                                      <p:to>
+                                        <p:strVal val="visible"/>
+                                      </p:to>
+                                    </p:set>
+                                  </p:childTnLst>
+                                </p:cTn>
+                              </p:par>
+                            </p:childTnLst>
+                          </p:cTn>
+                        </p:par>
+                      </p:childTnLst>
+                    </p:cTn>
+                  </p:par>
+                  <p:par>
+                    <p:cTn id="31" fill="hold">
+                      <p:stCondLst>
+                        <p:cond delay="indefinite"/>
+                      </p:stCondLst>
+                      <p:childTnLst>
+                        <p:par>
+                          <p:cTn id="32" fill="hold">
+                            <p:stCondLst>
+                              <p:cond delay="0"/>
+                            </p:stCondLst>
+                            <p:childTnLst>
+                              <p:par>
+                                <p:cTn id="33" presetID="1" presetClass="entr" presetSubtype="0" fill="hold" nodeType="clickEffect">
+                                  <p:stCondLst>
+                                    <p:cond delay="0"/>
+                                  </p:stCondLst>
+                                  <p:childTnLst>
+                                    <p:set>
+                                      <p:cBhvr>
+                                        <p:cTn id="34" dur="1" fill="hold">
+                                          <p:stCondLst>
+                                            <p:cond delay="0"/>
+                                          </p:stCondLst>
+                                        </p:cTn>
+                                        <p:tgtEl>
+                                          <p:spTgt spid="9">
+                                            <p:txEl>
+                                              <p:pRg st="8" end="8"/>
+                                            </p:txEl>
+                                          </p:spTgt>
+                                        </p:tgtEl>
+                                        <p:attrNameLst>
+                                          <p:attrName>style.visibility</p:attrName>
+                                        </p:attrNameLst>
+                                      </p:cBhvr>
+                                      <p:to>
+                                        <p:strVal val="visible"/>
+                                      </p:to>
+                                    </p:set>
+                                  </p:childTnLst>
+                                </p:cTn>
+                              </p:par>
+                            </p:childTnLst>
+                          </p:cTn>
+                        </p:par>
+                      </p:childTnLst>
+                    </p:cTn>
+                  </p:par>
+                  <p:par>
+                    <p:cTn id="35" fill="hold">
+                      <p:stCondLst>
+                        <p:cond delay="indefinite"/>
+                      </p:stCondLst>
+                      <p:childTnLst>
+                        <p:par>
+                          <p:cTn id="36" fill="hold">
+                            <p:stCondLst>
+                              <p:cond delay="0"/>
+                            </p:stCondLst>
+                            <p:childTnLst>
+                              <p:par>
+                                <p:cTn id="37" presetID="1" presetClass="entr" presetSubtype="0" fill="hold" nodeType="clickEffect">
+                                  <p:stCondLst>
+                                    <p:cond delay="0"/>
+                                  </p:stCondLst>
+                                  <p:childTnLst>
+                                    <p:set>
+                                      <p:cBhvr>
+                                        <p:cTn id="38" dur="1" fill="hold">
+                                          <p:stCondLst>
+                                            <p:cond delay="0"/>
+                                          </p:stCondLst>
+                                        </p:cTn>
+                                        <p:tgtEl>
+                                          <p:spTgt spid="9">
+                                            <p:txEl>
+                                              <p:pRg st="9" end="9"/>
+                                            </p:txEl>
+                                          </p:spTgt>
+                                        </p:tgtEl>
+                                        <p:attrNameLst>
+                                          <p:attrName>style.visibility</p:attrName>
+                                        </p:attrNameLst>
+                                      </p:cBhvr>
+                                      <p:to>
+                                        <p:strVal val="visible"/>
+                                      </p:to>
+                                    </p:set>
+                                  </p:childTnLst>
+                                </p:cTn>
+                              </p:par>
+                            </p:childTnLst>
+                          </p:cTn>
+                        </p:par>
+                      </p:childTnLst>
+                    </p:cTn>
+                  </p:par>
+                </p:childTnLst>
+              </p:cTn>
+              <p:prevCondLst>
+                <p:cond evt="onPrev" delay="0">
+                  <p:tgtEl>
+                    <p:sldTgt/>
+                  </p:tgtEl>
+                </p:cond>
+              </p:prevCondLst>
+              <p:nextCondLst>
+                <p:cond evt="onNext" delay="0">
+                  <p:tgtEl>
+                    <p:sldTgt/>
+                  </p:tgtEl>
+                </p:cond>
+              </p:nextCondLst>
+            </p:seq>
+          </p:childTnLst>
+        </p:cTn>
+      </p:par>
+    </p:tnLst>
   </p:timing>
 </p:sld>
 </file>

--- a/Movie Recommendation Systems.pptx
+++ b/Movie Recommendation Systems.pptx
@@ -17292,7 +17292,7 @@
                 </a:solidFill>
                 <a:cs typeface="Arial" panose="020B0604020202020204" pitchFamily="34" charset="0"/>
               </a:rPr>
-              <a:t>Chelsea Lose Chelsea </a:t>
+              <a:t>London England London </a:t>
             </a:r>
             <a:r>
               <a:rPr lang="en-US" altLang="ja-JP" sz="2000" b="1" dirty="0">
@@ -17321,7 +17321,7 @@
                 </a:solidFill>
                 <a:cs typeface="Arial" panose="020B0604020202020204" pitchFamily="34" charset="0"/>
               </a:rPr>
-              <a:t>Lose Chelsea Lose</a:t>
+              <a:t>England London England</a:t>
             </a:r>
           </a:p>
           <a:p>
@@ -17350,7 +17350,25 @@
                 </a:solidFill>
                 <a:cs typeface="Arial" panose="020B0604020202020204" pitchFamily="34" charset="0"/>
               </a:rPr>
-              <a:t> and let's say Lose is X and Chelsea is Y it becomes </a:t>
+              <a:t> and let's say England is X </a:t>
+            </a:r>
+            <a:r>
+              <a:rPr lang="en-US" altLang="ja-JP" sz="2000">
+                <a:solidFill>
+                  <a:schemeClr val="bg1"/>
+                </a:solidFill>
+                <a:cs typeface="Arial" panose="020B0604020202020204" pitchFamily="34" charset="0"/>
+              </a:rPr>
+              <a:t>and London </a:t>
+            </a:r>
+            <a:r>
+              <a:rPr lang="en-US" altLang="ja-JP" sz="2000" dirty="0">
+                <a:solidFill>
+                  <a:schemeClr val="bg1"/>
+                </a:solidFill>
+                <a:cs typeface="Arial" panose="020B0604020202020204" pitchFamily="34" charset="0"/>
+              </a:rPr>
+              <a:t>is Y it becomes </a:t>
             </a:r>
           </a:p>
           <a:p>
